--- a/Documentation/PowerPoint/HammerjaegerGate02.pptx
+++ b/Documentation/PowerPoint/HammerjaegerGate02.pptx
@@ -3242,17 +3242,7 @@
                 <a:latin typeface="TeXGyreAdventor" pitchFamily="50" charset="0"/>
                 <a:cs typeface="Times New Roman" panose="02020603050405020304" pitchFamily="18" charset="0"/>
               </a:rPr>
-              <a:t>Hammer ON</a:t>
-            </a:r>
-            <a:r>
-              <a:rPr lang="de-DE" dirty="0" smtClean="0">
-                <a:solidFill>
-                  <a:schemeClr val="bg1"/>
-                </a:solidFill>
-                <a:latin typeface="TeXGyreAdventor" pitchFamily="50" charset="0"/>
-                <a:cs typeface="Times New Roman" panose="02020603050405020304" pitchFamily="18" charset="0"/>
-              </a:rPr>
-              <a:t>!</a:t>
+              <a:t>Hammer ON!</a:t>
             </a:r>
           </a:p>
           <a:p>
@@ -3829,12 +3819,6 @@
               </a:rPr>
               <a:t>Generator</a:t>
             </a:r>
-            <a:endParaRPr lang="de-DE" dirty="0" smtClean="0">
-              <a:solidFill>
-                <a:schemeClr val="bg1"/>
-              </a:solidFill>
-              <a:latin typeface="TeXGyreAdventor" pitchFamily="50" charset="0"/>
-            </a:endParaRPr>
           </a:p>
           <a:p>
             <a:endParaRPr lang="de-DE" dirty="0">
@@ -4330,7 +4314,35 @@
           </a:bodyPr>
           <a:lstStyle/>
           <a:p>
-            <a:pPr lvl="1"/>
+            <a:r>
+              <a:rPr lang="de-DE" dirty="0" smtClean="0">
+                <a:solidFill>
+                  <a:schemeClr val="bg1"/>
+                </a:solidFill>
+                <a:latin typeface="TeXGyreAdventor" pitchFamily="50" charset="0"/>
+              </a:rPr>
+              <a:t>Allgemeiner Feinschliff</a:t>
+            </a:r>
+          </a:p>
+          <a:p>
+            <a:r>
+              <a:rPr lang="de-DE" dirty="0" smtClean="0">
+                <a:solidFill>
+                  <a:schemeClr val="bg1"/>
+                </a:solidFill>
+                <a:latin typeface="TeXGyreAdventor" pitchFamily="50" charset="0"/>
+              </a:rPr>
+              <a:t>Animation zu Beat </a:t>
+            </a:r>
+            <a:r>
+              <a:rPr lang="de-DE" dirty="0" err="1" smtClean="0">
+                <a:solidFill>
+                  <a:schemeClr val="bg1"/>
+                </a:solidFill>
+                <a:latin typeface="TeXGyreAdventor" pitchFamily="50" charset="0"/>
+              </a:rPr>
+              <a:t>Rythmus</a:t>
+            </a:r>
             <a:endParaRPr lang="de-DE" dirty="0">
               <a:solidFill>
                 <a:schemeClr val="bg1"/>
@@ -4371,15 +4383,10 @@
                             </p:stCondLst>
                             <p:childTnLst>
                               <p:par>
-                                <p:cTn id="5" presetID="10" presetClass="entr" presetSubtype="0" fill="hold" grpId="0" nodeType="clickEffect" nodePh="1">
+                                <p:cTn id="5" presetID="10" presetClass="entr" presetSubtype="0" fill="hold" grpId="0" nodeType="clickEffect">
                                   <p:stCondLst>
                                     <p:cond delay="0"/>
                                   </p:stCondLst>
-                                  <p:endCondLst>
-                                    <p:cond evt="begin" delay="0">
-                                      <p:tn val="5"/>
-                                    </p:cond>
-                                  </p:endCondLst>
                                   <p:childTnLst>
                                     <p:set>
                                       <p:cBhvr>
@@ -4410,6 +4417,67 @@
                                           <p:spTgt spid="3">
                                             <p:txEl>
                                               <p:pRg st="0" end="0"/>
+                                            </p:txEl>
+                                          </p:spTgt>
+                                        </p:tgtEl>
+                                      </p:cBhvr>
+                                    </p:animEffect>
+                                  </p:childTnLst>
+                                </p:cTn>
+                              </p:par>
+                            </p:childTnLst>
+                          </p:cTn>
+                        </p:par>
+                      </p:childTnLst>
+                    </p:cTn>
+                  </p:par>
+                  <p:par>
+                    <p:cTn id="8" fill="hold">
+                      <p:stCondLst>
+                        <p:cond delay="indefinite"/>
+                      </p:stCondLst>
+                      <p:childTnLst>
+                        <p:par>
+                          <p:cTn id="9" fill="hold">
+                            <p:stCondLst>
+                              <p:cond delay="0"/>
+                            </p:stCondLst>
+                            <p:childTnLst>
+                              <p:par>
+                                <p:cTn id="10" presetID="10" presetClass="entr" presetSubtype="0" fill="hold" grpId="0" nodeType="clickEffect">
+                                  <p:stCondLst>
+                                    <p:cond delay="0"/>
+                                  </p:stCondLst>
+                                  <p:childTnLst>
+                                    <p:set>
+                                      <p:cBhvr>
+                                        <p:cTn id="11" dur="1" fill="hold">
+                                          <p:stCondLst>
+                                            <p:cond delay="0"/>
+                                          </p:stCondLst>
+                                        </p:cTn>
+                                        <p:tgtEl>
+                                          <p:spTgt spid="3">
+                                            <p:txEl>
+                                              <p:pRg st="1" end="1"/>
+                                            </p:txEl>
+                                          </p:spTgt>
+                                        </p:tgtEl>
+                                        <p:attrNameLst>
+                                          <p:attrName>style.visibility</p:attrName>
+                                        </p:attrNameLst>
+                                      </p:cBhvr>
+                                      <p:to>
+                                        <p:strVal val="visible"/>
+                                      </p:to>
+                                    </p:set>
+                                    <p:animEffect transition="in" filter="fade">
+                                      <p:cBhvr>
+                                        <p:cTn id="12" dur="500"/>
+                                        <p:tgtEl>
+                                          <p:spTgt spid="3">
+                                            <p:txEl>
+                                              <p:pRg st="1" end="1"/>
                                             </p:txEl>
                                           </p:spTgt>
                                         </p:tgtEl>
@@ -4971,12 +5039,6 @@
               </a:rPr>
               <a:t>Kisten</a:t>
             </a:r>
-            <a:endParaRPr lang="de-DE" dirty="0" smtClean="0">
-              <a:solidFill>
-                <a:schemeClr val="bg1"/>
-              </a:solidFill>
-              <a:latin typeface="TeXGyreAdventor" pitchFamily="50" charset="0"/>
-            </a:endParaRPr>
           </a:p>
           <a:p>
             <a:endParaRPr lang="de-DE" dirty="0">
@@ -5148,12 +5210,6 @@
               </a:rPr>
               <a:t>Kabel</a:t>
             </a:r>
-            <a:endParaRPr lang="de-DE" dirty="0" smtClean="0">
-              <a:solidFill>
-                <a:schemeClr val="bg1"/>
-              </a:solidFill>
-              <a:latin typeface="TeXGyreAdventor" pitchFamily="50" charset="0"/>
-            </a:endParaRPr>
           </a:p>
           <a:p>
             <a:pPr marL="0" indent="0">
@@ -5392,12 +5448,6 @@
               </a:rPr>
               <a:t>Soundtrack neu geschnitten</a:t>
             </a:r>
-            <a:endParaRPr lang="de-DE" dirty="0" smtClean="0">
-              <a:solidFill>
-                <a:schemeClr val="bg1"/>
-              </a:solidFill>
-              <a:latin typeface="TeXGyreAdventor" pitchFamily="50" charset="0"/>
-            </a:endParaRPr>
           </a:p>
           <a:p>
             <a:r>
@@ -6963,12 +7013,6 @@
               </a:rPr>
               <a:t>Todesanimation</a:t>
             </a:r>
-            <a:endParaRPr lang="de-DE" dirty="0" smtClean="0">
-              <a:solidFill>
-                <a:schemeClr val="bg1"/>
-              </a:solidFill>
-              <a:latin typeface="TeXGyreAdventor" pitchFamily="50" charset="0"/>
-            </a:endParaRPr>
           </a:p>
           <a:p>
             <a:endParaRPr lang="de-DE" dirty="0">
@@ -7424,12 +7468,6 @@
               </a:rPr>
               <a:t>Hintergrundtapete</a:t>
             </a:r>
-            <a:endParaRPr lang="de-DE" dirty="0" smtClean="0">
-              <a:solidFill>
-                <a:schemeClr val="bg1"/>
-              </a:solidFill>
-              <a:latin typeface="TeXGyreAdventor" pitchFamily="50" charset="0"/>
-            </a:endParaRPr>
           </a:p>
           <a:p>
             <a:endParaRPr lang="de-DE" dirty="0">

--- a/Documentation/PowerPoint/HammerjaegerGate02.pptx
+++ b/Documentation/PowerPoint/HammerjaegerGate02.pptx
@@ -13,12 +13,15 @@
     <p:sldId id="272" r:id="rId7"/>
     <p:sldId id="273" r:id="rId8"/>
     <p:sldId id="268" r:id="rId9"/>
-    <p:sldId id="269" r:id="rId10"/>
-    <p:sldId id="271" r:id="rId11"/>
-    <p:sldId id="270" r:id="rId12"/>
-    <p:sldId id="263" r:id="rId13"/>
-    <p:sldId id="274" r:id="rId14"/>
-    <p:sldId id="257" r:id="rId15"/>
+    <p:sldId id="277" r:id="rId10"/>
+    <p:sldId id="269" r:id="rId11"/>
+    <p:sldId id="271" r:id="rId12"/>
+    <p:sldId id="270" r:id="rId13"/>
+    <p:sldId id="263" r:id="rId14"/>
+    <p:sldId id="275" r:id="rId15"/>
+    <p:sldId id="276" r:id="rId16"/>
+    <p:sldId id="274" r:id="rId17"/>
+    <p:sldId id="257" r:id="rId18"/>
   </p:sldIdLst>
   <p:sldSz cx="9144000" cy="6858000" type="screen4x3"/>
   <p:notesSz cx="6858000" cy="9144000"/>
@@ -3391,34 +3394,16 @@
                 </a:solidFill>
                 <a:latin typeface="TeXGyreAdventor" pitchFamily="50" charset="0"/>
               </a:rPr>
-              <a:t>Trennwände</a:t>
-            </a:r>
-          </a:p>
-          <a:p>
-            <a:endParaRPr lang="de-DE" dirty="0" smtClean="0">
-              <a:solidFill>
-                <a:schemeClr val="bg1"/>
-              </a:solidFill>
-              <a:latin typeface="TeXGyreAdventor" pitchFamily="50" charset="0"/>
-            </a:endParaRPr>
-          </a:p>
-          <a:p>
-            <a:endParaRPr lang="de-DE" dirty="0">
-              <a:solidFill>
-                <a:schemeClr val="bg1"/>
-              </a:solidFill>
-              <a:latin typeface="TeXGyreAdventor" pitchFamily="50" charset="0"/>
-            </a:endParaRPr>
-          </a:p>
-          <a:p>
-            <a:r>
-              <a:rPr lang="de-DE" dirty="0">
+              <a:t>Boden </a:t>
+            </a:r>
+            <a:r>
+              <a:rPr lang="de-DE" dirty="0" err="1" smtClean="0">
                 <a:solidFill>
                   <a:schemeClr val="bg1"/>
                 </a:solidFill>
                 <a:latin typeface="TeXGyreAdventor" pitchFamily="50" charset="0"/>
               </a:rPr>
-              <a:t>Ausgänge</a:t>
+              <a:t>Tiles</a:t>
             </a:r>
             <a:endParaRPr lang="de-DE" dirty="0" smtClean="0">
               <a:solidFill>
@@ -3439,6 +3424,17 @@
             </a:endParaRPr>
           </a:p>
           <a:p>
+            <a:r>
+              <a:rPr lang="de-DE" dirty="0" smtClean="0">
+                <a:solidFill>
+                  <a:schemeClr val="bg1"/>
+                </a:solidFill>
+                <a:latin typeface="TeXGyreAdventor" pitchFamily="50" charset="0"/>
+              </a:rPr>
+              <a:t>Leitern</a:t>
+            </a:r>
+          </a:p>
+          <a:p>
             <a:endParaRPr lang="de-DE" dirty="0" smtClean="0">
               <a:solidFill>
                 <a:schemeClr val="bg1"/>
@@ -3447,6 +3443,17 @@
             </a:endParaRPr>
           </a:p>
           <a:p>
+            <a:r>
+              <a:rPr lang="de-DE" dirty="0" smtClean="0">
+                <a:solidFill>
+                  <a:schemeClr val="bg1"/>
+                </a:solidFill>
+                <a:latin typeface="TeXGyreAdventor" pitchFamily="50" charset="0"/>
+              </a:rPr>
+              <a:t>Hintergrundtapete</a:t>
+            </a:r>
+          </a:p>
+          <a:p>
             <a:endParaRPr lang="de-DE" dirty="0">
               <a:solidFill>
                 <a:schemeClr val="bg1"/>
@@ -3459,3575 +3466,7 @@
     </p:spTree>
     <p:extLst>
       <p:ext uri="{BB962C8B-B14F-4D97-AF65-F5344CB8AC3E}">
-        <p14:creationId xmlns:p14="http://schemas.microsoft.com/office/powerpoint/2010/main" val="4089725833"/>
-      </p:ext>
-    </p:extLst>
-  </p:cSld>
-  <p:clrMapOvr>
-    <a:masterClrMapping/>
-  </p:clrMapOvr>
-  <p:timing>
-    <p:tnLst>
-      <p:par>
-        <p:cTn id="1" dur="indefinite" restart="never" nodeType="tmRoot">
-          <p:childTnLst>
-            <p:seq concurrent="1" nextAc="seek">
-              <p:cTn id="2" dur="indefinite" nodeType="mainSeq">
-                <p:childTnLst>
-                  <p:par>
-                    <p:cTn id="3" fill="hold">
-                      <p:stCondLst>
-                        <p:cond delay="indefinite"/>
-                      </p:stCondLst>
-                      <p:childTnLst>
-                        <p:par>
-                          <p:cTn id="4" fill="hold">
-                            <p:stCondLst>
-                              <p:cond delay="0"/>
-                            </p:stCondLst>
-                            <p:childTnLst>
-                              <p:par>
-                                <p:cTn id="5" presetID="10" presetClass="entr" presetSubtype="0" fill="hold" grpId="0" nodeType="clickEffect">
-                                  <p:stCondLst>
-                                    <p:cond delay="0"/>
-                                  </p:stCondLst>
-                                  <p:childTnLst>
-                                    <p:set>
-                                      <p:cBhvr>
-                                        <p:cTn id="6" dur="1" fill="hold">
-                                          <p:stCondLst>
-                                            <p:cond delay="0"/>
-                                          </p:stCondLst>
-                                        </p:cTn>
-                                        <p:tgtEl>
-                                          <p:spTgt spid="3">
-                                            <p:txEl>
-                                              <p:pRg st="0" end="0"/>
-                                            </p:txEl>
-                                          </p:spTgt>
-                                        </p:tgtEl>
-                                        <p:attrNameLst>
-                                          <p:attrName>style.visibility</p:attrName>
-                                        </p:attrNameLst>
-                                      </p:cBhvr>
-                                      <p:to>
-                                        <p:strVal val="visible"/>
-                                      </p:to>
-                                    </p:set>
-                                    <p:animEffect transition="in" filter="fade">
-                                      <p:cBhvr>
-                                        <p:cTn id="7" dur="500"/>
-                                        <p:tgtEl>
-                                          <p:spTgt spid="3">
-                                            <p:txEl>
-                                              <p:pRg st="0" end="0"/>
-                                            </p:txEl>
-                                          </p:spTgt>
-                                        </p:tgtEl>
-                                      </p:cBhvr>
-                                    </p:animEffect>
-                                  </p:childTnLst>
-                                </p:cTn>
-                              </p:par>
-                            </p:childTnLst>
-                          </p:cTn>
-                        </p:par>
-                      </p:childTnLst>
-                    </p:cTn>
-                  </p:par>
-                  <p:par>
-                    <p:cTn id="8" fill="hold">
-                      <p:stCondLst>
-                        <p:cond delay="indefinite"/>
-                      </p:stCondLst>
-                      <p:childTnLst>
-                        <p:par>
-                          <p:cTn id="9" fill="hold">
-                            <p:stCondLst>
-                              <p:cond delay="0"/>
-                            </p:stCondLst>
-                            <p:childTnLst>
-                              <p:par>
-                                <p:cTn id="10" presetID="10" presetClass="entr" presetSubtype="0" fill="hold" grpId="0" nodeType="clickEffect">
-                                  <p:stCondLst>
-                                    <p:cond delay="0"/>
-                                  </p:stCondLst>
-                                  <p:childTnLst>
-                                    <p:set>
-                                      <p:cBhvr>
-                                        <p:cTn id="11" dur="1" fill="hold">
-                                          <p:stCondLst>
-                                            <p:cond delay="0"/>
-                                          </p:stCondLst>
-                                        </p:cTn>
-                                        <p:tgtEl>
-                                          <p:spTgt spid="3">
-                                            <p:txEl>
-                                              <p:pRg st="2" end="2"/>
-                                            </p:txEl>
-                                          </p:spTgt>
-                                        </p:tgtEl>
-                                        <p:attrNameLst>
-                                          <p:attrName>style.visibility</p:attrName>
-                                        </p:attrNameLst>
-                                      </p:cBhvr>
-                                      <p:to>
-                                        <p:strVal val="visible"/>
-                                      </p:to>
-                                    </p:set>
-                                    <p:animEffect transition="in" filter="fade">
-                                      <p:cBhvr>
-                                        <p:cTn id="12" dur="500"/>
-                                        <p:tgtEl>
-                                          <p:spTgt spid="3">
-                                            <p:txEl>
-                                              <p:pRg st="2" end="2"/>
-                                            </p:txEl>
-                                          </p:spTgt>
-                                        </p:tgtEl>
-                                      </p:cBhvr>
-                                    </p:animEffect>
-                                  </p:childTnLst>
-                                </p:cTn>
-                              </p:par>
-                            </p:childTnLst>
-                          </p:cTn>
-                        </p:par>
-                      </p:childTnLst>
-                    </p:cTn>
-                  </p:par>
-                  <p:par>
-                    <p:cTn id="13" fill="hold">
-                      <p:stCondLst>
-                        <p:cond delay="indefinite"/>
-                      </p:stCondLst>
-                      <p:childTnLst>
-                        <p:par>
-                          <p:cTn id="14" fill="hold">
-                            <p:stCondLst>
-                              <p:cond delay="0"/>
-                            </p:stCondLst>
-                            <p:childTnLst>
-                              <p:par>
-                                <p:cTn id="15" presetID="10" presetClass="entr" presetSubtype="0" fill="hold" grpId="0" nodeType="clickEffect">
-                                  <p:stCondLst>
-                                    <p:cond delay="0"/>
-                                  </p:stCondLst>
-                                  <p:childTnLst>
-                                    <p:set>
-                                      <p:cBhvr>
-                                        <p:cTn id="16" dur="1" fill="hold">
-                                          <p:stCondLst>
-                                            <p:cond delay="0"/>
-                                          </p:stCondLst>
-                                        </p:cTn>
-                                        <p:tgtEl>
-                                          <p:spTgt spid="3">
-                                            <p:txEl>
-                                              <p:pRg st="5" end="5"/>
-                                            </p:txEl>
-                                          </p:spTgt>
-                                        </p:tgtEl>
-                                        <p:attrNameLst>
-                                          <p:attrName>style.visibility</p:attrName>
-                                        </p:attrNameLst>
-                                      </p:cBhvr>
-                                      <p:to>
-                                        <p:strVal val="visible"/>
-                                      </p:to>
-                                    </p:set>
-                                    <p:animEffect transition="in" filter="fade">
-                                      <p:cBhvr>
-                                        <p:cTn id="17" dur="500"/>
-                                        <p:tgtEl>
-                                          <p:spTgt spid="3">
-                                            <p:txEl>
-                                              <p:pRg st="5" end="5"/>
-                                            </p:txEl>
-                                          </p:spTgt>
-                                        </p:tgtEl>
-                                      </p:cBhvr>
-                                    </p:animEffect>
-                                  </p:childTnLst>
-                                </p:cTn>
-                              </p:par>
-                            </p:childTnLst>
-                          </p:cTn>
-                        </p:par>
-                      </p:childTnLst>
-                    </p:cTn>
-                  </p:par>
-                </p:childTnLst>
-              </p:cTn>
-              <p:prevCondLst>
-                <p:cond evt="onPrev" delay="0">
-                  <p:tgtEl>
-                    <p:sldTgt/>
-                  </p:tgtEl>
-                </p:cond>
-              </p:prevCondLst>
-              <p:nextCondLst>
-                <p:cond evt="onNext" delay="0">
-                  <p:tgtEl>
-                    <p:sldTgt/>
-                  </p:tgtEl>
-                </p:cond>
-              </p:nextCondLst>
-            </p:seq>
-          </p:childTnLst>
-        </p:cTn>
-      </p:par>
-    </p:tnLst>
-    <p:bldLst>
-      <p:bldP spid="3" grpId="0" build="p"/>
-    </p:bldLst>
-  </p:timing>
-</p:sld>
-</file>
-
-<file path=ppt/slides/slide11.xml><?xml version="1.0" encoding="utf-8"?>
-<p:sld xmlns:a="http://schemas.openxmlformats.org/drawingml/2006/main" xmlns:r="http://schemas.openxmlformats.org/officeDocument/2006/relationships" xmlns:p="http://schemas.openxmlformats.org/presentationml/2006/main">
-  <p:cSld>
-    <p:spTree>
-      <p:nvGrpSpPr>
-        <p:cNvPr id="1" name=""/>
-        <p:cNvGrpSpPr/>
-        <p:nvPr/>
-      </p:nvGrpSpPr>
-      <p:grpSpPr>
-        <a:xfrm>
-          <a:off x="0" y="0"/>
-          <a:ext cx="0" cy="0"/>
-          <a:chOff x="0" y="0"/>
-          <a:chExt cx="0" cy="0"/>
-        </a:xfrm>
-      </p:grpSpPr>
-      <p:sp>
-        <p:nvSpPr>
-          <p:cNvPr id="2" name="Titel 1"/>
-          <p:cNvSpPr>
-            <a:spLocks noGrp="1"/>
-          </p:cNvSpPr>
-          <p:nvPr>
-            <p:ph type="title"/>
-          </p:nvPr>
-        </p:nvSpPr>
-        <p:spPr/>
-        <p:txBody>
-          <a:bodyPr/>
-          <a:lstStyle/>
-          <a:p>
-            <a:r>
-              <a:rPr lang="de-DE" b="1" dirty="0" smtClean="0">
-                <a:solidFill>
-                  <a:schemeClr val="bg1"/>
-                </a:solidFill>
-                <a:latin typeface="TeXGyreAdventor" pitchFamily="50" charset="0"/>
-              </a:rPr>
-              <a:t>Änderungen Art</a:t>
-            </a:r>
-            <a:endParaRPr lang="de-DE" b="1" dirty="0">
-              <a:solidFill>
-                <a:schemeClr val="bg1"/>
-              </a:solidFill>
-              <a:latin typeface="TeXGyreAdventor" pitchFamily="50" charset="0"/>
-            </a:endParaRPr>
-          </a:p>
-        </p:txBody>
-      </p:sp>
-      <p:sp>
-        <p:nvSpPr>
-          <p:cNvPr id="3" name="Inhaltsplatzhalter 2"/>
-          <p:cNvSpPr>
-            <a:spLocks noGrp="1"/>
-          </p:cNvSpPr>
-          <p:nvPr>
-            <p:ph idx="1"/>
-          </p:nvPr>
-        </p:nvSpPr>
-        <p:spPr/>
-        <p:txBody>
-          <a:bodyPr>
-            <a:normAutofit/>
-          </a:bodyPr>
-          <a:lstStyle/>
-          <a:p>
-            <a:pPr marL="0" indent="0" algn="ctr">
-              <a:buNone/>
-            </a:pPr>
-            <a:r>
-              <a:rPr lang="de-DE" b="1" dirty="0" smtClean="0">
-                <a:solidFill>
-                  <a:schemeClr val="bg1"/>
-                </a:solidFill>
-                <a:latin typeface="TeXGyreAdventor" pitchFamily="50" charset="0"/>
-              </a:rPr>
-              <a:t>Level</a:t>
-            </a:r>
-          </a:p>
-          <a:p>
-            <a:pPr marL="0" indent="0">
-              <a:buNone/>
-            </a:pPr>
-            <a:endParaRPr lang="de-DE" dirty="0" smtClean="0">
-              <a:solidFill>
-                <a:schemeClr val="bg1"/>
-              </a:solidFill>
-              <a:latin typeface="TeXGyreAdventor" pitchFamily="50" charset="0"/>
-            </a:endParaRPr>
-          </a:p>
-          <a:p>
-            <a:r>
-              <a:rPr lang="de-DE" dirty="0" err="1" smtClean="0">
-                <a:solidFill>
-                  <a:schemeClr val="bg1"/>
-                </a:solidFill>
-                <a:latin typeface="TeXGyreAdventor" pitchFamily="50" charset="0"/>
-              </a:rPr>
-              <a:t>Spawner</a:t>
-            </a:r>
-            <a:endParaRPr lang="de-DE" dirty="0" smtClean="0">
-              <a:solidFill>
-                <a:schemeClr val="bg1"/>
-              </a:solidFill>
-              <a:latin typeface="TeXGyreAdventor" pitchFamily="50" charset="0"/>
-            </a:endParaRPr>
-          </a:p>
-          <a:p>
-            <a:endParaRPr lang="de-DE" dirty="0" smtClean="0">
-              <a:solidFill>
-                <a:schemeClr val="bg1"/>
-              </a:solidFill>
-              <a:latin typeface="TeXGyreAdventor" pitchFamily="50" charset="0"/>
-            </a:endParaRPr>
-          </a:p>
-          <a:p>
-            <a:endParaRPr lang="de-DE" dirty="0" smtClean="0">
-              <a:solidFill>
-                <a:schemeClr val="bg1"/>
-              </a:solidFill>
-              <a:latin typeface="TeXGyreAdventor" pitchFamily="50" charset="0"/>
-            </a:endParaRPr>
-          </a:p>
-          <a:p>
-            <a:r>
-              <a:rPr lang="de-DE" dirty="0" smtClean="0">
-                <a:solidFill>
-                  <a:schemeClr val="bg1"/>
-                </a:solidFill>
-                <a:latin typeface="TeXGyreAdventor" pitchFamily="50" charset="0"/>
-              </a:rPr>
-              <a:t>Generator</a:t>
-            </a:r>
-          </a:p>
-          <a:p>
-            <a:endParaRPr lang="de-DE" dirty="0">
-              <a:solidFill>
-                <a:schemeClr val="bg1"/>
-              </a:solidFill>
-              <a:latin typeface="TeXGyreAdventor" pitchFamily="50" charset="0"/>
-            </a:endParaRPr>
-          </a:p>
-        </p:txBody>
-      </p:sp>
-    </p:spTree>
-    <p:extLst>
-      <p:ext uri="{BB962C8B-B14F-4D97-AF65-F5344CB8AC3E}">
-        <p14:creationId xmlns:p14="http://schemas.microsoft.com/office/powerpoint/2010/main" val="3603530120"/>
-      </p:ext>
-    </p:extLst>
-  </p:cSld>
-  <p:clrMapOvr>
-    <a:masterClrMapping/>
-  </p:clrMapOvr>
-  <p:timing>
-    <p:tnLst>
-      <p:par>
-        <p:cTn id="1" dur="indefinite" restart="never" nodeType="tmRoot">
-          <p:childTnLst>
-            <p:seq concurrent="1" nextAc="seek">
-              <p:cTn id="2" dur="indefinite" nodeType="mainSeq">
-                <p:childTnLst>
-                  <p:par>
-                    <p:cTn id="3" fill="hold">
-                      <p:stCondLst>
-                        <p:cond delay="indefinite"/>
-                      </p:stCondLst>
-                      <p:childTnLst>
-                        <p:par>
-                          <p:cTn id="4" fill="hold">
-                            <p:stCondLst>
-                              <p:cond delay="0"/>
-                            </p:stCondLst>
-                            <p:childTnLst>
-                              <p:par>
-                                <p:cTn id="5" presetID="10" presetClass="entr" presetSubtype="0" fill="hold" grpId="0" nodeType="clickEffect">
-                                  <p:stCondLst>
-                                    <p:cond delay="0"/>
-                                  </p:stCondLst>
-                                  <p:childTnLst>
-                                    <p:set>
-                                      <p:cBhvr>
-                                        <p:cTn id="6" dur="1" fill="hold">
-                                          <p:stCondLst>
-                                            <p:cond delay="0"/>
-                                          </p:stCondLst>
-                                        </p:cTn>
-                                        <p:tgtEl>
-                                          <p:spTgt spid="3">
-                                            <p:txEl>
-                                              <p:pRg st="0" end="0"/>
-                                            </p:txEl>
-                                          </p:spTgt>
-                                        </p:tgtEl>
-                                        <p:attrNameLst>
-                                          <p:attrName>style.visibility</p:attrName>
-                                        </p:attrNameLst>
-                                      </p:cBhvr>
-                                      <p:to>
-                                        <p:strVal val="visible"/>
-                                      </p:to>
-                                    </p:set>
-                                    <p:animEffect transition="in" filter="fade">
-                                      <p:cBhvr>
-                                        <p:cTn id="7" dur="500"/>
-                                        <p:tgtEl>
-                                          <p:spTgt spid="3">
-                                            <p:txEl>
-                                              <p:pRg st="0" end="0"/>
-                                            </p:txEl>
-                                          </p:spTgt>
-                                        </p:tgtEl>
-                                      </p:cBhvr>
-                                    </p:animEffect>
-                                  </p:childTnLst>
-                                </p:cTn>
-                              </p:par>
-                            </p:childTnLst>
-                          </p:cTn>
-                        </p:par>
-                      </p:childTnLst>
-                    </p:cTn>
-                  </p:par>
-                  <p:par>
-                    <p:cTn id="8" fill="hold">
-                      <p:stCondLst>
-                        <p:cond delay="indefinite"/>
-                      </p:stCondLst>
-                      <p:childTnLst>
-                        <p:par>
-                          <p:cTn id="9" fill="hold">
-                            <p:stCondLst>
-                              <p:cond delay="0"/>
-                            </p:stCondLst>
-                            <p:childTnLst>
-                              <p:par>
-                                <p:cTn id="10" presetID="10" presetClass="entr" presetSubtype="0" fill="hold" grpId="0" nodeType="clickEffect">
-                                  <p:stCondLst>
-                                    <p:cond delay="0"/>
-                                  </p:stCondLst>
-                                  <p:childTnLst>
-                                    <p:set>
-                                      <p:cBhvr>
-                                        <p:cTn id="11" dur="1" fill="hold">
-                                          <p:stCondLst>
-                                            <p:cond delay="0"/>
-                                          </p:stCondLst>
-                                        </p:cTn>
-                                        <p:tgtEl>
-                                          <p:spTgt spid="3">
-                                            <p:txEl>
-                                              <p:pRg st="2" end="2"/>
-                                            </p:txEl>
-                                          </p:spTgt>
-                                        </p:tgtEl>
-                                        <p:attrNameLst>
-                                          <p:attrName>style.visibility</p:attrName>
-                                        </p:attrNameLst>
-                                      </p:cBhvr>
-                                      <p:to>
-                                        <p:strVal val="visible"/>
-                                      </p:to>
-                                    </p:set>
-                                    <p:animEffect transition="in" filter="fade">
-                                      <p:cBhvr>
-                                        <p:cTn id="12" dur="500"/>
-                                        <p:tgtEl>
-                                          <p:spTgt spid="3">
-                                            <p:txEl>
-                                              <p:pRg st="2" end="2"/>
-                                            </p:txEl>
-                                          </p:spTgt>
-                                        </p:tgtEl>
-                                      </p:cBhvr>
-                                    </p:animEffect>
-                                  </p:childTnLst>
-                                </p:cTn>
-                              </p:par>
-                            </p:childTnLst>
-                          </p:cTn>
-                        </p:par>
-                      </p:childTnLst>
-                    </p:cTn>
-                  </p:par>
-                  <p:par>
-                    <p:cTn id="13" fill="hold">
-                      <p:stCondLst>
-                        <p:cond delay="indefinite"/>
-                      </p:stCondLst>
-                      <p:childTnLst>
-                        <p:par>
-                          <p:cTn id="14" fill="hold">
-                            <p:stCondLst>
-                              <p:cond delay="0"/>
-                            </p:stCondLst>
-                            <p:childTnLst>
-                              <p:par>
-                                <p:cTn id="15" presetID="10" presetClass="entr" presetSubtype="0" fill="hold" grpId="0" nodeType="clickEffect">
-                                  <p:stCondLst>
-                                    <p:cond delay="0"/>
-                                  </p:stCondLst>
-                                  <p:childTnLst>
-                                    <p:set>
-                                      <p:cBhvr>
-                                        <p:cTn id="16" dur="1" fill="hold">
-                                          <p:stCondLst>
-                                            <p:cond delay="0"/>
-                                          </p:stCondLst>
-                                        </p:cTn>
-                                        <p:tgtEl>
-                                          <p:spTgt spid="3">
-                                            <p:txEl>
-                                              <p:pRg st="5" end="5"/>
-                                            </p:txEl>
-                                          </p:spTgt>
-                                        </p:tgtEl>
-                                        <p:attrNameLst>
-                                          <p:attrName>style.visibility</p:attrName>
-                                        </p:attrNameLst>
-                                      </p:cBhvr>
-                                      <p:to>
-                                        <p:strVal val="visible"/>
-                                      </p:to>
-                                    </p:set>
-                                    <p:animEffect transition="in" filter="fade">
-                                      <p:cBhvr>
-                                        <p:cTn id="17" dur="500"/>
-                                        <p:tgtEl>
-                                          <p:spTgt spid="3">
-                                            <p:txEl>
-                                              <p:pRg st="5" end="5"/>
-                                            </p:txEl>
-                                          </p:spTgt>
-                                        </p:tgtEl>
-                                      </p:cBhvr>
-                                    </p:animEffect>
-                                  </p:childTnLst>
-                                </p:cTn>
-                              </p:par>
-                            </p:childTnLst>
-                          </p:cTn>
-                        </p:par>
-                      </p:childTnLst>
-                    </p:cTn>
-                  </p:par>
-                </p:childTnLst>
-              </p:cTn>
-              <p:prevCondLst>
-                <p:cond evt="onPrev" delay="0">
-                  <p:tgtEl>
-                    <p:sldTgt/>
-                  </p:tgtEl>
-                </p:cond>
-              </p:prevCondLst>
-              <p:nextCondLst>
-                <p:cond evt="onNext" delay="0">
-                  <p:tgtEl>
-                    <p:sldTgt/>
-                  </p:tgtEl>
-                </p:cond>
-              </p:nextCondLst>
-            </p:seq>
-          </p:childTnLst>
-        </p:cTn>
-      </p:par>
-    </p:tnLst>
-    <p:bldLst>
-      <p:bldP spid="3" grpId="0" build="p"/>
-    </p:bldLst>
-  </p:timing>
-</p:sld>
-</file>
-
-<file path=ppt/slides/slide12.xml><?xml version="1.0" encoding="utf-8"?>
-<p:sld xmlns:a="http://schemas.openxmlformats.org/drawingml/2006/main" xmlns:r="http://schemas.openxmlformats.org/officeDocument/2006/relationships" xmlns:p="http://schemas.openxmlformats.org/presentationml/2006/main">
-  <p:cSld>
-    <p:spTree>
-      <p:nvGrpSpPr>
-        <p:cNvPr id="1" name=""/>
-        <p:cNvGrpSpPr/>
-        <p:nvPr/>
-      </p:nvGrpSpPr>
-      <p:grpSpPr>
-        <a:xfrm>
-          <a:off x="0" y="0"/>
-          <a:ext cx="0" cy="0"/>
-          <a:chOff x="0" y="0"/>
-          <a:chExt cx="0" cy="0"/>
-        </a:xfrm>
-      </p:grpSpPr>
-      <p:sp>
-        <p:nvSpPr>
-          <p:cNvPr id="2" name="Titel 1"/>
-          <p:cNvSpPr>
-            <a:spLocks noGrp="1"/>
-          </p:cNvSpPr>
-          <p:nvPr>
-            <p:ph type="title"/>
-          </p:nvPr>
-        </p:nvSpPr>
-        <p:spPr/>
-        <p:txBody>
-          <a:bodyPr/>
-          <a:lstStyle/>
-          <a:p>
-            <a:r>
-              <a:rPr lang="de-DE" dirty="0" smtClean="0">
-                <a:solidFill>
-                  <a:schemeClr val="bg1"/>
-                </a:solidFill>
-                <a:latin typeface="TeXGyreAdventor" pitchFamily="50" charset="0"/>
-              </a:rPr>
-              <a:t>Code Änderungen</a:t>
-            </a:r>
-            <a:endParaRPr lang="de-DE" dirty="0">
-              <a:solidFill>
-                <a:schemeClr val="bg1"/>
-              </a:solidFill>
-              <a:latin typeface="TeXGyreAdventor" pitchFamily="50" charset="0"/>
-            </a:endParaRPr>
-          </a:p>
-        </p:txBody>
-      </p:sp>
-      <p:sp>
-        <p:nvSpPr>
-          <p:cNvPr id="3" name="Inhaltsplatzhalter 2"/>
-          <p:cNvSpPr>
-            <a:spLocks noGrp="1"/>
-          </p:cNvSpPr>
-          <p:nvPr>
-            <p:ph idx="1"/>
-          </p:nvPr>
-        </p:nvSpPr>
-        <p:spPr/>
-        <p:txBody>
-          <a:bodyPr>
-            <a:normAutofit/>
-          </a:bodyPr>
-          <a:lstStyle/>
-          <a:p>
-            <a:endParaRPr lang="de-DE" dirty="0">
-              <a:solidFill>
-                <a:schemeClr val="bg1"/>
-              </a:solidFill>
-              <a:latin typeface="TeXGyreAdventor" pitchFamily="50" charset="0"/>
-            </a:endParaRPr>
-          </a:p>
-        </p:txBody>
-      </p:sp>
-    </p:spTree>
-    <p:extLst>
-      <p:ext uri="{BB962C8B-B14F-4D97-AF65-F5344CB8AC3E}">
-        <p14:creationId xmlns:p14="http://schemas.microsoft.com/office/powerpoint/2010/main" val="2688108123"/>
-      </p:ext>
-    </p:extLst>
-  </p:cSld>
-  <p:clrMapOvr>
-    <a:masterClrMapping/>
-  </p:clrMapOvr>
-  <p:timing>
-    <p:tnLst>
-      <p:par>
-        <p:cTn id="1" dur="indefinite" restart="never" nodeType="tmRoot">
-          <p:childTnLst>
-            <p:seq concurrent="1" nextAc="seek">
-              <p:cTn id="2" dur="indefinite" nodeType="mainSeq">
-                <p:childTnLst>
-                  <p:par>
-                    <p:cTn id="3" fill="hold">
-                      <p:stCondLst>
-                        <p:cond delay="indefinite"/>
-                      </p:stCondLst>
-                      <p:childTnLst>
-                        <p:par>
-                          <p:cTn id="4" fill="hold">
-                            <p:stCondLst>
-                              <p:cond delay="0"/>
-                            </p:stCondLst>
-                            <p:childTnLst>
-                              <p:par>
-                                <p:cTn id="5" presetID="10" presetClass="entr" presetSubtype="0" fill="hold" grpId="0" nodeType="clickEffect" nodePh="1">
-                                  <p:stCondLst>
-                                    <p:cond delay="0"/>
-                                  </p:stCondLst>
-                                  <p:endCondLst>
-                                    <p:cond evt="begin" delay="0">
-                                      <p:tn val="5"/>
-                                    </p:cond>
-                                  </p:endCondLst>
-                                  <p:childTnLst>
-                                    <p:set>
-                                      <p:cBhvr>
-                                        <p:cTn id="6" dur="1" fill="hold">
-                                          <p:stCondLst>
-                                            <p:cond delay="0"/>
-                                          </p:stCondLst>
-                                        </p:cTn>
-                                        <p:tgtEl>
-                                          <p:spTgt spid="3">
-                                            <p:txEl>
-                                              <p:pRg st="0" end="0"/>
-                                            </p:txEl>
-                                          </p:spTgt>
-                                        </p:tgtEl>
-                                        <p:attrNameLst>
-                                          <p:attrName>style.visibility</p:attrName>
-                                        </p:attrNameLst>
-                                      </p:cBhvr>
-                                      <p:to>
-                                        <p:strVal val="visible"/>
-                                      </p:to>
-                                    </p:set>
-                                    <p:animEffect transition="in" filter="fade">
-                                      <p:cBhvr>
-                                        <p:cTn id="7" dur="500"/>
-                                        <p:tgtEl>
-                                          <p:spTgt spid="3">
-                                            <p:txEl>
-                                              <p:pRg st="0" end="0"/>
-                                            </p:txEl>
-                                          </p:spTgt>
-                                        </p:tgtEl>
-                                      </p:cBhvr>
-                                    </p:animEffect>
-                                  </p:childTnLst>
-                                </p:cTn>
-                              </p:par>
-                            </p:childTnLst>
-                          </p:cTn>
-                        </p:par>
-                      </p:childTnLst>
-                    </p:cTn>
-                  </p:par>
-                </p:childTnLst>
-              </p:cTn>
-              <p:prevCondLst>
-                <p:cond evt="onPrev" delay="0">
-                  <p:tgtEl>
-                    <p:sldTgt/>
-                  </p:tgtEl>
-                </p:cond>
-              </p:prevCondLst>
-              <p:nextCondLst>
-                <p:cond evt="onNext" delay="0">
-                  <p:tgtEl>
-                    <p:sldTgt/>
-                  </p:tgtEl>
-                </p:cond>
-              </p:nextCondLst>
-            </p:seq>
-          </p:childTnLst>
-        </p:cTn>
-      </p:par>
-    </p:tnLst>
-    <p:bldLst>
-      <p:bldP spid="3" grpId="0" uiExpand="1" build="p"/>
-    </p:bldLst>
-  </p:timing>
-</p:sld>
-</file>
-
-<file path=ppt/slides/slide13.xml><?xml version="1.0" encoding="utf-8"?>
-<p:sld xmlns:a="http://schemas.openxmlformats.org/drawingml/2006/main" xmlns:r="http://schemas.openxmlformats.org/officeDocument/2006/relationships" xmlns:p="http://schemas.openxmlformats.org/presentationml/2006/main">
-  <p:cSld>
-    <p:spTree>
-      <p:nvGrpSpPr>
-        <p:cNvPr id="1" name=""/>
-        <p:cNvGrpSpPr/>
-        <p:nvPr/>
-      </p:nvGrpSpPr>
-      <p:grpSpPr>
-        <a:xfrm>
-          <a:off x="0" y="0"/>
-          <a:ext cx="0" cy="0"/>
-          <a:chOff x="0" y="0"/>
-          <a:chExt cx="0" cy="0"/>
-        </a:xfrm>
-      </p:grpSpPr>
-      <p:sp>
-        <p:nvSpPr>
-          <p:cNvPr id="2" name="Titel 1"/>
-          <p:cNvSpPr>
-            <a:spLocks noGrp="1"/>
-          </p:cNvSpPr>
-          <p:nvPr>
-            <p:ph type="title"/>
-          </p:nvPr>
-        </p:nvSpPr>
-        <p:spPr/>
-        <p:txBody>
-          <a:bodyPr/>
-          <a:lstStyle/>
-          <a:p>
-            <a:r>
-              <a:rPr lang="de-DE" dirty="0" smtClean="0">
-                <a:solidFill>
-                  <a:schemeClr val="bg1"/>
-                </a:solidFill>
-                <a:latin typeface="TeXGyreAdventor" pitchFamily="50" charset="0"/>
-              </a:rPr>
-              <a:t>Plan für Goldmaster</a:t>
-            </a:r>
-            <a:endParaRPr lang="de-DE" dirty="0">
-              <a:solidFill>
-                <a:schemeClr val="bg1"/>
-              </a:solidFill>
-              <a:latin typeface="TeXGyreAdventor" pitchFamily="50" charset="0"/>
-            </a:endParaRPr>
-          </a:p>
-        </p:txBody>
-      </p:sp>
-      <p:sp>
-        <p:nvSpPr>
-          <p:cNvPr id="3" name="Inhaltsplatzhalter 2"/>
-          <p:cNvSpPr>
-            <a:spLocks noGrp="1"/>
-          </p:cNvSpPr>
-          <p:nvPr>
-            <p:ph idx="1"/>
-          </p:nvPr>
-        </p:nvSpPr>
-        <p:spPr/>
-        <p:txBody>
-          <a:bodyPr>
-            <a:normAutofit/>
-          </a:bodyPr>
-          <a:lstStyle/>
-          <a:p>
-            <a:r>
-              <a:rPr lang="de-DE" dirty="0" smtClean="0">
-                <a:solidFill>
-                  <a:schemeClr val="bg1"/>
-                </a:solidFill>
-                <a:latin typeface="TeXGyreAdventor" pitchFamily="50" charset="0"/>
-              </a:rPr>
-              <a:t>Allgemeiner Feinschliff</a:t>
-            </a:r>
-          </a:p>
-          <a:p>
-            <a:r>
-              <a:rPr lang="de-DE" dirty="0" smtClean="0">
-                <a:solidFill>
-                  <a:schemeClr val="bg1"/>
-                </a:solidFill>
-                <a:latin typeface="TeXGyreAdventor" pitchFamily="50" charset="0"/>
-              </a:rPr>
-              <a:t>Animation zu Beat </a:t>
-            </a:r>
-            <a:r>
-              <a:rPr lang="de-DE" dirty="0" err="1" smtClean="0">
-                <a:solidFill>
-                  <a:schemeClr val="bg1"/>
-                </a:solidFill>
-                <a:latin typeface="TeXGyreAdventor" pitchFamily="50" charset="0"/>
-              </a:rPr>
-              <a:t>Rythmus</a:t>
-            </a:r>
-            <a:endParaRPr lang="de-DE" dirty="0">
-              <a:solidFill>
-                <a:schemeClr val="bg1"/>
-              </a:solidFill>
-              <a:latin typeface="TeXGyreAdventor" pitchFamily="50" charset="0"/>
-            </a:endParaRPr>
-          </a:p>
-        </p:txBody>
-      </p:sp>
-    </p:spTree>
-    <p:extLst>
-      <p:ext uri="{BB962C8B-B14F-4D97-AF65-F5344CB8AC3E}">
-        <p14:creationId xmlns:p14="http://schemas.microsoft.com/office/powerpoint/2010/main" val="341214904"/>
-      </p:ext>
-    </p:extLst>
-  </p:cSld>
-  <p:clrMapOvr>
-    <a:masterClrMapping/>
-  </p:clrMapOvr>
-  <p:timing>
-    <p:tnLst>
-      <p:par>
-        <p:cTn id="1" dur="indefinite" restart="never" nodeType="tmRoot">
-          <p:childTnLst>
-            <p:seq concurrent="1" nextAc="seek">
-              <p:cTn id="2" dur="indefinite" nodeType="mainSeq">
-                <p:childTnLst>
-                  <p:par>
-                    <p:cTn id="3" fill="hold">
-                      <p:stCondLst>
-                        <p:cond delay="indefinite"/>
-                      </p:stCondLst>
-                      <p:childTnLst>
-                        <p:par>
-                          <p:cTn id="4" fill="hold">
-                            <p:stCondLst>
-                              <p:cond delay="0"/>
-                            </p:stCondLst>
-                            <p:childTnLst>
-                              <p:par>
-                                <p:cTn id="5" presetID="10" presetClass="entr" presetSubtype="0" fill="hold" grpId="0" nodeType="clickEffect">
-                                  <p:stCondLst>
-                                    <p:cond delay="0"/>
-                                  </p:stCondLst>
-                                  <p:childTnLst>
-                                    <p:set>
-                                      <p:cBhvr>
-                                        <p:cTn id="6" dur="1" fill="hold">
-                                          <p:stCondLst>
-                                            <p:cond delay="0"/>
-                                          </p:stCondLst>
-                                        </p:cTn>
-                                        <p:tgtEl>
-                                          <p:spTgt spid="3">
-                                            <p:txEl>
-                                              <p:pRg st="0" end="0"/>
-                                            </p:txEl>
-                                          </p:spTgt>
-                                        </p:tgtEl>
-                                        <p:attrNameLst>
-                                          <p:attrName>style.visibility</p:attrName>
-                                        </p:attrNameLst>
-                                      </p:cBhvr>
-                                      <p:to>
-                                        <p:strVal val="visible"/>
-                                      </p:to>
-                                    </p:set>
-                                    <p:animEffect transition="in" filter="fade">
-                                      <p:cBhvr>
-                                        <p:cTn id="7" dur="500"/>
-                                        <p:tgtEl>
-                                          <p:spTgt spid="3">
-                                            <p:txEl>
-                                              <p:pRg st="0" end="0"/>
-                                            </p:txEl>
-                                          </p:spTgt>
-                                        </p:tgtEl>
-                                      </p:cBhvr>
-                                    </p:animEffect>
-                                  </p:childTnLst>
-                                </p:cTn>
-                              </p:par>
-                            </p:childTnLst>
-                          </p:cTn>
-                        </p:par>
-                      </p:childTnLst>
-                    </p:cTn>
-                  </p:par>
-                  <p:par>
-                    <p:cTn id="8" fill="hold">
-                      <p:stCondLst>
-                        <p:cond delay="indefinite"/>
-                      </p:stCondLst>
-                      <p:childTnLst>
-                        <p:par>
-                          <p:cTn id="9" fill="hold">
-                            <p:stCondLst>
-                              <p:cond delay="0"/>
-                            </p:stCondLst>
-                            <p:childTnLst>
-                              <p:par>
-                                <p:cTn id="10" presetID="10" presetClass="entr" presetSubtype="0" fill="hold" grpId="0" nodeType="clickEffect">
-                                  <p:stCondLst>
-                                    <p:cond delay="0"/>
-                                  </p:stCondLst>
-                                  <p:childTnLst>
-                                    <p:set>
-                                      <p:cBhvr>
-                                        <p:cTn id="11" dur="1" fill="hold">
-                                          <p:stCondLst>
-                                            <p:cond delay="0"/>
-                                          </p:stCondLst>
-                                        </p:cTn>
-                                        <p:tgtEl>
-                                          <p:spTgt spid="3">
-                                            <p:txEl>
-                                              <p:pRg st="1" end="1"/>
-                                            </p:txEl>
-                                          </p:spTgt>
-                                        </p:tgtEl>
-                                        <p:attrNameLst>
-                                          <p:attrName>style.visibility</p:attrName>
-                                        </p:attrNameLst>
-                                      </p:cBhvr>
-                                      <p:to>
-                                        <p:strVal val="visible"/>
-                                      </p:to>
-                                    </p:set>
-                                    <p:animEffect transition="in" filter="fade">
-                                      <p:cBhvr>
-                                        <p:cTn id="12" dur="500"/>
-                                        <p:tgtEl>
-                                          <p:spTgt spid="3">
-                                            <p:txEl>
-                                              <p:pRg st="1" end="1"/>
-                                            </p:txEl>
-                                          </p:spTgt>
-                                        </p:tgtEl>
-                                      </p:cBhvr>
-                                    </p:animEffect>
-                                  </p:childTnLst>
-                                </p:cTn>
-                              </p:par>
-                            </p:childTnLst>
-                          </p:cTn>
-                        </p:par>
-                      </p:childTnLst>
-                    </p:cTn>
-                  </p:par>
-                </p:childTnLst>
-              </p:cTn>
-              <p:prevCondLst>
-                <p:cond evt="onPrev" delay="0">
-                  <p:tgtEl>
-                    <p:sldTgt/>
-                  </p:tgtEl>
-                </p:cond>
-              </p:prevCondLst>
-              <p:nextCondLst>
-                <p:cond evt="onNext" delay="0">
-                  <p:tgtEl>
-                    <p:sldTgt/>
-                  </p:tgtEl>
-                </p:cond>
-              </p:nextCondLst>
-            </p:seq>
-          </p:childTnLst>
-        </p:cTn>
-      </p:par>
-    </p:tnLst>
-    <p:bldLst>
-      <p:bldP spid="3" grpId="0" build="p"/>
-    </p:bldLst>
-  </p:timing>
-</p:sld>
-</file>
-
-<file path=ppt/slides/slide14.xml><?xml version="1.0" encoding="utf-8"?>
-<p:sld xmlns:a="http://schemas.openxmlformats.org/drawingml/2006/main" xmlns:r="http://schemas.openxmlformats.org/officeDocument/2006/relationships" xmlns:p="http://schemas.openxmlformats.org/presentationml/2006/main">
-  <p:cSld>
-    <p:spTree>
-      <p:nvGrpSpPr>
-        <p:cNvPr id="1" name=""/>
-        <p:cNvGrpSpPr/>
-        <p:nvPr/>
-      </p:nvGrpSpPr>
-      <p:grpSpPr>
-        <a:xfrm>
-          <a:off x="0" y="0"/>
-          <a:ext cx="0" cy="0"/>
-          <a:chOff x="0" y="0"/>
-          <a:chExt cx="0" cy="0"/>
-        </a:xfrm>
-      </p:grpSpPr>
-      <p:sp>
-        <p:nvSpPr>
-          <p:cNvPr id="2" name="Titel 1"/>
-          <p:cNvSpPr>
-            <a:spLocks noGrp="1"/>
-          </p:cNvSpPr>
-          <p:nvPr>
-            <p:ph type="title"/>
-          </p:nvPr>
-        </p:nvSpPr>
-        <p:spPr/>
-        <p:txBody>
-          <a:bodyPr/>
-          <a:lstStyle/>
-          <a:p>
-            <a:r>
-              <a:rPr lang="de-DE" dirty="0" smtClean="0">
-                <a:solidFill>
-                  <a:schemeClr val="bg1"/>
-                </a:solidFill>
-                <a:latin typeface="TeXGyreAdventor" pitchFamily="50" charset="0"/>
-              </a:rPr>
-              <a:t>Das Team</a:t>
-            </a:r>
-            <a:endParaRPr lang="de-DE" dirty="0">
-              <a:solidFill>
-                <a:schemeClr val="bg1"/>
-              </a:solidFill>
-              <a:latin typeface="TeXGyreAdventor" pitchFamily="50" charset="0"/>
-            </a:endParaRPr>
-          </a:p>
-        </p:txBody>
-      </p:sp>
-      <p:sp>
-        <p:nvSpPr>
-          <p:cNvPr id="3" name="Inhaltsplatzhalter 2"/>
-          <p:cNvSpPr>
-            <a:spLocks noGrp="1"/>
-          </p:cNvSpPr>
-          <p:nvPr>
-            <p:ph idx="1"/>
-          </p:nvPr>
-        </p:nvSpPr>
-        <p:spPr>
-          <a:xfrm>
-            <a:off x="971600" y="1628800"/>
-            <a:ext cx="7560840" cy="4525963"/>
-          </a:xfrm>
-        </p:spPr>
-        <p:txBody>
-          <a:bodyPr anchor="ctr">
-            <a:normAutofit/>
-          </a:bodyPr>
-          <a:lstStyle/>
-          <a:p>
-            <a:pPr marL="0" indent="0">
-              <a:lnSpc>
-                <a:spcPct val="150000"/>
-              </a:lnSpc>
-              <a:buNone/>
-            </a:pPr>
-            <a:r>
-              <a:rPr lang="de-DE" sz="2400" dirty="0" smtClean="0">
-                <a:solidFill>
-                  <a:schemeClr val="bg1"/>
-                </a:solidFill>
-                <a:latin typeface="TeXGyreAdventor" pitchFamily="50" charset="0"/>
-              </a:rPr>
-              <a:t>Alina </a:t>
-            </a:r>
-            <a:r>
-              <a:rPr lang="de-DE" sz="2400" dirty="0" err="1" smtClean="0">
-                <a:solidFill>
-                  <a:schemeClr val="bg1"/>
-                </a:solidFill>
-                <a:latin typeface="TeXGyreAdventor" pitchFamily="50" charset="0"/>
-              </a:rPr>
-              <a:t>Quentmeier</a:t>
-            </a:r>
-            <a:r>
-              <a:rPr lang="de-DE" sz="2400" dirty="0" smtClean="0">
-                <a:solidFill>
-                  <a:schemeClr val="bg1"/>
-                </a:solidFill>
-                <a:latin typeface="TeXGyreAdventor" pitchFamily="50" charset="0"/>
-              </a:rPr>
-              <a:t> 		Game Design</a:t>
-            </a:r>
-          </a:p>
-          <a:p>
-            <a:pPr marL="0" indent="0">
-              <a:lnSpc>
-                <a:spcPct val="150000"/>
-              </a:lnSpc>
-              <a:buNone/>
-            </a:pPr>
-            <a:r>
-              <a:rPr lang="de-DE" sz="2400" dirty="0" smtClean="0">
-                <a:solidFill>
-                  <a:schemeClr val="bg1"/>
-                </a:solidFill>
-                <a:latin typeface="TeXGyreAdventor" pitchFamily="50" charset="0"/>
-              </a:rPr>
-              <a:t>Jaromir </a:t>
-            </a:r>
-            <a:r>
-              <a:rPr lang="de-DE" sz="2400" dirty="0" err="1" smtClean="0">
-                <a:solidFill>
-                  <a:schemeClr val="bg1"/>
-                </a:solidFill>
-                <a:latin typeface="TeXGyreAdventor" pitchFamily="50" charset="0"/>
-              </a:rPr>
-              <a:t>Paarmann</a:t>
-            </a:r>
-            <a:r>
-              <a:rPr lang="de-DE" sz="2400" dirty="0" smtClean="0">
-                <a:solidFill>
-                  <a:schemeClr val="bg1"/>
-                </a:solidFill>
-                <a:latin typeface="TeXGyreAdventor" pitchFamily="50" charset="0"/>
-              </a:rPr>
-              <a:t> 	Game Design</a:t>
-            </a:r>
-          </a:p>
-          <a:p>
-            <a:pPr marL="0" indent="0">
-              <a:lnSpc>
-                <a:spcPct val="150000"/>
-              </a:lnSpc>
-              <a:buNone/>
-            </a:pPr>
-            <a:r>
-              <a:rPr lang="de-DE" sz="2400" dirty="0" smtClean="0">
-                <a:solidFill>
-                  <a:schemeClr val="bg1"/>
-                </a:solidFill>
-                <a:latin typeface="TeXGyreAdventor" pitchFamily="50" charset="0"/>
-              </a:rPr>
-              <a:t>Andreas </a:t>
-            </a:r>
-            <a:r>
-              <a:rPr lang="de-DE" sz="2400" dirty="0" err="1" smtClean="0">
-                <a:solidFill>
-                  <a:schemeClr val="bg1"/>
-                </a:solidFill>
-                <a:latin typeface="TeXGyreAdventor" pitchFamily="50" charset="0"/>
-              </a:rPr>
-              <a:t>Edmeier</a:t>
-            </a:r>
-            <a:r>
-              <a:rPr lang="de-DE" sz="2400" dirty="0" smtClean="0">
-                <a:solidFill>
-                  <a:schemeClr val="bg1"/>
-                </a:solidFill>
-                <a:latin typeface="TeXGyreAdventor" pitchFamily="50" charset="0"/>
-              </a:rPr>
-              <a:t> 		Programmierung</a:t>
-            </a:r>
-          </a:p>
-          <a:p>
-            <a:pPr marL="0" indent="0">
-              <a:lnSpc>
-                <a:spcPct val="150000"/>
-              </a:lnSpc>
-              <a:buNone/>
-            </a:pPr>
-            <a:r>
-              <a:rPr lang="de-DE" sz="2400" dirty="0" smtClean="0">
-                <a:solidFill>
-                  <a:schemeClr val="bg1"/>
-                </a:solidFill>
-                <a:latin typeface="TeXGyreAdventor" pitchFamily="50" charset="0"/>
-              </a:rPr>
-              <a:t>Harun </a:t>
-            </a:r>
-            <a:r>
-              <a:rPr lang="de-DE" sz="2400" dirty="0" err="1" smtClean="0">
-                <a:solidFill>
-                  <a:schemeClr val="bg1"/>
-                </a:solidFill>
-                <a:latin typeface="TeXGyreAdventor" pitchFamily="50" charset="0"/>
-              </a:rPr>
-              <a:t>Ahmadie</a:t>
-            </a:r>
-            <a:r>
-              <a:rPr lang="de-DE" sz="2400" dirty="0" smtClean="0">
-                <a:solidFill>
-                  <a:schemeClr val="bg1"/>
-                </a:solidFill>
-                <a:latin typeface="TeXGyreAdventor" pitchFamily="50" charset="0"/>
-              </a:rPr>
-              <a:t> 	</a:t>
-            </a:r>
-            <a:r>
-              <a:rPr lang="de-DE" sz="2400" smtClean="0">
-                <a:solidFill>
-                  <a:schemeClr val="bg1"/>
-                </a:solidFill>
-                <a:latin typeface="TeXGyreAdventor" pitchFamily="50" charset="0"/>
-              </a:rPr>
-              <a:t>	Art</a:t>
-            </a:r>
-            <a:endParaRPr lang="de-DE" sz="2400" dirty="0" smtClean="0">
-              <a:solidFill>
-                <a:schemeClr val="bg1"/>
-              </a:solidFill>
-              <a:latin typeface="TeXGyreAdventor" pitchFamily="50" charset="0"/>
-            </a:endParaRPr>
-          </a:p>
-        </p:txBody>
-      </p:sp>
-    </p:spTree>
-    <p:extLst>
-      <p:ext uri="{BB962C8B-B14F-4D97-AF65-F5344CB8AC3E}">
-        <p14:creationId xmlns:p14="http://schemas.microsoft.com/office/powerpoint/2010/main" val="2076931422"/>
-      </p:ext>
-    </p:extLst>
-  </p:cSld>
-  <p:clrMapOvr>
-    <a:masterClrMapping/>
-  </p:clrMapOvr>
-  <p:timing>
-    <p:tnLst>
-      <p:par>
-        <p:cTn id="1" dur="indefinite" restart="never" nodeType="tmRoot"/>
-      </p:par>
-    </p:tnLst>
-  </p:timing>
-</p:sld>
-</file>
-
-<file path=ppt/slides/slide2.xml><?xml version="1.0" encoding="utf-8"?>
-<p:sld xmlns:a="http://schemas.openxmlformats.org/drawingml/2006/main" xmlns:r="http://schemas.openxmlformats.org/officeDocument/2006/relationships" xmlns:p="http://schemas.openxmlformats.org/presentationml/2006/main">
-  <p:cSld>
-    <p:spTree>
-      <p:nvGrpSpPr>
-        <p:cNvPr id="1" name=""/>
-        <p:cNvGrpSpPr/>
-        <p:nvPr/>
-      </p:nvGrpSpPr>
-      <p:grpSpPr>
-        <a:xfrm>
-          <a:off x="0" y="0"/>
-          <a:ext cx="0" cy="0"/>
-          <a:chOff x="0" y="0"/>
-          <a:chExt cx="0" cy="0"/>
-        </a:xfrm>
-      </p:grpSpPr>
-      <p:pic>
-        <p:nvPicPr>
-          <p:cNvPr id="1028" name="Picture 4" descr="C:\Users\jaromir.paarmann\Documents\HammerMan\Art\EnemyPictures\OneSidedEnemy.png"/>
-          <p:cNvPicPr>
-            <a:picLocks noChangeAspect="1" noChangeArrowheads="1"/>
-          </p:cNvPicPr>
-          <p:nvPr/>
-        </p:nvPicPr>
-        <p:blipFill>
-          <a:blip r:embed="rId2" cstate="print">
-            <a:extLst>
-              <a:ext uri="{28A0092B-C50C-407E-A947-70E740481C1C}">
-                <a14:useLocalDpi xmlns:a14="http://schemas.microsoft.com/office/drawing/2010/main" val="0"/>
-              </a:ext>
-            </a:extLst>
-          </a:blip>
-          <a:srcRect/>
-          <a:stretch>
-            <a:fillRect/>
-          </a:stretch>
-        </p:blipFill>
-        <p:spPr bwMode="auto">
-          <a:xfrm>
-            <a:off x="5037274" y="1340768"/>
-            <a:ext cx="2595782" cy="2595782"/>
-          </a:xfrm>
-          <a:prstGeom prst="rect">
-            <a:avLst/>
-          </a:prstGeom>
-          <a:noFill/>
-          <a:extLst>
-            <a:ext uri="{909E8E84-426E-40DD-AFC4-6F175D3DCCD1}">
-              <a14:hiddenFill xmlns:a14="http://schemas.microsoft.com/office/drawing/2010/main">
-                <a:solidFill>
-                  <a:srgbClr val="FFFFFF"/>
-                </a:solidFill>
-              </a14:hiddenFill>
-            </a:ext>
-          </a:extLst>
-        </p:spPr>
-      </p:pic>
-      <p:sp>
-        <p:nvSpPr>
-          <p:cNvPr id="2" name="Titel 1"/>
-          <p:cNvSpPr>
-            <a:spLocks noGrp="1"/>
-          </p:cNvSpPr>
-          <p:nvPr>
-            <p:ph type="title"/>
-          </p:nvPr>
-        </p:nvSpPr>
-        <p:spPr/>
-        <p:txBody>
-          <a:bodyPr/>
-          <a:lstStyle/>
-          <a:p>
-            <a:r>
-              <a:rPr lang="de-DE" b="1" dirty="0" err="1" smtClean="0">
-                <a:solidFill>
-                  <a:schemeClr val="bg1"/>
-                </a:solidFill>
-                <a:latin typeface="TeXGyreAdventor" pitchFamily="50" charset="0"/>
-              </a:rPr>
-              <a:t>Änferungen</a:t>
-            </a:r>
-            <a:r>
-              <a:rPr lang="de-DE" b="1" dirty="0" smtClean="0">
-                <a:solidFill>
-                  <a:schemeClr val="bg1"/>
-                </a:solidFill>
-                <a:latin typeface="TeXGyreAdventor" pitchFamily="50" charset="0"/>
-              </a:rPr>
-              <a:t> </a:t>
-            </a:r>
-            <a:r>
-              <a:rPr lang="de-DE" b="1" dirty="0" err="1" smtClean="0">
-                <a:solidFill>
-                  <a:schemeClr val="bg1"/>
-                </a:solidFill>
-                <a:latin typeface="TeXGyreAdventor" pitchFamily="50" charset="0"/>
-              </a:rPr>
-              <a:t>Gameplay</a:t>
-            </a:r>
-            <a:endParaRPr lang="de-DE" b="1" dirty="0">
-              <a:solidFill>
-                <a:schemeClr val="bg1"/>
-              </a:solidFill>
-              <a:latin typeface="TeXGyreAdventor" pitchFamily="50" charset="0"/>
-            </a:endParaRPr>
-          </a:p>
-        </p:txBody>
-      </p:sp>
-      <p:sp>
-        <p:nvSpPr>
-          <p:cNvPr id="4" name="Inhaltsplatzhalter 3"/>
-          <p:cNvSpPr>
-            <a:spLocks noGrp="1"/>
-          </p:cNvSpPr>
-          <p:nvPr>
-            <p:ph idx="1"/>
-          </p:nvPr>
-        </p:nvSpPr>
-        <p:spPr>
-          <a:xfrm>
-            <a:off x="457200" y="1600200"/>
-            <a:ext cx="8229600" cy="5257800"/>
-          </a:xfrm>
-        </p:spPr>
-        <p:txBody>
-          <a:bodyPr>
-            <a:normAutofit/>
-          </a:bodyPr>
-          <a:lstStyle/>
-          <a:p>
-            <a:endParaRPr lang="de-DE" dirty="0" smtClean="0">
-              <a:solidFill>
-                <a:schemeClr val="bg1"/>
-              </a:solidFill>
-              <a:latin typeface="TeXGyreAdventor" pitchFamily="50" charset="0"/>
-            </a:endParaRPr>
-          </a:p>
-          <a:p>
-            <a:r>
-              <a:rPr lang="de-DE" dirty="0" smtClean="0">
-                <a:solidFill>
-                  <a:schemeClr val="bg1"/>
-                </a:solidFill>
-                <a:latin typeface="TeXGyreAdventor" pitchFamily="50" charset="0"/>
-              </a:rPr>
-              <a:t>Entfernt:</a:t>
-            </a:r>
-          </a:p>
-          <a:p>
-            <a:pPr lvl="1"/>
-            <a:r>
-              <a:rPr lang="de-DE" dirty="0" smtClean="0">
-                <a:solidFill>
-                  <a:schemeClr val="bg1"/>
-                </a:solidFill>
-                <a:latin typeface="TeXGyreAdventor" pitchFamily="50" charset="0"/>
-              </a:rPr>
-              <a:t>„</a:t>
-            </a:r>
-            <a:r>
-              <a:rPr lang="de-DE" dirty="0" err="1" smtClean="0">
-                <a:solidFill>
-                  <a:schemeClr val="bg1"/>
-                </a:solidFill>
-                <a:latin typeface="TeXGyreAdventor" pitchFamily="50" charset="0"/>
-              </a:rPr>
-              <a:t>one</a:t>
-            </a:r>
-            <a:r>
-              <a:rPr lang="de-DE" dirty="0" smtClean="0">
-                <a:solidFill>
-                  <a:schemeClr val="bg1"/>
-                </a:solidFill>
-                <a:latin typeface="TeXGyreAdventor" pitchFamily="50" charset="0"/>
-              </a:rPr>
-              <a:t> </a:t>
-            </a:r>
-            <a:r>
-              <a:rPr lang="de-DE" dirty="0" err="1" smtClean="0">
-                <a:solidFill>
-                  <a:schemeClr val="bg1"/>
-                </a:solidFill>
-                <a:latin typeface="TeXGyreAdventor" pitchFamily="50" charset="0"/>
-              </a:rPr>
-              <a:t>sided</a:t>
-            </a:r>
-            <a:r>
-              <a:rPr lang="de-DE" dirty="0" smtClean="0">
-                <a:solidFill>
-                  <a:schemeClr val="bg1"/>
-                </a:solidFill>
-                <a:latin typeface="TeXGyreAdventor" pitchFamily="50" charset="0"/>
-              </a:rPr>
-              <a:t> </a:t>
-            </a:r>
-            <a:r>
-              <a:rPr lang="de-DE" dirty="0" err="1" smtClean="0">
-                <a:solidFill>
-                  <a:schemeClr val="bg1"/>
-                </a:solidFill>
-                <a:latin typeface="TeXGyreAdventor" pitchFamily="50" charset="0"/>
-              </a:rPr>
-              <a:t>enemy</a:t>
-            </a:r>
-            <a:r>
-              <a:rPr lang="de-DE" dirty="0" smtClean="0">
-                <a:solidFill>
-                  <a:schemeClr val="bg1"/>
-                </a:solidFill>
-                <a:latin typeface="TeXGyreAdventor" pitchFamily="50" charset="0"/>
-              </a:rPr>
-              <a:t>“</a:t>
-            </a:r>
-          </a:p>
-          <a:p>
-            <a:endParaRPr lang="de-DE" dirty="0">
-              <a:solidFill>
-                <a:schemeClr val="bg1"/>
-              </a:solidFill>
-              <a:latin typeface="TeXGyreAdventor" pitchFamily="50" charset="0"/>
-            </a:endParaRPr>
-          </a:p>
-          <a:p>
-            <a:endParaRPr lang="de-DE" dirty="0" smtClean="0">
-              <a:solidFill>
-                <a:schemeClr val="bg1"/>
-              </a:solidFill>
-              <a:latin typeface="TeXGyreAdventor" pitchFamily="50" charset="0"/>
-            </a:endParaRPr>
-          </a:p>
-          <a:p>
-            <a:r>
-              <a:rPr lang="de-DE" dirty="0" smtClean="0">
-                <a:solidFill>
-                  <a:schemeClr val="bg1"/>
-                </a:solidFill>
-                <a:latin typeface="TeXGyreAdventor" pitchFamily="50" charset="0"/>
-              </a:rPr>
-              <a:t>Neue </a:t>
-            </a:r>
-            <a:r>
-              <a:rPr lang="de-DE" dirty="0" err="1" smtClean="0">
-                <a:solidFill>
-                  <a:schemeClr val="bg1"/>
-                </a:solidFill>
-                <a:latin typeface="TeXGyreAdventor" pitchFamily="50" charset="0"/>
-              </a:rPr>
-              <a:t>Health</a:t>
-            </a:r>
-            <a:r>
-              <a:rPr lang="de-DE" dirty="0" smtClean="0">
-                <a:solidFill>
-                  <a:schemeClr val="bg1"/>
-                </a:solidFill>
-                <a:latin typeface="TeXGyreAdventor" pitchFamily="50" charset="0"/>
-              </a:rPr>
-              <a:t> Mechanik:</a:t>
-            </a:r>
-          </a:p>
-          <a:p>
-            <a:pPr lvl="1"/>
-            <a:r>
-              <a:rPr lang="de-DE" dirty="0" smtClean="0">
-                <a:solidFill>
-                  <a:schemeClr val="bg1"/>
-                </a:solidFill>
-                <a:latin typeface="TeXGyreAdventor" pitchFamily="50" charset="0"/>
-              </a:rPr>
-              <a:t>Kisten</a:t>
-            </a:r>
-          </a:p>
-          <a:p>
-            <a:endParaRPr lang="de-DE" dirty="0">
-              <a:solidFill>
-                <a:schemeClr val="bg1"/>
-              </a:solidFill>
-              <a:latin typeface="TeXGyreAdventor" pitchFamily="50" charset="0"/>
-            </a:endParaRPr>
-          </a:p>
-        </p:txBody>
-      </p:sp>
-      <p:pic>
-        <p:nvPicPr>
-          <p:cNvPr id="1027" name="Picture 3" descr="C:\Users\jaromir.paarmann\Downloads\Jaro.png"/>
-          <p:cNvPicPr>
-            <a:picLocks noChangeAspect="1" noChangeArrowheads="1"/>
-          </p:cNvPicPr>
-          <p:nvPr/>
-        </p:nvPicPr>
-        <p:blipFill>
-          <a:blip r:embed="rId3" cstate="print">
-            <a:extLst>
-              <a:ext uri="{28A0092B-C50C-407E-A947-70E740481C1C}">
-                <a14:useLocalDpi xmlns:a14="http://schemas.microsoft.com/office/drawing/2010/main" val="0"/>
-              </a:ext>
-            </a:extLst>
-          </a:blip>
-          <a:srcRect/>
-          <a:stretch>
-            <a:fillRect/>
-          </a:stretch>
-        </p:blipFill>
-        <p:spPr bwMode="auto">
-          <a:xfrm>
-            <a:off x="4720781" y="1988840"/>
-            <a:ext cx="3205600" cy="1803694"/>
-          </a:xfrm>
-          <a:prstGeom prst="rect">
-            <a:avLst/>
-          </a:prstGeom>
-          <a:noFill/>
-          <a:extLst>
-            <a:ext uri="{909E8E84-426E-40DD-AFC4-6F175D3DCCD1}">
-              <a14:hiddenFill xmlns:a14="http://schemas.microsoft.com/office/drawing/2010/main">
-                <a:solidFill>
-                  <a:srgbClr val="FFFFFF"/>
-                </a:solidFill>
-              </a14:hiddenFill>
-            </a:ext>
-          </a:extLst>
-        </p:spPr>
-      </p:pic>
-    </p:spTree>
-    <p:extLst>
-      <p:ext uri="{BB962C8B-B14F-4D97-AF65-F5344CB8AC3E}">
-        <p14:creationId xmlns:p14="http://schemas.microsoft.com/office/powerpoint/2010/main" val="2677831311"/>
-      </p:ext>
-    </p:extLst>
-  </p:cSld>
-  <p:clrMapOvr>
-    <a:masterClrMapping/>
-  </p:clrMapOvr>
-  <p:timing>
-    <p:tnLst>
-      <p:par>
-        <p:cTn id="1" dur="indefinite" restart="never" nodeType="tmRoot"/>
-      </p:par>
-    </p:tnLst>
-  </p:timing>
-</p:sld>
-</file>
-
-<file path=ppt/slides/slide3.xml><?xml version="1.0" encoding="utf-8"?>
-<p:sld xmlns:a="http://schemas.openxmlformats.org/drawingml/2006/main" xmlns:r="http://schemas.openxmlformats.org/officeDocument/2006/relationships" xmlns:p="http://schemas.openxmlformats.org/presentationml/2006/main">
-  <p:cSld>
-    <p:spTree>
-      <p:nvGrpSpPr>
-        <p:cNvPr id="1" name=""/>
-        <p:cNvGrpSpPr/>
-        <p:nvPr/>
-      </p:nvGrpSpPr>
-      <p:grpSpPr>
-        <a:xfrm>
-          <a:off x="0" y="0"/>
-          <a:ext cx="0" cy="0"/>
-          <a:chOff x="0" y="0"/>
-          <a:chExt cx="0" cy="0"/>
-        </a:xfrm>
-      </p:grpSpPr>
-      <p:sp>
-        <p:nvSpPr>
-          <p:cNvPr id="2" name="Titel 1"/>
-          <p:cNvSpPr>
-            <a:spLocks noGrp="1"/>
-          </p:cNvSpPr>
-          <p:nvPr>
-            <p:ph type="title"/>
-          </p:nvPr>
-        </p:nvSpPr>
-        <p:spPr/>
-        <p:txBody>
-          <a:bodyPr/>
-          <a:lstStyle/>
-          <a:p>
-            <a:r>
-              <a:rPr lang="de-DE" b="1" dirty="0" smtClean="0">
-                <a:solidFill>
-                  <a:schemeClr val="bg1"/>
-                </a:solidFill>
-                <a:latin typeface="TeXGyreAdventor" pitchFamily="50" charset="0"/>
-              </a:rPr>
-              <a:t>Neue Features</a:t>
-            </a:r>
-            <a:endParaRPr lang="de-DE" b="1" dirty="0">
-              <a:solidFill>
-                <a:schemeClr val="bg1"/>
-              </a:solidFill>
-              <a:latin typeface="TeXGyreAdventor" pitchFamily="50" charset="0"/>
-            </a:endParaRPr>
-          </a:p>
-        </p:txBody>
-      </p:sp>
-      <p:sp>
-        <p:nvSpPr>
-          <p:cNvPr id="4" name="Inhaltsplatzhalter 3"/>
-          <p:cNvSpPr>
-            <a:spLocks noGrp="1"/>
-          </p:cNvSpPr>
-          <p:nvPr>
-            <p:ph idx="1"/>
-          </p:nvPr>
-        </p:nvSpPr>
-        <p:spPr/>
-        <p:txBody>
-          <a:bodyPr>
-            <a:normAutofit/>
-          </a:bodyPr>
-          <a:lstStyle/>
-          <a:p>
-            <a:pPr marL="0" indent="0">
-              <a:buNone/>
-            </a:pPr>
-            <a:endParaRPr lang="de-DE" b="1" dirty="0" smtClean="0">
-              <a:solidFill>
-                <a:schemeClr val="bg1"/>
-              </a:solidFill>
-              <a:latin typeface="TeXGyreAdventor" pitchFamily="50" charset="0"/>
-            </a:endParaRPr>
-          </a:p>
-          <a:p>
-            <a:r>
-              <a:rPr lang="de-DE" dirty="0" smtClean="0">
-                <a:solidFill>
-                  <a:schemeClr val="bg1"/>
-                </a:solidFill>
-                <a:latin typeface="TeXGyreAdventor" pitchFamily="50" charset="0"/>
-              </a:rPr>
-              <a:t>Generatoren</a:t>
-            </a:r>
-          </a:p>
-          <a:p>
-            <a:pPr lvl="1"/>
-            <a:r>
-              <a:rPr lang="de-DE" dirty="0" smtClean="0">
-                <a:solidFill>
-                  <a:schemeClr val="bg1"/>
-                </a:solidFill>
-                <a:latin typeface="TeXGyreAdventor" pitchFamily="50" charset="0"/>
-              </a:rPr>
-              <a:t>Kabel</a:t>
-            </a:r>
-          </a:p>
-          <a:p>
-            <a:pPr marL="0" indent="0">
-              <a:buNone/>
-            </a:pPr>
-            <a:endParaRPr lang="de-DE" dirty="0" smtClean="0">
-              <a:solidFill>
-                <a:schemeClr val="bg1"/>
-              </a:solidFill>
-              <a:latin typeface="TeXGyreAdventor" pitchFamily="50" charset="0"/>
-            </a:endParaRPr>
-          </a:p>
-        </p:txBody>
-      </p:sp>
-    </p:spTree>
-    <p:extLst>
-      <p:ext uri="{BB962C8B-B14F-4D97-AF65-F5344CB8AC3E}">
-        <p14:creationId xmlns:p14="http://schemas.microsoft.com/office/powerpoint/2010/main" val="2792440306"/>
-      </p:ext>
-    </p:extLst>
-  </p:cSld>
-  <p:clrMapOvr>
-    <a:masterClrMapping/>
-  </p:clrMapOvr>
-  <p:timing>
-    <p:tnLst>
-      <p:par>
-        <p:cTn id="1" dur="indefinite" restart="never" nodeType="tmRoot">
-          <p:childTnLst>
-            <p:seq concurrent="1" nextAc="seek">
-              <p:cTn id="2" dur="indefinite" nodeType="mainSeq">
-                <p:childTnLst>
-                  <p:par>
-                    <p:cTn id="3" fill="hold">
-                      <p:stCondLst>
-                        <p:cond delay="indefinite"/>
-                      </p:stCondLst>
-                      <p:childTnLst>
-                        <p:par>
-                          <p:cTn id="4" fill="hold">
-                            <p:stCondLst>
-                              <p:cond delay="0"/>
-                            </p:stCondLst>
-                            <p:childTnLst>
-                              <p:par>
-                                <p:cTn id="5" presetID="10" presetClass="entr" presetSubtype="0" fill="hold" grpId="0" nodeType="clickEffect">
-                                  <p:stCondLst>
-                                    <p:cond delay="0"/>
-                                  </p:stCondLst>
-                                  <p:childTnLst>
-                                    <p:set>
-                                      <p:cBhvr>
-                                        <p:cTn id="6" dur="1" fill="hold">
-                                          <p:stCondLst>
-                                            <p:cond delay="0"/>
-                                          </p:stCondLst>
-                                        </p:cTn>
-                                        <p:tgtEl>
-                                          <p:spTgt spid="4">
-                                            <p:txEl>
-                                              <p:pRg st="1" end="1"/>
-                                            </p:txEl>
-                                          </p:spTgt>
-                                        </p:tgtEl>
-                                        <p:attrNameLst>
-                                          <p:attrName>style.visibility</p:attrName>
-                                        </p:attrNameLst>
-                                      </p:cBhvr>
-                                      <p:to>
-                                        <p:strVal val="visible"/>
-                                      </p:to>
-                                    </p:set>
-                                    <p:animEffect transition="in" filter="fade">
-                                      <p:cBhvr>
-                                        <p:cTn id="7" dur="500"/>
-                                        <p:tgtEl>
-                                          <p:spTgt spid="4">
-                                            <p:txEl>
-                                              <p:pRg st="1" end="1"/>
-                                            </p:txEl>
-                                          </p:spTgt>
-                                        </p:tgtEl>
-                                      </p:cBhvr>
-                                    </p:animEffect>
-                                  </p:childTnLst>
-                                </p:cTn>
-                              </p:par>
-                              <p:par>
-                                <p:cTn id="8" presetID="10" presetClass="entr" presetSubtype="0" fill="hold" grpId="0" nodeType="withEffect">
-                                  <p:stCondLst>
-                                    <p:cond delay="0"/>
-                                  </p:stCondLst>
-                                  <p:childTnLst>
-                                    <p:set>
-                                      <p:cBhvr>
-                                        <p:cTn id="9" dur="1" fill="hold">
-                                          <p:stCondLst>
-                                            <p:cond delay="0"/>
-                                          </p:stCondLst>
-                                        </p:cTn>
-                                        <p:tgtEl>
-                                          <p:spTgt spid="4">
-                                            <p:txEl>
-                                              <p:pRg st="2" end="2"/>
-                                            </p:txEl>
-                                          </p:spTgt>
-                                        </p:tgtEl>
-                                        <p:attrNameLst>
-                                          <p:attrName>style.visibility</p:attrName>
-                                        </p:attrNameLst>
-                                      </p:cBhvr>
-                                      <p:to>
-                                        <p:strVal val="visible"/>
-                                      </p:to>
-                                    </p:set>
-                                    <p:animEffect transition="in" filter="fade">
-                                      <p:cBhvr>
-                                        <p:cTn id="10" dur="500"/>
-                                        <p:tgtEl>
-                                          <p:spTgt spid="4">
-                                            <p:txEl>
-                                              <p:pRg st="2" end="2"/>
-                                            </p:txEl>
-                                          </p:spTgt>
-                                        </p:tgtEl>
-                                      </p:cBhvr>
-                                    </p:animEffect>
-                                  </p:childTnLst>
-                                </p:cTn>
-                              </p:par>
-                            </p:childTnLst>
-                          </p:cTn>
-                        </p:par>
-                      </p:childTnLst>
-                    </p:cTn>
-                  </p:par>
-                </p:childTnLst>
-              </p:cTn>
-              <p:prevCondLst>
-                <p:cond evt="onPrev" delay="0">
-                  <p:tgtEl>
-                    <p:sldTgt/>
-                  </p:tgtEl>
-                </p:cond>
-              </p:prevCondLst>
-              <p:nextCondLst>
-                <p:cond evt="onNext" delay="0">
-                  <p:tgtEl>
-                    <p:sldTgt/>
-                  </p:tgtEl>
-                </p:cond>
-              </p:nextCondLst>
-            </p:seq>
-          </p:childTnLst>
-        </p:cTn>
-      </p:par>
-    </p:tnLst>
-    <p:bldLst>
-      <p:bldP spid="4" grpId="0" uiExpand="1" build="p"/>
-    </p:bldLst>
-  </p:timing>
-</p:sld>
-</file>
-
-<file path=ppt/slides/slide4.xml><?xml version="1.0" encoding="utf-8"?>
-<p:sld xmlns:a="http://schemas.openxmlformats.org/drawingml/2006/main" xmlns:r="http://schemas.openxmlformats.org/officeDocument/2006/relationships" xmlns:p="http://schemas.openxmlformats.org/presentationml/2006/main">
-  <p:cSld>
-    <p:spTree>
-      <p:nvGrpSpPr>
-        <p:cNvPr id="1" name=""/>
-        <p:cNvGrpSpPr/>
-        <p:nvPr/>
-      </p:nvGrpSpPr>
-      <p:grpSpPr>
-        <a:xfrm>
-          <a:off x="0" y="0"/>
-          <a:ext cx="0" cy="0"/>
-          <a:chOff x="0" y="0"/>
-          <a:chExt cx="0" cy="0"/>
-        </a:xfrm>
-      </p:grpSpPr>
-      <p:sp>
-        <p:nvSpPr>
-          <p:cNvPr id="2" name="Titel 1"/>
-          <p:cNvSpPr>
-            <a:spLocks noGrp="1"/>
-          </p:cNvSpPr>
-          <p:nvPr>
-            <p:ph type="title"/>
-          </p:nvPr>
-        </p:nvSpPr>
-        <p:spPr/>
-        <p:txBody>
-          <a:bodyPr/>
-          <a:lstStyle/>
-          <a:p>
-            <a:r>
-              <a:rPr lang="de-DE" dirty="0" smtClean="0">
-                <a:solidFill>
-                  <a:schemeClr val="bg1"/>
-                </a:solidFill>
-                <a:latin typeface="TeXGyreAdventor" pitchFamily="50" charset="0"/>
-              </a:rPr>
-              <a:t>Änderungen Sound</a:t>
-            </a:r>
-            <a:endParaRPr lang="de-DE" dirty="0">
-              <a:solidFill>
-                <a:schemeClr val="bg1"/>
-              </a:solidFill>
-              <a:latin typeface="TeXGyreAdventor" pitchFamily="50" charset="0"/>
-            </a:endParaRPr>
-          </a:p>
-        </p:txBody>
-      </p:sp>
-      <p:sp>
-        <p:nvSpPr>
-          <p:cNvPr id="3" name="Inhaltsplatzhalter 2"/>
-          <p:cNvSpPr>
-            <a:spLocks noGrp="1"/>
-          </p:cNvSpPr>
-          <p:nvPr>
-            <p:ph idx="1"/>
-          </p:nvPr>
-        </p:nvSpPr>
-        <p:spPr/>
-        <p:txBody>
-          <a:bodyPr/>
-          <a:lstStyle/>
-          <a:p>
-            <a:r>
-              <a:rPr lang="de-DE" dirty="0" smtClean="0">
-                <a:solidFill>
-                  <a:schemeClr val="bg1"/>
-                </a:solidFill>
-                <a:latin typeface="TeXGyreAdventor" pitchFamily="50" charset="0"/>
-              </a:rPr>
-              <a:t>Soundtrack neu geschnitten</a:t>
-            </a:r>
-          </a:p>
-          <a:p>
-            <a:r>
-              <a:rPr lang="de-DE" dirty="0" smtClean="0">
-                <a:solidFill>
-                  <a:schemeClr val="bg1"/>
-                </a:solidFill>
-                <a:latin typeface="TeXGyreAdventor" pitchFamily="50" charset="0"/>
-              </a:rPr>
-              <a:t>Generator SFX hinzugefügt</a:t>
-            </a:r>
-            <a:endParaRPr lang="de-DE" dirty="0">
-              <a:solidFill>
-                <a:schemeClr val="bg1"/>
-              </a:solidFill>
-              <a:latin typeface="TeXGyreAdventor" pitchFamily="50" charset="0"/>
-            </a:endParaRPr>
-          </a:p>
-        </p:txBody>
-      </p:sp>
-      <p:pic>
-        <p:nvPicPr>
-          <p:cNvPr id="2050" name="Picture 2" descr="C:\Users\jaromir.paarmann\Documents\HammerMan\Art\BilderPPPGate01\43922.png"/>
-          <p:cNvPicPr>
-            <a:picLocks noChangeAspect="1" noChangeArrowheads="1"/>
-          </p:cNvPicPr>
-          <p:nvPr/>
-        </p:nvPicPr>
-        <p:blipFill>
-          <a:blip r:embed="rId2" cstate="print">
-            <a:extLst>
-              <a:ext uri="{28A0092B-C50C-407E-A947-70E740481C1C}">
-                <a14:useLocalDpi xmlns:a14="http://schemas.microsoft.com/office/drawing/2010/main" val="0"/>
-              </a:ext>
-            </a:extLst>
-          </a:blip>
-          <a:srcRect/>
-          <a:stretch>
-            <a:fillRect/>
-          </a:stretch>
-        </p:blipFill>
-        <p:spPr bwMode="auto">
-          <a:xfrm>
-            <a:off x="2699792" y="3501008"/>
-            <a:ext cx="3428953" cy="1800200"/>
-          </a:xfrm>
-          <a:prstGeom prst="rect">
-            <a:avLst/>
-          </a:prstGeom>
-          <a:noFill/>
-          <a:extLst>
-            <a:ext uri="{909E8E84-426E-40DD-AFC4-6F175D3DCCD1}">
-              <a14:hiddenFill xmlns:a14="http://schemas.microsoft.com/office/drawing/2010/main">
-                <a:solidFill>
-                  <a:srgbClr val="FFFFFF"/>
-                </a:solidFill>
-              </a14:hiddenFill>
-            </a:ext>
-          </a:extLst>
-        </p:spPr>
-      </p:pic>
-    </p:spTree>
-    <p:extLst>
-      <p:ext uri="{BB962C8B-B14F-4D97-AF65-F5344CB8AC3E}">
-        <p14:creationId xmlns:p14="http://schemas.microsoft.com/office/powerpoint/2010/main" val="1159951696"/>
-      </p:ext>
-    </p:extLst>
-  </p:cSld>
-  <p:clrMapOvr>
-    <a:masterClrMapping/>
-  </p:clrMapOvr>
-  <p:timing>
-    <p:tnLst>
-      <p:par>
-        <p:cTn id="1" dur="indefinite" restart="never" nodeType="tmRoot">
-          <p:childTnLst>
-            <p:seq concurrent="1" nextAc="seek">
-              <p:cTn id="2" dur="indefinite" nodeType="mainSeq">
-                <p:childTnLst>
-                  <p:par>
-                    <p:cTn id="3" fill="hold">
-                      <p:stCondLst>
-                        <p:cond delay="indefinite"/>
-                      </p:stCondLst>
-                      <p:childTnLst>
-                        <p:par>
-                          <p:cTn id="4" fill="hold">
-                            <p:stCondLst>
-                              <p:cond delay="0"/>
-                            </p:stCondLst>
-                            <p:childTnLst>
-                              <p:par>
-                                <p:cTn id="5" presetID="10" presetClass="entr" presetSubtype="0" fill="hold" grpId="0" nodeType="clickEffect">
-                                  <p:stCondLst>
-                                    <p:cond delay="0"/>
-                                  </p:stCondLst>
-                                  <p:childTnLst>
-                                    <p:set>
-                                      <p:cBhvr>
-                                        <p:cTn id="6" dur="1" fill="hold">
-                                          <p:stCondLst>
-                                            <p:cond delay="0"/>
-                                          </p:stCondLst>
-                                        </p:cTn>
-                                        <p:tgtEl>
-                                          <p:spTgt spid="3">
-                                            <p:txEl>
-                                              <p:pRg st="0" end="0"/>
-                                            </p:txEl>
-                                          </p:spTgt>
-                                        </p:tgtEl>
-                                        <p:attrNameLst>
-                                          <p:attrName>style.visibility</p:attrName>
-                                        </p:attrNameLst>
-                                      </p:cBhvr>
-                                      <p:to>
-                                        <p:strVal val="visible"/>
-                                      </p:to>
-                                    </p:set>
-                                    <p:animEffect transition="in" filter="fade">
-                                      <p:cBhvr>
-                                        <p:cTn id="7" dur="500"/>
-                                        <p:tgtEl>
-                                          <p:spTgt spid="3">
-                                            <p:txEl>
-                                              <p:pRg st="0" end="0"/>
-                                            </p:txEl>
-                                          </p:spTgt>
-                                        </p:tgtEl>
-                                      </p:cBhvr>
-                                    </p:animEffect>
-                                  </p:childTnLst>
-                                </p:cTn>
-                              </p:par>
-                            </p:childTnLst>
-                          </p:cTn>
-                        </p:par>
-                      </p:childTnLst>
-                    </p:cTn>
-                  </p:par>
-                  <p:par>
-                    <p:cTn id="8" fill="hold">
-                      <p:stCondLst>
-                        <p:cond delay="indefinite"/>
-                      </p:stCondLst>
-                      <p:childTnLst>
-                        <p:par>
-                          <p:cTn id="9" fill="hold">
-                            <p:stCondLst>
-                              <p:cond delay="0"/>
-                            </p:stCondLst>
-                            <p:childTnLst>
-                              <p:par>
-                                <p:cTn id="10" presetID="10" presetClass="entr" presetSubtype="0" fill="hold" grpId="0" nodeType="clickEffect">
-                                  <p:stCondLst>
-                                    <p:cond delay="0"/>
-                                  </p:stCondLst>
-                                  <p:childTnLst>
-                                    <p:set>
-                                      <p:cBhvr>
-                                        <p:cTn id="11" dur="1" fill="hold">
-                                          <p:stCondLst>
-                                            <p:cond delay="0"/>
-                                          </p:stCondLst>
-                                        </p:cTn>
-                                        <p:tgtEl>
-                                          <p:spTgt spid="3">
-                                            <p:txEl>
-                                              <p:pRg st="1" end="1"/>
-                                            </p:txEl>
-                                          </p:spTgt>
-                                        </p:tgtEl>
-                                        <p:attrNameLst>
-                                          <p:attrName>style.visibility</p:attrName>
-                                        </p:attrNameLst>
-                                      </p:cBhvr>
-                                      <p:to>
-                                        <p:strVal val="visible"/>
-                                      </p:to>
-                                    </p:set>
-                                    <p:animEffect transition="in" filter="fade">
-                                      <p:cBhvr>
-                                        <p:cTn id="12" dur="500"/>
-                                        <p:tgtEl>
-                                          <p:spTgt spid="3">
-                                            <p:txEl>
-                                              <p:pRg st="1" end="1"/>
-                                            </p:txEl>
-                                          </p:spTgt>
-                                        </p:tgtEl>
-                                      </p:cBhvr>
-                                    </p:animEffect>
-                                  </p:childTnLst>
-                                </p:cTn>
-                              </p:par>
-                            </p:childTnLst>
-                          </p:cTn>
-                        </p:par>
-                      </p:childTnLst>
-                    </p:cTn>
-                  </p:par>
-                </p:childTnLst>
-              </p:cTn>
-              <p:prevCondLst>
-                <p:cond evt="onPrev" delay="0">
-                  <p:tgtEl>
-                    <p:sldTgt/>
-                  </p:tgtEl>
-                </p:cond>
-              </p:prevCondLst>
-              <p:nextCondLst>
-                <p:cond evt="onNext" delay="0">
-                  <p:tgtEl>
-                    <p:sldTgt/>
-                  </p:tgtEl>
-                </p:cond>
-              </p:nextCondLst>
-            </p:seq>
-          </p:childTnLst>
-        </p:cTn>
-      </p:par>
-    </p:tnLst>
-    <p:bldLst>
-      <p:bldP spid="3" grpId="0" build="p"/>
-    </p:bldLst>
-  </p:timing>
-</p:sld>
-</file>
-
-<file path=ppt/slides/slide5.xml><?xml version="1.0" encoding="utf-8"?>
-<p:sld xmlns:a="http://schemas.openxmlformats.org/drawingml/2006/main" xmlns:r="http://schemas.openxmlformats.org/officeDocument/2006/relationships" xmlns:p="http://schemas.openxmlformats.org/presentationml/2006/main">
-  <p:cSld>
-    <p:spTree>
-      <p:nvGrpSpPr>
-        <p:cNvPr id="1" name=""/>
-        <p:cNvGrpSpPr/>
-        <p:nvPr/>
-      </p:nvGrpSpPr>
-      <p:grpSpPr>
-        <a:xfrm>
-          <a:off x="0" y="0"/>
-          <a:ext cx="0" cy="0"/>
-          <a:chOff x="0" y="0"/>
-          <a:chExt cx="0" cy="0"/>
-        </a:xfrm>
-      </p:grpSpPr>
-      <p:sp>
-        <p:nvSpPr>
-          <p:cNvPr id="2" name="Titel 1"/>
-          <p:cNvSpPr>
-            <a:spLocks noGrp="1"/>
-          </p:cNvSpPr>
-          <p:nvPr>
-            <p:ph type="title"/>
-          </p:nvPr>
-        </p:nvSpPr>
-        <p:spPr/>
-        <p:txBody>
-          <a:bodyPr/>
-          <a:lstStyle/>
-          <a:p>
-            <a:r>
-              <a:rPr lang="de-DE" b="1" dirty="0" smtClean="0">
-                <a:solidFill>
-                  <a:schemeClr val="bg1"/>
-                </a:solidFill>
-                <a:latin typeface="TeXGyreAdventor" pitchFamily="50" charset="0"/>
-              </a:rPr>
-              <a:t>Änderungen Art</a:t>
-            </a:r>
-            <a:endParaRPr lang="de-DE" b="1" dirty="0">
-              <a:solidFill>
-                <a:schemeClr val="bg1"/>
-              </a:solidFill>
-              <a:latin typeface="TeXGyreAdventor" pitchFamily="50" charset="0"/>
-            </a:endParaRPr>
-          </a:p>
-        </p:txBody>
-      </p:sp>
-      <p:sp>
-        <p:nvSpPr>
-          <p:cNvPr id="3" name="Inhaltsplatzhalter 2"/>
-          <p:cNvSpPr>
-            <a:spLocks noGrp="1"/>
-          </p:cNvSpPr>
-          <p:nvPr>
-            <p:ph idx="1"/>
-          </p:nvPr>
-        </p:nvSpPr>
-        <p:spPr/>
-        <p:txBody>
-          <a:bodyPr>
-            <a:normAutofit/>
-          </a:bodyPr>
-          <a:lstStyle/>
-          <a:p>
-            <a:pPr marL="0" indent="0" algn="ctr">
-              <a:buNone/>
-            </a:pPr>
-            <a:r>
-              <a:rPr lang="de-DE" b="1" dirty="0" smtClean="0">
-                <a:solidFill>
-                  <a:schemeClr val="bg1"/>
-                </a:solidFill>
-                <a:latin typeface="TeXGyreAdventor" pitchFamily="50" charset="0"/>
-              </a:rPr>
-              <a:t>Generell</a:t>
-            </a:r>
-          </a:p>
-          <a:p>
-            <a:pPr marL="0" indent="0" algn="ctr">
-              <a:buNone/>
-            </a:pPr>
-            <a:endParaRPr lang="de-DE" b="1" dirty="0" smtClean="0">
-              <a:solidFill>
-                <a:schemeClr val="bg1"/>
-              </a:solidFill>
-              <a:latin typeface="TeXGyreAdventor" pitchFamily="50" charset="0"/>
-            </a:endParaRPr>
-          </a:p>
-          <a:p>
-            <a:r>
-              <a:rPr lang="de-DE" dirty="0" err="1" smtClean="0">
-                <a:solidFill>
-                  <a:schemeClr val="bg1"/>
-                </a:solidFill>
-                <a:latin typeface="TeXGyreAdventor" pitchFamily="50" charset="0"/>
-              </a:rPr>
-              <a:t>Outlines</a:t>
-            </a:r>
-            <a:r>
-              <a:rPr lang="de-DE" dirty="0" smtClean="0">
-                <a:solidFill>
-                  <a:schemeClr val="bg1"/>
-                </a:solidFill>
-                <a:latin typeface="TeXGyreAdventor" pitchFamily="50" charset="0"/>
-              </a:rPr>
-              <a:t> für alle Vordergrund Assets</a:t>
-            </a:r>
-          </a:p>
-          <a:p>
-            <a:pPr lvl="2"/>
-            <a:endParaRPr lang="de-DE" dirty="0" smtClean="0">
-              <a:solidFill>
-                <a:schemeClr val="bg1"/>
-              </a:solidFill>
-              <a:latin typeface="TeXGyreAdventor" pitchFamily="50" charset="0"/>
-            </a:endParaRPr>
-          </a:p>
-          <a:p>
-            <a:endParaRPr lang="de-DE" dirty="0" smtClean="0">
-              <a:solidFill>
-                <a:schemeClr val="bg1"/>
-              </a:solidFill>
-              <a:latin typeface="TeXGyreAdventor" pitchFamily="50" charset="0"/>
-            </a:endParaRPr>
-          </a:p>
-          <a:p>
-            <a:endParaRPr lang="de-DE" dirty="0" smtClean="0">
-              <a:solidFill>
-                <a:schemeClr val="bg1"/>
-              </a:solidFill>
-              <a:latin typeface="TeXGyreAdventor" pitchFamily="50" charset="0"/>
-            </a:endParaRPr>
-          </a:p>
-          <a:p>
-            <a:endParaRPr lang="de-DE" dirty="0" smtClean="0">
-              <a:solidFill>
-                <a:schemeClr val="bg1"/>
-              </a:solidFill>
-              <a:latin typeface="TeXGyreAdventor" pitchFamily="50" charset="0"/>
-            </a:endParaRPr>
-          </a:p>
-          <a:p>
-            <a:endParaRPr lang="de-DE" dirty="0">
-              <a:solidFill>
-                <a:schemeClr val="bg1"/>
-              </a:solidFill>
-              <a:latin typeface="TeXGyreAdventor" pitchFamily="50" charset="0"/>
-            </a:endParaRPr>
-          </a:p>
-        </p:txBody>
-      </p:sp>
-      <p:pic>
-        <p:nvPicPr>
-          <p:cNvPr id="3076" name="Picture 4"/>
-          <p:cNvPicPr>
-            <a:picLocks noChangeAspect="1" noChangeArrowheads="1"/>
-          </p:cNvPicPr>
-          <p:nvPr/>
-        </p:nvPicPr>
-        <p:blipFill>
-          <a:blip r:embed="rId2" cstate="print">
-            <a:extLst>
-              <a:ext uri="{28A0092B-C50C-407E-A947-70E740481C1C}">
-                <a14:useLocalDpi xmlns:a14="http://schemas.microsoft.com/office/drawing/2010/main" val="0"/>
-              </a:ext>
-            </a:extLst>
-          </a:blip>
-          <a:srcRect/>
-          <a:stretch>
-            <a:fillRect/>
-          </a:stretch>
-        </p:blipFill>
-        <p:spPr bwMode="auto">
-          <a:xfrm>
-            <a:off x="2915816" y="3356992"/>
-            <a:ext cx="3286536" cy="3312368"/>
-          </a:xfrm>
-          <a:prstGeom prst="rect">
-            <a:avLst/>
-          </a:prstGeom>
-          <a:noFill/>
-          <a:ln>
-            <a:noFill/>
-          </a:ln>
-          <a:extLst>
-            <a:ext uri="{909E8E84-426E-40DD-AFC4-6F175D3DCCD1}">
-              <a14:hiddenFill xmlns:a14="http://schemas.microsoft.com/office/drawing/2010/main">
-                <a:solidFill>
-                  <a:schemeClr val="accent1"/>
-                </a:solidFill>
-              </a14:hiddenFill>
-            </a:ext>
-            <a:ext uri="{91240B29-F687-4F45-9708-019B960494DF}">
-              <a14:hiddenLine xmlns:a14="http://schemas.microsoft.com/office/drawing/2010/main" w="9525">
-                <a:solidFill>
-                  <a:schemeClr val="tx1"/>
-                </a:solidFill>
-                <a:miter lim="800000"/>
-                <a:headEnd/>
-                <a:tailEnd/>
-              </a14:hiddenLine>
-            </a:ext>
-          </a:extLst>
-        </p:spPr>
-      </p:pic>
-    </p:spTree>
-    <p:extLst>
-      <p:ext uri="{BB962C8B-B14F-4D97-AF65-F5344CB8AC3E}">
-        <p14:creationId xmlns:p14="http://schemas.microsoft.com/office/powerpoint/2010/main" val="368853943"/>
-      </p:ext>
-    </p:extLst>
-  </p:cSld>
-  <p:clrMapOvr>
-    <a:masterClrMapping/>
-  </p:clrMapOvr>
-  <p:timing>
-    <p:tnLst>
-      <p:par>
-        <p:cTn id="1" dur="indefinite" restart="never" nodeType="tmRoot">
-          <p:childTnLst>
-            <p:seq concurrent="1" nextAc="seek">
-              <p:cTn id="2" dur="indefinite" nodeType="mainSeq">
-                <p:childTnLst>
-                  <p:par>
-                    <p:cTn id="3" fill="hold">
-                      <p:stCondLst>
-                        <p:cond delay="indefinite"/>
-                      </p:stCondLst>
-                      <p:childTnLst>
-                        <p:par>
-                          <p:cTn id="4" fill="hold">
-                            <p:stCondLst>
-                              <p:cond delay="0"/>
-                            </p:stCondLst>
-                            <p:childTnLst>
-                              <p:par>
-                                <p:cTn id="5" presetID="10" presetClass="entr" presetSubtype="0" fill="hold" grpId="0" nodeType="clickEffect">
-                                  <p:stCondLst>
-                                    <p:cond delay="0"/>
-                                  </p:stCondLst>
-                                  <p:childTnLst>
-                                    <p:set>
-                                      <p:cBhvr>
-                                        <p:cTn id="6" dur="1" fill="hold">
-                                          <p:stCondLst>
-                                            <p:cond delay="0"/>
-                                          </p:stCondLst>
-                                        </p:cTn>
-                                        <p:tgtEl>
-                                          <p:spTgt spid="3">
-                                            <p:txEl>
-                                              <p:pRg st="0" end="0"/>
-                                            </p:txEl>
-                                          </p:spTgt>
-                                        </p:tgtEl>
-                                        <p:attrNameLst>
-                                          <p:attrName>style.visibility</p:attrName>
-                                        </p:attrNameLst>
-                                      </p:cBhvr>
-                                      <p:to>
-                                        <p:strVal val="visible"/>
-                                      </p:to>
-                                    </p:set>
-                                    <p:animEffect transition="in" filter="fade">
-                                      <p:cBhvr>
-                                        <p:cTn id="7" dur="500"/>
-                                        <p:tgtEl>
-                                          <p:spTgt spid="3">
-                                            <p:txEl>
-                                              <p:pRg st="0" end="0"/>
-                                            </p:txEl>
-                                          </p:spTgt>
-                                        </p:tgtEl>
-                                      </p:cBhvr>
-                                    </p:animEffect>
-                                  </p:childTnLst>
-                                </p:cTn>
-                              </p:par>
-                            </p:childTnLst>
-                          </p:cTn>
-                        </p:par>
-                      </p:childTnLst>
-                    </p:cTn>
-                  </p:par>
-                  <p:par>
-                    <p:cTn id="8" fill="hold">
-                      <p:stCondLst>
-                        <p:cond delay="indefinite"/>
-                      </p:stCondLst>
-                      <p:childTnLst>
-                        <p:par>
-                          <p:cTn id="9" fill="hold">
-                            <p:stCondLst>
-                              <p:cond delay="0"/>
-                            </p:stCondLst>
-                            <p:childTnLst>
-                              <p:par>
-                                <p:cTn id="10" presetID="10" presetClass="entr" presetSubtype="0" fill="hold" grpId="0" nodeType="clickEffect">
-                                  <p:stCondLst>
-                                    <p:cond delay="0"/>
-                                  </p:stCondLst>
-                                  <p:childTnLst>
-                                    <p:set>
-                                      <p:cBhvr>
-                                        <p:cTn id="11" dur="1" fill="hold">
-                                          <p:stCondLst>
-                                            <p:cond delay="0"/>
-                                          </p:stCondLst>
-                                        </p:cTn>
-                                        <p:tgtEl>
-                                          <p:spTgt spid="3">
-                                            <p:txEl>
-                                              <p:pRg st="2" end="2"/>
-                                            </p:txEl>
-                                          </p:spTgt>
-                                        </p:tgtEl>
-                                        <p:attrNameLst>
-                                          <p:attrName>style.visibility</p:attrName>
-                                        </p:attrNameLst>
-                                      </p:cBhvr>
-                                      <p:to>
-                                        <p:strVal val="visible"/>
-                                      </p:to>
-                                    </p:set>
-                                    <p:animEffect transition="in" filter="fade">
-                                      <p:cBhvr>
-                                        <p:cTn id="12" dur="500"/>
-                                        <p:tgtEl>
-                                          <p:spTgt spid="3">
-                                            <p:txEl>
-                                              <p:pRg st="2" end="2"/>
-                                            </p:txEl>
-                                          </p:spTgt>
-                                        </p:tgtEl>
-                                      </p:cBhvr>
-                                    </p:animEffect>
-                                  </p:childTnLst>
-                                </p:cTn>
-                              </p:par>
-                            </p:childTnLst>
-                          </p:cTn>
-                        </p:par>
-                      </p:childTnLst>
-                    </p:cTn>
-                  </p:par>
-                </p:childTnLst>
-              </p:cTn>
-              <p:prevCondLst>
-                <p:cond evt="onPrev" delay="0">
-                  <p:tgtEl>
-                    <p:sldTgt/>
-                  </p:tgtEl>
-                </p:cond>
-              </p:prevCondLst>
-              <p:nextCondLst>
-                <p:cond evt="onNext" delay="0">
-                  <p:tgtEl>
-                    <p:sldTgt/>
-                  </p:tgtEl>
-                </p:cond>
-              </p:nextCondLst>
-            </p:seq>
-          </p:childTnLst>
-        </p:cTn>
-      </p:par>
-    </p:tnLst>
-    <p:bldLst>
-      <p:bldP spid="3" grpId="0" build="p"/>
-    </p:bldLst>
-  </p:timing>
-</p:sld>
-</file>
-
-<file path=ppt/slides/slide6.xml><?xml version="1.0" encoding="utf-8"?>
-<p:sld xmlns:a="http://schemas.openxmlformats.org/drawingml/2006/main" xmlns:r="http://schemas.openxmlformats.org/officeDocument/2006/relationships" xmlns:p="http://schemas.openxmlformats.org/presentationml/2006/main">
-  <p:cSld>
-    <p:spTree>
-      <p:nvGrpSpPr>
-        <p:cNvPr id="1" name=""/>
-        <p:cNvGrpSpPr/>
-        <p:nvPr/>
-      </p:nvGrpSpPr>
-      <p:grpSpPr>
-        <a:xfrm>
-          <a:off x="0" y="0"/>
-          <a:ext cx="0" cy="0"/>
-          <a:chOff x="0" y="0"/>
-          <a:chExt cx="0" cy="0"/>
-        </a:xfrm>
-      </p:grpSpPr>
-      <p:sp>
-        <p:nvSpPr>
-          <p:cNvPr id="2" name="Titel 1"/>
-          <p:cNvSpPr>
-            <a:spLocks noGrp="1"/>
-          </p:cNvSpPr>
-          <p:nvPr>
-            <p:ph type="title"/>
-          </p:nvPr>
-        </p:nvSpPr>
-        <p:spPr/>
-        <p:txBody>
-          <a:bodyPr/>
-          <a:lstStyle/>
-          <a:p>
-            <a:r>
-              <a:rPr lang="de-DE" b="1" dirty="0" smtClean="0">
-                <a:solidFill>
-                  <a:schemeClr val="bg1"/>
-                </a:solidFill>
-                <a:latin typeface="TeXGyreAdventor" pitchFamily="50" charset="0"/>
-              </a:rPr>
-              <a:t>Änderungen Art</a:t>
-            </a:r>
-            <a:endParaRPr lang="de-DE" b="1" dirty="0">
-              <a:solidFill>
-                <a:schemeClr val="bg1"/>
-              </a:solidFill>
-              <a:latin typeface="TeXGyreAdventor" pitchFamily="50" charset="0"/>
-            </a:endParaRPr>
-          </a:p>
-        </p:txBody>
-      </p:sp>
-      <p:sp>
-        <p:nvSpPr>
-          <p:cNvPr id="3" name="Inhaltsplatzhalter 2"/>
-          <p:cNvSpPr>
-            <a:spLocks noGrp="1"/>
-          </p:cNvSpPr>
-          <p:nvPr>
-            <p:ph idx="1"/>
-          </p:nvPr>
-        </p:nvSpPr>
-        <p:spPr/>
-        <p:txBody>
-          <a:bodyPr>
-            <a:normAutofit/>
-          </a:bodyPr>
-          <a:lstStyle/>
-          <a:p>
-            <a:pPr marL="0" indent="0" algn="ctr">
-              <a:buNone/>
-            </a:pPr>
-            <a:r>
-              <a:rPr lang="de-DE" b="1" dirty="0" smtClean="0">
-                <a:solidFill>
-                  <a:schemeClr val="bg1"/>
-                </a:solidFill>
-                <a:latin typeface="TeXGyreAdventor" pitchFamily="50" charset="0"/>
-              </a:rPr>
-              <a:t>Hammerjaeger</a:t>
-            </a:r>
-          </a:p>
-          <a:p>
-            <a:pPr marL="0" indent="0" algn="ctr">
-              <a:buNone/>
-            </a:pPr>
-            <a:endParaRPr lang="de-DE" b="1" dirty="0" smtClean="0">
-              <a:solidFill>
-                <a:schemeClr val="bg1"/>
-              </a:solidFill>
-              <a:latin typeface="TeXGyreAdventor" pitchFamily="50" charset="0"/>
-            </a:endParaRPr>
-          </a:p>
-          <a:p>
-            <a:r>
-              <a:rPr lang="de-DE" dirty="0" smtClean="0">
-                <a:solidFill>
-                  <a:schemeClr val="bg1"/>
-                </a:solidFill>
-                <a:latin typeface="TeXGyreAdventor" pitchFamily="50" charset="0"/>
-              </a:rPr>
-              <a:t>Stehanimation</a:t>
-            </a:r>
-          </a:p>
-          <a:p>
-            <a:endParaRPr lang="de-DE" dirty="0">
-              <a:solidFill>
-                <a:schemeClr val="bg1"/>
-              </a:solidFill>
-              <a:latin typeface="TeXGyreAdventor" pitchFamily="50" charset="0"/>
-            </a:endParaRPr>
-          </a:p>
-          <a:p>
-            <a:r>
-              <a:rPr lang="de-DE" dirty="0" smtClean="0">
-                <a:solidFill>
-                  <a:schemeClr val="bg1"/>
-                </a:solidFill>
-                <a:latin typeface="TeXGyreAdventor" pitchFamily="50" charset="0"/>
-              </a:rPr>
-              <a:t>Laufanimation</a:t>
-            </a:r>
-          </a:p>
-          <a:p>
-            <a:endParaRPr lang="de-DE" dirty="0">
-              <a:solidFill>
-                <a:schemeClr val="bg1"/>
-              </a:solidFill>
-              <a:latin typeface="TeXGyreAdventor" pitchFamily="50" charset="0"/>
-            </a:endParaRPr>
-          </a:p>
-          <a:p>
-            <a:endParaRPr lang="de-DE" dirty="0" smtClean="0">
-              <a:solidFill>
-                <a:schemeClr val="bg1"/>
-              </a:solidFill>
-              <a:latin typeface="TeXGyreAdventor" pitchFamily="50" charset="0"/>
-            </a:endParaRPr>
-          </a:p>
-          <a:p>
-            <a:pPr lvl="2"/>
-            <a:endParaRPr lang="de-DE" dirty="0" smtClean="0">
-              <a:solidFill>
-                <a:schemeClr val="bg1"/>
-              </a:solidFill>
-              <a:latin typeface="TeXGyreAdventor" pitchFamily="50" charset="0"/>
-            </a:endParaRPr>
-          </a:p>
-          <a:p>
-            <a:endParaRPr lang="de-DE" dirty="0" smtClean="0">
-              <a:solidFill>
-                <a:schemeClr val="bg1"/>
-              </a:solidFill>
-              <a:latin typeface="TeXGyreAdventor" pitchFamily="50" charset="0"/>
-            </a:endParaRPr>
-          </a:p>
-          <a:p>
-            <a:endParaRPr lang="de-DE" dirty="0" smtClean="0">
-              <a:solidFill>
-                <a:schemeClr val="bg1"/>
-              </a:solidFill>
-              <a:latin typeface="TeXGyreAdventor" pitchFamily="50" charset="0"/>
-            </a:endParaRPr>
-          </a:p>
-          <a:p>
-            <a:endParaRPr lang="de-DE" dirty="0" smtClean="0">
-              <a:solidFill>
-                <a:schemeClr val="bg1"/>
-              </a:solidFill>
-              <a:latin typeface="TeXGyreAdventor" pitchFamily="50" charset="0"/>
-            </a:endParaRPr>
-          </a:p>
-          <a:p>
-            <a:endParaRPr lang="de-DE" dirty="0">
-              <a:solidFill>
-                <a:schemeClr val="bg1"/>
-              </a:solidFill>
-              <a:latin typeface="TeXGyreAdventor" pitchFamily="50" charset="0"/>
-            </a:endParaRPr>
-          </a:p>
-        </p:txBody>
-      </p:sp>
-    </p:spTree>
-    <p:extLst>
-      <p:ext uri="{BB962C8B-B14F-4D97-AF65-F5344CB8AC3E}">
-        <p14:creationId xmlns:p14="http://schemas.microsoft.com/office/powerpoint/2010/main" val="2536580597"/>
-      </p:ext>
-    </p:extLst>
-  </p:cSld>
-  <p:clrMapOvr>
-    <a:masterClrMapping/>
-  </p:clrMapOvr>
-  <p:timing>
-    <p:tnLst>
-      <p:par>
-        <p:cTn id="1" dur="indefinite" restart="never" nodeType="tmRoot">
-          <p:childTnLst>
-            <p:seq concurrent="1" nextAc="seek">
-              <p:cTn id="2" dur="indefinite" nodeType="mainSeq">
-                <p:childTnLst>
-                  <p:par>
-                    <p:cTn id="3" fill="hold">
-                      <p:stCondLst>
-                        <p:cond delay="indefinite"/>
-                      </p:stCondLst>
-                      <p:childTnLst>
-                        <p:par>
-                          <p:cTn id="4" fill="hold">
-                            <p:stCondLst>
-                              <p:cond delay="0"/>
-                            </p:stCondLst>
-                            <p:childTnLst>
-                              <p:par>
-                                <p:cTn id="5" presetID="10" presetClass="entr" presetSubtype="0" fill="hold" grpId="0" nodeType="clickEffect">
-                                  <p:stCondLst>
-                                    <p:cond delay="0"/>
-                                  </p:stCondLst>
-                                  <p:childTnLst>
-                                    <p:set>
-                                      <p:cBhvr>
-                                        <p:cTn id="6" dur="1" fill="hold">
-                                          <p:stCondLst>
-                                            <p:cond delay="0"/>
-                                          </p:stCondLst>
-                                        </p:cTn>
-                                        <p:tgtEl>
-                                          <p:spTgt spid="3">
-                                            <p:txEl>
-                                              <p:pRg st="0" end="0"/>
-                                            </p:txEl>
-                                          </p:spTgt>
-                                        </p:tgtEl>
-                                        <p:attrNameLst>
-                                          <p:attrName>style.visibility</p:attrName>
-                                        </p:attrNameLst>
-                                      </p:cBhvr>
-                                      <p:to>
-                                        <p:strVal val="visible"/>
-                                      </p:to>
-                                    </p:set>
-                                    <p:animEffect transition="in" filter="fade">
-                                      <p:cBhvr>
-                                        <p:cTn id="7" dur="500"/>
-                                        <p:tgtEl>
-                                          <p:spTgt spid="3">
-                                            <p:txEl>
-                                              <p:pRg st="0" end="0"/>
-                                            </p:txEl>
-                                          </p:spTgt>
-                                        </p:tgtEl>
-                                      </p:cBhvr>
-                                    </p:animEffect>
-                                  </p:childTnLst>
-                                </p:cTn>
-                              </p:par>
-                            </p:childTnLst>
-                          </p:cTn>
-                        </p:par>
-                      </p:childTnLst>
-                    </p:cTn>
-                  </p:par>
-                  <p:par>
-                    <p:cTn id="8" fill="hold">
-                      <p:stCondLst>
-                        <p:cond delay="indefinite"/>
-                      </p:stCondLst>
-                      <p:childTnLst>
-                        <p:par>
-                          <p:cTn id="9" fill="hold">
-                            <p:stCondLst>
-                              <p:cond delay="0"/>
-                            </p:stCondLst>
-                            <p:childTnLst>
-                              <p:par>
-                                <p:cTn id="10" presetID="10" presetClass="entr" presetSubtype="0" fill="hold" grpId="0" nodeType="clickEffect">
-                                  <p:stCondLst>
-                                    <p:cond delay="0"/>
-                                  </p:stCondLst>
-                                  <p:childTnLst>
-                                    <p:set>
-                                      <p:cBhvr>
-                                        <p:cTn id="11" dur="1" fill="hold">
-                                          <p:stCondLst>
-                                            <p:cond delay="0"/>
-                                          </p:stCondLst>
-                                        </p:cTn>
-                                        <p:tgtEl>
-                                          <p:spTgt spid="3">
-                                            <p:txEl>
-                                              <p:pRg st="2" end="2"/>
-                                            </p:txEl>
-                                          </p:spTgt>
-                                        </p:tgtEl>
-                                        <p:attrNameLst>
-                                          <p:attrName>style.visibility</p:attrName>
-                                        </p:attrNameLst>
-                                      </p:cBhvr>
-                                      <p:to>
-                                        <p:strVal val="visible"/>
-                                      </p:to>
-                                    </p:set>
-                                    <p:animEffect transition="in" filter="fade">
-                                      <p:cBhvr>
-                                        <p:cTn id="12" dur="500"/>
-                                        <p:tgtEl>
-                                          <p:spTgt spid="3">
-                                            <p:txEl>
-                                              <p:pRg st="2" end="2"/>
-                                            </p:txEl>
-                                          </p:spTgt>
-                                        </p:tgtEl>
-                                      </p:cBhvr>
-                                    </p:animEffect>
-                                  </p:childTnLst>
-                                </p:cTn>
-                              </p:par>
-                            </p:childTnLst>
-                          </p:cTn>
-                        </p:par>
-                      </p:childTnLst>
-                    </p:cTn>
-                  </p:par>
-                  <p:par>
-                    <p:cTn id="13" fill="hold">
-                      <p:stCondLst>
-                        <p:cond delay="indefinite"/>
-                      </p:stCondLst>
-                      <p:childTnLst>
-                        <p:par>
-                          <p:cTn id="14" fill="hold">
-                            <p:stCondLst>
-                              <p:cond delay="0"/>
-                            </p:stCondLst>
-                            <p:childTnLst>
-                              <p:par>
-                                <p:cTn id="15" presetID="10" presetClass="entr" presetSubtype="0" fill="hold" grpId="0" nodeType="clickEffect">
-                                  <p:stCondLst>
-                                    <p:cond delay="0"/>
-                                  </p:stCondLst>
-                                  <p:childTnLst>
-                                    <p:set>
-                                      <p:cBhvr>
-                                        <p:cTn id="16" dur="1" fill="hold">
-                                          <p:stCondLst>
-                                            <p:cond delay="0"/>
-                                          </p:stCondLst>
-                                        </p:cTn>
-                                        <p:tgtEl>
-                                          <p:spTgt spid="3">
-                                            <p:txEl>
-                                              <p:pRg st="4" end="4"/>
-                                            </p:txEl>
-                                          </p:spTgt>
-                                        </p:tgtEl>
-                                        <p:attrNameLst>
-                                          <p:attrName>style.visibility</p:attrName>
-                                        </p:attrNameLst>
-                                      </p:cBhvr>
-                                      <p:to>
-                                        <p:strVal val="visible"/>
-                                      </p:to>
-                                    </p:set>
-                                    <p:animEffect transition="in" filter="fade">
-                                      <p:cBhvr>
-                                        <p:cTn id="17" dur="500"/>
-                                        <p:tgtEl>
-                                          <p:spTgt spid="3">
-                                            <p:txEl>
-                                              <p:pRg st="4" end="4"/>
-                                            </p:txEl>
-                                          </p:spTgt>
-                                        </p:tgtEl>
-                                      </p:cBhvr>
-                                    </p:animEffect>
-                                  </p:childTnLst>
-                                </p:cTn>
-                              </p:par>
-                            </p:childTnLst>
-                          </p:cTn>
-                        </p:par>
-                      </p:childTnLst>
-                    </p:cTn>
-                  </p:par>
-                </p:childTnLst>
-              </p:cTn>
-              <p:prevCondLst>
-                <p:cond evt="onPrev" delay="0">
-                  <p:tgtEl>
-                    <p:sldTgt/>
-                  </p:tgtEl>
-                </p:cond>
-              </p:prevCondLst>
-              <p:nextCondLst>
-                <p:cond evt="onNext" delay="0">
-                  <p:tgtEl>
-                    <p:sldTgt/>
-                  </p:tgtEl>
-                </p:cond>
-              </p:nextCondLst>
-            </p:seq>
-          </p:childTnLst>
-        </p:cTn>
-      </p:par>
-    </p:tnLst>
-    <p:bldLst>
-      <p:bldP spid="3" grpId="0" build="p"/>
-    </p:bldLst>
-  </p:timing>
-</p:sld>
-</file>
-
-<file path=ppt/slides/slide7.xml><?xml version="1.0" encoding="utf-8"?>
-<p:sld xmlns:a="http://schemas.openxmlformats.org/drawingml/2006/main" xmlns:r="http://schemas.openxmlformats.org/officeDocument/2006/relationships" xmlns:p="http://schemas.openxmlformats.org/presentationml/2006/main">
-  <p:cSld>
-    <p:spTree>
-      <p:nvGrpSpPr>
-        <p:cNvPr id="1" name=""/>
-        <p:cNvGrpSpPr/>
-        <p:nvPr/>
-      </p:nvGrpSpPr>
-      <p:grpSpPr>
-        <a:xfrm>
-          <a:off x="0" y="0"/>
-          <a:ext cx="0" cy="0"/>
-          <a:chOff x="0" y="0"/>
-          <a:chExt cx="0" cy="0"/>
-        </a:xfrm>
-      </p:grpSpPr>
-      <p:sp>
-        <p:nvSpPr>
-          <p:cNvPr id="2" name="Titel 1"/>
-          <p:cNvSpPr>
-            <a:spLocks noGrp="1"/>
-          </p:cNvSpPr>
-          <p:nvPr>
-            <p:ph type="title"/>
-          </p:nvPr>
-        </p:nvSpPr>
-        <p:spPr/>
-        <p:txBody>
-          <a:bodyPr/>
-          <a:lstStyle/>
-          <a:p>
-            <a:r>
-              <a:rPr lang="de-DE" b="1" dirty="0" smtClean="0">
-                <a:solidFill>
-                  <a:schemeClr val="bg1"/>
-                </a:solidFill>
-                <a:latin typeface="TeXGyreAdventor" pitchFamily="50" charset="0"/>
-              </a:rPr>
-              <a:t>Änderungen Art</a:t>
-            </a:r>
-            <a:endParaRPr lang="de-DE" b="1" dirty="0">
-              <a:solidFill>
-                <a:schemeClr val="bg1"/>
-              </a:solidFill>
-              <a:latin typeface="TeXGyreAdventor" pitchFamily="50" charset="0"/>
-            </a:endParaRPr>
-          </a:p>
-        </p:txBody>
-      </p:sp>
-      <p:sp>
-        <p:nvSpPr>
-          <p:cNvPr id="3" name="Inhaltsplatzhalter 2"/>
-          <p:cNvSpPr>
-            <a:spLocks noGrp="1"/>
-          </p:cNvSpPr>
-          <p:nvPr>
-            <p:ph idx="1"/>
-          </p:nvPr>
-        </p:nvSpPr>
-        <p:spPr/>
-        <p:txBody>
-          <a:bodyPr>
-            <a:normAutofit/>
-          </a:bodyPr>
-          <a:lstStyle/>
-          <a:p>
-            <a:pPr marL="0" indent="0" algn="ctr">
-              <a:buNone/>
-            </a:pPr>
-            <a:r>
-              <a:rPr lang="de-DE" b="1" dirty="0" smtClean="0">
-                <a:solidFill>
-                  <a:schemeClr val="bg1"/>
-                </a:solidFill>
-                <a:latin typeface="TeXGyreAdventor" pitchFamily="50" charset="0"/>
-              </a:rPr>
-              <a:t>Hammerjaeger</a:t>
-            </a:r>
-          </a:p>
-          <a:p>
-            <a:pPr marL="0" indent="0" algn="ctr">
-              <a:buNone/>
-            </a:pPr>
-            <a:endParaRPr lang="de-DE" b="1" dirty="0" smtClean="0">
-              <a:solidFill>
-                <a:schemeClr val="bg1"/>
-              </a:solidFill>
-              <a:latin typeface="TeXGyreAdventor" pitchFamily="50" charset="0"/>
-            </a:endParaRPr>
-          </a:p>
-          <a:p>
-            <a:r>
-              <a:rPr lang="de-DE" dirty="0" smtClean="0">
-                <a:solidFill>
-                  <a:schemeClr val="bg1"/>
-                </a:solidFill>
-                <a:latin typeface="TeXGyreAdventor" pitchFamily="50" charset="0"/>
-              </a:rPr>
-              <a:t>Kletteranimation</a:t>
-            </a:r>
-          </a:p>
-          <a:p>
-            <a:endParaRPr lang="de-DE" dirty="0">
-              <a:solidFill>
-                <a:schemeClr val="bg1"/>
-              </a:solidFill>
-              <a:latin typeface="TeXGyreAdventor" pitchFamily="50" charset="0"/>
-            </a:endParaRPr>
-          </a:p>
-          <a:p>
-            <a:r>
-              <a:rPr lang="de-DE" dirty="0" smtClean="0">
-                <a:solidFill>
-                  <a:schemeClr val="bg1"/>
-                </a:solidFill>
-                <a:latin typeface="TeXGyreAdventor" pitchFamily="50" charset="0"/>
-              </a:rPr>
-              <a:t>Fallanimation</a:t>
-            </a:r>
-          </a:p>
-          <a:p>
-            <a:endParaRPr lang="de-DE" dirty="0">
-              <a:solidFill>
-                <a:schemeClr val="bg1"/>
-              </a:solidFill>
-              <a:latin typeface="TeXGyreAdventor" pitchFamily="50" charset="0"/>
-            </a:endParaRPr>
-          </a:p>
-          <a:p>
-            <a:endParaRPr lang="de-DE" dirty="0" smtClean="0">
-              <a:solidFill>
-                <a:schemeClr val="bg1"/>
-              </a:solidFill>
-              <a:latin typeface="TeXGyreAdventor" pitchFamily="50" charset="0"/>
-            </a:endParaRPr>
-          </a:p>
-          <a:p>
-            <a:pPr lvl="2"/>
-            <a:endParaRPr lang="de-DE" dirty="0" smtClean="0">
-              <a:solidFill>
-                <a:schemeClr val="bg1"/>
-              </a:solidFill>
-              <a:latin typeface="TeXGyreAdventor" pitchFamily="50" charset="0"/>
-            </a:endParaRPr>
-          </a:p>
-          <a:p>
-            <a:endParaRPr lang="de-DE" dirty="0" smtClean="0">
-              <a:solidFill>
-                <a:schemeClr val="bg1"/>
-              </a:solidFill>
-              <a:latin typeface="TeXGyreAdventor" pitchFamily="50" charset="0"/>
-            </a:endParaRPr>
-          </a:p>
-          <a:p>
-            <a:endParaRPr lang="de-DE" dirty="0" smtClean="0">
-              <a:solidFill>
-                <a:schemeClr val="bg1"/>
-              </a:solidFill>
-              <a:latin typeface="TeXGyreAdventor" pitchFamily="50" charset="0"/>
-            </a:endParaRPr>
-          </a:p>
-          <a:p>
-            <a:endParaRPr lang="de-DE" dirty="0" smtClean="0">
-              <a:solidFill>
-                <a:schemeClr val="bg1"/>
-              </a:solidFill>
-              <a:latin typeface="TeXGyreAdventor" pitchFamily="50" charset="0"/>
-            </a:endParaRPr>
-          </a:p>
-          <a:p>
-            <a:endParaRPr lang="de-DE" dirty="0">
-              <a:solidFill>
-                <a:schemeClr val="bg1"/>
-              </a:solidFill>
-              <a:latin typeface="TeXGyreAdventor" pitchFamily="50" charset="0"/>
-            </a:endParaRPr>
-          </a:p>
-        </p:txBody>
-      </p:sp>
-    </p:spTree>
-    <p:extLst>
-      <p:ext uri="{BB962C8B-B14F-4D97-AF65-F5344CB8AC3E}">
-        <p14:creationId xmlns:p14="http://schemas.microsoft.com/office/powerpoint/2010/main" val="1441881592"/>
-      </p:ext>
-    </p:extLst>
-  </p:cSld>
-  <p:clrMapOvr>
-    <a:masterClrMapping/>
-  </p:clrMapOvr>
-  <p:timing>
-    <p:tnLst>
-      <p:par>
-        <p:cTn id="1" dur="indefinite" restart="never" nodeType="tmRoot">
-          <p:childTnLst>
-            <p:seq concurrent="1" nextAc="seek">
-              <p:cTn id="2" dur="indefinite" nodeType="mainSeq">
-                <p:childTnLst>
-                  <p:par>
-                    <p:cTn id="3" fill="hold">
-                      <p:stCondLst>
-                        <p:cond delay="indefinite"/>
-                      </p:stCondLst>
-                      <p:childTnLst>
-                        <p:par>
-                          <p:cTn id="4" fill="hold">
-                            <p:stCondLst>
-                              <p:cond delay="0"/>
-                            </p:stCondLst>
-                            <p:childTnLst>
-                              <p:par>
-                                <p:cTn id="5" presetID="10" presetClass="entr" presetSubtype="0" fill="hold" grpId="0" nodeType="clickEffect">
-                                  <p:stCondLst>
-                                    <p:cond delay="0"/>
-                                  </p:stCondLst>
-                                  <p:childTnLst>
-                                    <p:set>
-                                      <p:cBhvr>
-                                        <p:cTn id="6" dur="1" fill="hold">
-                                          <p:stCondLst>
-                                            <p:cond delay="0"/>
-                                          </p:stCondLst>
-                                        </p:cTn>
-                                        <p:tgtEl>
-                                          <p:spTgt spid="3">
-                                            <p:txEl>
-                                              <p:pRg st="0" end="0"/>
-                                            </p:txEl>
-                                          </p:spTgt>
-                                        </p:tgtEl>
-                                        <p:attrNameLst>
-                                          <p:attrName>style.visibility</p:attrName>
-                                        </p:attrNameLst>
-                                      </p:cBhvr>
-                                      <p:to>
-                                        <p:strVal val="visible"/>
-                                      </p:to>
-                                    </p:set>
-                                    <p:animEffect transition="in" filter="fade">
-                                      <p:cBhvr>
-                                        <p:cTn id="7" dur="500"/>
-                                        <p:tgtEl>
-                                          <p:spTgt spid="3">
-                                            <p:txEl>
-                                              <p:pRg st="0" end="0"/>
-                                            </p:txEl>
-                                          </p:spTgt>
-                                        </p:tgtEl>
-                                      </p:cBhvr>
-                                    </p:animEffect>
-                                  </p:childTnLst>
-                                </p:cTn>
-                              </p:par>
-                            </p:childTnLst>
-                          </p:cTn>
-                        </p:par>
-                      </p:childTnLst>
-                    </p:cTn>
-                  </p:par>
-                  <p:par>
-                    <p:cTn id="8" fill="hold">
-                      <p:stCondLst>
-                        <p:cond delay="indefinite"/>
-                      </p:stCondLst>
-                      <p:childTnLst>
-                        <p:par>
-                          <p:cTn id="9" fill="hold">
-                            <p:stCondLst>
-                              <p:cond delay="0"/>
-                            </p:stCondLst>
-                            <p:childTnLst>
-                              <p:par>
-                                <p:cTn id="10" presetID="10" presetClass="entr" presetSubtype="0" fill="hold" grpId="0" nodeType="clickEffect">
-                                  <p:stCondLst>
-                                    <p:cond delay="0"/>
-                                  </p:stCondLst>
-                                  <p:childTnLst>
-                                    <p:set>
-                                      <p:cBhvr>
-                                        <p:cTn id="11" dur="1" fill="hold">
-                                          <p:stCondLst>
-                                            <p:cond delay="0"/>
-                                          </p:stCondLst>
-                                        </p:cTn>
-                                        <p:tgtEl>
-                                          <p:spTgt spid="3">
-                                            <p:txEl>
-                                              <p:pRg st="2" end="2"/>
-                                            </p:txEl>
-                                          </p:spTgt>
-                                        </p:tgtEl>
-                                        <p:attrNameLst>
-                                          <p:attrName>style.visibility</p:attrName>
-                                        </p:attrNameLst>
-                                      </p:cBhvr>
-                                      <p:to>
-                                        <p:strVal val="visible"/>
-                                      </p:to>
-                                    </p:set>
-                                    <p:animEffect transition="in" filter="fade">
-                                      <p:cBhvr>
-                                        <p:cTn id="12" dur="500"/>
-                                        <p:tgtEl>
-                                          <p:spTgt spid="3">
-                                            <p:txEl>
-                                              <p:pRg st="2" end="2"/>
-                                            </p:txEl>
-                                          </p:spTgt>
-                                        </p:tgtEl>
-                                      </p:cBhvr>
-                                    </p:animEffect>
-                                  </p:childTnLst>
-                                </p:cTn>
-                              </p:par>
-                            </p:childTnLst>
-                          </p:cTn>
-                        </p:par>
-                      </p:childTnLst>
-                    </p:cTn>
-                  </p:par>
-                  <p:par>
-                    <p:cTn id="13" fill="hold">
-                      <p:stCondLst>
-                        <p:cond delay="indefinite"/>
-                      </p:stCondLst>
-                      <p:childTnLst>
-                        <p:par>
-                          <p:cTn id="14" fill="hold">
-                            <p:stCondLst>
-                              <p:cond delay="0"/>
-                            </p:stCondLst>
-                            <p:childTnLst>
-                              <p:par>
-                                <p:cTn id="15" presetID="10" presetClass="entr" presetSubtype="0" fill="hold" grpId="0" nodeType="clickEffect">
-                                  <p:stCondLst>
-                                    <p:cond delay="0"/>
-                                  </p:stCondLst>
-                                  <p:childTnLst>
-                                    <p:set>
-                                      <p:cBhvr>
-                                        <p:cTn id="16" dur="1" fill="hold">
-                                          <p:stCondLst>
-                                            <p:cond delay="0"/>
-                                          </p:stCondLst>
-                                        </p:cTn>
-                                        <p:tgtEl>
-                                          <p:spTgt spid="3">
-                                            <p:txEl>
-                                              <p:pRg st="4" end="4"/>
-                                            </p:txEl>
-                                          </p:spTgt>
-                                        </p:tgtEl>
-                                        <p:attrNameLst>
-                                          <p:attrName>style.visibility</p:attrName>
-                                        </p:attrNameLst>
-                                      </p:cBhvr>
-                                      <p:to>
-                                        <p:strVal val="visible"/>
-                                      </p:to>
-                                    </p:set>
-                                    <p:animEffect transition="in" filter="fade">
-                                      <p:cBhvr>
-                                        <p:cTn id="17" dur="500"/>
-                                        <p:tgtEl>
-                                          <p:spTgt spid="3">
-                                            <p:txEl>
-                                              <p:pRg st="4" end="4"/>
-                                            </p:txEl>
-                                          </p:spTgt>
-                                        </p:tgtEl>
-                                      </p:cBhvr>
-                                    </p:animEffect>
-                                  </p:childTnLst>
-                                </p:cTn>
-                              </p:par>
-                            </p:childTnLst>
-                          </p:cTn>
-                        </p:par>
-                      </p:childTnLst>
-                    </p:cTn>
-                  </p:par>
-                </p:childTnLst>
-              </p:cTn>
-              <p:prevCondLst>
-                <p:cond evt="onPrev" delay="0">
-                  <p:tgtEl>
-                    <p:sldTgt/>
-                  </p:tgtEl>
-                </p:cond>
-              </p:prevCondLst>
-              <p:nextCondLst>
-                <p:cond evt="onNext" delay="0">
-                  <p:tgtEl>
-                    <p:sldTgt/>
-                  </p:tgtEl>
-                </p:cond>
-              </p:nextCondLst>
-            </p:seq>
-          </p:childTnLst>
-        </p:cTn>
-      </p:par>
-    </p:tnLst>
-    <p:bldLst>
-      <p:bldP spid="3" grpId="0" build="p"/>
-    </p:bldLst>
-  </p:timing>
-</p:sld>
-</file>
-
-<file path=ppt/slides/slide8.xml><?xml version="1.0" encoding="utf-8"?>
-<p:sld xmlns:a="http://schemas.openxmlformats.org/drawingml/2006/main" xmlns:r="http://schemas.openxmlformats.org/officeDocument/2006/relationships" xmlns:p="http://schemas.openxmlformats.org/presentationml/2006/main">
-  <p:cSld>
-    <p:spTree>
-      <p:nvGrpSpPr>
-        <p:cNvPr id="1" name=""/>
-        <p:cNvGrpSpPr/>
-        <p:nvPr/>
-      </p:nvGrpSpPr>
-      <p:grpSpPr>
-        <a:xfrm>
-          <a:off x="0" y="0"/>
-          <a:ext cx="0" cy="0"/>
-          <a:chOff x="0" y="0"/>
-          <a:chExt cx="0" cy="0"/>
-        </a:xfrm>
-      </p:grpSpPr>
-      <p:sp>
-        <p:nvSpPr>
-          <p:cNvPr id="2" name="Titel 1"/>
-          <p:cNvSpPr>
-            <a:spLocks noGrp="1"/>
-          </p:cNvSpPr>
-          <p:nvPr>
-            <p:ph type="title"/>
-          </p:nvPr>
-        </p:nvSpPr>
-        <p:spPr/>
-        <p:txBody>
-          <a:bodyPr/>
-          <a:lstStyle/>
-          <a:p>
-            <a:r>
-              <a:rPr lang="de-DE" b="1" dirty="0" smtClean="0">
-                <a:solidFill>
-                  <a:schemeClr val="bg1"/>
-                </a:solidFill>
-                <a:latin typeface="TeXGyreAdventor" pitchFamily="50" charset="0"/>
-              </a:rPr>
-              <a:t>Änderungen Art</a:t>
-            </a:r>
-            <a:endParaRPr lang="de-DE" b="1" dirty="0">
-              <a:solidFill>
-                <a:schemeClr val="bg1"/>
-              </a:solidFill>
-              <a:latin typeface="TeXGyreAdventor" pitchFamily="50" charset="0"/>
-            </a:endParaRPr>
-          </a:p>
-        </p:txBody>
-      </p:sp>
-      <p:sp>
-        <p:nvSpPr>
-          <p:cNvPr id="3" name="Inhaltsplatzhalter 2"/>
-          <p:cNvSpPr>
-            <a:spLocks noGrp="1"/>
-          </p:cNvSpPr>
-          <p:nvPr>
-            <p:ph idx="1"/>
-          </p:nvPr>
-        </p:nvSpPr>
-        <p:spPr/>
-        <p:txBody>
-          <a:bodyPr>
-            <a:normAutofit/>
-          </a:bodyPr>
-          <a:lstStyle/>
-          <a:p>
-            <a:pPr marL="0" indent="0" algn="ctr">
-              <a:buNone/>
-            </a:pPr>
-            <a:r>
-              <a:rPr lang="de-DE" b="1" dirty="0" smtClean="0">
-                <a:solidFill>
-                  <a:schemeClr val="bg1"/>
-                </a:solidFill>
-                <a:latin typeface="TeXGyreAdventor" pitchFamily="50" charset="0"/>
-              </a:rPr>
-              <a:t>Gegner</a:t>
-            </a:r>
-          </a:p>
-          <a:p>
-            <a:pPr marL="0" indent="0">
-              <a:buNone/>
-            </a:pPr>
-            <a:endParaRPr lang="de-DE" b="1" dirty="0">
-              <a:solidFill>
-                <a:schemeClr val="bg1"/>
-              </a:solidFill>
-              <a:latin typeface="TeXGyreAdventor" pitchFamily="50" charset="0"/>
-            </a:endParaRPr>
-          </a:p>
-          <a:p>
-            <a:r>
-              <a:rPr lang="de-DE" dirty="0" smtClean="0">
-                <a:solidFill>
-                  <a:schemeClr val="bg1"/>
-                </a:solidFill>
-                <a:latin typeface="TeXGyreAdventor" pitchFamily="50" charset="0"/>
-              </a:rPr>
-              <a:t>Aussehen</a:t>
-            </a:r>
-          </a:p>
-          <a:p>
-            <a:endParaRPr lang="de-DE" dirty="0">
-              <a:solidFill>
-                <a:schemeClr val="bg1"/>
-              </a:solidFill>
-              <a:latin typeface="TeXGyreAdventor" pitchFamily="50" charset="0"/>
-            </a:endParaRPr>
-          </a:p>
-          <a:p>
-            <a:r>
-              <a:rPr lang="de-DE" dirty="0" smtClean="0">
-                <a:solidFill>
-                  <a:schemeClr val="bg1"/>
-                </a:solidFill>
-                <a:latin typeface="TeXGyreAdventor" pitchFamily="50" charset="0"/>
-              </a:rPr>
-              <a:t>Laufanimation</a:t>
-            </a:r>
-          </a:p>
-          <a:p>
-            <a:pPr marL="0" indent="0">
-              <a:buNone/>
-            </a:pPr>
-            <a:endParaRPr lang="de-DE" dirty="0">
-              <a:solidFill>
-                <a:schemeClr val="bg1"/>
-              </a:solidFill>
-              <a:latin typeface="TeXGyreAdventor" pitchFamily="50" charset="0"/>
-            </a:endParaRPr>
-          </a:p>
-          <a:p>
-            <a:r>
-              <a:rPr lang="de-DE" dirty="0" smtClean="0">
-                <a:solidFill>
-                  <a:schemeClr val="bg1"/>
-                </a:solidFill>
-                <a:latin typeface="TeXGyreAdventor" pitchFamily="50" charset="0"/>
-              </a:rPr>
-              <a:t>Todesanimation</a:t>
-            </a:r>
-          </a:p>
-          <a:p>
-            <a:endParaRPr lang="de-DE" dirty="0">
-              <a:solidFill>
-                <a:schemeClr val="bg1"/>
-              </a:solidFill>
-              <a:latin typeface="TeXGyreAdventor" pitchFamily="50" charset="0"/>
-            </a:endParaRPr>
-          </a:p>
-        </p:txBody>
-      </p:sp>
-    </p:spTree>
-    <p:extLst>
-      <p:ext uri="{BB962C8B-B14F-4D97-AF65-F5344CB8AC3E}">
-        <p14:creationId xmlns:p14="http://schemas.microsoft.com/office/powerpoint/2010/main" val="1443763258"/>
+        <p14:creationId xmlns:p14="http://schemas.microsoft.com/office/powerpoint/2010/main" val="813721148"/>
       </p:ext>
     </p:extLst>
   </p:cSld>
@@ -7314,7 +3753,7 @@
 </p:sld>
 </file>
 
-<file path=ppt/slides/slide9.xml><?xml version="1.0" encoding="utf-8"?>
+<file path=ppt/slides/slide11.xml><?xml version="1.0" encoding="utf-8"?>
 <p:sld xmlns:a="http://schemas.openxmlformats.org/drawingml/2006/main" xmlns:r="http://schemas.openxmlformats.org/officeDocument/2006/relationships" xmlns:p="http://schemas.openxmlformats.org/presentationml/2006/main">
   <p:cSld>
     <p:spTree>
@@ -7410,16 +3849,34 @@
                 </a:solidFill>
                 <a:latin typeface="TeXGyreAdventor" pitchFamily="50" charset="0"/>
               </a:rPr>
-              <a:t>Boden </a:t>
-            </a:r>
-            <a:r>
-              <a:rPr lang="de-DE" dirty="0" err="1" smtClean="0">
+              <a:t>Trennwände</a:t>
+            </a:r>
+          </a:p>
+          <a:p>
+            <a:endParaRPr lang="de-DE" dirty="0" smtClean="0">
+              <a:solidFill>
+                <a:schemeClr val="bg1"/>
+              </a:solidFill>
+              <a:latin typeface="TeXGyreAdventor" pitchFamily="50" charset="0"/>
+            </a:endParaRPr>
+          </a:p>
+          <a:p>
+            <a:endParaRPr lang="de-DE" dirty="0">
+              <a:solidFill>
+                <a:schemeClr val="bg1"/>
+              </a:solidFill>
+              <a:latin typeface="TeXGyreAdventor" pitchFamily="50" charset="0"/>
+            </a:endParaRPr>
+          </a:p>
+          <a:p>
+            <a:r>
+              <a:rPr lang="de-DE" dirty="0">
                 <a:solidFill>
                   <a:schemeClr val="bg1"/>
                 </a:solidFill>
                 <a:latin typeface="TeXGyreAdventor" pitchFamily="50" charset="0"/>
               </a:rPr>
-              <a:t>Tiles</a:t>
+              <a:t>Ausgänge</a:t>
             </a:r>
             <a:endParaRPr lang="de-DE" dirty="0" smtClean="0">
               <a:solidFill>
@@ -7440,17 +3897,6 @@
             </a:endParaRPr>
           </a:p>
           <a:p>
-            <a:r>
-              <a:rPr lang="de-DE" dirty="0" smtClean="0">
-                <a:solidFill>
-                  <a:schemeClr val="bg1"/>
-                </a:solidFill>
-                <a:latin typeface="TeXGyreAdventor" pitchFamily="50" charset="0"/>
-              </a:rPr>
-              <a:t>Leitern</a:t>
-            </a:r>
-          </a:p>
-          <a:p>
             <a:endParaRPr lang="de-DE" dirty="0" smtClean="0">
               <a:solidFill>
                 <a:schemeClr val="bg1"/>
@@ -7459,17 +3905,6 @@
             </a:endParaRPr>
           </a:p>
           <a:p>
-            <a:r>
-              <a:rPr lang="de-DE" dirty="0" smtClean="0">
-                <a:solidFill>
-                  <a:schemeClr val="bg1"/>
-                </a:solidFill>
-                <a:latin typeface="TeXGyreAdventor" pitchFamily="50" charset="0"/>
-              </a:rPr>
-              <a:t>Hintergrundtapete</a:t>
-            </a:r>
-          </a:p>
-          <a:p>
             <a:endParaRPr lang="de-DE" dirty="0">
               <a:solidFill>
                 <a:schemeClr val="bg1"/>
@@ -7482,7 +3917,7 @@
     </p:spTree>
     <p:extLst>
       <p:ext uri="{BB962C8B-B14F-4D97-AF65-F5344CB8AC3E}">
-        <p14:creationId xmlns:p14="http://schemas.microsoft.com/office/powerpoint/2010/main" val="813721148"/>
+        <p14:creationId xmlns:p14="http://schemas.microsoft.com/office/powerpoint/2010/main" val="4089725833"/>
       </p:ext>
     </p:extLst>
   </p:cSld>
@@ -7647,7 +4082,7 @@
                                         <p:tgtEl>
                                           <p:spTgt spid="3">
                                             <p:txEl>
-                                              <p:pRg st="4" end="4"/>
+                                              <p:pRg st="5" end="5"/>
                                             </p:txEl>
                                           </p:spTgt>
                                         </p:tgtEl>
@@ -7665,9 +4100,5251 @@
                                         <p:tgtEl>
                                           <p:spTgt spid="3">
                                             <p:txEl>
+                                              <p:pRg st="5" end="5"/>
+                                            </p:txEl>
+                                          </p:spTgt>
+                                        </p:tgtEl>
+                                      </p:cBhvr>
+                                    </p:animEffect>
+                                  </p:childTnLst>
+                                </p:cTn>
+                              </p:par>
+                            </p:childTnLst>
+                          </p:cTn>
+                        </p:par>
+                      </p:childTnLst>
+                    </p:cTn>
+                  </p:par>
+                </p:childTnLst>
+              </p:cTn>
+              <p:prevCondLst>
+                <p:cond evt="onPrev" delay="0">
+                  <p:tgtEl>
+                    <p:sldTgt/>
+                  </p:tgtEl>
+                </p:cond>
+              </p:prevCondLst>
+              <p:nextCondLst>
+                <p:cond evt="onNext" delay="0">
+                  <p:tgtEl>
+                    <p:sldTgt/>
+                  </p:tgtEl>
+                </p:cond>
+              </p:nextCondLst>
+            </p:seq>
+          </p:childTnLst>
+        </p:cTn>
+      </p:par>
+    </p:tnLst>
+    <p:bldLst>
+      <p:bldP spid="3" grpId="0" build="p"/>
+    </p:bldLst>
+  </p:timing>
+</p:sld>
+</file>
+
+<file path=ppt/slides/slide12.xml><?xml version="1.0" encoding="utf-8"?>
+<p:sld xmlns:a="http://schemas.openxmlformats.org/drawingml/2006/main" xmlns:r="http://schemas.openxmlformats.org/officeDocument/2006/relationships" xmlns:p="http://schemas.openxmlformats.org/presentationml/2006/main">
+  <p:cSld>
+    <p:spTree>
+      <p:nvGrpSpPr>
+        <p:cNvPr id="1" name=""/>
+        <p:cNvGrpSpPr/>
+        <p:nvPr/>
+      </p:nvGrpSpPr>
+      <p:grpSpPr>
+        <a:xfrm>
+          <a:off x="0" y="0"/>
+          <a:ext cx="0" cy="0"/>
+          <a:chOff x="0" y="0"/>
+          <a:chExt cx="0" cy="0"/>
+        </a:xfrm>
+      </p:grpSpPr>
+      <p:sp>
+        <p:nvSpPr>
+          <p:cNvPr id="2" name="Titel 1"/>
+          <p:cNvSpPr>
+            <a:spLocks noGrp="1"/>
+          </p:cNvSpPr>
+          <p:nvPr>
+            <p:ph type="title"/>
+          </p:nvPr>
+        </p:nvSpPr>
+        <p:spPr/>
+        <p:txBody>
+          <a:bodyPr/>
+          <a:lstStyle/>
+          <a:p>
+            <a:r>
+              <a:rPr lang="de-DE" b="1" dirty="0" smtClean="0">
+                <a:solidFill>
+                  <a:schemeClr val="bg1"/>
+                </a:solidFill>
+                <a:latin typeface="TeXGyreAdventor" pitchFamily="50" charset="0"/>
+              </a:rPr>
+              <a:t>Änderungen Art</a:t>
+            </a:r>
+            <a:endParaRPr lang="de-DE" b="1" dirty="0">
+              <a:solidFill>
+                <a:schemeClr val="bg1"/>
+              </a:solidFill>
+              <a:latin typeface="TeXGyreAdventor" pitchFamily="50" charset="0"/>
+            </a:endParaRPr>
+          </a:p>
+        </p:txBody>
+      </p:sp>
+      <p:sp>
+        <p:nvSpPr>
+          <p:cNvPr id="3" name="Inhaltsplatzhalter 2"/>
+          <p:cNvSpPr>
+            <a:spLocks noGrp="1"/>
+          </p:cNvSpPr>
+          <p:nvPr>
+            <p:ph idx="1"/>
+          </p:nvPr>
+        </p:nvSpPr>
+        <p:spPr/>
+        <p:txBody>
+          <a:bodyPr>
+            <a:normAutofit/>
+          </a:bodyPr>
+          <a:lstStyle/>
+          <a:p>
+            <a:pPr marL="0" indent="0" algn="ctr">
+              <a:buNone/>
+            </a:pPr>
+            <a:r>
+              <a:rPr lang="de-DE" b="1" dirty="0" smtClean="0">
+                <a:solidFill>
+                  <a:schemeClr val="bg1"/>
+                </a:solidFill>
+                <a:latin typeface="TeXGyreAdventor" pitchFamily="50" charset="0"/>
+              </a:rPr>
+              <a:t>Level</a:t>
+            </a:r>
+          </a:p>
+          <a:p>
+            <a:pPr marL="0" indent="0">
+              <a:buNone/>
+            </a:pPr>
+            <a:endParaRPr lang="de-DE" dirty="0" smtClean="0">
+              <a:solidFill>
+                <a:schemeClr val="bg1"/>
+              </a:solidFill>
+              <a:latin typeface="TeXGyreAdventor" pitchFamily="50" charset="0"/>
+            </a:endParaRPr>
+          </a:p>
+          <a:p>
+            <a:r>
+              <a:rPr lang="de-DE" dirty="0" err="1" smtClean="0">
+                <a:solidFill>
+                  <a:schemeClr val="bg1"/>
+                </a:solidFill>
+                <a:latin typeface="TeXGyreAdventor" pitchFamily="50" charset="0"/>
+              </a:rPr>
+              <a:t>Spawner</a:t>
+            </a:r>
+            <a:endParaRPr lang="de-DE" dirty="0" smtClean="0">
+              <a:solidFill>
+                <a:schemeClr val="bg1"/>
+              </a:solidFill>
+              <a:latin typeface="TeXGyreAdventor" pitchFamily="50" charset="0"/>
+            </a:endParaRPr>
+          </a:p>
+          <a:p>
+            <a:endParaRPr lang="de-DE" dirty="0" smtClean="0">
+              <a:solidFill>
+                <a:schemeClr val="bg1"/>
+              </a:solidFill>
+              <a:latin typeface="TeXGyreAdventor" pitchFamily="50" charset="0"/>
+            </a:endParaRPr>
+          </a:p>
+          <a:p>
+            <a:endParaRPr lang="de-DE" dirty="0" smtClean="0">
+              <a:solidFill>
+                <a:schemeClr val="bg1"/>
+              </a:solidFill>
+              <a:latin typeface="TeXGyreAdventor" pitchFamily="50" charset="0"/>
+            </a:endParaRPr>
+          </a:p>
+          <a:p>
+            <a:r>
+              <a:rPr lang="de-DE" dirty="0" smtClean="0">
+                <a:solidFill>
+                  <a:schemeClr val="bg1"/>
+                </a:solidFill>
+                <a:latin typeface="TeXGyreAdventor" pitchFamily="50" charset="0"/>
+              </a:rPr>
+              <a:t>Generator</a:t>
+            </a:r>
+          </a:p>
+          <a:p>
+            <a:endParaRPr lang="de-DE" dirty="0">
+              <a:solidFill>
+                <a:schemeClr val="bg1"/>
+              </a:solidFill>
+              <a:latin typeface="TeXGyreAdventor" pitchFamily="50" charset="0"/>
+            </a:endParaRPr>
+          </a:p>
+        </p:txBody>
+      </p:sp>
+    </p:spTree>
+    <p:extLst>
+      <p:ext uri="{BB962C8B-B14F-4D97-AF65-F5344CB8AC3E}">
+        <p14:creationId xmlns:p14="http://schemas.microsoft.com/office/powerpoint/2010/main" val="3603530120"/>
+      </p:ext>
+    </p:extLst>
+  </p:cSld>
+  <p:clrMapOvr>
+    <a:masterClrMapping/>
+  </p:clrMapOvr>
+  <p:timing>
+    <p:tnLst>
+      <p:par>
+        <p:cTn id="1" dur="indefinite" restart="never" nodeType="tmRoot">
+          <p:childTnLst>
+            <p:seq concurrent="1" nextAc="seek">
+              <p:cTn id="2" dur="indefinite" nodeType="mainSeq">
+                <p:childTnLst>
+                  <p:par>
+                    <p:cTn id="3" fill="hold">
+                      <p:stCondLst>
+                        <p:cond delay="indefinite"/>
+                      </p:stCondLst>
+                      <p:childTnLst>
+                        <p:par>
+                          <p:cTn id="4" fill="hold">
+                            <p:stCondLst>
+                              <p:cond delay="0"/>
+                            </p:stCondLst>
+                            <p:childTnLst>
+                              <p:par>
+                                <p:cTn id="5" presetID="10" presetClass="entr" presetSubtype="0" fill="hold" grpId="0" nodeType="clickEffect">
+                                  <p:stCondLst>
+                                    <p:cond delay="0"/>
+                                  </p:stCondLst>
+                                  <p:childTnLst>
+                                    <p:set>
+                                      <p:cBhvr>
+                                        <p:cTn id="6" dur="1" fill="hold">
+                                          <p:stCondLst>
+                                            <p:cond delay="0"/>
+                                          </p:stCondLst>
+                                        </p:cTn>
+                                        <p:tgtEl>
+                                          <p:spTgt spid="3">
+                                            <p:txEl>
+                                              <p:pRg st="0" end="0"/>
+                                            </p:txEl>
+                                          </p:spTgt>
+                                        </p:tgtEl>
+                                        <p:attrNameLst>
+                                          <p:attrName>style.visibility</p:attrName>
+                                        </p:attrNameLst>
+                                      </p:cBhvr>
+                                      <p:to>
+                                        <p:strVal val="visible"/>
+                                      </p:to>
+                                    </p:set>
+                                    <p:animEffect transition="in" filter="fade">
+                                      <p:cBhvr>
+                                        <p:cTn id="7" dur="500"/>
+                                        <p:tgtEl>
+                                          <p:spTgt spid="3">
+                                            <p:txEl>
+                                              <p:pRg st="0" end="0"/>
+                                            </p:txEl>
+                                          </p:spTgt>
+                                        </p:tgtEl>
+                                      </p:cBhvr>
+                                    </p:animEffect>
+                                  </p:childTnLst>
+                                </p:cTn>
+                              </p:par>
+                            </p:childTnLst>
+                          </p:cTn>
+                        </p:par>
+                      </p:childTnLst>
+                    </p:cTn>
+                  </p:par>
+                  <p:par>
+                    <p:cTn id="8" fill="hold">
+                      <p:stCondLst>
+                        <p:cond delay="indefinite"/>
+                      </p:stCondLst>
+                      <p:childTnLst>
+                        <p:par>
+                          <p:cTn id="9" fill="hold">
+                            <p:stCondLst>
+                              <p:cond delay="0"/>
+                            </p:stCondLst>
+                            <p:childTnLst>
+                              <p:par>
+                                <p:cTn id="10" presetID="10" presetClass="entr" presetSubtype="0" fill="hold" grpId="0" nodeType="clickEffect">
+                                  <p:stCondLst>
+                                    <p:cond delay="0"/>
+                                  </p:stCondLst>
+                                  <p:childTnLst>
+                                    <p:set>
+                                      <p:cBhvr>
+                                        <p:cTn id="11" dur="1" fill="hold">
+                                          <p:stCondLst>
+                                            <p:cond delay="0"/>
+                                          </p:stCondLst>
+                                        </p:cTn>
+                                        <p:tgtEl>
+                                          <p:spTgt spid="3">
+                                            <p:txEl>
+                                              <p:pRg st="2" end="2"/>
+                                            </p:txEl>
+                                          </p:spTgt>
+                                        </p:tgtEl>
+                                        <p:attrNameLst>
+                                          <p:attrName>style.visibility</p:attrName>
+                                        </p:attrNameLst>
+                                      </p:cBhvr>
+                                      <p:to>
+                                        <p:strVal val="visible"/>
+                                      </p:to>
+                                    </p:set>
+                                    <p:animEffect transition="in" filter="fade">
+                                      <p:cBhvr>
+                                        <p:cTn id="12" dur="500"/>
+                                        <p:tgtEl>
+                                          <p:spTgt spid="3">
+                                            <p:txEl>
+                                              <p:pRg st="2" end="2"/>
+                                            </p:txEl>
+                                          </p:spTgt>
+                                        </p:tgtEl>
+                                      </p:cBhvr>
+                                    </p:animEffect>
+                                  </p:childTnLst>
+                                </p:cTn>
+                              </p:par>
+                            </p:childTnLst>
+                          </p:cTn>
+                        </p:par>
+                      </p:childTnLst>
+                    </p:cTn>
+                  </p:par>
+                  <p:par>
+                    <p:cTn id="13" fill="hold">
+                      <p:stCondLst>
+                        <p:cond delay="indefinite"/>
+                      </p:stCondLst>
+                      <p:childTnLst>
+                        <p:par>
+                          <p:cTn id="14" fill="hold">
+                            <p:stCondLst>
+                              <p:cond delay="0"/>
+                            </p:stCondLst>
+                            <p:childTnLst>
+                              <p:par>
+                                <p:cTn id="15" presetID="10" presetClass="entr" presetSubtype="0" fill="hold" grpId="0" nodeType="clickEffect">
+                                  <p:stCondLst>
+                                    <p:cond delay="0"/>
+                                  </p:stCondLst>
+                                  <p:childTnLst>
+                                    <p:set>
+                                      <p:cBhvr>
+                                        <p:cTn id="16" dur="1" fill="hold">
+                                          <p:stCondLst>
+                                            <p:cond delay="0"/>
+                                          </p:stCondLst>
+                                        </p:cTn>
+                                        <p:tgtEl>
+                                          <p:spTgt spid="3">
+                                            <p:txEl>
+                                              <p:pRg st="5" end="5"/>
+                                            </p:txEl>
+                                          </p:spTgt>
+                                        </p:tgtEl>
+                                        <p:attrNameLst>
+                                          <p:attrName>style.visibility</p:attrName>
+                                        </p:attrNameLst>
+                                      </p:cBhvr>
+                                      <p:to>
+                                        <p:strVal val="visible"/>
+                                      </p:to>
+                                    </p:set>
+                                    <p:animEffect transition="in" filter="fade">
+                                      <p:cBhvr>
+                                        <p:cTn id="17" dur="500"/>
+                                        <p:tgtEl>
+                                          <p:spTgt spid="3">
+                                            <p:txEl>
+                                              <p:pRg st="5" end="5"/>
+                                            </p:txEl>
+                                          </p:spTgt>
+                                        </p:tgtEl>
+                                      </p:cBhvr>
+                                    </p:animEffect>
+                                  </p:childTnLst>
+                                </p:cTn>
+                              </p:par>
+                            </p:childTnLst>
+                          </p:cTn>
+                        </p:par>
+                      </p:childTnLst>
+                    </p:cTn>
+                  </p:par>
+                </p:childTnLst>
+              </p:cTn>
+              <p:prevCondLst>
+                <p:cond evt="onPrev" delay="0">
+                  <p:tgtEl>
+                    <p:sldTgt/>
+                  </p:tgtEl>
+                </p:cond>
+              </p:prevCondLst>
+              <p:nextCondLst>
+                <p:cond evt="onNext" delay="0">
+                  <p:tgtEl>
+                    <p:sldTgt/>
+                  </p:tgtEl>
+                </p:cond>
+              </p:nextCondLst>
+            </p:seq>
+          </p:childTnLst>
+        </p:cTn>
+      </p:par>
+    </p:tnLst>
+    <p:bldLst>
+      <p:bldP spid="3" grpId="0" build="p"/>
+    </p:bldLst>
+  </p:timing>
+</p:sld>
+</file>
+
+<file path=ppt/slides/slide13.xml><?xml version="1.0" encoding="utf-8"?>
+<p:sld xmlns:a="http://schemas.openxmlformats.org/drawingml/2006/main" xmlns:r="http://schemas.openxmlformats.org/officeDocument/2006/relationships" xmlns:p="http://schemas.openxmlformats.org/presentationml/2006/main">
+  <p:cSld>
+    <p:spTree>
+      <p:nvGrpSpPr>
+        <p:cNvPr id="1" name=""/>
+        <p:cNvGrpSpPr/>
+        <p:nvPr/>
+      </p:nvGrpSpPr>
+      <p:grpSpPr>
+        <a:xfrm>
+          <a:off x="0" y="0"/>
+          <a:ext cx="0" cy="0"/>
+          <a:chOff x="0" y="0"/>
+          <a:chExt cx="0" cy="0"/>
+        </a:xfrm>
+      </p:grpSpPr>
+      <p:sp>
+        <p:nvSpPr>
+          <p:cNvPr id="2" name="Titel 1"/>
+          <p:cNvSpPr>
+            <a:spLocks noGrp="1"/>
+          </p:cNvSpPr>
+          <p:nvPr>
+            <p:ph type="title"/>
+          </p:nvPr>
+        </p:nvSpPr>
+        <p:spPr/>
+        <p:txBody>
+          <a:bodyPr/>
+          <a:lstStyle/>
+          <a:p>
+            <a:r>
+              <a:rPr lang="de-DE" b="1" dirty="0" smtClean="0">
+                <a:solidFill>
+                  <a:schemeClr val="bg1"/>
+                </a:solidFill>
+                <a:latin typeface="TeXGyreAdventor" pitchFamily="50" charset="0"/>
+              </a:rPr>
+              <a:t>Code Änderungen</a:t>
+            </a:r>
+            <a:endParaRPr lang="de-DE" b="1" dirty="0">
+              <a:solidFill>
+                <a:schemeClr val="bg1"/>
+              </a:solidFill>
+              <a:latin typeface="TeXGyreAdventor" pitchFamily="50" charset="0"/>
+            </a:endParaRPr>
+          </a:p>
+        </p:txBody>
+      </p:sp>
+      <p:sp>
+        <p:nvSpPr>
+          <p:cNvPr id="3" name="Inhaltsplatzhalter 2"/>
+          <p:cNvSpPr>
+            <a:spLocks noGrp="1"/>
+          </p:cNvSpPr>
+          <p:nvPr>
+            <p:ph idx="1"/>
+          </p:nvPr>
+        </p:nvSpPr>
+        <p:spPr/>
+        <p:txBody>
+          <a:bodyPr>
+            <a:normAutofit/>
+          </a:bodyPr>
+          <a:lstStyle/>
+          <a:p>
+            <a:endParaRPr lang="de-DE" dirty="0">
+              <a:solidFill>
+                <a:schemeClr val="bg1"/>
+              </a:solidFill>
+              <a:latin typeface="TeXGyreAdventor" pitchFamily="50" charset="0"/>
+            </a:endParaRPr>
+          </a:p>
+        </p:txBody>
+      </p:sp>
+    </p:spTree>
+    <p:extLst>
+      <p:ext uri="{BB962C8B-B14F-4D97-AF65-F5344CB8AC3E}">
+        <p14:creationId xmlns:p14="http://schemas.microsoft.com/office/powerpoint/2010/main" val="2688108123"/>
+      </p:ext>
+    </p:extLst>
+  </p:cSld>
+  <p:clrMapOvr>
+    <a:masterClrMapping/>
+  </p:clrMapOvr>
+  <p:timing>
+    <p:tnLst>
+      <p:par>
+        <p:cTn id="1" dur="indefinite" restart="never" nodeType="tmRoot">
+          <p:childTnLst>
+            <p:seq concurrent="1" nextAc="seek">
+              <p:cTn id="2" dur="indefinite" nodeType="mainSeq">
+                <p:childTnLst>
+                  <p:par>
+                    <p:cTn id="3" fill="hold">
+                      <p:stCondLst>
+                        <p:cond delay="indefinite"/>
+                      </p:stCondLst>
+                      <p:childTnLst>
+                        <p:par>
+                          <p:cTn id="4" fill="hold">
+                            <p:stCondLst>
+                              <p:cond delay="0"/>
+                            </p:stCondLst>
+                            <p:childTnLst>
+                              <p:par>
+                                <p:cTn id="5" presetID="10" presetClass="entr" presetSubtype="0" fill="hold" grpId="0" nodeType="clickEffect" nodePh="1">
+                                  <p:stCondLst>
+                                    <p:cond delay="0"/>
+                                  </p:stCondLst>
+                                  <p:endCondLst>
+                                    <p:cond evt="begin" delay="0">
+                                      <p:tn val="5"/>
+                                    </p:cond>
+                                  </p:endCondLst>
+                                  <p:childTnLst>
+                                    <p:set>
+                                      <p:cBhvr>
+                                        <p:cTn id="6" dur="1" fill="hold">
+                                          <p:stCondLst>
+                                            <p:cond delay="0"/>
+                                          </p:stCondLst>
+                                        </p:cTn>
+                                        <p:tgtEl>
+                                          <p:spTgt spid="3">
+                                            <p:txEl>
+                                              <p:pRg st="0" end="0"/>
+                                            </p:txEl>
+                                          </p:spTgt>
+                                        </p:tgtEl>
+                                        <p:attrNameLst>
+                                          <p:attrName>style.visibility</p:attrName>
+                                        </p:attrNameLst>
+                                      </p:cBhvr>
+                                      <p:to>
+                                        <p:strVal val="visible"/>
+                                      </p:to>
+                                    </p:set>
+                                    <p:animEffect transition="in" filter="fade">
+                                      <p:cBhvr>
+                                        <p:cTn id="7" dur="500"/>
+                                        <p:tgtEl>
+                                          <p:spTgt spid="3">
+                                            <p:txEl>
+                                              <p:pRg st="0" end="0"/>
+                                            </p:txEl>
+                                          </p:spTgt>
+                                        </p:tgtEl>
+                                      </p:cBhvr>
+                                    </p:animEffect>
+                                  </p:childTnLst>
+                                </p:cTn>
+                              </p:par>
+                            </p:childTnLst>
+                          </p:cTn>
+                        </p:par>
+                      </p:childTnLst>
+                    </p:cTn>
+                  </p:par>
+                </p:childTnLst>
+              </p:cTn>
+              <p:prevCondLst>
+                <p:cond evt="onPrev" delay="0">
+                  <p:tgtEl>
+                    <p:sldTgt/>
+                  </p:tgtEl>
+                </p:cond>
+              </p:prevCondLst>
+              <p:nextCondLst>
+                <p:cond evt="onNext" delay="0">
+                  <p:tgtEl>
+                    <p:sldTgt/>
+                  </p:tgtEl>
+                </p:cond>
+              </p:nextCondLst>
+            </p:seq>
+          </p:childTnLst>
+        </p:cTn>
+      </p:par>
+    </p:tnLst>
+    <p:bldLst>
+      <p:bldP spid="3" grpId="0" uiExpand="1" build="p"/>
+    </p:bldLst>
+  </p:timing>
+</p:sld>
+</file>
+
+<file path=ppt/slides/slide14.xml><?xml version="1.0" encoding="utf-8"?>
+<p:sld xmlns:a="http://schemas.openxmlformats.org/drawingml/2006/main" xmlns:r="http://schemas.openxmlformats.org/officeDocument/2006/relationships" xmlns:p="http://schemas.openxmlformats.org/presentationml/2006/main">
+  <p:cSld>
+    <p:spTree>
+      <p:nvGrpSpPr>
+        <p:cNvPr id="1" name=""/>
+        <p:cNvGrpSpPr/>
+        <p:nvPr/>
+      </p:nvGrpSpPr>
+      <p:grpSpPr>
+        <a:xfrm>
+          <a:off x="0" y="0"/>
+          <a:ext cx="0" cy="0"/>
+          <a:chOff x="0" y="0"/>
+          <a:chExt cx="0" cy="0"/>
+        </a:xfrm>
+      </p:grpSpPr>
+      <p:sp>
+        <p:nvSpPr>
+          <p:cNvPr id="2" name="Titel 1"/>
+          <p:cNvSpPr>
+            <a:spLocks noGrp="1"/>
+          </p:cNvSpPr>
+          <p:nvPr>
+            <p:ph type="title"/>
+          </p:nvPr>
+        </p:nvSpPr>
+        <p:spPr/>
+        <p:txBody>
+          <a:bodyPr/>
+          <a:lstStyle/>
+          <a:p>
+            <a:r>
+              <a:rPr lang="de-DE" b="1" dirty="0" smtClean="0">
+                <a:solidFill>
+                  <a:schemeClr val="bg1"/>
+                </a:solidFill>
+                <a:latin typeface="TeXGyreAdventor" pitchFamily="50" charset="0"/>
+              </a:rPr>
+              <a:t>Nice </a:t>
+            </a:r>
+            <a:r>
+              <a:rPr lang="de-DE" b="1" dirty="0" err="1" smtClean="0">
+                <a:solidFill>
+                  <a:schemeClr val="bg1"/>
+                </a:solidFill>
+                <a:latin typeface="TeXGyreAdventor" pitchFamily="50" charset="0"/>
+              </a:rPr>
+              <a:t>to</a:t>
+            </a:r>
+            <a:r>
+              <a:rPr lang="de-DE" b="1" dirty="0" smtClean="0">
+                <a:solidFill>
+                  <a:schemeClr val="bg1"/>
+                </a:solidFill>
+                <a:latin typeface="TeXGyreAdventor" pitchFamily="50" charset="0"/>
+              </a:rPr>
+              <a:t> </a:t>
+            </a:r>
+            <a:r>
+              <a:rPr lang="de-DE" b="1" dirty="0" err="1" smtClean="0">
+                <a:solidFill>
+                  <a:schemeClr val="bg1"/>
+                </a:solidFill>
+                <a:latin typeface="TeXGyreAdventor" pitchFamily="50" charset="0"/>
+              </a:rPr>
+              <a:t>have</a:t>
+            </a:r>
+            <a:endParaRPr lang="de-DE" b="1" dirty="0">
+              <a:solidFill>
+                <a:schemeClr val="bg1"/>
+              </a:solidFill>
+              <a:latin typeface="TeXGyreAdventor" pitchFamily="50" charset="0"/>
+            </a:endParaRPr>
+          </a:p>
+        </p:txBody>
+      </p:sp>
+      <p:sp>
+        <p:nvSpPr>
+          <p:cNvPr id="3" name="Inhaltsplatzhalter 2"/>
+          <p:cNvSpPr>
+            <a:spLocks noGrp="1"/>
+          </p:cNvSpPr>
+          <p:nvPr>
+            <p:ph idx="1"/>
+          </p:nvPr>
+        </p:nvSpPr>
+        <p:spPr/>
+        <p:txBody>
+          <a:bodyPr>
+            <a:normAutofit/>
+          </a:bodyPr>
+          <a:lstStyle/>
+          <a:p>
+            <a:r>
+              <a:rPr lang="de-DE" dirty="0" smtClean="0">
+                <a:solidFill>
+                  <a:schemeClr val="bg1"/>
+                </a:solidFill>
+                <a:latin typeface="TeXGyreAdventor" pitchFamily="50" charset="0"/>
+              </a:rPr>
+              <a:t>Jump </a:t>
+            </a:r>
+            <a:r>
+              <a:rPr lang="de-DE" dirty="0" err="1" smtClean="0">
+                <a:solidFill>
+                  <a:schemeClr val="bg1"/>
+                </a:solidFill>
+                <a:latin typeface="TeXGyreAdventor" pitchFamily="50" charset="0"/>
+              </a:rPr>
+              <a:t>Attack</a:t>
+            </a:r>
+            <a:endParaRPr lang="de-DE" dirty="0" smtClean="0">
+              <a:solidFill>
+                <a:schemeClr val="bg1"/>
+              </a:solidFill>
+              <a:latin typeface="TeXGyreAdventor" pitchFamily="50" charset="0"/>
+            </a:endParaRPr>
+          </a:p>
+          <a:p>
+            <a:pPr marL="0" indent="0">
+              <a:buNone/>
+            </a:pPr>
+            <a:endParaRPr lang="de-DE" dirty="0">
+              <a:solidFill>
+                <a:schemeClr val="bg1"/>
+              </a:solidFill>
+              <a:latin typeface="TeXGyreAdventor" pitchFamily="50" charset="0"/>
+            </a:endParaRPr>
+          </a:p>
+        </p:txBody>
+      </p:sp>
+    </p:spTree>
+    <p:extLst>
+      <p:ext uri="{BB962C8B-B14F-4D97-AF65-F5344CB8AC3E}">
+        <p14:creationId xmlns:p14="http://schemas.microsoft.com/office/powerpoint/2010/main" val="1501799160"/>
+      </p:ext>
+    </p:extLst>
+  </p:cSld>
+  <p:clrMapOvr>
+    <a:masterClrMapping/>
+  </p:clrMapOvr>
+  <p:timing>
+    <p:tnLst>
+      <p:par>
+        <p:cTn id="1" dur="indefinite" restart="never" nodeType="tmRoot">
+          <p:childTnLst>
+            <p:seq concurrent="1" nextAc="seek">
+              <p:cTn id="2" dur="indefinite" nodeType="mainSeq">
+                <p:childTnLst>
+                  <p:par>
+                    <p:cTn id="3" fill="hold">
+                      <p:stCondLst>
+                        <p:cond delay="indefinite"/>
+                      </p:stCondLst>
+                      <p:childTnLst>
+                        <p:par>
+                          <p:cTn id="4" fill="hold">
+                            <p:stCondLst>
+                              <p:cond delay="0"/>
+                            </p:stCondLst>
+                            <p:childTnLst>
+                              <p:par>
+                                <p:cTn id="5" presetID="10" presetClass="entr" presetSubtype="0" fill="hold" grpId="0" nodeType="clickEffect">
+                                  <p:stCondLst>
+                                    <p:cond delay="0"/>
+                                  </p:stCondLst>
+                                  <p:childTnLst>
+                                    <p:set>
+                                      <p:cBhvr>
+                                        <p:cTn id="6" dur="1" fill="hold">
+                                          <p:stCondLst>
+                                            <p:cond delay="0"/>
+                                          </p:stCondLst>
+                                        </p:cTn>
+                                        <p:tgtEl>
+                                          <p:spTgt spid="3">
+                                            <p:txEl>
+                                              <p:pRg st="0" end="0"/>
+                                            </p:txEl>
+                                          </p:spTgt>
+                                        </p:tgtEl>
+                                        <p:attrNameLst>
+                                          <p:attrName>style.visibility</p:attrName>
+                                        </p:attrNameLst>
+                                      </p:cBhvr>
+                                      <p:to>
+                                        <p:strVal val="visible"/>
+                                      </p:to>
+                                    </p:set>
+                                    <p:animEffect transition="in" filter="fade">
+                                      <p:cBhvr>
+                                        <p:cTn id="7" dur="500"/>
+                                        <p:tgtEl>
+                                          <p:spTgt spid="3">
+                                            <p:txEl>
+                                              <p:pRg st="0" end="0"/>
+                                            </p:txEl>
+                                          </p:spTgt>
+                                        </p:tgtEl>
+                                      </p:cBhvr>
+                                    </p:animEffect>
+                                  </p:childTnLst>
+                                </p:cTn>
+                              </p:par>
+                            </p:childTnLst>
+                          </p:cTn>
+                        </p:par>
+                      </p:childTnLst>
+                    </p:cTn>
+                  </p:par>
+                </p:childTnLst>
+              </p:cTn>
+              <p:prevCondLst>
+                <p:cond evt="onPrev" delay="0">
+                  <p:tgtEl>
+                    <p:sldTgt/>
+                  </p:tgtEl>
+                </p:cond>
+              </p:prevCondLst>
+              <p:nextCondLst>
+                <p:cond evt="onNext" delay="0">
+                  <p:tgtEl>
+                    <p:sldTgt/>
+                  </p:tgtEl>
+                </p:cond>
+              </p:nextCondLst>
+            </p:seq>
+          </p:childTnLst>
+        </p:cTn>
+      </p:par>
+    </p:tnLst>
+    <p:bldLst>
+      <p:bldP spid="3" grpId="0" build="p"/>
+    </p:bldLst>
+  </p:timing>
+</p:sld>
+</file>
+
+<file path=ppt/slides/slide15.xml><?xml version="1.0" encoding="utf-8"?>
+<p:sld xmlns:a="http://schemas.openxmlformats.org/drawingml/2006/main" xmlns:r="http://schemas.openxmlformats.org/officeDocument/2006/relationships" xmlns:p="http://schemas.openxmlformats.org/presentationml/2006/main">
+  <p:cSld>
+    <p:spTree>
+      <p:nvGrpSpPr>
+        <p:cNvPr id="1" name=""/>
+        <p:cNvGrpSpPr/>
+        <p:nvPr/>
+      </p:nvGrpSpPr>
+      <p:grpSpPr>
+        <a:xfrm>
+          <a:off x="0" y="0"/>
+          <a:ext cx="0" cy="0"/>
+          <a:chOff x="0" y="0"/>
+          <a:chExt cx="0" cy="0"/>
+        </a:xfrm>
+      </p:grpSpPr>
+      <p:sp>
+        <p:nvSpPr>
+          <p:cNvPr id="2" name="Titel 1"/>
+          <p:cNvSpPr>
+            <a:spLocks noGrp="1"/>
+          </p:cNvSpPr>
+          <p:nvPr>
+            <p:ph type="title"/>
+          </p:nvPr>
+        </p:nvSpPr>
+        <p:spPr/>
+        <p:txBody>
+          <a:bodyPr/>
+          <a:lstStyle/>
+          <a:p>
+            <a:r>
+              <a:rPr lang="de-DE" b="1" dirty="0" smtClean="0">
+                <a:solidFill>
+                  <a:schemeClr val="bg1"/>
+                </a:solidFill>
+                <a:latin typeface="TeXGyreAdventor" pitchFamily="50" charset="0"/>
+              </a:rPr>
+              <a:t>Nice </a:t>
+            </a:r>
+            <a:r>
+              <a:rPr lang="de-DE" b="1" dirty="0" err="1" smtClean="0">
+                <a:solidFill>
+                  <a:schemeClr val="bg1"/>
+                </a:solidFill>
+                <a:latin typeface="TeXGyreAdventor" pitchFamily="50" charset="0"/>
+              </a:rPr>
+              <a:t>to</a:t>
+            </a:r>
+            <a:r>
+              <a:rPr lang="de-DE" b="1" dirty="0" smtClean="0">
+                <a:solidFill>
+                  <a:schemeClr val="bg1"/>
+                </a:solidFill>
+                <a:latin typeface="TeXGyreAdventor" pitchFamily="50" charset="0"/>
+              </a:rPr>
+              <a:t> </a:t>
+            </a:r>
+            <a:r>
+              <a:rPr lang="de-DE" b="1" dirty="0" err="1" smtClean="0">
+                <a:solidFill>
+                  <a:schemeClr val="bg1"/>
+                </a:solidFill>
+                <a:latin typeface="TeXGyreAdventor" pitchFamily="50" charset="0"/>
+              </a:rPr>
+              <a:t>have</a:t>
+            </a:r>
+            <a:endParaRPr lang="de-DE" b="1" dirty="0">
+              <a:solidFill>
+                <a:schemeClr val="bg1"/>
+              </a:solidFill>
+              <a:latin typeface="TeXGyreAdventor" pitchFamily="50" charset="0"/>
+            </a:endParaRPr>
+          </a:p>
+        </p:txBody>
+      </p:sp>
+      <p:sp>
+        <p:nvSpPr>
+          <p:cNvPr id="3" name="Inhaltsplatzhalter 2"/>
+          <p:cNvSpPr>
+            <a:spLocks noGrp="1"/>
+          </p:cNvSpPr>
+          <p:nvPr>
+            <p:ph idx="1"/>
+          </p:nvPr>
+        </p:nvSpPr>
+        <p:spPr/>
+        <p:txBody>
+          <a:bodyPr>
+            <a:normAutofit fontScale="92500" lnSpcReduction="10000"/>
+          </a:bodyPr>
+          <a:lstStyle/>
+          <a:p>
+            <a:pPr marL="0" indent="0" algn="ctr">
+              <a:buNone/>
+            </a:pPr>
+            <a:r>
+              <a:rPr lang="de-DE" b="1" dirty="0" smtClean="0">
+                <a:solidFill>
+                  <a:schemeClr val="bg1"/>
+                </a:solidFill>
+                <a:latin typeface="TeXGyreAdventor" pitchFamily="50" charset="0"/>
+              </a:rPr>
+              <a:t>Enemy </a:t>
+            </a:r>
+            <a:r>
+              <a:rPr lang="de-DE" b="1" dirty="0" err="1" smtClean="0">
+                <a:solidFill>
+                  <a:schemeClr val="bg1"/>
+                </a:solidFill>
+                <a:latin typeface="TeXGyreAdventor" pitchFamily="50" charset="0"/>
+              </a:rPr>
+              <a:t>Types</a:t>
+            </a:r>
+            <a:endParaRPr lang="de-DE" b="1" dirty="0" smtClean="0">
+              <a:solidFill>
+                <a:schemeClr val="bg1"/>
+              </a:solidFill>
+              <a:latin typeface="TeXGyreAdventor" pitchFamily="50" charset="0"/>
+            </a:endParaRPr>
+          </a:p>
+          <a:p>
+            <a:endParaRPr lang="en-US" dirty="0" smtClean="0">
+              <a:solidFill>
+                <a:schemeClr val="bg1"/>
+              </a:solidFill>
+              <a:latin typeface="TeXGyreAdventor" pitchFamily="50" charset="0"/>
+            </a:endParaRPr>
+          </a:p>
+          <a:p>
+            <a:r>
+              <a:rPr lang="en-US" dirty="0" smtClean="0">
+                <a:solidFill>
+                  <a:schemeClr val="bg1"/>
+                </a:solidFill>
+                <a:latin typeface="TeXGyreAdventor" pitchFamily="50" charset="0"/>
+              </a:rPr>
+              <a:t>Exploding enemy</a:t>
+            </a:r>
+          </a:p>
+          <a:p>
+            <a:pPr lvl="1"/>
+            <a:endParaRPr lang="en-US" dirty="0">
+              <a:solidFill>
+                <a:schemeClr val="bg1"/>
+              </a:solidFill>
+              <a:latin typeface="TeXGyreAdventor" pitchFamily="50" charset="0"/>
+            </a:endParaRPr>
+          </a:p>
+          <a:p>
+            <a:r>
+              <a:rPr lang="en-US" dirty="0" err="1">
+                <a:solidFill>
+                  <a:schemeClr val="bg1"/>
+                </a:solidFill>
+                <a:latin typeface="TeXGyreAdventor" pitchFamily="50" charset="0"/>
+              </a:rPr>
+              <a:t>Resurrectable</a:t>
+            </a:r>
+            <a:r>
+              <a:rPr lang="en-US" dirty="0">
+                <a:solidFill>
+                  <a:schemeClr val="bg1"/>
+                </a:solidFill>
+                <a:latin typeface="TeXGyreAdventor" pitchFamily="50" charset="0"/>
+              </a:rPr>
+              <a:t> </a:t>
+            </a:r>
+            <a:r>
+              <a:rPr lang="en-US" dirty="0" smtClean="0">
+                <a:solidFill>
+                  <a:schemeClr val="bg1"/>
+                </a:solidFill>
+                <a:latin typeface="TeXGyreAdventor" pitchFamily="50" charset="0"/>
+              </a:rPr>
+              <a:t>enemy</a:t>
+            </a:r>
+          </a:p>
+          <a:p>
+            <a:endParaRPr lang="en-US" dirty="0">
+              <a:solidFill>
+                <a:schemeClr val="bg1"/>
+              </a:solidFill>
+              <a:latin typeface="TeXGyreAdventor" pitchFamily="50" charset="0"/>
+            </a:endParaRPr>
+          </a:p>
+          <a:p>
+            <a:r>
+              <a:rPr lang="en-US" dirty="0">
+                <a:solidFill>
+                  <a:schemeClr val="bg1"/>
+                </a:solidFill>
+                <a:latin typeface="TeXGyreAdventor" pitchFamily="50" charset="0"/>
+              </a:rPr>
+              <a:t>Armored </a:t>
+            </a:r>
+            <a:r>
+              <a:rPr lang="en-US" dirty="0" smtClean="0">
+                <a:solidFill>
+                  <a:schemeClr val="bg1"/>
+                </a:solidFill>
+                <a:latin typeface="TeXGyreAdventor" pitchFamily="50" charset="0"/>
+              </a:rPr>
+              <a:t>enemy</a:t>
+            </a:r>
+          </a:p>
+          <a:p>
+            <a:endParaRPr lang="en-US" dirty="0">
+              <a:solidFill>
+                <a:schemeClr val="bg1"/>
+              </a:solidFill>
+              <a:latin typeface="TeXGyreAdventor" pitchFamily="50" charset="0"/>
+            </a:endParaRPr>
+          </a:p>
+          <a:p>
+            <a:r>
+              <a:rPr lang="en-US" dirty="0">
+                <a:solidFill>
+                  <a:schemeClr val="bg1"/>
+                </a:solidFill>
+                <a:latin typeface="TeXGyreAdventor" pitchFamily="50" charset="0"/>
+              </a:rPr>
+              <a:t>Toss-able enemy</a:t>
+            </a:r>
+          </a:p>
+          <a:p>
+            <a:pPr lvl="1"/>
+            <a:endParaRPr lang="de-DE" dirty="0">
+              <a:solidFill>
+                <a:schemeClr val="bg1"/>
+              </a:solidFill>
+              <a:latin typeface="TeXGyreAdventor" pitchFamily="50" charset="0"/>
+            </a:endParaRPr>
+          </a:p>
+        </p:txBody>
+      </p:sp>
+      <p:pic>
+        <p:nvPicPr>
+          <p:cNvPr id="8194" name="Picture 2" descr="C:\Users\jaromir.paarmann\Documents\HammerMan\Art\BilderPPPGate01\Explosion.jpg"/>
+          <p:cNvPicPr>
+            <a:picLocks noChangeAspect="1" noChangeArrowheads="1"/>
+          </p:cNvPicPr>
+          <p:nvPr/>
+        </p:nvPicPr>
+        <p:blipFill>
+          <a:blip r:embed="rId2" cstate="print">
+            <a:extLst>
+              <a:ext uri="{28A0092B-C50C-407E-A947-70E740481C1C}">
+                <a14:useLocalDpi xmlns:a14="http://schemas.microsoft.com/office/drawing/2010/main" val="0"/>
+              </a:ext>
+            </a:extLst>
+          </a:blip>
+          <a:srcRect/>
+          <a:stretch>
+            <a:fillRect/>
+          </a:stretch>
+        </p:blipFill>
+        <p:spPr bwMode="auto">
+          <a:xfrm>
+            <a:off x="5004048" y="2305847"/>
+            <a:ext cx="1584176" cy="1189832"/>
+          </a:xfrm>
+          <a:prstGeom prst="rect">
+            <a:avLst/>
+          </a:prstGeom>
+          <a:noFill/>
+          <a:extLst>
+            <a:ext uri="{909E8E84-426E-40DD-AFC4-6F175D3DCCD1}">
+              <a14:hiddenFill xmlns:a14="http://schemas.microsoft.com/office/drawing/2010/main">
+                <a:solidFill>
+                  <a:srgbClr val="FFFFFF"/>
+                </a:solidFill>
+              </a14:hiddenFill>
+            </a:ext>
+          </a:extLst>
+        </p:spPr>
+      </p:pic>
+      <p:pic>
+        <p:nvPicPr>
+          <p:cNvPr id="8195" name="Picture 3" descr="C:\Users\jaromir.paarmann\Documents\HammerMan\Art\BilderPPPGate01\Resurrectable.jpg"/>
+          <p:cNvPicPr>
+            <a:picLocks noChangeAspect="1" noChangeArrowheads="1"/>
+          </p:cNvPicPr>
+          <p:nvPr/>
+        </p:nvPicPr>
+        <p:blipFill>
+          <a:blip r:embed="rId3">
+            <a:extLst>
+              <a:ext uri="{28A0092B-C50C-407E-A947-70E740481C1C}">
+                <a14:useLocalDpi xmlns:a14="http://schemas.microsoft.com/office/drawing/2010/main" val="0"/>
+              </a:ext>
+            </a:extLst>
+          </a:blip>
+          <a:srcRect/>
+          <a:stretch>
+            <a:fillRect/>
+          </a:stretch>
+        </p:blipFill>
+        <p:spPr bwMode="auto">
+          <a:xfrm>
+            <a:off x="6876256" y="2996952"/>
+            <a:ext cx="1536278" cy="1536278"/>
+          </a:xfrm>
+          <a:prstGeom prst="rect">
+            <a:avLst/>
+          </a:prstGeom>
+          <a:noFill/>
+          <a:extLst>
+            <a:ext uri="{909E8E84-426E-40DD-AFC4-6F175D3DCCD1}">
+              <a14:hiddenFill xmlns:a14="http://schemas.microsoft.com/office/drawing/2010/main">
+                <a:solidFill>
+                  <a:srgbClr val="FFFFFF"/>
+                </a:solidFill>
+              </a14:hiddenFill>
+            </a:ext>
+          </a:extLst>
+        </p:spPr>
+      </p:pic>
+      <p:pic>
+        <p:nvPicPr>
+          <p:cNvPr id="8196" name="Picture 4" descr="C:\Users\jaromir.paarmann\Documents\HammerMan\Art\BilderPPPGate01\Throw.jpg"/>
+          <p:cNvPicPr>
+            <a:picLocks noChangeAspect="1" noChangeArrowheads="1"/>
+          </p:cNvPicPr>
+          <p:nvPr/>
+        </p:nvPicPr>
+        <p:blipFill>
+          <a:blip r:embed="rId4" cstate="print">
+            <a:extLst>
+              <a:ext uri="{28A0092B-C50C-407E-A947-70E740481C1C}">
+                <a14:useLocalDpi xmlns:a14="http://schemas.microsoft.com/office/drawing/2010/main" val="0"/>
+              </a:ext>
+            </a:extLst>
+          </a:blip>
+          <a:srcRect/>
+          <a:stretch>
+            <a:fillRect/>
+          </a:stretch>
+        </p:blipFill>
+        <p:spPr bwMode="auto">
+          <a:xfrm>
+            <a:off x="6449335" y="5344685"/>
+            <a:ext cx="1819183" cy="1212081"/>
+          </a:xfrm>
+          <a:prstGeom prst="rect">
+            <a:avLst/>
+          </a:prstGeom>
+          <a:noFill/>
+          <a:extLst>
+            <a:ext uri="{909E8E84-426E-40DD-AFC4-6F175D3DCCD1}">
+              <a14:hiddenFill xmlns:a14="http://schemas.microsoft.com/office/drawing/2010/main">
+                <a:solidFill>
+                  <a:srgbClr val="FFFFFF"/>
+                </a:solidFill>
+              </a14:hiddenFill>
+            </a:ext>
+          </a:extLst>
+        </p:spPr>
+      </p:pic>
+      <p:pic>
+        <p:nvPicPr>
+          <p:cNvPr id="8197" name="Picture 5" descr="C:\Users\jaromir.paarmann\Documents\HammerMan\Art\BilderPPPGate01\Armor.png"/>
+          <p:cNvPicPr>
+            <a:picLocks noChangeAspect="1" noChangeArrowheads="1"/>
+          </p:cNvPicPr>
+          <p:nvPr/>
+        </p:nvPicPr>
+        <p:blipFill>
+          <a:blip r:embed="rId5" cstate="print">
+            <a:extLst>
+              <a:ext uri="{28A0092B-C50C-407E-A947-70E740481C1C}">
+                <a14:useLocalDpi xmlns:a14="http://schemas.microsoft.com/office/drawing/2010/main" val="0"/>
+              </a:ext>
+            </a:extLst>
+          </a:blip>
+          <a:srcRect/>
+          <a:stretch>
+            <a:fillRect/>
+          </a:stretch>
+        </p:blipFill>
+        <p:spPr bwMode="auto">
+          <a:xfrm>
+            <a:off x="4256029" y="4077072"/>
+            <a:ext cx="1728192" cy="1728192"/>
+          </a:xfrm>
+          <a:prstGeom prst="rect">
+            <a:avLst/>
+          </a:prstGeom>
+          <a:noFill/>
+          <a:extLst>
+            <a:ext uri="{909E8E84-426E-40DD-AFC4-6F175D3DCCD1}">
+              <a14:hiddenFill xmlns:a14="http://schemas.microsoft.com/office/drawing/2010/main">
+                <a:solidFill>
+                  <a:srgbClr val="FFFFFF"/>
+                </a:solidFill>
+              </a14:hiddenFill>
+            </a:ext>
+          </a:extLst>
+        </p:spPr>
+      </p:pic>
+    </p:spTree>
+    <p:extLst>
+      <p:ext uri="{BB962C8B-B14F-4D97-AF65-F5344CB8AC3E}">
+        <p14:creationId xmlns:p14="http://schemas.microsoft.com/office/powerpoint/2010/main" val="1689521356"/>
+      </p:ext>
+    </p:extLst>
+  </p:cSld>
+  <p:clrMapOvr>
+    <a:masterClrMapping/>
+  </p:clrMapOvr>
+  <p:timing>
+    <p:tnLst>
+      <p:par>
+        <p:cTn id="1" dur="indefinite" restart="never" nodeType="tmRoot">
+          <p:childTnLst>
+            <p:seq concurrent="1" nextAc="seek">
+              <p:cTn id="2" dur="indefinite" nodeType="mainSeq">
+                <p:childTnLst>
+                  <p:par>
+                    <p:cTn id="3" fill="hold">
+                      <p:stCondLst>
+                        <p:cond delay="indefinite"/>
+                      </p:stCondLst>
+                      <p:childTnLst>
+                        <p:par>
+                          <p:cTn id="4" fill="hold">
+                            <p:stCondLst>
+                              <p:cond delay="0"/>
+                            </p:stCondLst>
+                            <p:childTnLst>
+                              <p:par>
+                                <p:cTn id="5" presetID="10" presetClass="entr" presetSubtype="0" fill="hold" grpId="0" nodeType="clickEffect">
+                                  <p:stCondLst>
+                                    <p:cond delay="0"/>
+                                  </p:stCondLst>
+                                  <p:childTnLst>
+                                    <p:set>
+                                      <p:cBhvr>
+                                        <p:cTn id="6" dur="1" fill="hold">
+                                          <p:stCondLst>
+                                            <p:cond delay="0"/>
+                                          </p:stCondLst>
+                                        </p:cTn>
+                                        <p:tgtEl>
+                                          <p:spTgt spid="3">
+                                            <p:txEl>
+                                              <p:pRg st="0" end="0"/>
+                                            </p:txEl>
+                                          </p:spTgt>
+                                        </p:tgtEl>
+                                        <p:attrNameLst>
+                                          <p:attrName>style.visibility</p:attrName>
+                                        </p:attrNameLst>
+                                      </p:cBhvr>
+                                      <p:to>
+                                        <p:strVal val="visible"/>
+                                      </p:to>
+                                    </p:set>
+                                    <p:animEffect transition="in" filter="fade">
+                                      <p:cBhvr>
+                                        <p:cTn id="7" dur="500"/>
+                                        <p:tgtEl>
+                                          <p:spTgt spid="3">
+                                            <p:txEl>
+                                              <p:pRg st="0" end="0"/>
+                                            </p:txEl>
+                                          </p:spTgt>
+                                        </p:tgtEl>
+                                      </p:cBhvr>
+                                    </p:animEffect>
+                                  </p:childTnLst>
+                                </p:cTn>
+                              </p:par>
+                            </p:childTnLst>
+                          </p:cTn>
+                        </p:par>
+                      </p:childTnLst>
+                    </p:cTn>
+                  </p:par>
+                  <p:par>
+                    <p:cTn id="8" fill="hold">
+                      <p:stCondLst>
+                        <p:cond delay="indefinite"/>
+                      </p:stCondLst>
+                      <p:childTnLst>
+                        <p:par>
+                          <p:cTn id="9" fill="hold">
+                            <p:stCondLst>
+                              <p:cond delay="0"/>
+                            </p:stCondLst>
+                            <p:childTnLst>
+                              <p:par>
+                                <p:cTn id="10" presetID="10" presetClass="entr" presetSubtype="0" fill="hold" grpId="0" nodeType="clickEffect">
+                                  <p:stCondLst>
+                                    <p:cond delay="0"/>
+                                  </p:stCondLst>
+                                  <p:childTnLst>
+                                    <p:set>
+                                      <p:cBhvr>
+                                        <p:cTn id="11" dur="1" fill="hold">
+                                          <p:stCondLst>
+                                            <p:cond delay="0"/>
+                                          </p:stCondLst>
+                                        </p:cTn>
+                                        <p:tgtEl>
+                                          <p:spTgt spid="3">
+                                            <p:txEl>
+                                              <p:pRg st="2" end="2"/>
+                                            </p:txEl>
+                                          </p:spTgt>
+                                        </p:tgtEl>
+                                        <p:attrNameLst>
+                                          <p:attrName>style.visibility</p:attrName>
+                                        </p:attrNameLst>
+                                      </p:cBhvr>
+                                      <p:to>
+                                        <p:strVal val="visible"/>
+                                      </p:to>
+                                    </p:set>
+                                    <p:animEffect transition="in" filter="fade">
+                                      <p:cBhvr>
+                                        <p:cTn id="12" dur="500"/>
+                                        <p:tgtEl>
+                                          <p:spTgt spid="3">
+                                            <p:txEl>
+                                              <p:pRg st="2" end="2"/>
+                                            </p:txEl>
+                                          </p:spTgt>
+                                        </p:tgtEl>
+                                      </p:cBhvr>
+                                    </p:animEffect>
+                                  </p:childTnLst>
+                                </p:cTn>
+                              </p:par>
+                              <p:par>
+                                <p:cTn id="13" presetID="10" presetClass="entr" presetSubtype="0" fill="hold" nodeType="withEffect">
+                                  <p:stCondLst>
+                                    <p:cond delay="0"/>
+                                  </p:stCondLst>
+                                  <p:childTnLst>
+                                    <p:set>
+                                      <p:cBhvr>
+                                        <p:cTn id="14" dur="1" fill="hold">
+                                          <p:stCondLst>
+                                            <p:cond delay="0"/>
+                                          </p:stCondLst>
+                                        </p:cTn>
+                                        <p:tgtEl>
+                                          <p:spTgt spid="8194"/>
+                                        </p:tgtEl>
+                                        <p:attrNameLst>
+                                          <p:attrName>style.visibility</p:attrName>
+                                        </p:attrNameLst>
+                                      </p:cBhvr>
+                                      <p:to>
+                                        <p:strVal val="visible"/>
+                                      </p:to>
+                                    </p:set>
+                                    <p:animEffect transition="in" filter="fade">
+                                      <p:cBhvr>
+                                        <p:cTn id="15" dur="500"/>
+                                        <p:tgtEl>
+                                          <p:spTgt spid="8194"/>
+                                        </p:tgtEl>
+                                      </p:cBhvr>
+                                    </p:animEffect>
+                                  </p:childTnLst>
+                                </p:cTn>
+                              </p:par>
+                            </p:childTnLst>
+                          </p:cTn>
+                        </p:par>
+                      </p:childTnLst>
+                    </p:cTn>
+                  </p:par>
+                  <p:par>
+                    <p:cTn id="16" fill="hold">
+                      <p:stCondLst>
+                        <p:cond delay="indefinite"/>
+                      </p:stCondLst>
+                      <p:childTnLst>
+                        <p:par>
+                          <p:cTn id="17" fill="hold">
+                            <p:stCondLst>
+                              <p:cond delay="0"/>
+                            </p:stCondLst>
+                            <p:childTnLst>
+                              <p:par>
+                                <p:cTn id="18" presetID="10" presetClass="entr" presetSubtype="0" fill="hold" grpId="0" nodeType="clickEffect">
+                                  <p:stCondLst>
+                                    <p:cond delay="0"/>
+                                  </p:stCondLst>
+                                  <p:childTnLst>
+                                    <p:set>
+                                      <p:cBhvr>
+                                        <p:cTn id="19" dur="1" fill="hold">
+                                          <p:stCondLst>
+                                            <p:cond delay="0"/>
+                                          </p:stCondLst>
+                                        </p:cTn>
+                                        <p:tgtEl>
+                                          <p:spTgt spid="3">
+                                            <p:txEl>
                                               <p:pRg st="4" end="4"/>
                                             </p:txEl>
                                           </p:spTgt>
+                                        </p:tgtEl>
+                                        <p:attrNameLst>
+                                          <p:attrName>style.visibility</p:attrName>
+                                        </p:attrNameLst>
+                                      </p:cBhvr>
+                                      <p:to>
+                                        <p:strVal val="visible"/>
+                                      </p:to>
+                                    </p:set>
+                                    <p:animEffect transition="in" filter="fade">
+                                      <p:cBhvr>
+                                        <p:cTn id="20" dur="500"/>
+                                        <p:tgtEl>
+                                          <p:spTgt spid="3">
+                                            <p:txEl>
+                                              <p:pRg st="4" end="4"/>
+                                            </p:txEl>
+                                          </p:spTgt>
+                                        </p:tgtEl>
+                                      </p:cBhvr>
+                                    </p:animEffect>
+                                  </p:childTnLst>
+                                </p:cTn>
+                              </p:par>
+                              <p:par>
+                                <p:cTn id="21" presetID="10" presetClass="entr" presetSubtype="0" fill="hold" nodeType="withEffect">
+                                  <p:stCondLst>
+                                    <p:cond delay="0"/>
+                                  </p:stCondLst>
+                                  <p:childTnLst>
+                                    <p:set>
+                                      <p:cBhvr>
+                                        <p:cTn id="22" dur="1" fill="hold">
+                                          <p:stCondLst>
+                                            <p:cond delay="0"/>
+                                          </p:stCondLst>
+                                        </p:cTn>
+                                        <p:tgtEl>
+                                          <p:spTgt spid="8195"/>
+                                        </p:tgtEl>
+                                        <p:attrNameLst>
+                                          <p:attrName>style.visibility</p:attrName>
+                                        </p:attrNameLst>
+                                      </p:cBhvr>
+                                      <p:to>
+                                        <p:strVal val="visible"/>
+                                      </p:to>
+                                    </p:set>
+                                    <p:animEffect transition="in" filter="fade">
+                                      <p:cBhvr>
+                                        <p:cTn id="23" dur="500"/>
+                                        <p:tgtEl>
+                                          <p:spTgt spid="8195"/>
+                                        </p:tgtEl>
+                                      </p:cBhvr>
+                                    </p:animEffect>
+                                  </p:childTnLst>
+                                </p:cTn>
+                              </p:par>
+                            </p:childTnLst>
+                          </p:cTn>
+                        </p:par>
+                      </p:childTnLst>
+                    </p:cTn>
+                  </p:par>
+                  <p:par>
+                    <p:cTn id="24" fill="hold">
+                      <p:stCondLst>
+                        <p:cond delay="indefinite"/>
+                      </p:stCondLst>
+                      <p:childTnLst>
+                        <p:par>
+                          <p:cTn id="25" fill="hold">
+                            <p:stCondLst>
+                              <p:cond delay="0"/>
+                            </p:stCondLst>
+                            <p:childTnLst>
+                              <p:par>
+                                <p:cTn id="26" presetID="10" presetClass="entr" presetSubtype="0" fill="hold" grpId="0" nodeType="clickEffect">
+                                  <p:stCondLst>
+                                    <p:cond delay="0"/>
+                                  </p:stCondLst>
+                                  <p:childTnLst>
+                                    <p:set>
+                                      <p:cBhvr>
+                                        <p:cTn id="27" dur="1" fill="hold">
+                                          <p:stCondLst>
+                                            <p:cond delay="0"/>
+                                          </p:stCondLst>
+                                        </p:cTn>
+                                        <p:tgtEl>
+                                          <p:spTgt spid="3">
+                                            <p:txEl>
+                                              <p:pRg st="6" end="6"/>
+                                            </p:txEl>
+                                          </p:spTgt>
+                                        </p:tgtEl>
+                                        <p:attrNameLst>
+                                          <p:attrName>style.visibility</p:attrName>
+                                        </p:attrNameLst>
+                                      </p:cBhvr>
+                                      <p:to>
+                                        <p:strVal val="visible"/>
+                                      </p:to>
+                                    </p:set>
+                                    <p:animEffect transition="in" filter="fade">
+                                      <p:cBhvr>
+                                        <p:cTn id="28" dur="500"/>
+                                        <p:tgtEl>
+                                          <p:spTgt spid="3">
+                                            <p:txEl>
+                                              <p:pRg st="6" end="6"/>
+                                            </p:txEl>
+                                          </p:spTgt>
+                                        </p:tgtEl>
+                                      </p:cBhvr>
+                                    </p:animEffect>
+                                  </p:childTnLst>
+                                </p:cTn>
+                              </p:par>
+                              <p:par>
+                                <p:cTn id="29" presetID="10" presetClass="entr" presetSubtype="0" fill="hold" nodeType="withEffect">
+                                  <p:stCondLst>
+                                    <p:cond delay="0"/>
+                                  </p:stCondLst>
+                                  <p:childTnLst>
+                                    <p:set>
+                                      <p:cBhvr>
+                                        <p:cTn id="30" dur="1" fill="hold">
+                                          <p:stCondLst>
+                                            <p:cond delay="0"/>
+                                          </p:stCondLst>
+                                        </p:cTn>
+                                        <p:tgtEl>
+                                          <p:spTgt spid="8197"/>
+                                        </p:tgtEl>
+                                        <p:attrNameLst>
+                                          <p:attrName>style.visibility</p:attrName>
+                                        </p:attrNameLst>
+                                      </p:cBhvr>
+                                      <p:to>
+                                        <p:strVal val="visible"/>
+                                      </p:to>
+                                    </p:set>
+                                    <p:animEffect transition="in" filter="fade">
+                                      <p:cBhvr>
+                                        <p:cTn id="31" dur="500"/>
+                                        <p:tgtEl>
+                                          <p:spTgt spid="8197"/>
+                                        </p:tgtEl>
+                                      </p:cBhvr>
+                                    </p:animEffect>
+                                  </p:childTnLst>
+                                </p:cTn>
+                              </p:par>
+                            </p:childTnLst>
+                          </p:cTn>
+                        </p:par>
+                      </p:childTnLst>
+                    </p:cTn>
+                  </p:par>
+                  <p:par>
+                    <p:cTn id="32" fill="hold">
+                      <p:stCondLst>
+                        <p:cond delay="indefinite"/>
+                      </p:stCondLst>
+                      <p:childTnLst>
+                        <p:par>
+                          <p:cTn id="33" fill="hold">
+                            <p:stCondLst>
+                              <p:cond delay="0"/>
+                            </p:stCondLst>
+                            <p:childTnLst>
+                              <p:par>
+                                <p:cTn id="34" presetID="10" presetClass="entr" presetSubtype="0" fill="hold" grpId="0" nodeType="clickEffect">
+                                  <p:stCondLst>
+                                    <p:cond delay="0"/>
+                                  </p:stCondLst>
+                                  <p:childTnLst>
+                                    <p:set>
+                                      <p:cBhvr>
+                                        <p:cTn id="35" dur="1" fill="hold">
+                                          <p:stCondLst>
+                                            <p:cond delay="0"/>
+                                          </p:stCondLst>
+                                        </p:cTn>
+                                        <p:tgtEl>
+                                          <p:spTgt spid="3">
+                                            <p:txEl>
+                                              <p:pRg st="8" end="8"/>
+                                            </p:txEl>
+                                          </p:spTgt>
+                                        </p:tgtEl>
+                                        <p:attrNameLst>
+                                          <p:attrName>style.visibility</p:attrName>
+                                        </p:attrNameLst>
+                                      </p:cBhvr>
+                                      <p:to>
+                                        <p:strVal val="visible"/>
+                                      </p:to>
+                                    </p:set>
+                                    <p:animEffect transition="in" filter="fade">
+                                      <p:cBhvr>
+                                        <p:cTn id="36" dur="500"/>
+                                        <p:tgtEl>
+                                          <p:spTgt spid="3">
+                                            <p:txEl>
+                                              <p:pRg st="8" end="8"/>
+                                            </p:txEl>
+                                          </p:spTgt>
+                                        </p:tgtEl>
+                                      </p:cBhvr>
+                                    </p:animEffect>
+                                  </p:childTnLst>
+                                </p:cTn>
+                              </p:par>
+                              <p:par>
+                                <p:cTn id="37" presetID="10" presetClass="entr" presetSubtype="0" fill="hold" nodeType="withEffect">
+                                  <p:stCondLst>
+                                    <p:cond delay="0"/>
+                                  </p:stCondLst>
+                                  <p:childTnLst>
+                                    <p:set>
+                                      <p:cBhvr>
+                                        <p:cTn id="38" dur="1" fill="hold">
+                                          <p:stCondLst>
+                                            <p:cond delay="0"/>
+                                          </p:stCondLst>
+                                        </p:cTn>
+                                        <p:tgtEl>
+                                          <p:spTgt spid="8196"/>
+                                        </p:tgtEl>
+                                        <p:attrNameLst>
+                                          <p:attrName>style.visibility</p:attrName>
+                                        </p:attrNameLst>
+                                      </p:cBhvr>
+                                      <p:to>
+                                        <p:strVal val="visible"/>
+                                      </p:to>
+                                    </p:set>
+                                    <p:animEffect transition="in" filter="fade">
+                                      <p:cBhvr>
+                                        <p:cTn id="39" dur="500"/>
+                                        <p:tgtEl>
+                                          <p:spTgt spid="8196"/>
+                                        </p:tgtEl>
+                                      </p:cBhvr>
+                                    </p:animEffect>
+                                  </p:childTnLst>
+                                </p:cTn>
+                              </p:par>
+                            </p:childTnLst>
+                          </p:cTn>
+                        </p:par>
+                      </p:childTnLst>
+                    </p:cTn>
+                  </p:par>
+                </p:childTnLst>
+              </p:cTn>
+              <p:prevCondLst>
+                <p:cond evt="onPrev" delay="0">
+                  <p:tgtEl>
+                    <p:sldTgt/>
+                  </p:tgtEl>
+                </p:cond>
+              </p:prevCondLst>
+              <p:nextCondLst>
+                <p:cond evt="onNext" delay="0">
+                  <p:tgtEl>
+                    <p:sldTgt/>
+                  </p:tgtEl>
+                </p:cond>
+              </p:nextCondLst>
+            </p:seq>
+          </p:childTnLst>
+        </p:cTn>
+      </p:par>
+    </p:tnLst>
+    <p:bldLst>
+      <p:bldP spid="3" grpId="0" build="p"/>
+    </p:bldLst>
+  </p:timing>
+</p:sld>
+</file>
+
+<file path=ppt/slides/slide16.xml><?xml version="1.0" encoding="utf-8"?>
+<p:sld xmlns:a="http://schemas.openxmlformats.org/drawingml/2006/main" xmlns:r="http://schemas.openxmlformats.org/officeDocument/2006/relationships" xmlns:p="http://schemas.openxmlformats.org/presentationml/2006/main">
+  <p:cSld>
+    <p:spTree>
+      <p:nvGrpSpPr>
+        <p:cNvPr id="1" name=""/>
+        <p:cNvGrpSpPr/>
+        <p:nvPr/>
+      </p:nvGrpSpPr>
+      <p:grpSpPr>
+        <a:xfrm>
+          <a:off x="0" y="0"/>
+          <a:ext cx="0" cy="0"/>
+          <a:chOff x="0" y="0"/>
+          <a:chExt cx="0" cy="0"/>
+        </a:xfrm>
+      </p:grpSpPr>
+      <p:sp>
+        <p:nvSpPr>
+          <p:cNvPr id="2" name="Titel 1"/>
+          <p:cNvSpPr>
+            <a:spLocks noGrp="1"/>
+          </p:cNvSpPr>
+          <p:nvPr>
+            <p:ph type="title"/>
+          </p:nvPr>
+        </p:nvSpPr>
+        <p:spPr/>
+        <p:txBody>
+          <a:bodyPr/>
+          <a:lstStyle/>
+          <a:p>
+            <a:r>
+              <a:rPr lang="de-DE" b="1" dirty="0" smtClean="0">
+                <a:solidFill>
+                  <a:schemeClr val="bg1"/>
+                </a:solidFill>
+                <a:latin typeface="TeXGyreAdventor" pitchFamily="50" charset="0"/>
+              </a:rPr>
+              <a:t>Plan für Goldmaster</a:t>
+            </a:r>
+            <a:endParaRPr lang="de-DE" b="1" dirty="0">
+              <a:solidFill>
+                <a:schemeClr val="bg1"/>
+              </a:solidFill>
+              <a:latin typeface="TeXGyreAdventor" pitchFamily="50" charset="0"/>
+            </a:endParaRPr>
+          </a:p>
+        </p:txBody>
+      </p:sp>
+      <p:sp>
+        <p:nvSpPr>
+          <p:cNvPr id="3" name="Inhaltsplatzhalter 2"/>
+          <p:cNvSpPr>
+            <a:spLocks noGrp="1"/>
+          </p:cNvSpPr>
+          <p:nvPr>
+            <p:ph idx="1"/>
+          </p:nvPr>
+        </p:nvSpPr>
+        <p:spPr/>
+        <p:txBody>
+          <a:bodyPr>
+            <a:normAutofit/>
+          </a:bodyPr>
+          <a:lstStyle/>
+          <a:p>
+            <a:r>
+              <a:rPr lang="de-DE" dirty="0" smtClean="0">
+                <a:solidFill>
+                  <a:schemeClr val="bg1"/>
+                </a:solidFill>
+                <a:latin typeface="TeXGyreAdventor" pitchFamily="50" charset="0"/>
+              </a:rPr>
+              <a:t>Allgemeiner Feinschliff</a:t>
+            </a:r>
+          </a:p>
+          <a:p>
+            <a:r>
+              <a:rPr lang="de-DE" dirty="0" smtClean="0">
+                <a:solidFill>
+                  <a:schemeClr val="bg1"/>
+                </a:solidFill>
+                <a:latin typeface="TeXGyreAdventor" pitchFamily="50" charset="0"/>
+              </a:rPr>
+              <a:t>Animation zu Beat </a:t>
+            </a:r>
+            <a:r>
+              <a:rPr lang="de-DE" dirty="0" smtClean="0">
+                <a:solidFill>
+                  <a:schemeClr val="bg1"/>
+                </a:solidFill>
+                <a:latin typeface="TeXGyreAdventor" pitchFamily="50" charset="0"/>
+              </a:rPr>
+              <a:t>Rhythmus</a:t>
+            </a:r>
+          </a:p>
+          <a:p>
+            <a:r>
+              <a:rPr lang="de-DE" dirty="0">
+                <a:solidFill>
+                  <a:schemeClr val="bg1"/>
+                </a:solidFill>
+                <a:latin typeface="TeXGyreAdventor" pitchFamily="50" charset="0"/>
+              </a:rPr>
+              <a:t>More </a:t>
+            </a:r>
+            <a:r>
+              <a:rPr lang="de-DE" dirty="0" err="1">
+                <a:solidFill>
+                  <a:schemeClr val="bg1"/>
+                </a:solidFill>
+                <a:latin typeface="TeXGyreAdventor" pitchFamily="50" charset="0"/>
+              </a:rPr>
+              <a:t>levels</a:t>
+            </a:r>
+            <a:endParaRPr lang="de-DE" dirty="0">
+              <a:solidFill>
+                <a:schemeClr val="bg1"/>
+              </a:solidFill>
+              <a:latin typeface="TeXGyreAdventor" pitchFamily="50" charset="0"/>
+            </a:endParaRPr>
+          </a:p>
+          <a:p>
+            <a:endParaRPr lang="de-DE" dirty="0">
+              <a:solidFill>
+                <a:schemeClr val="bg1"/>
+              </a:solidFill>
+              <a:latin typeface="TeXGyreAdventor" pitchFamily="50" charset="0"/>
+            </a:endParaRPr>
+          </a:p>
+        </p:txBody>
+      </p:sp>
+    </p:spTree>
+    <p:extLst>
+      <p:ext uri="{BB962C8B-B14F-4D97-AF65-F5344CB8AC3E}">
+        <p14:creationId xmlns:p14="http://schemas.microsoft.com/office/powerpoint/2010/main" val="341214904"/>
+      </p:ext>
+    </p:extLst>
+  </p:cSld>
+  <p:clrMapOvr>
+    <a:masterClrMapping/>
+  </p:clrMapOvr>
+  <p:timing>
+    <p:tnLst>
+      <p:par>
+        <p:cTn id="1" dur="indefinite" restart="never" nodeType="tmRoot">
+          <p:childTnLst>
+            <p:seq concurrent="1" nextAc="seek">
+              <p:cTn id="2" dur="indefinite" nodeType="mainSeq">
+                <p:childTnLst>
+                  <p:par>
+                    <p:cTn id="3" fill="hold">
+                      <p:stCondLst>
+                        <p:cond delay="indefinite"/>
+                      </p:stCondLst>
+                      <p:childTnLst>
+                        <p:par>
+                          <p:cTn id="4" fill="hold">
+                            <p:stCondLst>
+                              <p:cond delay="0"/>
+                            </p:stCondLst>
+                            <p:childTnLst>
+                              <p:par>
+                                <p:cTn id="5" presetID="10" presetClass="entr" presetSubtype="0" fill="hold" grpId="0" nodeType="clickEffect">
+                                  <p:stCondLst>
+                                    <p:cond delay="0"/>
+                                  </p:stCondLst>
+                                  <p:childTnLst>
+                                    <p:set>
+                                      <p:cBhvr>
+                                        <p:cTn id="6" dur="1" fill="hold">
+                                          <p:stCondLst>
+                                            <p:cond delay="0"/>
+                                          </p:stCondLst>
+                                        </p:cTn>
+                                        <p:tgtEl>
+                                          <p:spTgt spid="3">
+                                            <p:txEl>
+                                              <p:pRg st="0" end="0"/>
+                                            </p:txEl>
+                                          </p:spTgt>
+                                        </p:tgtEl>
+                                        <p:attrNameLst>
+                                          <p:attrName>style.visibility</p:attrName>
+                                        </p:attrNameLst>
+                                      </p:cBhvr>
+                                      <p:to>
+                                        <p:strVal val="visible"/>
+                                      </p:to>
+                                    </p:set>
+                                    <p:animEffect transition="in" filter="fade">
+                                      <p:cBhvr>
+                                        <p:cTn id="7" dur="500"/>
+                                        <p:tgtEl>
+                                          <p:spTgt spid="3">
+                                            <p:txEl>
+                                              <p:pRg st="0" end="0"/>
+                                            </p:txEl>
+                                          </p:spTgt>
+                                        </p:tgtEl>
+                                      </p:cBhvr>
+                                    </p:animEffect>
+                                  </p:childTnLst>
+                                </p:cTn>
+                              </p:par>
+                            </p:childTnLst>
+                          </p:cTn>
+                        </p:par>
+                      </p:childTnLst>
+                    </p:cTn>
+                  </p:par>
+                  <p:par>
+                    <p:cTn id="8" fill="hold">
+                      <p:stCondLst>
+                        <p:cond delay="indefinite"/>
+                      </p:stCondLst>
+                      <p:childTnLst>
+                        <p:par>
+                          <p:cTn id="9" fill="hold">
+                            <p:stCondLst>
+                              <p:cond delay="0"/>
+                            </p:stCondLst>
+                            <p:childTnLst>
+                              <p:par>
+                                <p:cTn id="10" presetID="10" presetClass="entr" presetSubtype="0" fill="hold" grpId="0" nodeType="clickEffect">
+                                  <p:stCondLst>
+                                    <p:cond delay="0"/>
+                                  </p:stCondLst>
+                                  <p:childTnLst>
+                                    <p:set>
+                                      <p:cBhvr>
+                                        <p:cTn id="11" dur="1" fill="hold">
+                                          <p:stCondLst>
+                                            <p:cond delay="0"/>
+                                          </p:stCondLst>
+                                        </p:cTn>
+                                        <p:tgtEl>
+                                          <p:spTgt spid="3">
+                                            <p:txEl>
+                                              <p:pRg st="1" end="1"/>
+                                            </p:txEl>
+                                          </p:spTgt>
+                                        </p:tgtEl>
+                                        <p:attrNameLst>
+                                          <p:attrName>style.visibility</p:attrName>
+                                        </p:attrNameLst>
+                                      </p:cBhvr>
+                                      <p:to>
+                                        <p:strVal val="visible"/>
+                                      </p:to>
+                                    </p:set>
+                                    <p:animEffect transition="in" filter="fade">
+                                      <p:cBhvr>
+                                        <p:cTn id="12" dur="500"/>
+                                        <p:tgtEl>
+                                          <p:spTgt spid="3">
+                                            <p:txEl>
+                                              <p:pRg st="1" end="1"/>
+                                            </p:txEl>
+                                          </p:spTgt>
+                                        </p:tgtEl>
+                                      </p:cBhvr>
+                                    </p:animEffect>
+                                  </p:childTnLst>
+                                </p:cTn>
+                              </p:par>
+                            </p:childTnLst>
+                          </p:cTn>
+                        </p:par>
+                      </p:childTnLst>
+                    </p:cTn>
+                  </p:par>
+                  <p:par>
+                    <p:cTn id="13" fill="hold">
+                      <p:stCondLst>
+                        <p:cond delay="indefinite"/>
+                      </p:stCondLst>
+                      <p:childTnLst>
+                        <p:par>
+                          <p:cTn id="14" fill="hold">
+                            <p:stCondLst>
+                              <p:cond delay="0"/>
+                            </p:stCondLst>
+                            <p:childTnLst>
+                              <p:par>
+                                <p:cTn id="15" presetID="10" presetClass="entr" presetSubtype="0" fill="hold" grpId="0" nodeType="clickEffect">
+                                  <p:stCondLst>
+                                    <p:cond delay="0"/>
+                                  </p:stCondLst>
+                                  <p:childTnLst>
+                                    <p:set>
+                                      <p:cBhvr>
+                                        <p:cTn id="16" dur="1" fill="hold">
+                                          <p:stCondLst>
+                                            <p:cond delay="0"/>
+                                          </p:stCondLst>
+                                        </p:cTn>
+                                        <p:tgtEl>
+                                          <p:spTgt spid="3">
+                                            <p:txEl>
+                                              <p:pRg st="2" end="2"/>
+                                            </p:txEl>
+                                          </p:spTgt>
+                                        </p:tgtEl>
+                                        <p:attrNameLst>
+                                          <p:attrName>style.visibility</p:attrName>
+                                        </p:attrNameLst>
+                                      </p:cBhvr>
+                                      <p:to>
+                                        <p:strVal val="visible"/>
+                                      </p:to>
+                                    </p:set>
+                                    <p:animEffect transition="in" filter="fade">
+                                      <p:cBhvr>
+                                        <p:cTn id="17" dur="500"/>
+                                        <p:tgtEl>
+                                          <p:spTgt spid="3">
+                                            <p:txEl>
+                                              <p:pRg st="2" end="2"/>
+                                            </p:txEl>
+                                          </p:spTgt>
+                                        </p:tgtEl>
+                                      </p:cBhvr>
+                                    </p:animEffect>
+                                  </p:childTnLst>
+                                </p:cTn>
+                              </p:par>
+                            </p:childTnLst>
+                          </p:cTn>
+                        </p:par>
+                      </p:childTnLst>
+                    </p:cTn>
+                  </p:par>
+                </p:childTnLst>
+              </p:cTn>
+              <p:prevCondLst>
+                <p:cond evt="onPrev" delay="0">
+                  <p:tgtEl>
+                    <p:sldTgt/>
+                  </p:tgtEl>
+                </p:cond>
+              </p:prevCondLst>
+              <p:nextCondLst>
+                <p:cond evt="onNext" delay="0">
+                  <p:tgtEl>
+                    <p:sldTgt/>
+                  </p:tgtEl>
+                </p:cond>
+              </p:nextCondLst>
+            </p:seq>
+          </p:childTnLst>
+        </p:cTn>
+      </p:par>
+    </p:tnLst>
+    <p:bldLst>
+      <p:bldP spid="3" grpId="0" build="p"/>
+    </p:bldLst>
+  </p:timing>
+</p:sld>
+</file>
+
+<file path=ppt/slides/slide17.xml><?xml version="1.0" encoding="utf-8"?>
+<p:sld xmlns:a="http://schemas.openxmlformats.org/drawingml/2006/main" xmlns:r="http://schemas.openxmlformats.org/officeDocument/2006/relationships" xmlns:p="http://schemas.openxmlformats.org/presentationml/2006/main">
+  <p:cSld>
+    <p:spTree>
+      <p:nvGrpSpPr>
+        <p:cNvPr id="1" name=""/>
+        <p:cNvGrpSpPr/>
+        <p:nvPr/>
+      </p:nvGrpSpPr>
+      <p:grpSpPr>
+        <a:xfrm>
+          <a:off x="0" y="0"/>
+          <a:ext cx="0" cy="0"/>
+          <a:chOff x="0" y="0"/>
+          <a:chExt cx="0" cy="0"/>
+        </a:xfrm>
+      </p:grpSpPr>
+      <p:sp>
+        <p:nvSpPr>
+          <p:cNvPr id="2" name="Titel 1"/>
+          <p:cNvSpPr>
+            <a:spLocks noGrp="1"/>
+          </p:cNvSpPr>
+          <p:nvPr>
+            <p:ph type="title"/>
+          </p:nvPr>
+        </p:nvSpPr>
+        <p:spPr/>
+        <p:txBody>
+          <a:bodyPr/>
+          <a:lstStyle/>
+          <a:p>
+            <a:r>
+              <a:rPr lang="de-DE" dirty="0" smtClean="0">
+                <a:solidFill>
+                  <a:schemeClr val="bg1"/>
+                </a:solidFill>
+                <a:latin typeface="TeXGyreAdventor" pitchFamily="50" charset="0"/>
+              </a:rPr>
+              <a:t>Das Team</a:t>
+            </a:r>
+            <a:endParaRPr lang="de-DE" dirty="0">
+              <a:solidFill>
+                <a:schemeClr val="bg1"/>
+              </a:solidFill>
+              <a:latin typeface="TeXGyreAdventor" pitchFamily="50" charset="0"/>
+            </a:endParaRPr>
+          </a:p>
+        </p:txBody>
+      </p:sp>
+      <p:sp>
+        <p:nvSpPr>
+          <p:cNvPr id="3" name="Inhaltsplatzhalter 2"/>
+          <p:cNvSpPr>
+            <a:spLocks noGrp="1"/>
+          </p:cNvSpPr>
+          <p:nvPr>
+            <p:ph idx="1"/>
+          </p:nvPr>
+        </p:nvSpPr>
+        <p:spPr>
+          <a:xfrm>
+            <a:off x="971600" y="1628800"/>
+            <a:ext cx="7560840" cy="4525963"/>
+          </a:xfrm>
+        </p:spPr>
+        <p:txBody>
+          <a:bodyPr anchor="ctr">
+            <a:normAutofit/>
+          </a:bodyPr>
+          <a:lstStyle/>
+          <a:p>
+            <a:pPr marL="0" indent="0">
+              <a:lnSpc>
+                <a:spcPct val="150000"/>
+              </a:lnSpc>
+              <a:buNone/>
+            </a:pPr>
+            <a:r>
+              <a:rPr lang="de-DE" sz="2400" dirty="0" smtClean="0">
+                <a:solidFill>
+                  <a:schemeClr val="bg1"/>
+                </a:solidFill>
+                <a:latin typeface="TeXGyreAdventor" pitchFamily="50" charset="0"/>
+              </a:rPr>
+              <a:t>Alina </a:t>
+            </a:r>
+            <a:r>
+              <a:rPr lang="de-DE" sz="2400" dirty="0" err="1" smtClean="0">
+                <a:solidFill>
+                  <a:schemeClr val="bg1"/>
+                </a:solidFill>
+                <a:latin typeface="TeXGyreAdventor" pitchFamily="50" charset="0"/>
+              </a:rPr>
+              <a:t>Quentmeier</a:t>
+            </a:r>
+            <a:r>
+              <a:rPr lang="de-DE" sz="2400" dirty="0" smtClean="0">
+                <a:solidFill>
+                  <a:schemeClr val="bg1"/>
+                </a:solidFill>
+                <a:latin typeface="TeXGyreAdventor" pitchFamily="50" charset="0"/>
+              </a:rPr>
+              <a:t> 		</a:t>
+            </a:r>
+            <a:r>
+              <a:rPr lang="de-DE" sz="2400" dirty="0" smtClean="0">
+                <a:solidFill>
+                  <a:schemeClr val="bg1"/>
+                </a:solidFill>
+                <a:latin typeface="TeXGyreAdventor" pitchFamily="50" charset="0"/>
+              </a:rPr>
+              <a:t>Game Design, Art</a:t>
+            </a:r>
+            <a:endParaRPr lang="de-DE" sz="2400" dirty="0" smtClean="0">
+              <a:solidFill>
+                <a:schemeClr val="bg1"/>
+              </a:solidFill>
+              <a:latin typeface="TeXGyreAdventor" pitchFamily="50" charset="0"/>
+            </a:endParaRPr>
+          </a:p>
+          <a:p>
+            <a:pPr marL="0" indent="0">
+              <a:lnSpc>
+                <a:spcPct val="150000"/>
+              </a:lnSpc>
+              <a:buNone/>
+            </a:pPr>
+            <a:r>
+              <a:rPr lang="de-DE" sz="2400" dirty="0" smtClean="0">
+                <a:solidFill>
+                  <a:schemeClr val="bg1"/>
+                </a:solidFill>
+                <a:latin typeface="TeXGyreAdventor" pitchFamily="50" charset="0"/>
+              </a:rPr>
+              <a:t>Jaromir </a:t>
+            </a:r>
+            <a:r>
+              <a:rPr lang="de-DE" sz="2400" dirty="0" err="1" smtClean="0">
+                <a:solidFill>
+                  <a:schemeClr val="bg1"/>
+                </a:solidFill>
+                <a:latin typeface="TeXGyreAdventor" pitchFamily="50" charset="0"/>
+              </a:rPr>
+              <a:t>Paarmann</a:t>
+            </a:r>
+            <a:r>
+              <a:rPr lang="de-DE" sz="2400" dirty="0" smtClean="0">
+                <a:solidFill>
+                  <a:schemeClr val="bg1"/>
+                </a:solidFill>
+                <a:latin typeface="TeXGyreAdventor" pitchFamily="50" charset="0"/>
+              </a:rPr>
+              <a:t> 	Game </a:t>
+            </a:r>
+            <a:r>
+              <a:rPr lang="de-DE" sz="2400" dirty="0" smtClean="0">
+                <a:solidFill>
+                  <a:schemeClr val="bg1"/>
+                </a:solidFill>
+                <a:latin typeface="TeXGyreAdventor" pitchFamily="50" charset="0"/>
+              </a:rPr>
+              <a:t>Design, Audio, Art</a:t>
+            </a:r>
+            <a:endParaRPr lang="de-DE" sz="2400" dirty="0" smtClean="0">
+              <a:solidFill>
+                <a:schemeClr val="bg1"/>
+              </a:solidFill>
+              <a:latin typeface="TeXGyreAdventor" pitchFamily="50" charset="0"/>
+            </a:endParaRPr>
+          </a:p>
+          <a:p>
+            <a:pPr marL="0" indent="0">
+              <a:lnSpc>
+                <a:spcPct val="150000"/>
+              </a:lnSpc>
+              <a:buNone/>
+            </a:pPr>
+            <a:r>
+              <a:rPr lang="de-DE" sz="2400" dirty="0" smtClean="0">
+                <a:solidFill>
+                  <a:schemeClr val="bg1"/>
+                </a:solidFill>
+                <a:latin typeface="TeXGyreAdventor" pitchFamily="50" charset="0"/>
+              </a:rPr>
+              <a:t>Andreas </a:t>
+            </a:r>
+            <a:r>
+              <a:rPr lang="de-DE" sz="2400" dirty="0" err="1" smtClean="0">
+                <a:solidFill>
+                  <a:schemeClr val="bg1"/>
+                </a:solidFill>
+                <a:latin typeface="TeXGyreAdventor" pitchFamily="50" charset="0"/>
+              </a:rPr>
+              <a:t>Edmeier</a:t>
+            </a:r>
+            <a:r>
+              <a:rPr lang="de-DE" sz="2400" dirty="0" smtClean="0">
+                <a:solidFill>
+                  <a:schemeClr val="bg1"/>
+                </a:solidFill>
+                <a:latin typeface="TeXGyreAdventor" pitchFamily="50" charset="0"/>
+              </a:rPr>
+              <a:t> 		Programmierung</a:t>
+            </a:r>
+          </a:p>
+          <a:p>
+            <a:pPr marL="0" indent="0">
+              <a:lnSpc>
+                <a:spcPct val="150000"/>
+              </a:lnSpc>
+              <a:buNone/>
+            </a:pPr>
+            <a:r>
+              <a:rPr lang="de-DE" sz="2400" dirty="0" smtClean="0">
+                <a:solidFill>
+                  <a:schemeClr val="bg1"/>
+                </a:solidFill>
+                <a:latin typeface="TeXGyreAdventor" pitchFamily="50" charset="0"/>
+              </a:rPr>
+              <a:t>Harun </a:t>
+            </a:r>
+            <a:r>
+              <a:rPr lang="de-DE" sz="2400" dirty="0" err="1" smtClean="0">
+                <a:solidFill>
+                  <a:schemeClr val="bg1"/>
+                </a:solidFill>
+                <a:latin typeface="TeXGyreAdventor" pitchFamily="50" charset="0"/>
+              </a:rPr>
+              <a:t>Ahmadie</a:t>
+            </a:r>
+            <a:r>
+              <a:rPr lang="de-DE" sz="2400" dirty="0" smtClean="0">
+                <a:solidFill>
+                  <a:schemeClr val="bg1"/>
+                </a:solidFill>
+                <a:latin typeface="TeXGyreAdventor" pitchFamily="50" charset="0"/>
+              </a:rPr>
+              <a:t> 		Art</a:t>
+            </a:r>
+          </a:p>
+        </p:txBody>
+      </p:sp>
+    </p:spTree>
+    <p:extLst>
+      <p:ext uri="{BB962C8B-B14F-4D97-AF65-F5344CB8AC3E}">
+        <p14:creationId xmlns:p14="http://schemas.microsoft.com/office/powerpoint/2010/main" val="2076931422"/>
+      </p:ext>
+    </p:extLst>
+  </p:cSld>
+  <p:clrMapOvr>
+    <a:masterClrMapping/>
+  </p:clrMapOvr>
+  <p:timing>
+    <p:tnLst>
+      <p:par>
+        <p:cTn id="1" dur="indefinite" restart="never" nodeType="tmRoot"/>
+      </p:par>
+    </p:tnLst>
+  </p:timing>
+</p:sld>
+</file>
+
+<file path=ppt/slides/slide2.xml><?xml version="1.0" encoding="utf-8"?>
+<p:sld xmlns:a="http://schemas.openxmlformats.org/drawingml/2006/main" xmlns:r="http://schemas.openxmlformats.org/officeDocument/2006/relationships" xmlns:p="http://schemas.openxmlformats.org/presentationml/2006/main">
+  <p:cSld>
+    <p:spTree>
+      <p:nvGrpSpPr>
+        <p:cNvPr id="1" name=""/>
+        <p:cNvGrpSpPr/>
+        <p:nvPr/>
+      </p:nvGrpSpPr>
+      <p:grpSpPr>
+        <a:xfrm>
+          <a:off x="0" y="0"/>
+          <a:ext cx="0" cy="0"/>
+          <a:chOff x="0" y="0"/>
+          <a:chExt cx="0" cy="0"/>
+        </a:xfrm>
+      </p:grpSpPr>
+      <p:pic>
+        <p:nvPicPr>
+          <p:cNvPr id="1028" name="Picture 4" descr="C:\Users\jaromir.paarmann\Documents\HammerMan\Art\EnemyPictures\OneSidedEnemy.png"/>
+          <p:cNvPicPr>
+            <a:picLocks noChangeAspect="1" noChangeArrowheads="1"/>
+          </p:cNvPicPr>
+          <p:nvPr/>
+        </p:nvPicPr>
+        <p:blipFill>
+          <a:blip r:embed="rId2" cstate="print">
+            <a:extLst>
+              <a:ext uri="{28A0092B-C50C-407E-A947-70E740481C1C}">
+                <a14:useLocalDpi xmlns:a14="http://schemas.microsoft.com/office/drawing/2010/main" val="0"/>
+              </a:ext>
+            </a:extLst>
+          </a:blip>
+          <a:srcRect/>
+          <a:stretch>
+            <a:fillRect/>
+          </a:stretch>
+        </p:blipFill>
+        <p:spPr bwMode="auto">
+          <a:xfrm>
+            <a:off x="5037274" y="1340768"/>
+            <a:ext cx="2595782" cy="2595782"/>
+          </a:xfrm>
+          <a:prstGeom prst="rect">
+            <a:avLst/>
+          </a:prstGeom>
+          <a:noFill/>
+          <a:extLst>
+            <a:ext uri="{909E8E84-426E-40DD-AFC4-6F175D3DCCD1}">
+              <a14:hiddenFill xmlns:a14="http://schemas.microsoft.com/office/drawing/2010/main">
+                <a:solidFill>
+                  <a:srgbClr val="FFFFFF"/>
+                </a:solidFill>
+              </a14:hiddenFill>
+            </a:ext>
+          </a:extLst>
+        </p:spPr>
+      </p:pic>
+      <p:sp>
+        <p:nvSpPr>
+          <p:cNvPr id="2" name="Titel 1"/>
+          <p:cNvSpPr>
+            <a:spLocks noGrp="1"/>
+          </p:cNvSpPr>
+          <p:nvPr>
+            <p:ph type="title"/>
+          </p:nvPr>
+        </p:nvSpPr>
+        <p:spPr/>
+        <p:txBody>
+          <a:bodyPr/>
+          <a:lstStyle/>
+          <a:p>
+            <a:r>
+              <a:rPr lang="de-DE" b="1" dirty="0" err="1" smtClean="0">
+                <a:solidFill>
+                  <a:schemeClr val="bg1"/>
+                </a:solidFill>
+                <a:latin typeface="TeXGyreAdventor" pitchFamily="50" charset="0"/>
+              </a:rPr>
+              <a:t>Änferungen</a:t>
+            </a:r>
+            <a:r>
+              <a:rPr lang="de-DE" b="1" dirty="0" smtClean="0">
+                <a:solidFill>
+                  <a:schemeClr val="bg1"/>
+                </a:solidFill>
+                <a:latin typeface="TeXGyreAdventor" pitchFamily="50" charset="0"/>
+              </a:rPr>
+              <a:t> </a:t>
+            </a:r>
+            <a:r>
+              <a:rPr lang="de-DE" b="1" dirty="0" err="1" smtClean="0">
+                <a:solidFill>
+                  <a:schemeClr val="bg1"/>
+                </a:solidFill>
+                <a:latin typeface="TeXGyreAdventor" pitchFamily="50" charset="0"/>
+              </a:rPr>
+              <a:t>Gameplay</a:t>
+            </a:r>
+            <a:endParaRPr lang="de-DE" b="1" dirty="0">
+              <a:solidFill>
+                <a:schemeClr val="bg1"/>
+              </a:solidFill>
+              <a:latin typeface="TeXGyreAdventor" pitchFamily="50" charset="0"/>
+            </a:endParaRPr>
+          </a:p>
+        </p:txBody>
+      </p:sp>
+      <p:sp>
+        <p:nvSpPr>
+          <p:cNvPr id="4" name="Inhaltsplatzhalter 3"/>
+          <p:cNvSpPr>
+            <a:spLocks noGrp="1"/>
+          </p:cNvSpPr>
+          <p:nvPr>
+            <p:ph idx="1"/>
+          </p:nvPr>
+        </p:nvSpPr>
+        <p:spPr>
+          <a:xfrm>
+            <a:off x="457200" y="1600200"/>
+            <a:ext cx="8229600" cy="5257800"/>
+          </a:xfrm>
+        </p:spPr>
+        <p:txBody>
+          <a:bodyPr>
+            <a:normAutofit/>
+          </a:bodyPr>
+          <a:lstStyle/>
+          <a:p>
+            <a:endParaRPr lang="de-DE" dirty="0" smtClean="0">
+              <a:solidFill>
+                <a:schemeClr val="bg1"/>
+              </a:solidFill>
+              <a:latin typeface="TeXGyreAdventor" pitchFamily="50" charset="0"/>
+            </a:endParaRPr>
+          </a:p>
+          <a:p>
+            <a:r>
+              <a:rPr lang="de-DE" dirty="0" smtClean="0">
+                <a:solidFill>
+                  <a:schemeClr val="bg1"/>
+                </a:solidFill>
+                <a:latin typeface="TeXGyreAdventor" pitchFamily="50" charset="0"/>
+              </a:rPr>
+              <a:t>Entfernt:</a:t>
+            </a:r>
+          </a:p>
+          <a:p>
+            <a:pPr lvl="1"/>
+            <a:r>
+              <a:rPr lang="de-DE" dirty="0" smtClean="0">
+                <a:solidFill>
+                  <a:schemeClr val="bg1"/>
+                </a:solidFill>
+                <a:latin typeface="TeXGyreAdventor" pitchFamily="50" charset="0"/>
+              </a:rPr>
+              <a:t>„</a:t>
+            </a:r>
+            <a:r>
+              <a:rPr lang="de-DE" dirty="0" err="1" smtClean="0">
+                <a:solidFill>
+                  <a:schemeClr val="bg1"/>
+                </a:solidFill>
+                <a:latin typeface="TeXGyreAdventor" pitchFamily="50" charset="0"/>
+              </a:rPr>
+              <a:t>one</a:t>
+            </a:r>
+            <a:r>
+              <a:rPr lang="de-DE" dirty="0" smtClean="0">
+                <a:solidFill>
+                  <a:schemeClr val="bg1"/>
+                </a:solidFill>
+                <a:latin typeface="TeXGyreAdventor" pitchFamily="50" charset="0"/>
+              </a:rPr>
+              <a:t> </a:t>
+            </a:r>
+            <a:r>
+              <a:rPr lang="de-DE" dirty="0" err="1" smtClean="0">
+                <a:solidFill>
+                  <a:schemeClr val="bg1"/>
+                </a:solidFill>
+                <a:latin typeface="TeXGyreAdventor" pitchFamily="50" charset="0"/>
+              </a:rPr>
+              <a:t>sided</a:t>
+            </a:r>
+            <a:r>
+              <a:rPr lang="de-DE" dirty="0" smtClean="0">
+                <a:solidFill>
+                  <a:schemeClr val="bg1"/>
+                </a:solidFill>
+                <a:latin typeface="TeXGyreAdventor" pitchFamily="50" charset="0"/>
+              </a:rPr>
+              <a:t> </a:t>
+            </a:r>
+            <a:r>
+              <a:rPr lang="de-DE" dirty="0" err="1" smtClean="0">
+                <a:solidFill>
+                  <a:schemeClr val="bg1"/>
+                </a:solidFill>
+                <a:latin typeface="TeXGyreAdventor" pitchFamily="50" charset="0"/>
+              </a:rPr>
+              <a:t>enemy</a:t>
+            </a:r>
+            <a:r>
+              <a:rPr lang="de-DE" dirty="0" smtClean="0">
+                <a:solidFill>
+                  <a:schemeClr val="bg1"/>
+                </a:solidFill>
+                <a:latin typeface="TeXGyreAdventor" pitchFamily="50" charset="0"/>
+              </a:rPr>
+              <a:t>“</a:t>
+            </a:r>
+          </a:p>
+          <a:p>
+            <a:endParaRPr lang="de-DE" dirty="0">
+              <a:solidFill>
+                <a:schemeClr val="bg1"/>
+              </a:solidFill>
+              <a:latin typeface="TeXGyreAdventor" pitchFamily="50" charset="0"/>
+            </a:endParaRPr>
+          </a:p>
+          <a:p>
+            <a:endParaRPr lang="de-DE" dirty="0" smtClean="0">
+              <a:solidFill>
+                <a:schemeClr val="bg1"/>
+              </a:solidFill>
+              <a:latin typeface="TeXGyreAdventor" pitchFamily="50" charset="0"/>
+            </a:endParaRPr>
+          </a:p>
+          <a:p>
+            <a:r>
+              <a:rPr lang="de-DE" dirty="0" smtClean="0">
+                <a:solidFill>
+                  <a:schemeClr val="bg1"/>
+                </a:solidFill>
+                <a:latin typeface="TeXGyreAdventor" pitchFamily="50" charset="0"/>
+              </a:rPr>
+              <a:t>Neue </a:t>
+            </a:r>
+            <a:r>
+              <a:rPr lang="de-DE" dirty="0" err="1" smtClean="0">
+                <a:solidFill>
+                  <a:schemeClr val="bg1"/>
+                </a:solidFill>
+                <a:latin typeface="TeXGyreAdventor" pitchFamily="50" charset="0"/>
+              </a:rPr>
+              <a:t>Health</a:t>
+            </a:r>
+            <a:r>
+              <a:rPr lang="de-DE" dirty="0" smtClean="0">
+                <a:solidFill>
+                  <a:schemeClr val="bg1"/>
+                </a:solidFill>
+                <a:latin typeface="TeXGyreAdventor" pitchFamily="50" charset="0"/>
+              </a:rPr>
+              <a:t> Mechanik:</a:t>
+            </a:r>
+          </a:p>
+          <a:p>
+            <a:pPr lvl="1"/>
+            <a:r>
+              <a:rPr lang="de-DE" dirty="0" smtClean="0">
+                <a:solidFill>
+                  <a:schemeClr val="bg1"/>
+                </a:solidFill>
+                <a:latin typeface="TeXGyreAdventor" pitchFamily="50" charset="0"/>
+              </a:rPr>
+              <a:t>Kisten</a:t>
+            </a:r>
+          </a:p>
+          <a:p>
+            <a:endParaRPr lang="de-DE" dirty="0">
+              <a:solidFill>
+                <a:schemeClr val="bg1"/>
+              </a:solidFill>
+              <a:latin typeface="TeXGyreAdventor" pitchFamily="50" charset="0"/>
+            </a:endParaRPr>
+          </a:p>
+        </p:txBody>
+      </p:sp>
+      <p:pic>
+        <p:nvPicPr>
+          <p:cNvPr id="1027" name="Picture 3" descr="C:\Users\jaromir.paarmann\Downloads\Jaro.png"/>
+          <p:cNvPicPr>
+            <a:picLocks noChangeAspect="1" noChangeArrowheads="1"/>
+          </p:cNvPicPr>
+          <p:nvPr/>
+        </p:nvPicPr>
+        <p:blipFill>
+          <a:blip r:embed="rId3" cstate="print">
+            <a:extLst>
+              <a:ext uri="{28A0092B-C50C-407E-A947-70E740481C1C}">
+                <a14:useLocalDpi xmlns:a14="http://schemas.microsoft.com/office/drawing/2010/main" val="0"/>
+              </a:ext>
+            </a:extLst>
+          </a:blip>
+          <a:srcRect/>
+          <a:stretch>
+            <a:fillRect/>
+          </a:stretch>
+        </p:blipFill>
+        <p:spPr bwMode="auto">
+          <a:xfrm>
+            <a:off x="4720781" y="1988840"/>
+            <a:ext cx="3205600" cy="1803694"/>
+          </a:xfrm>
+          <a:prstGeom prst="rect">
+            <a:avLst/>
+          </a:prstGeom>
+          <a:noFill/>
+          <a:extLst>
+            <a:ext uri="{909E8E84-426E-40DD-AFC4-6F175D3DCCD1}">
+              <a14:hiddenFill xmlns:a14="http://schemas.microsoft.com/office/drawing/2010/main">
+                <a:solidFill>
+                  <a:srgbClr val="FFFFFF"/>
+                </a:solidFill>
+              </a14:hiddenFill>
+            </a:ext>
+          </a:extLst>
+        </p:spPr>
+      </p:pic>
+    </p:spTree>
+    <p:extLst>
+      <p:ext uri="{BB962C8B-B14F-4D97-AF65-F5344CB8AC3E}">
+        <p14:creationId xmlns:p14="http://schemas.microsoft.com/office/powerpoint/2010/main" val="2677831311"/>
+      </p:ext>
+    </p:extLst>
+  </p:cSld>
+  <p:clrMapOvr>
+    <a:masterClrMapping/>
+  </p:clrMapOvr>
+  <p:timing>
+    <p:tnLst>
+      <p:par>
+        <p:cTn id="1" dur="indefinite" restart="never" nodeType="tmRoot"/>
+      </p:par>
+    </p:tnLst>
+  </p:timing>
+</p:sld>
+</file>
+
+<file path=ppt/slides/slide3.xml><?xml version="1.0" encoding="utf-8"?>
+<p:sld xmlns:a="http://schemas.openxmlformats.org/drawingml/2006/main" xmlns:r="http://schemas.openxmlformats.org/officeDocument/2006/relationships" xmlns:p="http://schemas.openxmlformats.org/presentationml/2006/main">
+  <p:cSld>
+    <p:spTree>
+      <p:nvGrpSpPr>
+        <p:cNvPr id="1" name=""/>
+        <p:cNvGrpSpPr/>
+        <p:nvPr/>
+      </p:nvGrpSpPr>
+      <p:grpSpPr>
+        <a:xfrm>
+          <a:off x="0" y="0"/>
+          <a:ext cx="0" cy="0"/>
+          <a:chOff x="0" y="0"/>
+          <a:chExt cx="0" cy="0"/>
+        </a:xfrm>
+      </p:grpSpPr>
+      <p:sp>
+        <p:nvSpPr>
+          <p:cNvPr id="2" name="Titel 1"/>
+          <p:cNvSpPr>
+            <a:spLocks noGrp="1"/>
+          </p:cNvSpPr>
+          <p:nvPr>
+            <p:ph type="title"/>
+          </p:nvPr>
+        </p:nvSpPr>
+        <p:spPr/>
+        <p:txBody>
+          <a:bodyPr/>
+          <a:lstStyle/>
+          <a:p>
+            <a:r>
+              <a:rPr lang="de-DE" b="1" dirty="0" smtClean="0">
+                <a:solidFill>
+                  <a:schemeClr val="bg1"/>
+                </a:solidFill>
+                <a:latin typeface="TeXGyreAdventor" pitchFamily="50" charset="0"/>
+              </a:rPr>
+              <a:t>Neue Features</a:t>
+            </a:r>
+            <a:endParaRPr lang="de-DE" b="1" dirty="0">
+              <a:solidFill>
+                <a:schemeClr val="bg1"/>
+              </a:solidFill>
+              <a:latin typeface="TeXGyreAdventor" pitchFamily="50" charset="0"/>
+            </a:endParaRPr>
+          </a:p>
+        </p:txBody>
+      </p:sp>
+      <p:sp>
+        <p:nvSpPr>
+          <p:cNvPr id="4" name="Inhaltsplatzhalter 3"/>
+          <p:cNvSpPr>
+            <a:spLocks noGrp="1"/>
+          </p:cNvSpPr>
+          <p:nvPr>
+            <p:ph idx="1"/>
+          </p:nvPr>
+        </p:nvSpPr>
+        <p:spPr/>
+        <p:txBody>
+          <a:bodyPr>
+            <a:normAutofit/>
+          </a:bodyPr>
+          <a:lstStyle/>
+          <a:p>
+            <a:pPr marL="0" indent="0">
+              <a:buNone/>
+            </a:pPr>
+            <a:endParaRPr lang="de-DE" b="1" dirty="0" smtClean="0">
+              <a:solidFill>
+                <a:schemeClr val="bg1"/>
+              </a:solidFill>
+              <a:latin typeface="TeXGyreAdventor" pitchFamily="50" charset="0"/>
+            </a:endParaRPr>
+          </a:p>
+          <a:p>
+            <a:r>
+              <a:rPr lang="de-DE" dirty="0" smtClean="0">
+                <a:solidFill>
+                  <a:schemeClr val="bg1"/>
+                </a:solidFill>
+                <a:latin typeface="TeXGyreAdventor" pitchFamily="50" charset="0"/>
+              </a:rPr>
+              <a:t>Generatoren</a:t>
+            </a:r>
+          </a:p>
+          <a:p>
+            <a:pPr lvl="1"/>
+            <a:r>
+              <a:rPr lang="de-DE" dirty="0" smtClean="0">
+                <a:solidFill>
+                  <a:schemeClr val="bg1"/>
+                </a:solidFill>
+                <a:latin typeface="TeXGyreAdventor" pitchFamily="50" charset="0"/>
+              </a:rPr>
+              <a:t>Kabel</a:t>
+            </a:r>
+          </a:p>
+          <a:p>
+            <a:pPr marL="0" indent="0">
+              <a:buNone/>
+            </a:pPr>
+            <a:endParaRPr lang="de-DE" dirty="0" smtClean="0">
+              <a:solidFill>
+                <a:schemeClr val="bg1"/>
+              </a:solidFill>
+              <a:latin typeface="TeXGyreAdventor" pitchFamily="50" charset="0"/>
+            </a:endParaRPr>
+          </a:p>
+        </p:txBody>
+      </p:sp>
+      <p:pic>
+        <p:nvPicPr>
+          <p:cNvPr id="1026" name="Picture 2" descr="C:\Users\jaromir.paarmann\Documents\HammerMan\Art\BilderPPPgate02\GeneratorWhite.gif"/>
+          <p:cNvPicPr>
+            <a:picLocks noChangeAspect="1" noChangeArrowheads="1" noCrop="1"/>
+          </p:cNvPicPr>
+          <p:nvPr/>
+        </p:nvPicPr>
+        <p:blipFill>
+          <a:blip r:embed="rId2" cstate="print">
+            <a:extLst>
+              <a:ext uri="{28A0092B-C50C-407E-A947-70E740481C1C}">
+                <a14:useLocalDpi xmlns:a14="http://schemas.microsoft.com/office/drawing/2010/main" val="0"/>
+              </a:ext>
+            </a:extLst>
+          </a:blip>
+          <a:srcRect/>
+          <a:stretch>
+            <a:fillRect/>
+          </a:stretch>
+        </p:blipFill>
+        <p:spPr bwMode="auto">
+          <a:xfrm>
+            <a:off x="3707904" y="1844824"/>
+            <a:ext cx="4347096" cy="4347096"/>
+          </a:xfrm>
+          <a:prstGeom prst="rect">
+            <a:avLst/>
+          </a:prstGeom>
+          <a:noFill/>
+          <a:extLst>
+            <a:ext uri="{909E8E84-426E-40DD-AFC4-6F175D3DCCD1}">
+              <a14:hiddenFill xmlns:a14="http://schemas.microsoft.com/office/drawing/2010/main">
+                <a:solidFill>
+                  <a:srgbClr val="FFFFFF"/>
+                </a:solidFill>
+              </a14:hiddenFill>
+            </a:ext>
+          </a:extLst>
+        </p:spPr>
+      </p:pic>
+    </p:spTree>
+    <p:extLst>
+      <p:ext uri="{BB962C8B-B14F-4D97-AF65-F5344CB8AC3E}">
+        <p14:creationId xmlns:p14="http://schemas.microsoft.com/office/powerpoint/2010/main" val="2792440306"/>
+      </p:ext>
+    </p:extLst>
+  </p:cSld>
+  <p:clrMapOvr>
+    <a:masterClrMapping/>
+  </p:clrMapOvr>
+  <p:timing>
+    <p:tnLst>
+      <p:par>
+        <p:cTn id="1" dur="indefinite" restart="never" nodeType="tmRoot">
+          <p:childTnLst>
+            <p:seq concurrent="1" nextAc="seek">
+              <p:cTn id="2" dur="indefinite" nodeType="mainSeq">
+                <p:childTnLst>
+                  <p:par>
+                    <p:cTn id="3" fill="hold">
+                      <p:stCondLst>
+                        <p:cond delay="indefinite"/>
+                      </p:stCondLst>
+                      <p:childTnLst>
+                        <p:par>
+                          <p:cTn id="4" fill="hold">
+                            <p:stCondLst>
+                              <p:cond delay="0"/>
+                            </p:stCondLst>
+                            <p:childTnLst>
+                              <p:par>
+                                <p:cTn id="5" presetID="10" presetClass="entr" presetSubtype="0" fill="hold" grpId="0" nodeType="clickEffect">
+                                  <p:stCondLst>
+                                    <p:cond delay="0"/>
+                                  </p:stCondLst>
+                                  <p:childTnLst>
+                                    <p:set>
+                                      <p:cBhvr>
+                                        <p:cTn id="6" dur="1" fill="hold">
+                                          <p:stCondLst>
+                                            <p:cond delay="0"/>
+                                          </p:stCondLst>
+                                        </p:cTn>
+                                        <p:tgtEl>
+                                          <p:spTgt spid="4">
+                                            <p:txEl>
+                                              <p:pRg st="1" end="1"/>
+                                            </p:txEl>
+                                          </p:spTgt>
+                                        </p:tgtEl>
+                                        <p:attrNameLst>
+                                          <p:attrName>style.visibility</p:attrName>
+                                        </p:attrNameLst>
+                                      </p:cBhvr>
+                                      <p:to>
+                                        <p:strVal val="visible"/>
+                                      </p:to>
+                                    </p:set>
+                                    <p:animEffect transition="in" filter="fade">
+                                      <p:cBhvr>
+                                        <p:cTn id="7" dur="500"/>
+                                        <p:tgtEl>
+                                          <p:spTgt spid="4">
+                                            <p:txEl>
+                                              <p:pRg st="1" end="1"/>
+                                            </p:txEl>
+                                          </p:spTgt>
+                                        </p:tgtEl>
+                                      </p:cBhvr>
+                                    </p:animEffect>
+                                  </p:childTnLst>
+                                </p:cTn>
+                              </p:par>
+                              <p:par>
+                                <p:cTn id="8" presetID="10" presetClass="entr" presetSubtype="0" fill="hold" grpId="0" nodeType="withEffect">
+                                  <p:stCondLst>
+                                    <p:cond delay="0"/>
+                                  </p:stCondLst>
+                                  <p:childTnLst>
+                                    <p:set>
+                                      <p:cBhvr>
+                                        <p:cTn id="9" dur="1" fill="hold">
+                                          <p:stCondLst>
+                                            <p:cond delay="0"/>
+                                          </p:stCondLst>
+                                        </p:cTn>
+                                        <p:tgtEl>
+                                          <p:spTgt spid="4">
+                                            <p:txEl>
+                                              <p:pRg st="2" end="2"/>
+                                            </p:txEl>
+                                          </p:spTgt>
+                                        </p:tgtEl>
+                                        <p:attrNameLst>
+                                          <p:attrName>style.visibility</p:attrName>
+                                        </p:attrNameLst>
+                                      </p:cBhvr>
+                                      <p:to>
+                                        <p:strVal val="visible"/>
+                                      </p:to>
+                                    </p:set>
+                                    <p:animEffect transition="in" filter="fade">
+                                      <p:cBhvr>
+                                        <p:cTn id="10" dur="500"/>
+                                        <p:tgtEl>
+                                          <p:spTgt spid="4">
+                                            <p:txEl>
+                                              <p:pRg st="2" end="2"/>
+                                            </p:txEl>
+                                          </p:spTgt>
+                                        </p:tgtEl>
+                                      </p:cBhvr>
+                                    </p:animEffect>
+                                  </p:childTnLst>
+                                </p:cTn>
+                              </p:par>
+                            </p:childTnLst>
+                          </p:cTn>
+                        </p:par>
+                      </p:childTnLst>
+                    </p:cTn>
+                  </p:par>
+                </p:childTnLst>
+              </p:cTn>
+              <p:prevCondLst>
+                <p:cond evt="onPrev" delay="0">
+                  <p:tgtEl>
+                    <p:sldTgt/>
+                  </p:tgtEl>
+                </p:cond>
+              </p:prevCondLst>
+              <p:nextCondLst>
+                <p:cond evt="onNext" delay="0">
+                  <p:tgtEl>
+                    <p:sldTgt/>
+                  </p:tgtEl>
+                </p:cond>
+              </p:nextCondLst>
+            </p:seq>
+          </p:childTnLst>
+        </p:cTn>
+      </p:par>
+    </p:tnLst>
+    <p:bldLst>
+      <p:bldP spid="4" grpId="0" uiExpand="1" build="p"/>
+    </p:bldLst>
+  </p:timing>
+</p:sld>
+</file>
+
+<file path=ppt/slides/slide4.xml><?xml version="1.0" encoding="utf-8"?>
+<p:sld xmlns:a="http://schemas.openxmlformats.org/drawingml/2006/main" xmlns:r="http://schemas.openxmlformats.org/officeDocument/2006/relationships" xmlns:p="http://schemas.openxmlformats.org/presentationml/2006/main">
+  <p:cSld>
+    <p:spTree>
+      <p:nvGrpSpPr>
+        <p:cNvPr id="1" name=""/>
+        <p:cNvGrpSpPr/>
+        <p:nvPr/>
+      </p:nvGrpSpPr>
+      <p:grpSpPr>
+        <a:xfrm>
+          <a:off x="0" y="0"/>
+          <a:ext cx="0" cy="0"/>
+          <a:chOff x="0" y="0"/>
+          <a:chExt cx="0" cy="0"/>
+        </a:xfrm>
+      </p:grpSpPr>
+      <p:sp>
+        <p:nvSpPr>
+          <p:cNvPr id="2" name="Titel 1"/>
+          <p:cNvSpPr>
+            <a:spLocks noGrp="1"/>
+          </p:cNvSpPr>
+          <p:nvPr>
+            <p:ph type="title"/>
+          </p:nvPr>
+        </p:nvSpPr>
+        <p:spPr/>
+        <p:txBody>
+          <a:bodyPr/>
+          <a:lstStyle/>
+          <a:p>
+            <a:r>
+              <a:rPr lang="de-DE" dirty="0" smtClean="0">
+                <a:solidFill>
+                  <a:schemeClr val="bg1"/>
+                </a:solidFill>
+                <a:latin typeface="TeXGyreAdventor" pitchFamily="50" charset="0"/>
+              </a:rPr>
+              <a:t>Änderungen Sound</a:t>
+            </a:r>
+            <a:endParaRPr lang="de-DE" dirty="0">
+              <a:solidFill>
+                <a:schemeClr val="bg1"/>
+              </a:solidFill>
+              <a:latin typeface="TeXGyreAdventor" pitchFamily="50" charset="0"/>
+            </a:endParaRPr>
+          </a:p>
+        </p:txBody>
+      </p:sp>
+      <p:sp>
+        <p:nvSpPr>
+          <p:cNvPr id="3" name="Inhaltsplatzhalter 2"/>
+          <p:cNvSpPr>
+            <a:spLocks noGrp="1"/>
+          </p:cNvSpPr>
+          <p:nvPr>
+            <p:ph idx="1"/>
+          </p:nvPr>
+        </p:nvSpPr>
+        <p:spPr/>
+        <p:txBody>
+          <a:bodyPr/>
+          <a:lstStyle/>
+          <a:p>
+            <a:r>
+              <a:rPr lang="de-DE" dirty="0" smtClean="0">
+                <a:solidFill>
+                  <a:schemeClr val="bg1"/>
+                </a:solidFill>
+                <a:latin typeface="TeXGyreAdventor" pitchFamily="50" charset="0"/>
+              </a:rPr>
+              <a:t>Soundtrack neu geschnitten</a:t>
+            </a:r>
+          </a:p>
+          <a:p>
+            <a:r>
+              <a:rPr lang="de-DE" dirty="0" smtClean="0">
+                <a:solidFill>
+                  <a:schemeClr val="bg1"/>
+                </a:solidFill>
+                <a:latin typeface="TeXGyreAdventor" pitchFamily="50" charset="0"/>
+              </a:rPr>
+              <a:t>Generator SFX hinzugefügt</a:t>
+            </a:r>
+            <a:endParaRPr lang="de-DE" dirty="0">
+              <a:solidFill>
+                <a:schemeClr val="bg1"/>
+              </a:solidFill>
+              <a:latin typeface="TeXGyreAdventor" pitchFamily="50" charset="0"/>
+            </a:endParaRPr>
+          </a:p>
+        </p:txBody>
+      </p:sp>
+      <p:pic>
+        <p:nvPicPr>
+          <p:cNvPr id="2050" name="Picture 2" descr="C:\Users\jaromir.paarmann\Documents\HammerMan\Art\BilderPPPGate01\43922.png"/>
+          <p:cNvPicPr>
+            <a:picLocks noChangeAspect="1" noChangeArrowheads="1"/>
+          </p:cNvPicPr>
+          <p:nvPr/>
+        </p:nvPicPr>
+        <p:blipFill>
+          <a:blip r:embed="rId2" cstate="print">
+            <a:extLst>
+              <a:ext uri="{28A0092B-C50C-407E-A947-70E740481C1C}">
+                <a14:useLocalDpi xmlns:a14="http://schemas.microsoft.com/office/drawing/2010/main" val="0"/>
+              </a:ext>
+            </a:extLst>
+          </a:blip>
+          <a:srcRect/>
+          <a:stretch>
+            <a:fillRect/>
+          </a:stretch>
+        </p:blipFill>
+        <p:spPr bwMode="auto">
+          <a:xfrm>
+            <a:off x="2699792" y="3501008"/>
+            <a:ext cx="3428953" cy="1800200"/>
+          </a:xfrm>
+          <a:prstGeom prst="rect">
+            <a:avLst/>
+          </a:prstGeom>
+          <a:noFill/>
+          <a:extLst>
+            <a:ext uri="{909E8E84-426E-40DD-AFC4-6F175D3DCCD1}">
+              <a14:hiddenFill xmlns:a14="http://schemas.microsoft.com/office/drawing/2010/main">
+                <a:solidFill>
+                  <a:srgbClr val="FFFFFF"/>
+                </a:solidFill>
+              </a14:hiddenFill>
+            </a:ext>
+          </a:extLst>
+        </p:spPr>
+      </p:pic>
+    </p:spTree>
+    <p:extLst>
+      <p:ext uri="{BB962C8B-B14F-4D97-AF65-F5344CB8AC3E}">
+        <p14:creationId xmlns:p14="http://schemas.microsoft.com/office/powerpoint/2010/main" val="1159951696"/>
+      </p:ext>
+    </p:extLst>
+  </p:cSld>
+  <p:clrMapOvr>
+    <a:masterClrMapping/>
+  </p:clrMapOvr>
+  <p:timing>
+    <p:tnLst>
+      <p:par>
+        <p:cTn id="1" dur="indefinite" restart="never" nodeType="tmRoot">
+          <p:childTnLst>
+            <p:seq concurrent="1" nextAc="seek">
+              <p:cTn id="2" dur="indefinite" nodeType="mainSeq">
+                <p:childTnLst>
+                  <p:par>
+                    <p:cTn id="3" fill="hold">
+                      <p:stCondLst>
+                        <p:cond delay="indefinite"/>
+                      </p:stCondLst>
+                      <p:childTnLst>
+                        <p:par>
+                          <p:cTn id="4" fill="hold">
+                            <p:stCondLst>
+                              <p:cond delay="0"/>
+                            </p:stCondLst>
+                            <p:childTnLst>
+                              <p:par>
+                                <p:cTn id="5" presetID="10" presetClass="entr" presetSubtype="0" fill="hold" grpId="0" nodeType="clickEffect">
+                                  <p:stCondLst>
+                                    <p:cond delay="0"/>
+                                  </p:stCondLst>
+                                  <p:childTnLst>
+                                    <p:set>
+                                      <p:cBhvr>
+                                        <p:cTn id="6" dur="1" fill="hold">
+                                          <p:stCondLst>
+                                            <p:cond delay="0"/>
+                                          </p:stCondLst>
+                                        </p:cTn>
+                                        <p:tgtEl>
+                                          <p:spTgt spid="3">
+                                            <p:txEl>
+                                              <p:pRg st="0" end="0"/>
+                                            </p:txEl>
+                                          </p:spTgt>
+                                        </p:tgtEl>
+                                        <p:attrNameLst>
+                                          <p:attrName>style.visibility</p:attrName>
+                                        </p:attrNameLst>
+                                      </p:cBhvr>
+                                      <p:to>
+                                        <p:strVal val="visible"/>
+                                      </p:to>
+                                    </p:set>
+                                    <p:animEffect transition="in" filter="fade">
+                                      <p:cBhvr>
+                                        <p:cTn id="7" dur="500"/>
+                                        <p:tgtEl>
+                                          <p:spTgt spid="3">
+                                            <p:txEl>
+                                              <p:pRg st="0" end="0"/>
+                                            </p:txEl>
+                                          </p:spTgt>
+                                        </p:tgtEl>
+                                      </p:cBhvr>
+                                    </p:animEffect>
+                                  </p:childTnLst>
+                                </p:cTn>
+                              </p:par>
+                            </p:childTnLst>
+                          </p:cTn>
+                        </p:par>
+                      </p:childTnLst>
+                    </p:cTn>
+                  </p:par>
+                  <p:par>
+                    <p:cTn id="8" fill="hold">
+                      <p:stCondLst>
+                        <p:cond delay="indefinite"/>
+                      </p:stCondLst>
+                      <p:childTnLst>
+                        <p:par>
+                          <p:cTn id="9" fill="hold">
+                            <p:stCondLst>
+                              <p:cond delay="0"/>
+                            </p:stCondLst>
+                            <p:childTnLst>
+                              <p:par>
+                                <p:cTn id="10" presetID="10" presetClass="entr" presetSubtype="0" fill="hold" grpId="0" nodeType="clickEffect">
+                                  <p:stCondLst>
+                                    <p:cond delay="0"/>
+                                  </p:stCondLst>
+                                  <p:childTnLst>
+                                    <p:set>
+                                      <p:cBhvr>
+                                        <p:cTn id="11" dur="1" fill="hold">
+                                          <p:stCondLst>
+                                            <p:cond delay="0"/>
+                                          </p:stCondLst>
+                                        </p:cTn>
+                                        <p:tgtEl>
+                                          <p:spTgt spid="3">
+                                            <p:txEl>
+                                              <p:pRg st="1" end="1"/>
+                                            </p:txEl>
+                                          </p:spTgt>
+                                        </p:tgtEl>
+                                        <p:attrNameLst>
+                                          <p:attrName>style.visibility</p:attrName>
+                                        </p:attrNameLst>
+                                      </p:cBhvr>
+                                      <p:to>
+                                        <p:strVal val="visible"/>
+                                      </p:to>
+                                    </p:set>
+                                    <p:animEffect transition="in" filter="fade">
+                                      <p:cBhvr>
+                                        <p:cTn id="12" dur="500"/>
+                                        <p:tgtEl>
+                                          <p:spTgt spid="3">
+                                            <p:txEl>
+                                              <p:pRg st="1" end="1"/>
+                                            </p:txEl>
+                                          </p:spTgt>
+                                        </p:tgtEl>
+                                      </p:cBhvr>
+                                    </p:animEffect>
+                                  </p:childTnLst>
+                                </p:cTn>
+                              </p:par>
+                            </p:childTnLst>
+                          </p:cTn>
+                        </p:par>
+                      </p:childTnLst>
+                    </p:cTn>
+                  </p:par>
+                </p:childTnLst>
+              </p:cTn>
+              <p:prevCondLst>
+                <p:cond evt="onPrev" delay="0">
+                  <p:tgtEl>
+                    <p:sldTgt/>
+                  </p:tgtEl>
+                </p:cond>
+              </p:prevCondLst>
+              <p:nextCondLst>
+                <p:cond evt="onNext" delay="0">
+                  <p:tgtEl>
+                    <p:sldTgt/>
+                  </p:tgtEl>
+                </p:cond>
+              </p:nextCondLst>
+            </p:seq>
+          </p:childTnLst>
+        </p:cTn>
+      </p:par>
+    </p:tnLst>
+    <p:bldLst>
+      <p:bldP spid="3" grpId="0" build="p"/>
+    </p:bldLst>
+  </p:timing>
+</p:sld>
+</file>
+
+<file path=ppt/slides/slide5.xml><?xml version="1.0" encoding="utf-8"?>
+<p:sld xmlns:a="http://schemas.openxmlformats.org/drawingml/2006/main" xmlns:r="http://schemas.openxmlformats.org/officeDocument/2006/relationships" xmlns:p="http://schemas.openxmlformats.org/presentationml/2006/main">
+  <p:cSld>
+    <p:spTree>
+      <p:nvGrpSpPr>
+        <p:cNvPr id="1" name=""/>
+        <p:cNvGrpSpPr/>
+        <p:nvPr/>
+      </p:nvGrpSpPr>
+      <p:grpSpPr>
+        <a:xfrm>
+          <a:off x="0" y="0"/>
+          <a:ext cx="0" cy="0"/>
+          <a:chOff x="0" y="0"/>
+          <a:chExt cx="0" cy="0"/>
+        </a:xfrm>
+      </p:grpSpPr>
+      <p:sp>
+        <p:nvSpPr>
+          <p:cNvPr id="2" name="Titel 1"/>
+          <p:cNvSpPr>
+            <a:spLocks noGrp="1"/>
+          </p:cNvSpPr>
+          <p:nvPr>
+            <p:ph type="title"/>
+          </p:nvPr>
+        </p:nvSpPr>
+        <p:spPr/>
+        <p:txBody>
+          <a:bodyPr/>
+          <a:lstStyle/>
+          <a:p>
+            <a:r>
+              <a:rPr lang="de-DE" b="1" dirty="0" smtClean="0">
+                <a:solidFill>
+                  <a:schemeClr val="bg1"/>
+                </a:solidFill>
+                <a:latin typeface="TeXGyreAdventor" pitchFamily="50" charset="0"/>
+              </a:rPr>
+              <a:t>Änderungen Art</a:t>
+            </a:r>
+            <a:endParaRPr lang="de-DE" b="1" dirty="0">
+              <a:solidFill>
+                <a:schemeClr val="bg1"/>
+              </a:solidFill>
+              <a:latin typeface="TeXGyreAdventor" pitchFamily="50" charset="0"/>
+            </a:endParaRPr>
+          </a:p>
+        </p:txBody>
+      </p:sp>
+      <p:sp>
+        <p:nvSpPr>
+          <p:cNvPr id="3" name="Inhaltsplatzhalter 2"/>
+          <p:cNvSpPr>
+            <a:spLocks noGrp="1"/>
+          </p:cNvSpPr>
+          <p:nvPr>
+            <p:ph idx="1"/>
+          </p:nvPr>
+        </p:nvSpPr>
+        <p:spPr/>
+        <p:txBody>
+          <a:bodyPr>
+            <a:normAutofit/>
+          </a:bodyPr>
+          <a:lstStyle/>
+          <a:p>
+            <a:pPr marL="0" indent="0" algn="ctr">
+              <a:buNone/>
+            </a:pPr>
+            <a:r>
+              <a:rPr lang="de-DE" b="1" dirty="0" smtClean="0">
+                <a:solidFill>
+                  <a:schemeClr val="bg1"/>
+                </a:solidFill>
+                <a:latin typeface="TeXGyreAdventor" pitchFamily="50" charset="0"/>
+              </a:rPr>
+              <a:t>Generell</a:t>
+            </a:r>
+          </a:p>
+          <a:p>
+            <a:r>
+              <a:rPr lang="de-DE" dirty="0" err="1" smtClean="0">
+                <a:solidFill>
+                  <a:schemeClr val="bg1"/>
+                </a:solidFill>
+                <a:latin typeface="TeXGyreAdventor" pitchFamily="50" charset="0"/>
+              </a:rPr>
+              <a:t>Outlines</a:t>
+            </a:r>
+            <a:r>
+              <a:rPr lang="de-DE" dirty="0" smtClean="0">
+                <a:solidFill>
+                  <a:schemeClr val="bg1"/>
+                </a:solidFill>
+                <a:latin typeface="TeXGyreAdventor" pitchFamily="50" charset="0"/>
+              </a:rPr>
+              <a:t> </a:t>
+            </a:r>
+            <a:r>
+              <a:rPr lang="de-DE" dirty="0" smtClean="0">
+                <a:solidFill>
+                  <a:schemeClr val="bg1"/>
+                </a:solidFill>
+                <a:latin typeface="TeXGyreAdventor" pitchFamily="50" charset="0"/>
+              </a:rPr>
+              <a:t>für alle Vordergrund Assets</a:t>
+            </a:r>
+          </a:p>
+          <a:p>
+            <a:pPr lvl="2"/>
+            <a:endParaRPr lang="de-DE" dirty="0" smtClean="0">
+              <a:solidFill>
+                <a:schemeClr val="bg1"/>
+              </a:solidFill>
+              <a:latin typeface="TeXGyreAdventor" pitchFamily="50" charset="0"/>
+            </a:endParaRPr>
+          </a:p>
+          <a:p>
+            <a:endParaRPr lang="de-DE" dirty="0" smtClean="0">
+              <a:solidFill>
+                <a:schemeClr val="bg1"/>
+              </a:solidFill>
+              <a:latin typeface="TeXGyreAdventor" pitchFamily="50" charset="0"/>
+            </a:endParaRPr>
+          </a:p>
+          <a:p>
+            <a:endParaRPr lang="de-DE" dirty="0" smtClean="0">
+              <a:solidFill>
+                <a:schemeClr val="bg1"/>
+              </a:solidFill>
+              <a:latin typeface="TeXGyreAdventor" pitchFamily="50" charset="0"/>
+            </a:endParaRPr>
+          </a:p>
+          <a:p>
+            <a:endParaRPr lang="de-DE" dirty="0" smtClean="0">
+              <a:solidFill>
+                <a:schemeClr val="bg1"/>
+              </a:solidFill>
+              <a:latin typeface="TeXGyreAdventor" pitchFamily="50" charset="0"/>
+            </a:endParaRPr>
+          </a:p>
+          <a:p>
+            <a:endParaRPr lang="de-DE" dirty="0">
+              <a:solidFill>
+                <a:schemeClr val="bg1"/>
+              </a:solidFill>
+              <a:latin typeface="TeXGyreAdventor" pitchFamily="50" charset="0"/>
+            </a:endParaRPr>
+          </a:p>
+        </p:txBody>
+      </p:sp>
+      <p:pic>
+        <p:nvPicPr>
+          <p:cNvPr id="3076" name="Picture 4"/>
+          <p:cNvPicPr>
+            <a:picLocks noChangeAspect="1" noChangeArrowheads="1"/>
+          </p:cNvPicPr>
+          <p:nvPr/>
+        </p:nvPicPr>
+        <p:blipFill>
+          <a:blip r:embed="rId2" cstate="print">
+            <a:extLst>
+              <a:ext uri="{28A0092B-C50C-407E-A947-70E740481C1C}">
+                <a14:useLocalDpi xmlns:a14="http://schemas.microsoft.com/office/drawing/2010/main" val="0"/>
+              </a:ext>
+            </a:extLst>
+          </a:blip>
+          <a:srcRect/>
+          <a:stretch>
+            <a:fillRect/>
+          </a:stretch>
+        </p:blipFill>
+        <p:spPr bwMode="auto">
+          <a:xfrm>
+            <a:off x="2843808" y="3068960"/>
+            <a:ext cx="3286536" cy="3312368"/>
+          </a:xfrm>
+          <a:prstGeom prst="rect">
+            <a:avLst/>
+          </a:prstGeom>
+          <a:noFill/>
+          <a:ln>
+            <a:noFill/>
+          </a:ln>
+          <a:extLst>
+            <a:ext uri="{909E8E84-426E-40DD-AFC4-6F175D3DCCD1}">
+              <a14:hiddenFill xmlns:a14="http://schemas.microsoft.com/office/drawing/2010/main">
+                <a:solidFill>
+                  <a:schemeClr val="accent1"/>
+                </a:solidFill>
+              </a14:hiddenFill>
+            </a:ext>
+            <a:ext uri="{91240B29-F687-4F45-9708-019B960494DF}">
+              <a14:hiddenLine xmlns:a14="http://schemas.microsoft.com/office/drawing/2010/main" w="9525">
+                <a:solidFill>
+                  <a:schemeClr val="tx1"/>
+                </a:solidFill>
+                <a:miter lim="800000"/>
+                <a:headEnd/>
+                <a:tailEnd/>
+              </a14:hiddenLine>
+            </a:ext>
+          </a:extLst>
+        </p:spPr>
+      </p:pic>
+    </p:spTree>
+    <p:extLst>
+      <p:ext uri="{BB962C8B-B14F-4D97-AF65-F5344CB8AC3E}">
+        <p14:creationId xmlns:p14="http://schemas.microsoft.com/office/powerpoint/2010/main" val="368853943"/>
+      </p:ext>
+    </p:extLst>
+  </p:cSld>
+  <p:clrMapOvr>
+    <a:masterClrMapping/>
+  </p:clrMapOvr>
+  <p:timing>
+    <p:tnLst>
+      <p:par>
+        <p:cTn id="1" dur="indefinite" restart="never" nodeType="tmRoot">
+          <p:childTnLst>
+            <p:seq concurrent="1" nextAc="seek">
+              <p:cTn id="2" dur="indefinite" nodeType="mainSeq">
+                <p:childTnLst>
+                  <p:par>
+                    <p:cTn id="3" fill="hold">
+                      <p:stCondLst>
+                        <p:cond delay="indefinite"/>
+                      </p:stCondLst>
+                      <p:childTnLst>
+                        <p:par>
+                          <p:cTn id="4" fill="hold">
+                            <p:stCondLst>
+                              <p:cond delay="0"/>
+                            </p:stCondLst>
+                            <p:childTnLst>
+                              <p:par>
+                                <p:cTn id="5" presetID="10" presetClass="entr" presetSubtype="0" fill="hold" grpId="0" nodeType="clickEffect">
+                                  <p:stCondLst>
+                                    <p:cond delay="0"/>
+                                  </p:stCondLst>
+                                  <p:childTnLst>
+                                    <p:set>
+                                      <p:cBhvr>
+                                        <p:cTn id="6" dur="1" fill="hold">
+                                          <p:stCondLst>
+                                            <p:cond delay="0"/>
+                                          </p:stCondLst>
+                                        </p:cTn>
+                                        <p:tgtEl>
+                                          <p:spTgt spid="3">
+                                            <p:txEl>
+                                              <p:pRg st="0" end="0"/>
+                                            </p:txEl>
+                                          </p:spTgt>
+                                        </p:tgtEl>
+                                        <p:attrNameLst>
+                                          <p:attrName>style.visibility</p:attrName>
+                                        </p:attrNameLst>
+                                      </p:cBhvr>
+                                      <p:to>
+                                        <p:strVal val="visible"/>
+                                      </p:to>
+                                    </p:set>
+                                    <p:animEffect transition="in" filter="fade">
+                                      <p:cBhvr>
+                                        <p:cTn id="7" dur="500"/>
+                                        <p:tgtEl>
+                                          <p:spTgt spid="3">
+                                            <p:txEl>
+                                              <p:pRg st="0" end="0"/>
+                                            </p:txEl>
+                                          </p:spTgt>
+                                        </p:tgtEl>
+                                      </p:cBhvr>
+                                    </p:animEffect>
+                                  </p:childTnLst>
+                                </p:cTn>
+                              </p:par>
+                            </p:childTnLst>
+                          </p:cTn>
+                        </p:par>
+                      </p:childTnLst>
+                    </p:cTn>
+                  </p:par>
+                  <p:par>
+                    <p:cTn id="8" fill="hold">
+                      <p:stCondLst>
+                        <p:cond delay="indefinite"/>
+                      </p:stCondLst>
+                      <p:childTnLst>
+                        <p:par>
+                          <p:cTn id="9" fill="hold">
+                            <p:stCondLst>
+                              <p:cond delay="0"/>
+                            </p:stCondLst>
+                            <p:childTnLst>
+                              <p:par>
+                                <p:cTn id="10" presetID="10" presetClass="entr" presetSubtype="0" fill="hold" grpId="0" nodeType="clickEffect">
+                                  <p:stCondLst>
+                                    <p:cond delay="0"/>
+                                  </p:stCondLst>
+                                  <p:childTnLst>
+                                    <p:set>
+                                      <p:cBhvr>
+                                        <p:cTn id="11" dur="1" fill="hold">
+                                          <p:stCondLst>
+                                            <p:cond delay="0"/>
+                                          </p:stCondLst>
+                                        </p:cTn>
+                                        <p:tgtEl>
+                                          <p:spTgt spid="3">
+                                            <p:txEl>
+                                              <p:pRg st="1" end="1"/>
+                                            </p:txEl>
+                                          </p:spTgt>
+                                        </p:tgtEl>
+                                        <p:attrNameLst>
+                                          <p:attrName>style.visibility</p:attrName>
+                                        </p:attrNameLst>
+                                      </p:cBhvr>
+                                      <p:to>
+                                        <p:strVal val="visible"/>
+                                      </p:to>
+                                    </p:set>
+                                    <p:animEffect transition="in" filter="fade">
+                                      <p:cBhvr>
+                                        <p:cTn id="12" dur="500"/>
+                                        <p:tgtEl>
+                                          <p:spTgt spid="3">
+                                            <p:txEl>
+                                              <p:pRg st="1" end="1"/>
+                                            </p:txEl>
+                                          </p:spTgt>
+                                        </p:tgtEl>
+                                      </p:cBhvr>
+                                    </p:animEffect>
+                                  </p:childTnLst>
+                                </p:cTn>
+                              </p:par>
+                            </p:childTnLst>
+                          </p:cTn>
+                        </p:par>
+                      </p:childTnLst>
+                    </p:cTn>
+                  </p:par>
+                </p:childTnLst>
+              </p:cTn>
+              <p:prevCondLst>
+                <p:cond evt="onPrev" delay="0">
+                  <p:tgtEl>
+                    <p:sldTgt/>
+                  </p:tgtEl>
+                </p:cond>
+              </p:prevCondLst>
+              <p:nextCondLst>
+                <p:cond evt="onNext" delay="0">
+                  <p:tgtEl>
+                    <p:sldTgt/>
+                  </p:tgtEl>
+                </p:cond>
+              </p:nextCondLst>
+            </p:seq>
+          </p:childTnLst>
+        </p:cTn>
+      </p:par>
+    </p:tnLst>
+    <p:bldLst>
+      <p:bldP spid="3" grpId="0" build="p"/>
+    </p:bldLst>
+  </p:timing>
+</p:sld>
+</file>
+
+<file path=ppt/slides/slide6.xml><?xml version="1.0" encoding="utf-8"?>
+<p:sld xmlns:a="http://schemas.openxmlformats.org/drawingml/2006/main" xmlns:r="http://schemas.openxmlformats.org/officeDocument/2006/relationships" xmlns:p="http://schemas.openxmlformats.org/presentationml/2006/main">
+  <p:cSld>
+    <p:spTree>
+      <p:nvGrpSpPr>
+        <p:cNvPr id="1" name=""/>
+        <p:cNvGrpSpPr/>
+        <p:nvPr/>
+      </p:nvGrpSpPr>
+      <p:grpSpPr>
+        <a:xfrm>
+          <a:off x="0" y="0"/>
+          <a:ext cx="0" cy="0"/>
+          <a:chOff x="0" y="0"/>
+          <a:chExt cx="0" cy="0"/>
+        </a:xfrm>
+      </p:grpSpPr>
+      <p:sp>
+        <p:nvSpPr>
+          <p:cNvPr id="2" name="Titel 1"/>
+          <p:cNvSpPr>
+            <a:spLocks noGrp="1"/>
+          </p:cNvSpPr>
+          <p:nvPr>
+            <p:ph type="title"/>
+          </p:nvPr>
+        </p:nvSpPr>
+        <p:spPr/>
+        <p:txBody>
+          <a:bodyPr/>
+          <a:lstStyle/>
+          <a:p>
+            <a:r>
+              <a:rPr lang="de-DE" b="1" dirty="0" smtClean="0">
+                <a:solidFill>
+                  <a:schemeClr val="bg1"/>
+                </a:solidFill>
+                <a:latin typeface="TeXGyreAdventor" pitchFamily="50" charset="0"/>
+              </a:rPr>
+              <a:t>Änderungen Art</a:t>
+            </a:r>
+            <a:endParaRPr lang="de-DE" b="1" dirty="0">
+              <a:solidFill>
+                <a:schemeClr val="bg1"/>
+              </a:solidFill>
+              <a:latin typeface="TeXGyreAdventor" pitchFamily="50" charset="0"/>
+            </a:endParaRPr>
+          </a:p>
+        </p:txBody>
+      </p:sp>
+      <p:sp>
+        <p:nvSpPr>
+          <p:cNvPr id="3" name="Inhaltsplatzhalter 2"/>
+          <p:cNvSpPr>
+            <a:spLocks noGrp="1"/>
+          </p:cNvSpPr>
+          <p:nvPr>
+            <p:ph idx="1"/>
+          </p:nvPr>
+        </p:nvSpPr>
+        <p:spPr/>
+        <p:txBody>
+          <a:bodyPr>
+            <a:normAutofit/>
+          </a:bodyPr>
+          <a:lstStyle/>
+          <a:p>
+            <a:pPr marL="0" indent="0" algn="ctr">
+              <a:buNone/>
+            </a:pPr>
+            <a:r>
+              <a:rPr lang="de-DE" b="1" dirty="0" smtClean="0">
+                <a:solidFill>
+                  <a:schemeClr val="bg1"/>
+                </a:solidFill>
+                <a:latin typeface="TeXGyreAdventor" pitchFamily="50" charset="0"/>
+              </a:rPr>
+              <a:t>Hammerjaeger</a:t>
+            </a:r>
+          </a:p>
+          <a:p>
+            <a:pPr marL="0" indent="0" algn="ctr">
+              <a:buNone/>
+            </a:pPr>
+            <a:endParaRPr lang="de-DE" b="1" dirty="0" smtClean="0">
+              <a:solidFill>
+                <a:schemeClr val="bg1"/>
+              </a:solidFill>
+              <a:latin typeface="TeXGyreAdventor" pitchFamily="50" charset="0"/>
+            </a:endParaRPr>
+          </a:p>
+          <a:p>
+            <a:r>
+              <a:rPr lang="de-DE" dirty="0" smtClean="0">
+                <a:solidFill>
+                  <a:schemeClr val="bg1"/>
+                </a:solidFill>
+                <a:latin typeface="TeXGyreAdventor" pitchFamily="50" charset="0"/>
+              </a:rPr>
+              <a:t>Stehanimation</a:t>
+            </a:r>
+          </a:p>
+          <a:p>
+            <a:endParaRPr lang="de-DE" dirty="0">
+              <a:solidFill>
+                <a:schemeClr val="bg1"/>
+              </a:solidFill>
+              <a:latin typeface="TeXGyreAdventor" pitchFamily="50" charset="0"/>
+            </a:endParaRPr>
+          </a:p>
+          <a:p>
+            <a:r>
+              <a:rPr lang="de-DE" dirty="0" smtClean="0">
+                <a:solidFill>
+                  <a:schemeClr val="bg1"/>
+                </a:solidFill>
+                <a:latin typeface="TeXGyreAdventor" pitchFamily="50" charset="0"/>
+              </a:rPr>
+              <a:t>Laufanimation</a:t>
+            </a:r>
+          </a:p>
+          <a:p>
+            <a:endParaRPr lang="de-DE" dirty="0">
+              <a:solidFill>
+                <a:schemeClr val="bg1"/>
+              </a:solidFill>
+              <a:latin typeface="TeXGyreAdventor" pitchFamily="50" charset="0"/>
+            </a:endParaRPr>
+          </a:p>
+          <a:p>
+            <a:endParaRPr lang="de-DE" dirty="0" smtClean="0">
+              <a:solidFill>
+                <a:schemeClr val="bg1"/>
+              </a:solidFill>
+              <a:latin typeface="TeXGyreAdventor" pitchFamily="50" charset="0"/>
+            </a:endParaRPr>
+          </a:p>
+          <a:p>
+            <a:pPr lvl="2"/>
+            <a:endParaRPr lang="de-DE" dirty="0" smtClean="0">
+              <a:solidFill>
+                <a:schemeClr val="bg1"/>
+              </a:solidFill>
+              <a:latin typeface="TeXGyreAdventor" pitchFamily="50" charset="0"/>
+            </a:endParaRPr>
+          </a:p>
+          <a:p>
+            <a:endParaRPr lang="de-DE" dirty="0" smtClean="0">
+              <a:solidFill>
+                <a:schemeClr val="bg1"/>
+              </a:solidFill>
+              <a:latin typeface="TeXGyreAdventor" pitchFamily="50" charset="0"/>
+            </a:endParaRPr>
+          </a:p>
+          <a:p>
+            <a:endParaRPr lang="de-DE" dirty="0" smtClean="0">
+              <a:solidFill>
+                <a:schemeClr val="bg1"/>
+              </a:solidFill>
+              <a:latin typeface="TeXGyreAdventor" pitchFamily="50" charset="0"/>
+            </a:endParaRPr>
+          </a:p>
+          <a:p>
+            <a:endParaRPr lang="de-DE" dirty="0" smtClean="0">
+              <a:solidFill>
+                <a:schemeClr val="bg1"/>
+              </a:solidFill>
+              <a:latin typeface="TeXGyreAdventor" pitchFamily="50" charset="0"/>
+            </a:endParaRPr>
+          </a:p>
+          <a:p>
+            <a:endParaRPr lang="de-DE" dirty="0">
+              <a:solidFill>
+                <a:schemeClr val="bg1"/>
+              </a:solidFill>
+              <a:latin typeface="TeXGyreAdventor" pitchFamily="50" charset="0"/>
+            </a:endParaRPr>
+          </a:p>
+        </p:txBody>
+      </p:sp>
+      <p:pic>
+        <p:nvPicPr>
+          <p:cNvPr id="5122" name="Picture 2" descr="C:\Users\jaromir.paarmann\Documents\HammerMan\Art\BilderPPPgate02\Hammerjeager_-_Sprite_01.gif"/>
+          <p:cNvPicPr>
+            <a:picLocks noChangeAspect="1" noChangeArrowheads="1" noCrop="1"/>
+          </p:cNvPicPr>
+          <p:nvPr/>
+        </p:nvPicPr>
+        <p:blipFill>
+          <a:blip r:embed="rId2" cstate="print">
+            <a:extLst>
+              <a:ext uri="{28A0092B-C50C-407E-A947-70E740481C1C}">
+                <a14:useLocalDpi xmlns:a14="http://schemas.microsoft.com/office/drawing/2010/main" val="0"/>
+              </a:ext>
+            </a:extLst>
+          </a:blip>
+          <a:srcRect/>
+          <a:stretch>
+            <a:fillRect/>
+          </a:stretch>
+        </p:blipFill>
+        <p:spPr bwMode="auto">
+          <a:xfrm>
+            <a:off x="4884418" y="1196727"/>
+            <a:ext cx="3400425" cy="3600450"/>
+          </a:xfrm>
+          <a:prstGeom prst="rect">
+            <a:avLst/>
+          </a:prstGeom>
+          <a:noFill/>
+          <a:extLst>
+            <a:ext uri="{909E8E84-426E-40DD-AFC4-6F175D3DCCD1}">
+              <a14:hiddenFill xmlns:a14="http://schemas.microsoft.com/office/drawing/2010/main">
+                <a:solidFill>
+                  <a:srgbClr val="FFFFFF"/>
+                </a:solidFill>
+              </a14:hiddenFill>
+            </a:ext>
+          </a:extLst>
+        </p:spPr>
+      </p:pic>
+      <p:pic>
+        <p:nvPicPr>
+          <p:cNvPr id="5126" name="Picture 6" descr="C:\Users\jaromir.paarmann\Documents\HammerMan\Art\BilderPPPgate02\WalkingAnimationSpriteHammerjeager.gif"/>
+          <p:cNvPicPr>
+            <a:picLocks noChangeAspect="1" noChangeArrowheads="1" noCrop="1"/>
+          </p:cNvPicPr>
+          <p:nvPr/>
+        </p:nvPicPr>
+        <p:blipFill>
+          <a:blip r:embed="rId3" cstate="print">
+            <a:extLst>
+              <a:ext uri="{28A0092B-C50C-407E-A947-70E740481C1C}">
+                <a14:useLocalDpi xmlns:a14="http://schemas.microsoft.com/office/drawing/2010/main" val="0"/>
+              </a:ext>
+            </a:extLst>
+          </a:blip>
+          <a:srcRect/>
+          <a:stretch>
+            <a:fillRect/>
+          </a:stretch>
+        </p:blipFill>
+        <p:spPr bwMode="auto">
+          <a:xfrm>
+            <a:off x="2843808" y="2996952"/>
+            <a:ext cx="3400425" cy="3600450"/>
+          </a:xfrm>
+          <a:prstGeom prst="rect">
+            <a:avLst/>
+          </a:prstGeom>
+          <a:noFill/>
+          <a:extLst>
+            <a:ext uri="{909E8E84-426E-40DD-AFC4-6F175D3DCCD1}">
+              <a14:hiddenFill xmlns:a14="http://schemas.microsoft.com/office/drawing/2010/main">
+                <a:solidFill>
+                  <a:srgbClr val="FFFFFF"/>
+                </a:solidFill>
+              </a14:hiddenFill>
+            </a:ext>
+          </a:extLst>
+        </p:spPr>
+      </p:pic>
+    </p:spTree>
+    <p:extLst>
+      <p:ext uri="{BB962C8B-B14F-4D97-AF65-F5344CB8AC3E}">
+        <p14:creationId xmlns:p14="http://schemas.microsoft.com/office/powerpoint/2010/main" val="2536580597"/>
+      </p:ext>
+    </p:extLst>
+  </p:cSld>
+  <p:clrMapOvr>
+    <a:masterClrMapping/>
+  </p:clrMapOvr>
+  <p:timing>
+    <p:tnLst>
+      <p:par>
+        <p:cTn id="1" dur="indefinite" restart="never" nodeType="tmRoot">
+          <p:childTnLst>
+            <p:seq concurrent="1" nextAc="seek">
+              <p:cTn id="2" dur="indefinite" nodeType="mainSeq">
+                <p:childTnLst>
+                  <p:par>
+                    <p:cTn id="3" fill="hold">
+                      <p:stCondLst>
+                        <p:cond delay="indefinite"/>
+                      </p:stCondLst>
+                      <p:childTnLst>
+                        <p:par>
+                          <p:cTn id="4" fill="hold">
+                            <p:stCondLst>
+                              <p:cond delay="0"/>
+                            </p:stCondLst>
+                            <p:childTnLst>
+                              <p:par>
+                                <p:cTn id="5" presetID="10" presetClass="entr" presetSubtype="0" fill="hold" grpId="0" nodeType="clickEffect">
+                                  <p:stCondLst>
+                                    <p:cond delay="0"/>
+                                  </p:stCondLst>
+                                  <p:childTnLst>
+                                    <p:set>
+                                      <p:cBhvr>
+                                        <p:cTn id="6" dur="1" fill="hold">
+                                          <p:stCondLst>
+                                            <p:cond delay="0"/>
+                                          </p:stCondLst>
+                                        </p:cTn>
+                                        <p:tgtEl>
+                                          <p:spTgt spid="3">
+                                            <p:txEl>
+                                              <p:pRg st="0" end="0"/>
+                                            </p:txEl>
+                                          </p:spTgt>
+                                        </p:tgtEl>
+                                        <p:attrNameLst>
+                                          <p:attrName>style.visibility</p:attrName>
+                                        </p:attrNameLst>
+                                      </p:cBhvr>
+                                      <p:to>
+                                        <p:strVal val="visible"/>
+                                      </p:to>
+                                    </p:set>
+                                    <p:animEffect transition="in" filter="fade">
+                                      <p:cBhvr>
+                                        <p:cTn id="7" dur="500"/>
+                                        <p:tgtEl>
+                                          <p:spTgt spid="3">
+                                            <p:txEl>
+                                              <p:pRg st="0" end="0"/>
+                                            </p:txEl>
+                                          </p:spTgt>
+                                        </p:tgtEl>
+                                      </p:cBhvr>
+                                    </p:animEffect>
+                                  </p:childTnLst>
+                                </p:cTn>
+                              </p:par>
+                            </p:childTnLst>
+                          </p:cTn>
+                        </p:par>
+                      </p:childTnLst>
+                    </p:cTn>
+                  </p:par>
+                  <p:par>
+                    <p:cTn id="8" fill="hold">
+                      <p:stCondLst>
+                        <p:cond delay="indefinite"/>
+                      </p:stCondLst>
+                      <p:childTnLst>
+                        <p:par>
+                          <p:cTn id="9" fill="hold">
+                            <p:stCondLst>
+                              <p:cond delay="0"/>
+                            </p:stCondLst>
+                            <p:childTnLst>
+                              <p:par>
+                                <p:cTn id="10" presetID="10" presetClass="entr" presetSubtype="0" fill="hold" grpId="0" nodeType="clickEffect">
+                                  <p:stCondLst>
+                                    <p:cond delay="0"/>
+                                  </p:stCondLst>
+                                  <p:childTnLst>
+                                    <p:set>
+                                      <p:cBhvr>
+                                        <p:cTn id="11" dur="1" fill="hold">
+                                          <p:stCondLst>
+                                            <p:cond delay="0"/>
+                                          </p:stCondLst>
+                                        </p:cTn>
+                                        <p:tgtEl>
+                                          <p:spTgt spid="3">
+                                            <p:txEl>
+                                              <p:pRg st="2" end="2"/>
+                                            </p:txEl>
+                                          </p:spTgt>
+                                        </p:tgtEl>
+                                        <p:attrNameLst>
+                                          <p:attrName>style.visibility</p:attrName>
+                                        </p:attrNameLst>
+                                      </p:cBhvr>
+                                      <p:to>
+                                        <p:strVal val="visible"/>
+                                      </p:to>
+                                    </p:set>
+                                    <p:animEffect transition="in" filter="fade">
+                                      <p:cBhvr>
+                                        <p:cTn id="12" dur="500"/>
+                                        <p:tgtEl>
+                                          <p:spTgt spid="3">
+                                            <p:txEl>
+                                              <p:pRg st="2" end="2"/>
+                                            </p:txEl>
+                                          </p:spTgt>
+                                        </p:tgtEl>
+                                      </p:cBhvr>
+                                    </p:animEffect>
+                                  </p:childTnLst>
+                                </p:cTn>
+                              </p:par>
+                              <p:par>
+                                <p:cTn id="13" presetID="10" presetClass="entr" presetSubtype="0" fill="hold" nodeType="withEffect">
+                                  <p:stCondLst>
+                                    <p:cond delay="0"/>
+                                  </p:stCondLst>
+                                  <p:childTnLst>
+                                    <p:set>
+                                      <p:cBhvr>
+                                        <p:cTn id="14" dur="1" fill="hold">
+                                          <p:stCondLst>
+                                            <p:cond delay="0"/>
+                                          </p:stCondLst>
+                                        </p:cTn>
+                                        <p:tgtEl>
+                                          <p:spTgt spid="5122"/>
+                                        </p:tgtEl>
+                                        <p:attrNameLst>
+                                          <p:attrName>style.visibility</p:attrName>
+                                        </p:attrNameLst>
+                                      </p:cBhvr>
+                                      <p:to>
+                                        <p:strVal val="visible"/>
+                                      </p:to>
+                                    </p:set>
+                                    <p:animEffect transition="in" filter="fade">
+                                      <p:cBhvr>
+                                        <p:cTn id="15" dur="500"/>
+                                        <p:tgtEl>
+                                          <p:spTgt spid="5122"/>
+                                        </p:tgtEl>
+                                      </p:cBhvr>
+                                    </p:animEffect>
+                                  </p:childTnLst>
+                                </p:cTn>
+                              </p:par>
+                            </p:childTnLst>
+                          </p:cTn>
+                        </p:par>
+                      </p:childTnLst>
+                    </p:cTn>
+                  </p:par>
+                  <p:par>
+                    <p:cTn id="16" fill="hold">
+                      <p:stCondLst>
+                        <p:cond delay="indefinite"/>
+                      </p:stCondLst>
+                      <p:childTnLst>
+                        <p:par>
+                          <p:cTn id="17" fill="hold">
+                            <p:stCondLst>
+                              <p:cond delay="0"/>
+                            </p:stCondLst>
+                            <p:childTnLst>
+                              <p:par>
+                                <p:cTn id="18" presetID="10" presetClass="entr" presetSubtype="0" fill="hold" grpId="0" nodeType="clickEffect">
+                                  <p:stCondLst>
+                                    <p:cond delay="0"/>
+                                  </p:stCondLst>
+                                  <p:childTnLst>
+                                    <p:set>
+                                      <p:cBhvr>
+                                        <p:cTn id="19" dur="1" fill="hold">
+                                          <p:stCondLst>
+                                            <p:cond delay="0"/>
+                                          </p:stCondLst>
+                                        </p:cTn>
+                                        <p:tgtEl>
+                                          <p:spTgt spid="3">
+                                            <p:txEl>
+                                              <p:pRg st="4" end="4"/>
+                                            </p:txEl>
+                                          </p:spTgt>
+                                        </p:tgtEl>
+                                        <p:attrNameLst>
+                                          <p:attrName>style.visibility</p:attrName>
+                                        </p:attrNameLst>
+                                      </p:cBhvr>
+                                      <p:to>
+                                        <p:strVal val="visible"/>
+                                      </p:to>
+                                    </p:set>
+                                    <p:animEffect transition="in" filter="fade">
+                                      <p:cBhvr>
+                                        <p:cTn id="20" dur="500"/>
+                                        <p:tgtEl>
+                                          <p:spTgt spid="3">
+                                            <p:txEl>
+                                              <p:pRg st="4" end="4"/>
+                                            </p:txEl>
+                                          </p:spTgt>
+                                        </p:tgtEl>
+                                      </p:cBhvr>
+                                    </p:animEffect>
+                                  </p:childTnLst>
+                                </p:cTn>
+                              </p:par>
+                              <p:par>
+                                <p:cTn id="21" presetID="10" presetClass="entr" presetSubtype="0" fill="hold" nodeType="withEffect">
+                                  <p:stCondLst>
+                                    <p:cond delay="0"/>
+                                  </p:stCondLst>
+                                  <p:childTnLst>
+                                    <p:set>
+                                      <p:cBhvr>
+                                        <p:cTn id="22" dur="1" fill="hold">
+                                          <p:stCondLst>
+                                            <p:cond delay="0"/>
+                                          </p:stCondLst>
+                                        </p:cTn>
+                                        <p:tgtEl>
+                                          <p:spTgt spid="5126"/>
+                                        </p:tgtEl>
+                                        <p:attrNameLst>
+                                          <p:attrName>style.visibility</p:attrName>
+                                        </p:attrNameLst>
+                                      </p:cBhvr>
+                                      <p:to>
+                                        <p:strVal val="visible"/>
+                                      </p:to>
+                                    </p:set>
+                                    <p:animEffect transition="in" filter="fade">
+                                      <p:cBhvr>
+                                        <p:cTn id="23" dur="500"/>
+                                        <p:tgtEl>
+                                          <p:spTgt spid="5126"/>
+                                        </p:tgtEl>
+                                      </p:cBhvr>
+                                    </p:animEffect>
+                                  </p:childTnLst>
+                                </p:cTn>
+                              </p:par>
+                            </p:childTnLst>
+                          </p:cTn>
+                        </p:par>
+                      </p:childTnLst>
+                    </p:cTn>
+                  </p:par>
+                </p:childTnLst>
+              </p:cTn>
+              <p:prevCondLst>
+                <p:cond evt="onPrev" delay="0">
+                  <p:tgtEl>
+                    <p:sldTgt/>
+                  </p:tgtEl>
+                </p:cond>
+              </p:prevCondLst>
+              <p:nextCondLst>
+                <p:cond evt="onNext" delay="0">
+                  <p:tgtEl>
+                    <p:sldTgt/>
+                  </p:tgtEl>
+                </p:cond>
+              </p:nextCondLst>
+            </p:seq>
+          </p:childTnLst>
+        </p:cTn>
+      </p:par>
+    </p:tnLst>
+    <p:bldLst>
+      <p:bldP spid="3" grpId="0" uiExpand="1" build="p"/>
+    </p:bldLst>
+  </p:timing>
+</p:sld>
+</file>
+
+<file path=ppt/slides/slide7.xml><?xml version="1.0" encoding="utf-8"?>
+<p:sld xmlns:a="http://schemas.openxmlformats.org/drawingml/2006/main" xmlns:r="http://schemas.openxmlformats.org/officeDocument/2006/relationships" xmlns:p="http://schemas.openxmlformats.org/presentationml/2006/main">
+  <p:cSld>
+    <p:spTree>
+      <p:nvGrpSpPr>
+        <p:cNvPr id="1" name=""/>
+        <p:cNvGrpSpPr/>
+        <p:nvPr/>
+      </p:nvGrpSpPr>
+      <p:grpSpPr>
+        <a:xfrm>
+          <a:off x="0" y="0"/>
+          <a:ext cx="0" cy="0"/>
+          <a:chOff x="0" y="0"/>
+          <a:chExt cx="0" cy="0"/>
+        </a:xfrm>
+      </p:grpSpPr>
+      <p:sp>
+        <p:nvSpPr>
+          <p:cNvPr id="2" name="Titel 1"/>
+          <p:cNvSpPr>
+            <a:spLocks noGrp="1"/>
+          </p:cNvSpPr>
+          <p:nvPr>
+            <p:ph type="title"/>
+          </p:nvPr>
+        </p:nvSpPr>
+        <p:spPr/>
+        <p:txBody>
+          <a:bodyPr/>
+          <a:lstStyle/>
+          <a:p>
+            <a:r>
+              <a:rPr lang="de-DE" b="1" dirty="0" smtClean="0">
+                <a:solidFill>
+                  <a:schemeClr val="bg1"/>
+                </a:solidFill>
+                <a:latin typeface="TeXGyreAdventor" pitchFamily="50" charset="0"/>
+              </a:rPr>
+              <a:t>Änderungen Art</a:t>
+            </a:r>
+            <a:endParaRPr lang="de-DE" b="1" dirty="0">
+              <a:solidFill>
+                <a:schemeClr val="bg1"/>
+              </a:solidFill>
+              <a:latin typeface="TeXGyreAdventor" pitchFamily="50" charset="0"/>
+            </a:endParaRPr>
+          </a:p>
+        </p:txBody>
+      </p:sp>
+      <p:sp>
+        <p:nvSpPr>
+          <p:cNvPr id="3" name="Inhaltsplatzhalter 2"/>
+          <p:cNvSpPr>
+            <a:spLocks noGrp="1"/>
+          </p:cNvSpPr>
+          <p:nvPr>
+            <p:ph idx="1"/>
+          </p:nvPr>
+        </p:nvSpPr>
+        <p:spPr/>
+        <p:txBody>
+          <a:bodyPr>
+            <a:normAutofit/>
+          </a:bodyPr>
+          <a:lstStyle/>
+          <a:p>
+            <a:pPr marL="0" indent="0" algn="ctr">
+              <a:buNone/>
+            </a:pPr>
+            <a:r>
+              <a:rPr lang="de-DE" b="1" dirty="0" smtClean="0">
+                <a:solidFill>
+                  <a:schemeClr val="bg1"/>
+                </a:solidFill>
+                <a:latin typeface="TeXGyreAdventor" pitchFamily="50" charset="0"/>
+              </a:rPr>
+              <a:t>Hammerjaeger</a:t>
+            </a:r>
+          </a:p>
+          <a:p>
+            <a:pPr marL="0" indent="0" algn="ctr">
+              <a:buNone/>
+            </a:pPr>
+            <a:endParaRPr lang="de-DE" b="1" dirty="0" smtClean="0">
+              <a:solidFill>
+                <a:schemeClr val="bg1"/>
+              </a:solidFill>
+              <a:latin typeface="TeXGyreAdventor" pitchFamily="50" charset="0"/>
+            </a:endParaRPr>
+          </a:p>
+          <a:p>
+            <a:r>
+              <a:rPr lang="de-DE" dirty="0" smtClean="0">
+                <a:solidFill>
+                  <a:schemeClr val="bg1"/>
+                </a:solidFill>
+                <a:latin typeface="TeXGyreAdventor" pitchFamily="50" charset="0"/>
+              </a:rPr>
+              <a:t>Kletteranimation</a:t>
+            </a:r>
+          </a:p>
+          <a:p>
+            <a:endParaRPr lang="de-DE" dirty="0">
+              <a:solidFill>
+                <a:schemeClr val="bg1"/>
+              </a:solidFill>
+              <a:latin typeface="TeXGyreAdventor" pitchFamily="50" charset="0"/>
+            </a:endParaRPr>
+          </a:p>
+          <a:p>
+            <a:r>
+              <a:rPr lang="de-DE" dirty="0" smtClean="0">
+                <a:solidFill>
+                  <a:schemeClr val="bg1"/>
+                </a:solidFill>
+                <a:latin typeface="TeXGyreAdventor" pitchFamily="50" charset="0"/>
+              </a:rPr>
+              <a:t>Fallanimation</a:t>
+            </a:r>
+          </a:p>
+          <a:p>
+            <a:endParaRPr lang="de-DE" dirty="0">
+              <a:solidFill>
+                <a:schemeClr val="bg1"/>
+              </a:solidFill>
+              <a:latin typeface="TeXGyreAdventor" pitchFamily="50" charset="0"/>
+            </a:endParaRPr>
+          </a:p>
+          <a:p>
+            <a:endParaRPr lang="de-DE" dirty="0" smtClean="0">
+              <a:solidFill>
+                <a:schemeClr val="bg1"/>
+              </a:solidFill>
+              <a:latin typeface="TeXGyreAdventor" pitchFamily="50" charset="0"/>
+            </a:endParaRPr>
+          </a:p>
+          <a:p>
+            <a:pPr lvl="2"/>
+            <a:endParaRPr lang="de-DE" dirty="0" smtClean="0">
+              <a:solidFill>
+                <a:schemeClr val="bg1"/>
+              </a:solidFill>
+              <a:latin typeface="TeXGyreAdventor" pitchFamily="50" charset="0"/>
+            </a:endParaRPr>
+          </a:p>
+          <a:p>
+            <a:endParaRPr lang="de-DE" dirty="0" smtClean="0">
+              <a:solidFill>
+                <a:schemeClr val="bg1"/>
+              </a:solidFill>
+              <a:latin typeface="TeXGyreAdventor" pitchFamily="50" charset="0"/>
+            </a:endParaRPr>
+          </a:p>
+          <a:p>
+            <a:endParaRPr lang="de-DE" dirty="0" smtClean="0">
+              <a:solidFill>
+                <a:schemeClr val="bg1"/>
+              </a:solidFill>
+              <a:latin typeface="TeXGyreAdventor" pitchFamily="50" charset="0"/>
+            </a:endParaRPr>
+          </a:p>
+          <a:p>
+            <a:endParaRPr lang="de-DE" dirty="0" smtClean="0">
+              <a:solidFill>
+                <a:schemeClr val="bg1"/>
+              </a:solidFill>
+              <a:latin typeface="TeXGyreAdventor" pitchFamily="50" charset="0"/>
+            </a:endParaRPr>
+          </a:p>
+          <a:p>
+            <a:endParaRPr lang="de-DE" dirty="0">
+              <a:solidFill>
+                <a:schemeClr val="bg1"/>
+              </a:solidFill>
+              <a:latin typeface="TeXGyreAdventor" pitchFamily="50" charset="0"/>
+            </a:endParaRPr>
+          </a:p>
+        </p:txBody>
+      </p:sp>
+      <p:pic>
+        <p:nvPicPr>
+          <p:cNvPr id="4098" name="Picture 2" descr="C:\Users\jaromir.paarmann\Documents\HammerMan\Art\BilderPPPgate02\KlimbingAnimation.gif"/>
+          <p:cNvPicPr>
+            <a:picLocks noChangeAspect="1" noChangeArrowheads="1" noCrop="1"/>
+          </p:cNvPicPr>
+          <p:nvPr/>
+        </p:nvPicPr>
+        <p:blipFill>
+          <a:blip r:embed="rId2" cstate="print">
+            <a:extLst>
+              <a:ext uri="{28A0092B-C50C-407E-A947-70E740481C1C}">
+                <a14:useLocalDpi xmlns:a14="http://schemas.microsoft.com/office/drawing/2010/main" val="0"/>
+              </a:ext>
+            </a:extLst>
+          </a:blip>
+          <a:srcRect/>
+          <a:stretch>
+            <a:fillRect/>
+          </a:stretch>
+        </p:blipFill>
+        <p:spPr bwMode="auto">
+          <a:xfrm>
+            <a:off x="4427984" y="2348880"/>
+            <a:ext cx="1760220" cy="2880360"/>
+          </a:xfrm>
+          <a:prstGeom prst="rect">
+            <a:avLst/>
+          </a:prstGeom>
+          <a:noFill/>
+          <a:extLst>
+            <a:ext uri="{909E8E84-426E-40DD-AFC4-6F175D3DCCD1}">
+              <a14:hiddenFill xmlns:a14="http://schemas.microsoft.com/office/drawing/2010/main">
+                <a:solidFill>
+                  <a:srgbClr val="FFFFFF"/>
+                </a:solidFill>
+              </a14:hiddenFill>
+            </a:ext>
+          </a:extLst>
+        </p:spPr>
+      </p:pic>
+      <p:pic>
+        <p:nvPicPr>
+          <p:cNvPr id="4099" name="Picture 3" descr="C:\Users\jaromir.paarmann\Documents\HammerMan\Art\BilderPPPgate02\HammerjeagerWalkingAnimationSprite.gif"/>
+          <p:cNvPicPr>
+            <a:picLocks noChangeAspect="1" noChangeArrowheads="1"/>
+          </p:cNvPicPr>
+          <p:nvPr/>
+        </p:nvPicPr>
+        <p:blipFill>
+          <a:blip r:embed="rId3" cstate="print">
+            <a:extLst>
+              <a:ext uri="{28A0092B-C50C-407E-A947-70E740481C1C}">
+                <a14:useLocalDpi xmlns:a14="http://schemas.microsoft.com/office/drawing/2010/main" val="0"/>
+              </a:ext>
+            </a:extLst>
+          </a:blip>
+          <a:srcRect/>
+          <a:stretch>
+            <a:fillRect/>
+          </a:stretch>
+        </p:blipFill>
+        <p:spPr bwMode="auto">
+          <a:xfrm>
+            <a:off x="6300192" y="3356992"/>
+            <a:ext cx="1920240" cy="3280410"/>
+          </a:xfrm>
+          <a:prstGeom prst="rect">
+            <a:avLst/>
+          </a:prstGeom>
+          <a:noFill/>
+          <a:extLst>
+            <a:ext uri="{909E8E84-426E-40DD-AFC4-6F175D3DCCD1}">
+              <a14:hiddenFill xmlns:a14="http://schemas.microsoft.com/office/drawing/2010/main">
+                <a:solidFill>
+                  <a:srgbClr val="FFFFFF"/>
+                </a:solidFill>
+              </a14:hiddenFill>
+            </a:ext>
+          </a:extLst>
+        </p:spPr>
+      </p:pic>
+    </p:spTree>
+    <p:extLst>
+      <p:ext uri="{BB962C8B-B14F-4D97-AF65-F5344CB8AC3E}">
+        <p14:creationId xmlns:p14="http://schemas.microsoft.com/office/powerpoint/2010/main" val="1441881592"/>
+      </p:ext>
+    </p:extLst>
+  </p:cSld>
+  <p:clrMapOvr>
+    <a:masterClrMapping/>
+  </p:clrMapOvr>
+  <p:timing>
+    <p:tnLst>
+      <p:par>
+        <p:cTn id="1" dur="indefinite" restart="never" nodeType="tmRoot">
+          <p:childTnLst>
+            <p:seq concurrent="1" nextAc="seek">
+              <p:cTn id="2" dur="indefinite" nodeType="mainSeq">
+                <p:childTnLst>
+                  <p:par>
+                    <p:cTn id="3" fill="hold">
+                      <p:stCondLst>
+                        <p:cond delay="indefinite"/>
+                      </p:stCondLst>
+                      <p:childTnLst>
+                        <p:par>
+                          <p:cTn id="4" fill="hold">
+                            <p:stCondLst>
+                              <p:cond delay="0"/>
+                            </p:stCondLst>
+                            <p:childTnLst>
+                              <p:par>
+                                <p:cTn id="5" presetID="10" presetClass="entr" presetSubtype="0" fill="hold" nodeType="clickEffect">
+                                  <p:stCondLst>
+                                    <p:cond delay="0"/>
+                                  </p:stCondLst>
+                                  <p:childTnLst>
+                                    <p:set>
+                                      <p:cBhvr>
+                                        <p:cTn id="6" dur="1" fill="hold">
+                                          <p:stCondLst>
+                                            <p:cond delay="0"/>
+                                          </p:stCondLst>
+                                        </p:cTn>
+                                        <p:tgtEl>
+                                          <p:spTgt spid="3">
+                                            <p:txEl>
+                                              <p:pRg st="0" end="0"/>
+                                            </p:txEl>
+                                          </p:spTgt>
+                                        </p:tgtEl>
+                                        <p:attrNameLst>
+                                          <p:attrName>style.visibility</p:attrName>
+                                        </p:attrNameLst>
+                                      </p:cBhvr>
+                                      <p:to>
+                                        <p:strVal val="visible"/>
+                                      </p:to>
+                                    </p:set>
+                                    <p:animEffect transition="in" filter="fade">
+                                      <p:cBhvr>
+                                        <p:cTn id="7" dur="500"/>
+                                        <p:tgtEl>
+                                          <p:spTgt spid="3">
+                                            <p:txEl>
+                                              <p:pRg st="0" end="0"/>
+                                            </p:txEl>
+                                          </p:spTgt>
+                                        </p:tgtEl>
+                                      </p:cBhvr>
+                                    </p:animEffect>
+                                  </p:childTnLst>
+                                </p:cTn>
+                              </p:par>
+                            </p:childTnLst>
+                          </p:cTn>
+                        </p:par>
+                      </p:childTnLst>
+                    </p:cTn>
+                  </p:par>
+                  <p:par>
+                    <p:cTn id="8" fill="hold">
+                      <p:stCondLst>
+                        <p:cond delay="indefinite"/>
+                      </p:stCondLst>
+                      <p:childTnLst>
+                        <p:par>
+                          <p:cTn id="9" fill="hold">
+                            <p:stCondLst>
+                              <p:cond delay="0"/>
+                            </p:stCondLst>
+                            <p:childTnLst>
+                              <p:par>
+                                <p:cTn id="10" presetID="10" presetClass="entr" presetSubtype="0" fill="hold" nodeType="clickEffect">
+                                  <p:stCondLst>
+                                    <p:cond delay="0"/>
+                                  </p:stCondLst>
+                                  <p:childTnLst>
+                                    <p:set>
+                                      <p:cBhvr>
+                                        <p:cTn id="11" dur="1" fill="hold">
+                                          <p:stCondLst>
+                                            <p:cond delay="0"/>
+                                          </p:stCondLst>
+                                        </p:cTn>
+                                        <p:tgtEl>
+                                          <p:spTgt spid="3">
+                                            <p:txEl>
+                                              <p:pRg st="2" end="2"/>
+                                            </p:txEl>
+                                          </p:spTgt>
+                                        </p:tgtEl>
+                                        <p:attrNameLst>
+                                          <p:attrName>style.visibility</p:attrName>
+                                        </p:attrNameLst>
+                                      </p:cBhvr>
+                                      <p:to>
+                                        <p:strVal val="visible"/>
+                                      </p:to>
+                                    </p:set>
+                                    <p:animEffect transition="in" filter="fade">
+                                      <p:cBhvr>
+                                        <p:cTn id="12" dur="500"/>
+                                        <p:tgtEl>
+                                          <p:spTgt spid="3">
+                                            <p:txEl>
+                                              <p:pRg st="2" end="2"/>
+                                            </p:txEl>
+                                          </p:spTgt>
+                                        </p:tgtEl>
+                                      </p:cBhvr>
+                                    </p:animEffect>
+                                  </p:childTnLst>
+                                </p:cTn>
+                              </p:par>
+                              <p:par>
+                                <p:cTn id="13" presetID="10" presetClass="entr" presetSubtype="0" fill="hold" nodeType="withEffect">
+                                  <p:stCondLst>
+                                    <p:cond delay="0"/>
+                                  </p:stCondLst>
+                                  <p:childTnLst>
+                                    <p:set>
+                                      <p:cBhvr>
+                                        <p:cTn id="14" dur="1" fill="hold">
+                                          <p:stCondLst>
+                                            <p:cond delay="0"/>
+                                          </p:stCondLst>
+                                        </p:cTn>
+                                        <p:tgtEl>
+                                          <p:spTgt spid="4098"/>
+                                        </p:tgtEl>
+                                        <p:attrNameLst>
+                                          <p:attrName>style.visibility</p:attrName>
+                                        </p:attrNameLst>
+                                      </p:cBhvr>
+                                      <p:to>
+                                        <p:strVal val="visible"/>
+                                      </p:to>
+                                    </p:set>
+                                    <p:animEffect transition="in" filter="fade">
+                                      <p:cBhvr>
+                                        <p:cTn id="15" dur="500"/>
+                                        <p:tgtEl>
+                                          <p:spTgt spid="4098"/>
+                                        </p:tgtEl>
+                                      </p:cBhvr>
+                                    </p:animEffect>
+                                  </p:childTnLst>
+                                </p:cTn>
+                              </p:par>
+                            </p:childTnLst>
+                          </p:cTn>
+                        </p:par>
+                      </p:childTnLst>
+                    </p:cTn>
+                  </p:par>
+                  <p:par>
+                    <p:cTn id="16" fill="hold">
+                      <p:stCondLst>
+                        <p:cond delay="indefinite"/>
+                      </p:stCondLst>
+                      <p:childTnLst>
+                        <p:par>
+                          <p:cTn id="17" fill="hold">
+                            <p:stCondLst>
+                              <p:cond delay="0"/>
+                            </p:stCondLst>
+                            <p:childTnLst>
+                              <p:par>
+                                <p:cTn id="18" presetID="10" presetClass="entr" presetSubtype="0" fill="hold" nodeType="clickEffect">
+                                  <p:stCondLst>
+                                    <p:cond delay="0"/>
+                                  </p:stCondLst>
+                                  <p:childTnLst>
+                                    <p:set>
+                                      <p:cBhvr>
+                                        <p:cTn id="19" dur="1" fill="hold">
+                                          <p:stCondLst>
+                                            <p:cond delay="0"/>
+                                          </p:stCondLst>
+                                        </p:cTn>
+                                        <p:tgtEl>
+                                          <p:spTgt spid="3">
+                                            <p:txEl>
+                                              <p:pRg st="4" end="4"/>
+                                            </p:txEl>
+                                          </p:spTgt>
+                                        </p:tgtEl>
+                                        <p:attrNameLst>
+                                          <p:attrName>style.visibility</p:attrName>
+                                        </p:attrNameLst>
+                                      </p:cBhvr>
+                                      <p:to>
+                                        <p:strVal val="visible"/>
+                                      </p:to>
+                                    </p:set>
+                                    <p:animEffect transition="in" filter="fade">
+                                      <p:cBhvr>
+                                        <p:cTn id="20" dur="500"/>
+                                        <p:tgtEl>
+                                          <p:spTgt spid="3">
+                                            <p:txEl>
+                                              <p:pRg st="4" end="4"/>
+                                            </p:txEl>
+                                          </p:spTgt>
+                                        </p:tgtEl>
+                                      </p:cBhvr>
+                                    </p:animEffect>
+                                  </p:childTnLst>
+                                </p:cTn>
+                              </p:par>
+                              <p:par>
+                                <p:cTn id="21" presetID="10" presetClass="entr" presetSubtype="0" fill="hold" nodeType="withEffect">
+                                  <p:stCondLst>
+                                    <p:cond delay="0"/>
+                                  </p:stCondLst>
+                                  <p:childTnLst>
+                                    <p:set>
+                                      <p:cBhvr>
+                                        <p:cTn id="22" dur="1" fill="hold">
+                                          <p:stCondLst>
+                                            <p:cond delay="0"/>
+                                          </p:stCondLst>
+                                        </p:cTn>
+                                        <p:tgtEl>
+                                          <p:spTgt spid="4099"/>
+                                        </p:tgtEl>
+                                        <p:attrNameLst>
+                                          <p:attrName>style.visibility</p:attrName>
+                                        </p:attrNameLst>
+                                      </p:cBhvr>
+                                      <p:to>
+                                        <p:strVal val="visible"/>
+                                      </p:to>
+                                    </p:set>
+                                    <p:animEffect transition="in" filter="fade">
+                                      <p:cBhvr>
+                                        <p:cTn id="23" dur="500"/>
+                                        <p:tgtEl>
+                                          <p:spTgt spid="4099"/>
+                                        </p:tgtEl>
+                                      </p:cBhvr>
+                                    </p:animEffect>
+                                  </p:childTnLst>
+                                </p:cTn>
+                              </p:par>
+                            </p:childTnLst>
+                          </p:cTn>
+                        </p:par>
+                      </p:childTnLst>
+                    </p:cTn>
+                  </p:par>
+                </p:childTnLst>
+              </p:cTn>
+              <p:prevCondLst>
+                <p:cond evt="onPrev" delay="0">
+                  <p:tgtEl>
+                    <p:sldTgt/>
+                  </p:tgtEl>
+                </p:cond>
+              </p:prevCondLst>
+              <p:nextCondLst>
+                <p:cond evt="onNext" delay="0">
+                  <p:tgtEl>
+                    <p:sldTgt/>
+                  </p:tgtEl>
+                </p:cond>
+              </p:nextCondLst>
+            </p:seq>
+          </p:childTnLst>
+        </p:cTn>
+      </p:par>
+    </p:tnLst>
+  </p:timing>
+</p:sld>
+</file>
+
+<file path=ppt/slides/slide8.xml><?xml version="1.0" encoding="utf-8"?>
+<p:sld xmlns:a="http://schemas.openxmlformats.org/drawingml/2006/main" xmlns:r="http://schemas.openxmlformats.org/officeDocument/2006/relationships" xmlns:p="http://schemas.openxmlformats.org/presentationml/2006/main">
+  <p:cSld>
+    <p:spTree>
+      <p:nvGrpSpPr>
+        <p:cNvPr id="1" name=""/>
+        <p:cNvGrpSpPr/>
+        <p:nvPr/>
+      </p:nvGrpSpPr>
+      <p:grpSpPr>
+        <a:xfrm>
+          <a:off x="0" y="0"/>
+          <a:ext cx="0" cy="0"/>
+          <a:chOff x="0" y="0"/>
+          <a:chExt cx="0" cy="0"/>
+        </a:xfrm>
+      </p:grpSpPr>
+      <p:sp>
+        <p:nvSpPr>
+          <p:cNvPr id="2" name="Titel 1"/>
+          <p:cNvSpPr>
+            <a:spLocks noGrp="1"/>
+          </p:cNvSpPr>
+          <p:nvPr>
+            <p:ph type="title"/>
+          </p:nvPr>
+        </p:nvSpPr>
+        <p:spPr/>
+        <p:txBody>
+          <a:bodyPr/>
+          <a:lstStyle/>
+          <a:p>
+            <a:r>
+              <a:rPr lang="de-DE" b="1" dirty="0" smtClean="0">
+                <a:solidFill>
+                  <a:schemeClr val="bg1"/>
+                </a:solidFill>
+                <a:latin typeface="TeXGyreAdventor" pitchFamily="50" charset="0"/>
+              </a:rPr>
+              <a:t>Änderungen Art</a:t>
+            </a:r>
+            <a:endParaRPr lang="de-DE" b="1" dirty="0">
+              <a:solidFill>
+                <a:schemeClr val="bg1"/>
+              </a:solidFill>
+              <a:latin typeface="TeXGyreAdventor" pitchFamily="50" charset="0"/>
+            </a:endParaRPr>
+          </a:p>
+        </p:txBody>
+      </p:sp>
+      <p:sp>
+        <p:nvSpPr>
+          <p:cNvPr id="3" name="Inhaltsplatzhalter 2"/>
+          <p:cNvSpPr>
+            <a:spLocks noGrp="1"/>
+          </p:cNvSpPr>
+          <p:nvPr>
+            <p:ph idx="1"/>
+          </p:nvPr>
+        </p:nvSpPr>
+        <p:spPr/>
+        <p:txBody>
+          <a:bodyPr>
+            <a:normAutofit/>
+          </a:bodyPr>
+          <a:lstStyle/>
+          <a:p>
+            <a:pPr marL="0" indent="0" algn="ctr">
+              <a:buNone/>
+            </a:pPr>
+            <a:r>
+              <a:rPr lang="de-DE" b="1" dirty="0" smtClean="0">
+                <a:solidFill>
+                  <a:schemeClr val="bg1"/>
+                </a:solidFill>
+                <a:latin typeface="TeXGyreAdventor" pitchFamily="50" charset="0"/>
+              </a:rPr>
+              <a:t>Gegner</a:t>
+            </a:r>
+          </a:p>
+          <a:p>
+            <a:pPr marL="0" indent="0">
+              <a:buNone/>
+            </a:pPr>
+            <a:endParaRPr lang="de-DE" b="1" dirty="0">
+              <a:solidFill>
+                <a:schemeClr val="bg1"/>
+              </a:solidFill>
+              <a:latin typeface="TeXGyreAdventor" pitchFamily="50" charset="0"/>
+            </a:endParaRPr>
+          </a:p>
+          <a:p>
+            <a:r>
+              <a:rPr lang="de-DE" dirty="0" smtClean="0">
+                <a:solidFill>
+                  <a:schemeClr val="bg1"/>
+                </a:solidFill>
+                <a:latin typeface="TeXGyreAdventor" pitchFamily="50" charset="0"/>
+              </a:rPr>
+              <a:t>Aussehen/Animation</a:t>
+            </a:r>
+            <a:endParaRPr lang="de-DE" dirty="0" smtClean="0">
+              <a:solidFill>
+                <a:schemeClr val="bg1"/>
+              </a:solidFill>
+              <a:latin typeface="TeXGyreAdventor" pitchFamily="50" charset="0"/>
+            </a:endParaRPr>
+          </a:p>
+          <a:p>
+            <a:endParaRPr lang="de-DE" dirty="0">
+              <a:solidFill>
+                <a:schemeClr val="bg1"/>
+              </a:solidFill>
+              <a:latin typeface="TeXGyreAdventor" pitchFamily="50" charset="0"/>
+            </a:endParaRPr>
+          </a:p>
+          <a:p>
+            <a:pPr marL="0" indent="0">
+              <a:buNone/>
+            </a:pPr>
+            <a:endParaRPr lang="de-DE" dirty="0">
+              <a:solidFill>
+                <a:schemeClr val="bg1"/>
+              </a:solidFill>
+              <a:latin typeface="TeXGyreAdventor" pitchFamily="50" charset="0"/>
+            </a:endParaRPr>
+          </a:p>
+          <a:p>
+            <a:endParaRPr lang="de-DE" dirty="0">
+              <a:solidFill>
+                <a:schemeClr val="bg1"/>
+              </a:solidFill>
+              <a:latin typeface="TeXGyreAdventor" pitchFamily="50" charset="0"/>
+            </a:endParaRPr>
+          </a:p>
+        </p:txBody>
+      </p:sp>
+      <p:pic>
+        <p:nvPicPr>
+          <p:cNvPr id="2050" name="Picture 2" descr="C:\Users\jaromir.paarmann\Documents\HammerMan\Art\BilderPPPgate02\EnemyRepairAnimation.gif"/>
+          <p:cNvPicPr>
+            <a:picLocks noChangeAspect="1" noChangeArrowheads="1" noCrop="1"/>
+          </p:cNvPicPr>
+          <p:nvPr/>
+        </p:nvPicPr>
+        <p:blipFill>
+          <a:blip r:embed="rId2" cstate="print">
+            <a:extLst>
+              <a:ext uri="{28A0092B-C50C-407E-A947-70E740481C1C}">
+                <a14:useLocalDpi xmlns:a14="http://schemas.microsoft.com/office/drawing/2010/main" val="0"/>
+              </a:ext>
+            </a:extLst>
+          </a:blip>
+          <a:srcRect/>
+          <a:stretch>
+            <a:fillRect/>
+          </a:stretch>
+        </p:blipFill>
+        <p:spPr bwMode="auto">
+          <a:xfrm>
+            <a:off x="395536" y="4029646"/>
+            <a:ext cx="2112814" cy="2112814"/>
+          </a:xfrm>
+          <a:prstGeom prst="rect">
+            <a:avLst/>
+          </a:prstGeom>
+          <a:noFill/>
+          <a:extLst>
+            <a:ext uri="{909E8E84-426E-40DD-AFC4-6F175D3DCCD1}">
+              <a14:hiddenFill xmlns:a14="http://schemas.microsoft.com/office/drawing/2010/main">
+                <a:solidFill>
+                  <a:srgbClr val="FFFFFF"/>
+                </a:solidFill>
+              </a14:hiddenFill>
+            </a:ext>
+          </a:extLst>
+        </p:spPr>
+      </p:pic>
+      <p:pic>
+        <p:nvPicPr>
+          <p:cNvPr id="2051" name="Picture 3" descr="C:\Users\jaromir.paarmann\Documents\HammerMan\Art\BilderPPPgate02\EnemyShockwaveAnimation.gif"/>
+          <p:cNvPicPr>
+            <a:picLocks noChangeAspect="1" noChangeArrowheads="1" noCrop="1"/>
+          </p:cNvPicPr>
+          <p:nvPr/>
+        </p:nvPicPr>
+        <p:blipFill>
+          <a:blip r:embed="rId3" cstate="print">
+            <a:extLst>
+              <a:ext uri="{28A0092B-C50C-407E-A947-70E740481C1C}">
+                <a14:useLocalDpi xmlns:a14="http://schemas.microsoft.com/office/drawing/2010/main" val="0"/>
+              </a:ext>
+            </a:extLst>
+          </a:blip>
+          <a:srcRect/>
+          <a:stretch>
+            <a:fillRect/>
+          </a:stretch>
+        </p:blipFill>
+        <p:spPr bwMode="auto">
+          <a:xfrm>
+            <a:off x="3203848" y="4029646"/>
+            <a:ext cx="2135932" cy="2135932"/>
+          </a:xfrm>
+          <a:prstGeom prst="rect">
+            <a:avLst/>
+          </a:prstGeom>
+          <a:noFill/>
+          <a:extLst>
+            <a:ext uri="{909E8E84-426E-40DD-AFC4-6F175D3DCCD1}">
+              <a14:hiddenFill xmlns:a14="http://schemas.microsoft.com/office/drawing/2010/main">
+                <a:solidFill>
+                  <a:srgbClr val="FFFFFF"/>
+                </a:solidFill>
+              </a14:hiddenFill>
+            </a:ext>
+          </a:extLst>
+        </p:spPr>
+      </p:pic>
+      <p:pic>
+        <p:nvPicPr>
+          <p:cNvPr id="2052" name="Picture 4" descr="C:\Users\jaromir.paarmann\Documents\HammerMan\Art\BilderPPPgate02\EnemySpawnTwoAnimation.gif"/>
+          <p:cNvPicPr>
+            <a:picLocks noChangeAspect="1" noChangeArrowheads="1" noCrop="1"/>
+          </p:cNvPicPr>
+          <p:nvPr/>
+        </p:nvPicPr>
+        <p:blipFill>
+          <a:blip r:embed="rId4" cstate="print">
+            <a:extLst>
+              <a:ext uri="{28A0092B-C50C-407E-A947-70E740481C1C}">
+                <a14:useLocalDpi xmlns:a14="http://schemas.microsoft.com/office/drawing/2010/main" val="0"/>
+              </a:ext>
+            </a:extLst>
+          </a:blip>
+          <a:srcRect/>
+          <a:stretch>
+            <a:fillRect/>
+          </a:stretch>
+        </p:blipFill>
+        <p:spPr bwMode="auto">
+          <a:xfrm>
+            <a:off x="5831347" y="3355132"/>
+            <a:ext cx="2810446" cy="2810446"/>
+          </a:xfrm>
+          <a:prstGeom prst="rect">
+            <a:avLst/>
+          </a:prstGeom>
+          <a:noFill/>
+          <a:extLst>
+            <a:ext uri="{909E8E84-426E-40DD-AFC4-6F175D3DCCD1}">
+              <a14:hiddenFill xmlns:a14="http://schemas.microsoft.com/office/drawing/2010/main">
+                <a:solidFill>
+                  <a:srgbClr val="FFFFFF"/>
+                </a:solidFill>
+              </a14:hiddenFill>
+            </a:ext>
+          </a:extLst>
+        </p:spPr>
+      </p:pic>
+    </p:spTree>
+    <p:extLst>
+      <p:ext uri="{BB962C8B-B14F-4D97-AF65-F5344CB8AC3E}">
+        <p14:creationId xmlns:p14="http://schemas.microsoft.com/office/powerpoint/2010/main" val="1443763258"/>
+      </p:ext>
+    </p:extLst>
+  </p:cSld>
+  <p:clrMapOvr>
+    <a:masterClrMapping/>
+  </p:clrMapOvr>
+  <p:timing>
+    <p:tnLst>
+      <p:par>
+        <p:cTn id="1" dur="indefinite" restart="never" nodeType="tmRoot">
+          <p:childTnLst>
+            <p:seq concurrent="1" nextAc="seek">
+              <p:cTn id="2" dur="indefinite" nodeType="mainSeq">
+                <p:childTnLst>
+                  <p:par>
+                    <p:cTn id="3" fill="hold">
+                      <p:stCondLst>
+                        <p:cond delay="indefinite"/>
+                      </p:stCondLst>
+                      <p:childTnLst>
+                        <p:par>
+                          <p:cTn id="4" fill="hold">
+                            <p:stCondLst>
+                              <p:cond delay="0"/>
+                            </p:stCondLst>
+                            <p:childTnLst>
+                              <p:par>
+                                <p:cTn id="5" presetID="10" presetClass="entr" presetSubtype="0" fill="hold" grpId="0" nodeType="clickEffect">
+                                  <p:stCondLst>
+                                    <p:cond delay="0"/>
+                                  </p:stCondLst>
+                                  <p:childTnLst>
+                                    <p:set>
+                                      <p:cBhvr>
+                                        <p:cTn id="6" dur="1" fill="hold">
+                                          <p:stCondLst>
+                                            <p:cond delay="0"/>
+                                          </p:stCondLst>
+                                        </p:cTn>
+                                        <p:tgtEl>
+                                          <p:spTgt spid="3">
+                                            <p:txEl>
+                                              <p:pRg st="0" end="0"/>
+                                            </p:txEl>
+                                          </p:spTgt>
+                                        </p:tgtEl>
+                                        <p:attrNameLst>
+                                          <p:attrName>style.visibility</p:attrName>
+                                        </p:attrNameLst>
+                                      </p:cBhvr>
+                                      <p:to>
+                                        <p:strVal val="visible"/>
+                                      </p:to>
+                                    </p:set>
+                                    <p:animEffect transition="in" filter="fade">
+                                      <p:cBhvr>
+                                        <p:cTn id="7" dur="500"/>
+                                        <p:tgtEl>
+                                          <p:spTgt spid="3">
+                                            <p:txEl>
+                                              <p:pRg st="0" end="0"/>
+                                            </p:txEl>
+                                          </p:spTgt>
+                                        </p:tgtEl>
+                                      </p:cBhvr>
+                                    </p:animEffect>
+                                  </p:childTnLst>
+                                </p:cTn>
+                              </p:par>
+                            </p:childTnLst>
+                          </p:cTn>
+                        </p:par>
+                      </p:childTnLst>
+                    </p:cTn>
+                  </p:par>
+                  <p:par>
+                    <p:cTn id="8" fill="hold">
+                      <p:stCondLst>
+                        <p:cond delay="indefinite"/>
+                      </p:stCondLst>
+                      <p:childTnLst>
+                        <p:par>
+                          <p:cTn id="9" fill="hold">
+                            <p:stCondLst>
+                              <p:cond delay="0"/>
+                            </p:stCondLst>
+                            <p:childTnLst>
+                              <p:par>
+                                <p:cTn id="10" presetID="10" presetClass="entr" presetSubtype="0" fill="hold" grpId="0" nodeType="clickEffect">
+                                  <p:stCondLst>
+                                    <p:cond delay="0"/>
+                                  </p:stCondLst>
+                                  <p:childTnLst>
+                                    <p:set>
+                                      <p:cBhvr>
+                                        <p:cTn id="11" dur="1" fill="hold">
+                                          <p:stCondLst>
+                                            <p:cond delay="0"/>
+                                          </p:stCondLst>
+                                        </p:cTn>
+                                        <p:tgtEl>
+                                          <p:spTgt spid="3">
+                                            <p:txEl>
+                                              <p:pRg st="2" end="2"/>
+                                            </p:txEl>
+                                          </p:spTgt>
+                                        </p:tgtEl>
+                                        <p:attrNameLst>
+                                          <p:attrName>style.visibility</p:attrName>
+                                        </p:attrNameLst>
+                                      </p:cBhvr>
+                                      <p:to>
+                                        <p:strVal val="visible"/>
+                                      </p:to>
+                                    </p:set>
+                                    <p:animEffect transition="in" filter="fade">
+                                      <p:cBhvr>
+                                        <p:cTn id="12" dur="500"/>
+                                        <p:tgtEl>
+                                          <p:spTgt spid="3">
+                                            <p:txEl>
+                                              <p:pRg st="2" end="2"/>
+                                            </p:txEl>
+                                          </p:spTgt>
+                                        </p:tgtEl>
+                                      </p:cBhvr>
+                                    </p:animEffect>
+                                  </p:childTnLst>
+                                </p:cTn>
+                              </p:par>
+                            </p:childTnLst>
+                          </p:cTn>
+                        </p:par>
+                      </p:childTnLst>
+                    </p:cTn>
+                  </p:par>
+                  <p:par>
+                    <p:cTn id="13" fill="hold">
+                      <p:stCondLst>
+                        <p:cond delay="indefinite"/>
+                      </p:stCondLst>
+                      <p:childTnLst>
+                        <p:par>
+                          <p:cTn id="14" fill="hold">
+                            <p:stCondLst>
+                              <p:cond delay="0"/>
+                            </p:stCondLst>
+                            <p:childTnLst>
+                              <p:par>
+                                <p:cTn id="15" presetID="10" presetClass="entr" presetSubtype="0" fill="hold" nodeType="clickEffect">
+                                  <p:stCondLst>
+                                    <p:cond delay="0"/>
+                                  </p:stCondLst>
+                                  <p:childTnLst>
+                                    <p:set>
+                                      <p:cBhvr>
+                                        <p:cTn id="16" dur="1" fill="hold">
+                                          <p:stCondLst>
+                                            <p:cond delay="0"/>
+                                          </p:stCondLst>
+                                        </p:cTn>
+                                        <p:tgtEl>
+                                          <p:spTgt spid="2050"/>
+                                        </p:tgtEl>
+                                        <p:attrNameLst>
+                                          <p:attrName>style.visibility</p:attrName>
+                                        </p:attrNameLst>
+                                      </p:cBhvr>
+                                      <p:to>
+                                        <p:strVal val="visible"/>
+                                      </p:to>
+                                    </p:set>
+                                    <p:animEffect transition="in" filter="fade">
+                                      <p:cBhvr>
+                                        <p:cTn id="17" dur="500"/>
+                                        <p:tgtEl>
+                                          <p:spTgt spid="2050"/>
                                         </p:tgtEl>
                                       </p:cBhvr>
                                     </p:animEffect>
@@ -7693,7 +9370,7 @@
                             </p:stCondLst>
                             <p:childTnLst>
                               <p:par>
-                                <p:cTn id="20" presetID="10" presetClass="entr" presetSubtype="0" fill="hold" grpId="0" nodeType="clickEffect">
+                                <p:cTn id="20" presetID="10" presetClass="entr" presetSubtype="0" fill="hold" nodeType="clickEffect">
                                   <p:stCondLst>
                                     <p:cond delay="0"/>
                                   </p:stCondLst>
@@ -7706,9 +9383,432 @@
                                           </p:stCondLst>
                                         </p:cTn>
                                         <p:tgtEl>
+                                          <p:spTgt spid="2051"/>
+                                        </p:tgtEl>
+                                        <p:attrNameLst>
+                                          <p:attrName>style.visibility</p:attrName>
+                                        </p:attrNameLst>
+                                      </p:cBhvr>
+                                      <p:to>
+                                        <p:strVal val="visible"/>
+                                      </p:to>
+                                    </p:set>
+                                    <p:animEffect transition="in" filter="fade">
+                                      <p:cBhvr>
+                                        <p:cTn id="22" dur="500"/>
+                                        <p:tgtEl>
+                                          <p:spTgt spid="2051"/>
+                                        </p:tgtEl>
+                                      </p:cBhvr>
+                                    </p:animEffect>
+                                  </p:childTnLst>
+                                </p:cTn>
+                              </p:par>
+                            </p:childTnLst>
+                          </p:cTn>
+                        </p:par>
+                      </p:childTnLst>
+                    </p:cTn>
+                  </p:par>
+                  <p:par>
+                    <p:cTn id="23" fill="hold">
+                      <p:stCondLst>
+                        <p:cond delay="indefinite"/>
+                      </p:stCondLst>
+                      <p:childTnLst>
+                        <p:par>
+                          <p:cTn id="24" fill="hold">
+                            <p:stCondLst>
+                              <p:cond delay="0"/>
+                            </p:stCondLst>
+                            <p:childTnLst>
+                              <p:par>
+                                <p:cTn id="25" presetID="10" presetClass="entr" presetSubtype="0" fill="hold" nodeType="clickEffect">
+                                  <p:stCondLst>
+                                    <p:cond delay="0"/>
+                                  </p:stCondLst>
+                                  <p:childTnLst>
+                                    <p:set>
+                                      <p:cBhvr>
+                                        <p:cTn id="26" dur="1" fill="hold">
+                                          <p:stCondLst>
+                                            <p:cond delay="0"/>
+                                          </p:stCondLst>
+                                        </p:cTn>
+                                        <p:tgtEl>
+                                          <p:spTgt spid="2052"/>
+                                        </p:tgtEl>
+                                        <p:attrNameLst>
+                                          <p:attrName>style.visibility</p:attrName>
+                                        </p:attrNameLst>
+                                      </p:cBhvr>
+                                      <p:to>
+                                        <p:strVal val="visible"/>
+                                      </p:to>
+                                    </p:set>
+                                    <p:animEffect transition="in" filter="fade">
+                                      <p:cBhvr>
+                                        <p:cTn id="27" dur="500"/>
+                                        <p:tgtEl>
+                                          <p:spTgt spid="2052"/>
+                                        </p:tgtEl>
+                                      </p:cBhvr>
+                                    </p:animEffect>
+                                  </p:childTnLst>
+                                </p:cTn>
+                              </p:par>
+                            </p:childTnLst>
+                          </p:cTn>
+                        </p:par>
+                      </p:childTnLst>
+                    </p:cTn>
+                  </p:par>
+                </p:childTnLst>
+              </p:cTn>
+              <p:prevCondLst>
+                <p:cond evt="onPrev" delay="0">
+                  <p:tgtEl>
+                    <p:sldTgt/>
+                  </p:tgtEl>
+                </p:cond>
+              </p:prevCondLst>
+              <p:nextCondLst>
+                <p:cond evt="onNext" delay="0">
+                  <p:tgtEl>
+                    <p:sldTgt/>
+                  </p:tgtEl>
+                </p:cond>
+              </p:nextCondLst>
+            </p:seq>
+          </p:childTnLst>
+        </p:cTn>
+      </p:par>
+    </p:tnLst>
+    <p:bldLst>
+      <p:bldP spid="3" grpId="0" build="p"/>
+    </p:bldLst>
+  </p:timing>
+</p:sld>
+</file>
+
+<file path=ppt/slides/slide9.xml><?xml version="1.0" encoding="utf-8"?>
+<p:sld xmlns:a="http://schemas.openxmlformats.org/drawingml/2006/main" xmlns:r="http://schemas.openxmlformats.org/officeDocument/2006/relationships" xmlns:p="http://schemas.openxmlformats.org/presentationml/2006/main">
+  <p:cSld>
+    <p:spTree>
+      <p:nvGrpSpPr>
+        <p:cNvPr id="1" name=""/>
+        <p:cNvGrpSpPr/>
+        <p:nvPr/>
+      </p:nvGrpSpPr>
+      <p:grpSpPr>
+        <a:xfrm>
+          <a:off x="0" y="0"/>
+          <a:ext cx="0" cy="0"/>
+          <a:chOff x="0" y="0"/>
+          <a:chExt cx="0" cy="0"/>
+        </a:xfrm>
+      </p:grpSpPr>
+      <p:sp>
+        <p:nvSpPr>
+          <p:cNvPr id="2" name="Titel 1"/>
+          <p:cNvSpPr>
+            <a:spLocks noGrp="1"/>
+          </p:cNvSpPr>
+          <p:nvPr>
+            <p:ph type="title"/>
+          </p:nvPr>
+        </p:nvSpPr>
+        <p:spPr/>
+        <p:txBody>
+          <a:bodyPr/>
+          <a:lstStyle/>
+          <a:p>
+            <a:r>
+              <a:rPr lang="de-DE" b="1" dirty="0" smtClean="0">
+                <a:solidFill>
+                  <a:schemeClr val="bg1"/>
+                </a:solidFill>
+                <a:latin typeface="TeXGyreAdventor" pitchFamily="50" charset="0"/>
+              </a:rPr>
+              <a:t>Änderungen Art</a:t>
+            </a:r>
+            <a:endParaRPr lang="de-DE" b="1" dirty="0">
+              <a:solidFill>
+                <a:schemeClr val="bg1"/>
+              </a:solidFill>
+              <a:latin typeface="TeXGyreAdventor" pitchFamily="50" charset="0"/>
+            </a:endParaRPr>
+          </a:p>
+        </p:txBody>
+      </p:sp>
+      <p:sp>
+        <p:nvSpPr>
+          <p:cNvPr id="3" name="Inhaltsplatzhalter 2"/>
+          <p:cNvSpPr>
+            <a:spLocks noGrp="1"/>
+          </p:cNvSpPr>
+          <p:nvPr>
+            <p:ph idx="1"/>
+          </p:nvPr>
+        </p:nvSpPr>
+        <p:spPr/>
+        <p:txBody>
+          <a:bodyPr>
+            <a:normAutofit/>
+          </a:bodyPr>
+          <a:lstStyle/>
+          <a:p>
+            <a:pPr marL="0" indent="0" algn="ctr">
+              <a:buNone/>
+            </a:pPr>
+            <a:r>
+              <a:rPr lang="de-DE" b="1" dirty="0" smtClean="0">
+                <a:solidFill>
+                  <a:schemeClr val="bg1"/>
+                </a:solidFill>
+                <a:latin typeface="TeXGyreAdventor" pitchFamily="50" charset="0"/>
+              </a:rPr>
+              <a:t>Gegner</a:t>
+            </a:r>
+            <a:endParaRPr lang="de-DE" dirty="0">
+              <a:solidFill>
+                <a:schemeClr val="bg1"/>
+              </a:solidFill>
+              <a:latin typeface="TeXGyreAdventor" pitchFamily="50" charset="0"/>
+            </a:endParaRPr>
+          </a:p>
+          <a:p>
+            <a:r>
+              <a:rPr lang="de-DE" dirty="0" smtClean="0">
+                <a:solidFill>
+                  <a:schemeClr val="bg1"/>
+                </a:solidFill>
+                <a:latin typeface="TeXGyreAdventor" pitchFamily="50" charset="0"/>
+              </a:rPr>
+              <a:t>Todesanimation</a:t>
+            </a:r>
+          </a:p>
+          <a:p>
+            <a:endParaRPr lang="de-DE" dirty="0">
+              <a:solidFill>
+                <a:schemeClr val="bg1"/>
+              </a:solidFill>
+              <a:latin typeface="TeXGyreAdventor" pitchFamily="50" charset="0"/>
+            </a:endParaRPr>
+          </a:p>
+        </p:txBody>
+      </p:sp>
+      <p:pic>
+        <p:nvPicPr>
+          <p:cNvPr id="3085" name="Picture 13" descr="C:\Users\jaromir.paarmann\Documents\HammerMan\Art\BilderPPPgate02\EnemyNormalDeathAnimationBlue.gif"/>
+          <p:cNvPicPr>
+            <a:picLocks noChangeAspect="1" noChangeArrowheads="1" noCrop="1"/>
+          </p:cNvPicPr>
+          <p:nvPr/>
+        </p:nvPicPr>
+        <p:blipFill>
+          <a:blip r:embed="rId2" cstate="print">
+            <a:extLst>
+              <a:ext uri="{28A0092B-C50C-407E-A947-70E740481C1C}">
+                <a14:useLocalDpi xmlns:a14="http://schemas.microsoft.com/office/drawing/2010/main" val="0"/>
+              </a:ext>
+            </a:extLst>
+          </a:blip>
+          <a:srcRect/>
+          <a:stretch>
+            <a:fillRect/>
+          </a:stretch>
+        </p:blipFill>
+        <p:spPr bwMode="auto">
+          <a:xfrm>
+            <a:off x="515496" y="3501008"/>
+            <a:ext cx="3840480" cy="1280160"/>
+          </a:xfrm>
+          <a:prstGeom prst="rect">
+            <a:avLst/>
+          </a:prstGeom>
+          <a:noFill/>
+          <a:extLst>
+            <a:ext uri="{909E8E84-426E-40DD-AFC4-6F175D3DCCD1}">
+              <a14:hiddenFill xmlns:a14="http://schemas.microsoft.com/office/drawing/2010/main">
+                <a:solidFill>
+                  <a:srgbClr val="FFFFFF"/>
+                </a:solidFill>
+              </a14:hiddenFill>
+            </a:ext>
+          </a:extLst>
+        </p:spPr>
+      </p:pic>
+      <p:pic>
+        <p:nvPicPr>
+          <p:cNvPr id="3086" name="Picture 14" descr="C:\Users\jaromir.paarmann\Documents\HammerMan\Art\BilderPPPgate02\EnemyRepairDeathAnimationBlue.gif"/>
+          <p:cNvPicPr>
+            <a:picLocks noChangeAspect="1" noChangeArrowheads="1" noCrop="1"/>
+          </p:cNvPicPr>
+          <p:nvPr/>
+        </p:nvPicPr>
+        <p:blipFill>
+          <a:blip r:embed="rId3" cstate="print">
+            <a:extLst>
+              <a:ext uri="{28A0092B-C50C-407E-A947-70E740481C1C}">
+                <a14:useLocalDpi xmlns:a14="http://schemas.microsoft.com/office/drawing/2010/main" val="0"/>
+              </a:ext>
+            </a:extLst>
+          </a:blip>
+          <a:srcRect/>
+          <a:stretch>
+            <a:fillRect/>
+          </a:stretch>
+        </p:blipFill>
+        <p:spPr bwMode="auto">
+          <a:xfrm>
+            <a:off x="4131482" y="3501008"/>
+            <a:ext cx="3840480" cy="1280160"/>
+          </a:xfrm>
+          <a:prstGeom prst="rect">
+            <a:avLst/>
+          </a:prstGeom>
+          <a:noFill/>
+          <a:extLst>
+            <a:ext uri="{909E8E84-426E-40DD-AFC4-6F175D3DCCD1}">
+              <a14:hiddenFill xmlns:a14="http://schemas.microsoft.com/office/drawing/2010/main">
+                <a:solidFill>
+                  <a:srgbClr val="FFFFFF"/>
+                </a:solidFill>
+              </a14:hiddenFill>
+            </a:ext>
+          </a:extLst>
+        </p:spPr>
+      </p:pic>
+      <p:pic>
+        <p:nvPicPr>
+          <p:cNvPr id="3087" name="Picture 15" descr="C:\Users\jaromir.paarmann\Documents\HammerMan\Art\BilderPPPgate02\EnemyShockwaveDeathAnimation.gif"/>
+          <p:cNvPicPr>
+            <a:picLocks noChangeAspect="1" noChangeArrowheads="1" noCrop="1"/>
+          </p:cNvPicPr>
+          <p:nvPr/>
+        </p:nvPicPr>
+        <p:blipFill>
+          <a:blip r:embed="rId4" cstate="print">
+            <a:extLst>
+              <a:ext uri="{28A0092B-C50C-407E-A947-70E740481C1C}">
+                <a14:useLocalDpi xmlns:a14="http://schemas.microsoft.com/office/drawing/2010/main" val="0"/>
+              </a:ext>
+            </a:extLst>
+          </a:blip>
+          <a:srcRect/>
+          <a:stretch>
+            <a:fillRect/>
+          </a:stretch>
+        </p:blipFill>
+        <p:spPr bwMode="auto">
+          <a:xfrm>
+            <a:off x="0" y="4941168"/>
+            <a:ext cx="5120640" cy="1280160"/>
+          </a:xfrm>
+          <a:prstGeom prst="rect">
+            <a:avLst/>
+          </a:prstGeom>
+          <a:noFill/>
+          <a:extLst>
+            <a:ext uri="{909E8E84-426E-40DD-AFC4-6F175D3DCCD1}">
+              <a14:hiddenFill xmlns:a14="http://schemas.microsoft.com/office/drawing/2010/main">
+                <a:solidFill>
+                  <a:srgbClr val="FFFFFF"/>
+                </a:solidFill>
+              </a14:hiddenFill>
+            </a:ext>
+          </a:extLst>
+        </p:spPr>
+      </p:pic>
+      <p:pic>
+        <p:nvPicPr>
+          <p:cNvPr id="3088" name="Picture 16" descr="C:\Users\jaromir.paarmann\Documents\HammerMan\Art\BilderPPPgate02\EnemySpawnTwoDeathAnimationBlue.gif"/>
+          <p:cNvPicPr>
+            <a:picLocks noChangeAspect="1" noChangeArrowheads="1" noCrop="1"/>
+          </p:cNvPicPr>
+          <p:nvPr/>
+        </p:nvPicPr>
+        <p:blipFill>
+          <a:blip r:embed="rId5" cstate="print">
+            <a:extLst>
+              <a:ext uri="{28A0092B-C50C-407E-A947-70E740481C1C}">
+                <a14:useLocalDpi xmlns:a14="http://schemas.microsoft.com/office/drawing/2010/main" val="0"/>
+              </a:ext>
+            </a:extLst>
+          </a:blip>
+          <a:srcRect/>
+          <a:stretch>
+            <a:fillRect/>
+          </a:stretch>
+        </p:blipFill>
+        <p:spPr bwMode="auto">
+          <a:xfrm>
+            <a:off x="4139952" y="4941168"/>
+            <a:ext cx="3840480" cy="1280160"/>
+          </a:xfrm>
+          <a:prstGeom prst="rect">
+            <a:avLst/>
+          </a:prstGeom>
+          <a:noFill/>
+          <a:extLst>
+            <a:ext uri="{909E8E84-426E-40DD-AFC4-6F175D3DCCD1}">
+              <a14:hiddenFill xmlns:a14="http://schemas.microsoft.com/office/drawing/2010/main">
+                <a:solidFill>
+                  <a:srgbClr val="FFFFFF"/>
+                </a:solidFill>
+              </a14:hiddenFill>
+            </a:ext>
+          </a:extLst>
+        </p:spPr>
+      </p:pic>
+    </p:spTree>
+    <p:extLst>
+      <p:ext uri="{BB962C8B-B14F-4D97-AF65-F5344CB8AC3E}">
+        <p14:creationId xmlns:p14="http://schemas.microsoft.com/office/powerpoint/2010/main" val="3831317966"/>
+      </p:ext>
+    </p:extLst>
+  </p:cSld>
+  <p:clrMapOvr>
+    <a:masterClrMapping/>
+  </p:clrMapOvr>
+  <p:timing>
+    <p:tnLst>
+      <p:par>
+        <p:cTn id="1" dur="indefinite" restart="never" nodeType="tmRoot">
+          <p:childTnLst>
+            <p:seq concurrent="1" nextAc="seek">
+              <p:cTn id="2" dur="indefinite" nodeType="mainSeq">
+                <p:childTnLst>
+                  <p:par>
+                    <p:cTn id="3" fill="hold">
+                      <p:stCondLst>
+                        <p:cond delay="indefinite"/>
+                      </p:stCondLst>
+                      <p:childTnLst>
+                        <p:par>
+                          <p:cTn id="4" fill="hold">
+                            <p:stCondLst>
+                              <p:cond delay="0"/>
+                            </p:stCondLst>
+                            <p:childTnLst>
+                              <p:par>
+                                <p:cTn id="5" presetID="10" presetClass="entr" presetSubtype="0" fill="hold" grpId="0" nodeType="clickEffect">
+                                  <p:stCondLst>
+                                    <p:cond delay="0"/>
+                                  </p:stCondLst>
+                                  <p:childTnLst>
+                                    <p:set>
+                                      <p:cBhvr>
+                                        <p:cTn id="6" dur="1" fill="hold">
+                                          <p:stCondLst>
+                                            <p:cond delay="0"/>
+                                          </p:stCondLst>
+                                        </p:cTn>
+                                        <p:tgtEl>
                                           <p:spTgt spid="3">
                                             <p:txEl>
-                                              <p:pRg st="6" end="6"/>
+                                              <p:pRg st="0" end="0"/>
                                             </p:txEl>
                                           </p:spTgt>
                                         </p:tgtEl>
@@ -7722,13 +9822,286 @@
                                     </p:set>
                                     <p:animEffect transition="in" filter="fade">
                                       <p:cBhvr>
-                                        <p:cTn id="22" dur="500"/>
+                                        <p:cTn id="7" dur="500"/>
                                         <p:tgtEl>
                                           <p:spTgt spid="3">
                                             <p:txEl>
-                                              <p:pRg st="6" end="6"/>
+                                              <p:pRg st="0" end="0"/>
                                             </p:txEl>
                                           </p:spTgt>
+                                        </p:tgtEl>
+                                      </p:cBhvr>
+                                    </p:animEffect>
+                                  </p:childTnLst>
+                                </p:cTn>
+                              </p:par>
+                            </p:childTnLst>
+                          </p:cTn>
+                        </p:par>
+                      </p:childTnLst>
+                    </p:cTn>
+                  </p:par>
+                  <p:par>
+                    <p:cTn id="8" fill="hold">
+                      <p:stCondLst>
+                        <p:cond delay="indefinite"/>
+                      </p:stCondLst>
+                      <p:childTnLst>
+                        <p:par>
+                          <p:cTn id="9" fill="hold">
+                            <p:stCondLst>
+                              <p:cond delay="0"/>
+                            </p:stCondLst>
+                            <p:childTnLst>
+                              <p:par>
+                                <p:cTn id="10" presetID="10" presetClass="entr" presetSubtype="0" fill="hold" grpId="0" nodeType="clickEffect">
+                                  <p:stCondLst>
+                                    <p:cond delay="0"/>
+                                  </p:stCondLst>
+                                  <p:childTnLst>
+                                    <p:set>
+                                      <p:cBhvr>
+                                        <p:cTn id="11" dur="1" fill="hold">
+                                          <p:stCondLst>
+                                            <p:cond delay="0"/>
+                                          </p:stCondLst>
+                                        </p:cTn>
+                                        <p:tgtEl>
+                                          <p:spTgt spid="3">
+                                            <p:txEl>
+                                              <p:pRg st="1" end="1"/>
+                                            </p:txEl>
+                                          </p:spTgt>
+                                        </p:tgtEl>
+                                        <p:attrNameLst>
+                                          <p:attrName>style.visibility</p:attrName>
+                                        </p:attrNameLst>
+                                      </p:cBhvr>
+                                      <p:to>
+                                        <p:strVal val="visible"/>
+                                      </p:to>
+                                    </p:set>
+                                    <p:animEffect transition="in" filter="fade">
+                                      <p:cBhvr>
+                                        <p:cTn id="12" dur="500"/>
+                                        <p:tgtEl>
+                                          <p:spTgt spid="3">
+                                            <p:txEl>
+                                              <p:pRg st="1" end="1"/>
+                                            </p:txEl>
+                                          </p:spTgt>
+                                        </p:tgtEl>
+                                      </p:cBhvr>
+                                    </p:animEffect>
+                                  </p:childTnLst>
+                                </p:cTn>
+                              </p:par>
+                            </p:childTnLst>
+                          </p:cTn>
+                        </p:par>
+                      </p:childTnLst>
+                    </p:cTn>
+                  </p:par>
+                  <p:par>
+                    <p:cTn id="13" fill="hold">
+                      <p:stCondLst>
+                        <p:cond delay="indefinite"/>
+                      </p:stCondLst>
+                      <p:childTnLst>
+                        <p:par>
+                          <p:cTn id="14" fill="hold">
+                            <p:stCondLst>
+                              <p:cond delay="0"/>
+                            </p:stCondLst>
+                            <p:childTnLst>
+                              <p:par>
+                                <p:cTn id="15" presetID="10" presetClass="entr" presetSubtype="0" fill="hold" nodeType="clickEffect">
+                                  <p:stCondLst>
+                                    <p:cond delay="0"/>
+                                  </p:stCondLst>
+                                  <p:childTnLst>
+                                    <p:set>
+                                      <p:cBhvr>
+                                        <p:cTn id="16" dur="1" fill="hold">
+                                          <p:stCondLst>
+                                            <p:cond delay="0"/>
+                                          </p:stCondLst>
+                                        </p:cTn>
+                                        <p:tgtEl>
+                                          <p:spTgt spid="3085"/>
+                                        </p:tgtEl>
+                                        <p:attrNameLst>
+                                          <p:attrName>style.visibility</p:attrName>
+                                        </p:attrNameLst>
+                                      </p:cBhvr>
+                                      <p:to>
+                                        <p:strVal val="visible"/>
+                                      </p:to>
+                                    </p:set>
+                                    <p:animEffect transition="in" filter="fade">
+                                      <p:cBhvr>
+                                        <p:cTn id="17" dur="500"/>
+                                        <p:tgtEl>
+                                          <p:spTgt spid="3085"/>
+                                        </p:tgtEl>
+                                      </p:cBhvr>
+                                    </p:animEffect>
+                                  </p:childTnLst>
+                                </p:cTn>
+                              </p:par>
+                            </p:childTnLst>
+                          </p:cTn>
+                        </p:par>
+                      </p:childTnLst>
+                    </p:cTn>
+                  </p:par>
+                  <p:par>
+                    <p:cTn id="18" fill="hold">
+                      <p:stCondLst>
+                        <p:cond delay="indefinite"/>
+                      </p:stCondLst>
+                      <p:childTnLst>
+                        <p:par>
+                          <p:cTn id="19" fill="hold">
+                            <p:stCondLst>
+                              <p:cond delay="0"/>
+                            </p:stCondLst>
+                            <p:childTnLst>
+                              <p:par>
+                                <p:cTn id="20" presetID="10" presetClass="entr" presetSubtype="0" fill="hold" nodeType="clickEffect">
+                                  <p:stCondLst>
+                                    <p:cond delay="0"/>
+                                  </p:stCondLst>
+                                  <p:childTnLst>
+                                    <p:set>
+                                      <p:cBhvr>
+                                        <p:cTn id="21" dur="1" fill="hold">
+                                          <p:stCondLst>
+                                            <p:cond delay="0"/>
+                                          </p:stCondLst>
+                                        </p:cTn>
+                                        <p:tgtEl>
+                                          <p:spTgt spid="3086"/>
+                                        </p:tgtEl>
+                                        <p:attrNameLst>
+                                          <p:attrName>style.visibility</p:attrName>
+                                        </p:attrNameLst>
+                                      </p:cBhvr>
+                                      <p:to>
+                                        <p:strVal val="visible"/>
+                                      </p:to>
+                                    </p:set>
+                                    <p:animEffect transition="in" filter="fade">
+                                      <p:cBhvr>
+                                        <p:cTn id="22" dur="500"/>
+                                        <p:tgtEl>
+                                          <p:spTgt spid="3086"/>
+                                        </p:tgtEl>
+                                      </p:cBhvr>
+                                    </p:animEffect>
+                                  </p:childTnLst>
+                                </p:cTn>
+                              </p:par>
+                            </p:childTnLst>
+                          </p:cTn>
+                        </p:par>
+                      </p:childTnLst>
+                    </p:cTn>
+                  </p:par>
+                  <p:par>
+                    <p:cTn id="23" fill="hold">
+                      <p:stCondLst>
+                        <p:cond delay="indefinite"/>
+                      </p:stCondLst>
+                      <p:childTnLst>
+                        <p:par>
+                          <p:cTn id="24" fill="hold">
+                            <p:stCondLst>
+                              <p:cond delay="0"/>
+                            </p:stCondLst>
+                            <p:childTnLst>
+                              <p:par>
+                                <p:cTn id="25" presetID="10" presetClass="entr" presetSubtype="0" fill="hold" nodeType="clickEffect">
+                                  <p:stCondLst>
+                                    <p:cond delay="0"/>
+                                  </p:stCondLst>
+                                  <p:childTnLst>
+                                    <p:set>
+                                      <p:cBhvr>
+                                        <p:cTn id="26" dur="1" fill="hold">
+                                          <p:stCondLst>
+                                            <p:cond delay="0"/>
+                                          </p:stCondLst>
+                                        </p:cTn>
+                                        <p:tgtEl>
+                                          <p:spTgt spid="3087"/>
+                                        </p:tgtEl>
+                                        <p:attrNameLst>
+                                          <p:attrName>style.visibility</p:attrName>
+                                        </p:attrNameLst>
+                                      </p:cBhvr>
+                                      <p:to>
+                                        <p:strVal val="visible"/>
+                                      </p:to>
+                                    </p:set>
+                                    <p:animEffect transition="in" filter="fade">
+                                      <p:cBhvr>
+                                        <p:cTn id="27" dur="500"/>
+                                        <p:tgtEl>
+                                          <p:spTgt spid="3087"/>
+                                        </p:tgtEl>
+                                      </p:cBhvr>
+                                    </p:animEffect>
+                                  </p:childTnLst>
+                                </p:cTn>
+                              </p:par>
+                            </p:childTnLst>
+                          </p:cTn>
+                        </p:par>
+                      </p:childTnLst>
+                    </p:cTn>
+                  </p:par>
+                  <p:par>
+                    <p:cTn id="28" fill="hold">
+                      <p:stCondLst>
+                        <p:cond delay="indefinite"/>
+                      </p:stCondLst>
+                      <p:childTnLst>
+                        <p:par>
+                          <p:cTn id="29" fill="hold">
+                            <p:stCondLst>
+                              <p:cond delay="0"/>
+                            </p:stCondLst>
+                            <p:childTnLst>
+                              <p:par>
+                                <p:cTn id="30" presetID="10" presetClass="entr" presetSubtype="0" fill="hold" nodeType="clickEffect">
+                                  <p:stCondLst>
+                                    <p:cond delay="0"/>
+                                  </p:stCondLst>
+                                  <p:childTnLst>
+                                    <p:set>
+                                      <p:cBhvr>
+                                        <p:cTn id="31" dur="1" fill="hold">
+                                          <p:stCondLst>
+                                            <p:cond delay="0"/>
+                                          </p:stCondLst>
+                                        </p:cTn>
+                                        <p:tgtEl>
+                                          <p:spTgt spid="3088"/>
+                                        </p:tgtEl>
+                                        <p:attrNameLst>
+                                          <p:attrName>style.visibility</p:attrName>
+                                        </p:attrNameLst>
+                                      </p:cBhvr>
+                                      <p:to>
+                                        <p:strVal val="visible"/>
+                                      </p:to>
+                                    </p:set>
+                                    <p:animEffect transition="in" filter="fade">
+                                      <p:cBhvr>
+                                        <p:cTn id="32" dur="500"/>
+                                        <p:tgtEl>
+                                          <p:spTgt spid="3088"/>
                                         </p:tgtEl>
                                       </p:cBhvr>
                                     </p:animEffect>

--- a/Documentation/PowerPoint/HammerjaegerGate02.pptx
+++ b/Documentation/PowerPoint/HammerjaegerGate02.pptx
@@ -9,19 +9,21 @@
     <p:sldId id="262" r:id="rId3"/>
     <p:sldId id="264" r:id="rId4"/>
     <p:sldId id="259" r:id="rId5"/>
-    <p:sldId id="260" r:id="rId6"/>
-    <p:sldId id="272" r:id="rId7"/>
-    <p:sldId id="273" r:id="rId8"/>
-    <p:sldId id="268" r:id="rId9"/>
-    <p:sldId id="277" r:id="rId10"/>
-    <p:sldId id="269" r:id="rId11"/>
-    <p:sldId id="271" r:id="rId12"/>
-    <p:sldId id="270" r:id="rId13"/>
-    <p:sldId id="263" r:id="rId14"/>
-    <p:sldId id="275" r:id="rId15"/>
-    <p:sldId id="276" r:id="rId16"/>
-    <p:sldId id="274" r:id="rId17"/>
-    <p:sldId id="257" r:id="rId18"/>
+    <p:sldId id="279" r:id="rId6"/>
+    <p:sldId id="260" r:id="rId7"/>
+    <p:sldId id="272" r:id="rId8"/>
+    <p:sldId id="273" r:id="rId9"/>
+    <p:sldId id="268" r:id="rId10"/>
+    <p:sldId id="277" r:id="rId11"/>
+    <p:sldId id="269" r:id="rId12"/>
+    <p:sldId id="271" r:id="rId13"/>
+    <p:sldId id="270" r:id="rId14"/>
+    <p:sldId id="278" r:id="rId15"/>
+    <p:sldId id="263" r:id="rId16"/>
+    <p:sldId id="275" r:id="rId17"/>
+    <p:sldId id="276" r:id="rId18"/>
+    <p:sldId id="274" r:id="rId19"/>
+    <p:sldId id="257" r:id="rId20"/>
   </p:sldIdLst>
   <p:sldSz cx="9144000" cy="6858000" type="screen4x3"/>
   <p:notesSz cx="6858000" cy="9144000"/>
@@ -3133,7 +3135,7 @@
         </p:nvSpPr>
         <p:spPr>
           <a:xfrm>
-            <a:off x="251520" y="1772816"/>
+            <a:off x="251520" y="908720"/>
             <a:ext cx="8640960" cy="1470025"/>
           </a:xfrm>
         </p:spPr>
@@ -3229,7 +3231,7 @@
         </p:nvSpPr>
         <p:spPr>
           <a:xfrm>
-            <a:off x="1403648" y="3717032"/>
+            <a:off x="1057558" y="2420888"/>
             <a:ext cx="6400800" cy="1752600"/>
           </a:xfrm>
         </p:spPr>
@@ -3238,14 +3240,24 @@
           <a:lstStyle/>
           <a:p>
             <a:r>
-              <a:rPr lang="de-DE" dirty="0" smtClean="0">
+              <a:rPr lang="de-DE" b="1" dirty="0" smtClean="0">
                 <a:solidFill>
                   <a:schemeClr val="bg1"/>
                 </a:solidFill>
                 <a:latin typeface="TeXGyreAdventor" pitchFamily="50" charset="0"/>
                 <a:cs typeface="Times New Roman" panose="02020603050405020304" pitchFamily="18" charset="0"/>
               </a:rPr>
-              <a:t>Hammer ON!</a:t>
+              <a:t>Hammer </a:t>
+            </a:r>
+            <a:r>
+              <a:rPr lang="de-DE" b="1" dirty="0" smtClean="0">
+                <a:solidFill>
+                  <a:schemeClr val="bg1"/>
+                </a:solidFill>
+                <a:latin typeface="TeXGyreAdventor" pitchFamily="50" charset="0"/>
+                <a:cs typeface="Times New Roman" panose="02020603050405020304" pitchFamily="18" charset="0"/>
+              </a:rPr>
+              <a:t>ON!</a:t>
             </a:r>
           </a:p>
           <a:p>
@@ -3257,27 +3269,49 @@
               <a:cs typeface="Times New Roman" panose="02020603050405020304" pitchFamily="18" charset="0"/>
             </a:endParaRPr>
           </a:p>
-          <a:p>
-            <a:r>
-              <a:rPr lang="de-DE" i="1" dirty="0" smtClean="0">
-                <a:solidFill>
-                  <a:schemeClr val="bg1"/>
-                </a:solidFill>
-                <a:latin typeface="TeXGyreAdventor" pitchFamily="50" charset="0"/>
-                <a:cs typeface="Times New Roman" panose="02020603050405020304" pitchFamily="18" charset="0"/>
-              </a:rPr>
-              <a:t>„Hammer Bild“</a:t>
-            </a:r>
-            <a:endParaRPr lang="de-DE" i="1" dirty="0">
-              <a:solidFill>
-                <a:schemeClr val="bg1"/>
-              </a:solidFill>
-              <a:latin typeface="TeXGyreAdventor" pitchFamily="50" charset="0"/>
-              <a:cs typeface="Times New Roman" panose="02020603050405020304" pitchFamily="18" charset="0"/>
-            </a:endParaRPr>
-          </a:p>
         </p:txBody>
       </p:sp>
+      <p:pic>
+        <p:nvPicPr>
+          <p:cNvPr id="6147" name="Picture 3" descr="C:\Users\jaromir.paarmann\Documents\HammerMan\Art\HighResolutionSpritePictures\LogoHighResHammerjeager.png"/>
+          <p:cNvPicPr>
+            <a:picLocks noChangeAspect="1" noChangeArrowheads="1"/>
+          </p:cNvPicPr>
+          <p:nvPr/>
+        </p:nvPicPr>
+        <p:blipFill>
+          <a:blip r:embed="rId2">
+            <a:extLst>
+              <a:ext uri="{28A0092B-C50C-407E-A947-70E740481C1C}">
+                <a14:useLocalDpi xmlns:a14="http://schemas.microsoft.com/office/drawing/2010/main" val="0"/>
+              </a:ext>
+            </a:extLst>
+          </a:blip>
+          <a:srcRect/>
+          <a:stretch>
+            <a:fillRect/>
+          </a:stretch>
+        </p:blipFill>
+        <p:spPr bwMode="auto">
+          <a:xfrm>
+            <a:off x="1835696" y="3284984"/>
+            <a:ext cx="5255241" cy="3390478"/>
+          </a:xfrm>
+          <a:prstGeom prst="rect">
+            <a:avLst/>
+          </a:prstGeom>
+          <a:noFill/>
+          <a:extLst>
+            <a:ext uri="{909E8E84-426E-40DD-AFC4-6F175D3DCCD1}">
+              <a14:hiddenFill xmlns:a14="http://schemas.microsoft.com/office/drawing/2010/main">
+                <a:solidFill>
+                  <a:srgbClr val="FFFFFF"/>
+                </a:solidFill>
+              </a14:hiddenFill>
+            </a:ext>
+          </a:extLst>
+        </p:spPr>
+      </p:pic>
     </p:spTree>
     <p:extLst>
       <p:ext uri="{BB962C8B-B14F-4D97-AF65-F5344CB8AC3E}">
@@ -3291,9 +3325,131 @@
   <p:timing>
     <p:tnLst>
       <p:par>
-        <p:cTn id="1" dur="indefinite" restart="never" nodeType="tmRoot"/>
+        <p:cTn id="1" dur="indefinite" restart="never" nodeType="tmRoot">
+          <p:childTnLst>
+            <p:seq concurrent="1" nextAc="seek">
+              <p:cTn id="2" dur="indefinite" nodeType="mainSeq">
+                <p:childTnLst>
+                  <p:par>
+                    <p:cTn id="3" fill="hold">
+                      <p:stCondLst>
+                        <p:cond delay="indefinite"/>
+                      </p:stCondLst>
+                      <p:childTnLst>
+                        <p:par>
+                          <p:cTn id="4" fill="hold">
+                            <p:stCondLst>
+                              <p:cond delay="0"/>
+                            </p:stCondLst>
+                            <p:childTnLst>
+                              <p:par>
+                                <p:cTn id="5" presetID="10" presetClass="entr" presetSubtype="0" fill="hold" grpId="0" nodeType="clickEffect">
+                                  <p:stCondLst>
+                                    <p:cond delay="0"/>
+                                  </p:stCondLst>
+                                  <p:childTnLst>
+                                    <p:set>
+                                      <p:cBhvr>
+                                        <p:cTn id="6" dur="1" fill="hold">
+                                          <p:stCondLst>
+                                            <p:cond delay="0"/>
+                                          </p:stCondLst>
+                                        </p:cTn>
+                                        <p:tgtEl>
+                                          <p:spTgt spid="3">
+                                            <p:txEl>
+                                              <p:pRg st="0" end="0"/>
+                                            </p:txEl>
+                                          </p:spTgt>
+                                        </p:tgtEl>
+                                        <p:attrNameLst>
+                                          <p:attrName>style.visibility</p:attrName>
+                                        </p:attrNameLst>
+                                      </p:cBhvr>
+                                      <p:to>
+                                        <p:strVal val="visible"/>
+                                      </p:to>
+                                    </p:set>
+                                    <p:animEffect transition="in" filter="fade">
+                                      <p:cBhvr>
+                                        <p:cTn id="7" dur="500"/>
+                                        <p:tgtEl>
+                                          <p:spTgt spid="3">
+                                            <p:txEl>
+                                              <p:pRg st="0" end="0"/>
+                                            </p:txEl>
+                                          </p:spTgt>
+                                        </p:tgtEl>
+                                      </p:cBhvr>
+                                    </p:animEffect>
+                                  </p:childTnLst>
+                                </p:cTn>
+                              </p:par>
+                              <p:par>
+                                <p:cTn id="8" presetID="10" presetClass="entr" presetSubtype="0" fill="hold" nodeType="withEffect">
+                                  <p:stCondLst>
+                                    <p:cond delay="0"/>
+                                  </p:stCondLst>
+                                  <p:childTnLst>
+                                    <p:set>
+                                      <p:cBhvr>
+                                        <p:cTn id="9" dur="1" fill="hold">
+                                          <p:stCondLst>
+                                            <p:cond delay="0"/>
+                                          </p:stCondLst>
+                                        </p:cTn>
+                                        <p:tgtEl>
+                                          <p:spTgt spid="6147"/>
+                                        </p:tgtEl>
+                                        <p:attrNameLst>
+                                          <p:attrName>style.visibility</p:attrName>
+                                        </p:attrNameLst>
+                                      </p:cBhvr>
+                                      <p:to>
+                                        <p:strVal val="visible"/>
+                                      </p:to>
+                                    </p:set>
+                                    <p:animEffect transition="in" filter="fade">
+                                      <p:cBhvr>
+                                        <p:cTn id="10" dur="500"/>
+                                        <p:tgtEl>
+                                          <p:spTgt spid="6147"/>
+                                        </p:tgtEl>
+                                      </p:cBhvr>
+                                    </p:animEffect>
+                                  </p:childTnLst>
+                                </p:cTn>
+                              </p:par>
+                            </p:childTnLst>
+                          </p:cTn>
+                        </p:par>
+                      </p:childTnLst>
+                    </p:cTn>
+                  </p:par>
+                </p:childTnLst>
+              </p:cTn>
+              <p:prevCondLst>
+                <p:cond evt="onPrev" delay="0">
+                  <p:tgtEl>
+                    <p:sldTgt/>
+                  </p:tgtEl>
+                </p:cond>
+              </p:prevCondLst>
+              <p:nextCondLst>
+                <p:cond evt="onNext" delay="0">
+                  <p:tgtEl>
+                    <p:sldTgt/>
+                  </p:tgtEl>
+                </p:cond>
+              </p:nextCondLst>
+            </p:seq>
+          </p:childTnLst>
+        </p:cTn>
       </p:par>
     </p:tnLst>
+    <p:bldLst>
+      <p:bldP spid="3" grpId="0" build="p"/>
+    </p:bldLst>
   </p:timing>
 </p:sld>
 </file>
@@ -3375,85 +3531,8 @@
                 </a:solidFill>
                 <a:latin typeface="TeXGyreAdventor" pitchFamily="50" charset="0"/>
               </a:rPr>
-              <a:t>Level</a:t>
-            </a:r>
-          </a:p>
-          <a:p>
-            <a:endParaRPr lang="de-DE" b="1" dirty="0">
-              <a:solidFill>
-                <a:schemeClr val="bg1"/>
-              </a:solidFill>
-              <a:latin typeface="TeXGyreAdventor" pitchFamily="50" charset="0"/>
-            </a:endParaRPr>
-          </a:p>
-          <a:p>
-            <a:r>
-              <a:rPr lang="de-DE" dirty="0" smtClean="0">
-                <a:solidFill>
-                  <a:schemeClr val="bg1"/>
-                </a:solidFill>
-                <a:latin typeface="TeXGyreAdventor" pitchFamily="50" charset="0"/>
-              </a:rPr>
-              <a:t>Boden </a:t>
-            </a:r>
-            <a:r>
-              <a:rPr lang="de-DE" dirty="0" err="1" smtClean="0">
-                <a:solidFill>
-                  <a:schemeClr val="bg1"/>
-                </a:solidFill>
-                <a:latin typeface="TeXGyreAdventor" pitchFamily="50" charset="0"/>
-              </a:rPr>
-              <a:t>Tiles</a:t>
-            </a:r>
-            <a:endParaRPr lang="de-DE" dirty="0" smtClean="0">
-              <a:solidFill>
-                <a:schemeClr val="bg1"/>
-              </a:solidFill>
-              <a:latin typeface="TeXGyreAdventor" pitchFamily="50" charset="0"/>
-            </a:endParaRPr>
-          </a:p>
-          <a:p>
-            <a:pPr marL="0" indent="0">
-              <a:buNone/>
-            </a:pPr>
-            <a:endParaRPr lang="de-DE" dirty="0" smtClean="0">
-              <a:solidFill>
-                <a:schemeClr val="bg1"/>
-              </a:solidFill>
-              <a:latin typeface="TeXGyreAdventor" pitchFamily="50" charset="0"/>
-            </a:endParaRPr>
-          </a:p>
-          <a:p>
-            <a:r>
-              <a:rPr lang="de-DE" dirty="0" smtClean="0">
-                <a:solidFill>
-                  <a:schemeClr val="bg1"/>
-                </a:solidFill>
-                <a:latin typeface="TeXGyreAdventor" pitchFamily="50" charset="0"/>
-              </a:rPr>
-              <a:t>Leitern</a:t>
-            </a:r>
-          </a:p>
-          <a:p>
-            <a:endParaRPr lang="de-DE" dirty="0" smtClean="0">
-              <a:solidFill>
-                <a:schemeClr val="bg1"/>
-              </a:solidFill>
-              <a:latin typeface="TeXGyreAdventor" pitchFamily="50" charset="0"/>
-            </a:endParaRPr>
-          </a:p>
-          <a:p>
-            <a:r>
-              <a:rPr lang="de-DE" dirty="0" smtClean="0">
-                <a:solidFill>
-                  <a:schemeClr val="bg1"/>
-                </a:solidFill>
-                <a:latin typeface="TeXGyreAdventor" pitchFamily="50" charset="0"/>
-              </a:rPr>
-              <a:t>Hintergrundtapete</a:t>
-            </a:r>
-          </a:p>
-          <a:p>
+              <a:t>Gegner</a:t>
+            </a:r>
             <a:endParaRPr lang="de-DE" dirty="0">
               <a:solidFill>
                 <a:schemeClr val="bg1"/>
@@ -3461,12 +3540,195 @@
               <a:latin typeface="TeXGyreAdventor" pitchFamily="50" charset="0"/>
             </a:endParaRPr>
           </a:p>
+          <a:p>
+            <a:r>
+              <a:rPr lang="de-DE" dirty="0" smtClean="0">
+                <a:solidFill>
+                  <a:schemeClr val="bg1"/>
+                </a:solidFill>
+                <a:latin typeface="TeXGyreAdventor" pitchFamily="50" charset="0"/>
+              </a:rPr>
+              <a:t>Todesanimation</a:t>
+            </a:r>
+          </a:p>
+          <a:p>
+            <a:endParaRPr lang="de-DE" dirty="0">
+              <a:solidFill>
+                <a:schemeClr val="bg1"/>
+              </a:solidFill>
+              <a:latin typeface="TeXGyreAdventor" pitchFamily="50" charset="0"/>
+            </a:endParaRPr>
+          </a:p>
         </p:txBody>
       </p:sp>
+      <p:pic>
+        <p:nvPicPr>
+          <p:cNvPr id="3085" name="Picture 13" descr="C:\Users\jaromir.paarmann\Documents\HammerMan\Art\BilderPPPgate02\EnemyNormalDeathAnimationBlue.gif"/>
+          <p:cNvPicPr>
+            <a:picLocks noChangeAspect="1" noChangeArrowheads="1" noCrop="1"/>
+          </p:cNvPicPr>
+          <p:nvPr/>
+        </p:nvPicPr>
+        <p:blipFill>
+          <a:blip r:embed="rId2" cstate="print">
+            <a:extLst>
+              <a:ext uri="{28A0092B-C50C-407E-A947-70E740481C1C}">
+                <a14:useLocalDpi xmlns:a14="http://schemas.microsoft.com/office/drawing/2010/main" val="0"/>
+              </a:ext>
+            </a:extLst>
+          </a:blip>
+          <a:srcRect/>
+          <a:stretch>
+            <a:fillRect/>
+          </a:stretch>
+        </p:blipFill>
+        <p:spPr bwMode="auto">
+          <a:xfrm>
+            <a:off x="515496" y="3501008"/>
+            <a:ext cx="3840480" cy="1280160"/>
+          </a:xfrm>
+          <a:prstGeom prst="rect">
+            <a:avLst/>
+          </a:prstGeom>
+          <a:noFill/>
+          <a:extLst>
+            <a:ext uri="{909E8E84-426E-40DD-AFC4-6F175D3DCCD1}">
+              <a14:hiddenFill xmlns:a14="http://schemas.microsoft.com/office/drawing/2010/main">
+                <a:solidFill>
+                  <a:srgbClr val="FFFFFF"/>
+                </a:solidFill>
+              </a14:hiddenFill>
+            </a:ext>
+          </a:extLst>
+        </p:spPr>
+      </p:pic>
+      <p:pic>
+        <p:nvPicPr>
+          <p:cNvPr id="3086" name="Picture 14" descr="C:\Users\jaromir.paarmann\Documents\HammerMan\Art\BilderPPPgate02\EnemyRepairDeathAnimationBlue.gif"/>
+          <p:cNvPicPr>
+            <a:picLocks noChangeAspect="1" noChangeArrowheads="1" noCrop="1"/>
+          </p:cNvPicPr>
+          <p:nvPr/>
+        </p:nvPicPr>
+        <p:blipFill>
+          <a:blip r:embed="rId3" cstate="print">
+            <a:extLst>
+              <a:ext uri="{28A0092B-C50C-407E-A947-70E740481C1C}">
+                <a14:useLocalDpi xmlns:a14="http://schemas.microsoft.com/office/drawing/2010/main" val="0"/>
+              </a:ext>
+            </a:extLst>
+          </a:blip>
+          <a:srcRect/>
+          <a:stretch>
+            <a:fillRect/>
+          </a:stretch>
+        </p:blipFill>
+        <p:spPr bwMode="auto">
+          <a:xfrm>
+            <a:off x="4131482" y="3501008"/>
+            <a:ext cx="3840480" cy="1280160"/>
+          </a:xfrm>
+          <a:prstGeom prst="rect">
+            <a:avLst/>
+          </a:prstGeom>
+          <a:noFill/>
+          <a:extLst>
+            <a:ext uri="{909E8E84-426E-40DD-AFC4-6F175D3DCCD1}">
+              <a14:hiddenFill xmlns:a14="http://schemas.microsoft.com/office/drawing/2010/main">
+                <a:solidFill>
+                  <a:srgbClr val="FFFFFF"/>
+                </a:solidFill>
+              </a14:hiddenFill>
+            </a:ext>
+          </a:extLst>
+        </p:spPr>
+      </p:pic>
+      <p:pic>
+        <p:nvPicPr>
+          <p:cNvPr id="3087" name="Picture 15" descr="C:\Users\jaromir.paarmann\Documents\HammerMan\Art\BilderPPPgate02\EnemyShockwaveDeathAnimation.gif"/>
+          <p:cNvPicPr>
+            <a:picLocks noChangeAspect="1" noChangeArrowheads="1" noCrop="1"/>
+          </p:cNvPicPr>
+          <p:nvPr/>
+        </p:nvPicPr>
+        <p:blipFill>
+          <a:blip r:embed="rId4" cstate="print">
+            <a:extLst>
+              <a:ext uri="{28A0092B-C50C-407E-A947-70E740481C1C}">
+                <a14:useLocalDpi xmlns:a14="http://schemas.microsoft.com/office/drawing/2010/main" val="0"/>
+              </a:ext>
+            </a:extLst>
+          </a:blip>
+          <a:srcRect/>
+          <a:stretch>
+            <a:fillRect/>
+          </a:stretch>
+        </p:blipFill>
+        <p:spPr bwMode="auto">
+          <a:xfrm>
+            <a:off x="0" y="4941168"/>
+            <a:ext cx="5120640" cy="1280160"/>
+          </a:xfrm>
+          <a:prstGeom prst="rect">
+            <a:avLst/>
+          </a:prstGeom>
+          <a:noFill/>
+          <a:extLst>
+            <a:ext uri="{909E8E84-426E-40DD-AFC4-6F175D3DCCD1}">
+              <a14:hiddenFill xmlns:a14="http://schemas.microsoft.com/office/drawing/2010/main">
+                <a:solidFill>
+                  <a:srgbClr val="FFFFFF"/>
+                </a:solidFill>
+              </a14:hiddenFill>
+            </a:ext>
+          </a:extLst>
+        </p:spPr>
+      </p:pic>
+      <p:pic>
+        <p:nvPicPr>
+          <p:cNvPr id="3088" name="Picture 16" descr="C:\Users\jaromir.paarmann\Documents\HammerMan\Art\BilderPPPgate02\EnemySpawnTwoDeathAnimationBlue.gif"/>
+          <p:cNvPicPr>
+            <a:picLocks noChangeAspect="1" noChangeArrowheads="1" noCrop="1"/>
+          </p:cNvPicPr>
+          <p:nvPr/>
+        </p:nvPicPr>
+        <p:blipFill>
+          <a:blip r:embed="rId5" cstate="print">
+            <a:extLst>
+              <a:ext uri="{28A0092B-C50C-407E-A947-70E740481C1C}">
+                <a14:useLocalDpi xmlns:a14="http://schemas.microsoft.com/office/drawing/2010/main" val="0"/>
+              </a:ext>
+            </a:extLst>
+          </a:blip>
+          <a:srcRect/>
+          <a:stretch>
+            <a:fillRect/>
+          </a:stretch>
+        </p:blipFill>
+        <p:spPr bwMode="auto">
+          <a:xfrm>
+            <a:off x="4139952" y="4941168"/>
+            <a:ext cx="3840480" cy="1280160"/>
+          </a:xfrm>
+          <a:prstGeom prst="rect">
+            <a:avLst/>
+          </a:prstGeom>
+          <a:noFill/>
+          <a:extLst>
+            <a:ext uri="{909E8E84-426E-40DD-AFC4-6F175D3DCCD1}">
+              <a14:hiddenFill xmlns:a14="http://schemas.microsoft.com/office/drawing/2010/main">
+                <a:solidFill>
+                  <a:srgbClr val="FFFFFF"/>
+                </a:solidFill>
+              </a14:hiddenFill>
+            </a:ext>
+          </a:extLst>
+        </p:spPr>
+      </p:pic>
     </p:spTree>
     <p:extLst>
       <p:ext uri="{BB962C8B-B14F-4D97-AF65-F5344CB8AC3E}">
-        <p14:creationId xmlns:p14="http://schemas.microsoft.com/office/powerpoint/2010/main" val="813721148"/>
+        <p14:creationId xmlns:p14="http://schemas.microsoft.com/office/powerpoint/2010/main" val="3831317966"/>
       </p:ext>
     </p:extLst>
   </p:cSld>
@@ -3570,7 +3832,7 @@
                                         <p:tgtEl>
                                           <p:spTgt spid="3">
                                             <p:txEl>
-                                              <p:pRg st="2" end="2"/>
+                                              <p:pRg st="1" end="1"/>
                                             </p:txEl>
                                           </p:spTgt>
                                         </p:tgtEl>
@@ -3588,7 +3850,7 @@
                                         <p:tgtEl>
                                           <p:spTgt spid="3">
                                             <p:txEl>
-                                              <p:pRg st="2" end="2"/>
+                                              <p:pRg st="1" end="1"/>
                                             </p:txEl>
                                           </p:spTgt>
                                         </p:tgtEl>
@@ -3616,7 +3878,7 @@
                             </p:stCondLst>
                             <p:childTnLst>
                               <p:par>
-                                <p:cTn id="15" presetID="10" presetClass="entr" presetSubtype="0" fill="hold" grpId="0" nodeType="clickEffect">
+                                <p:cTn id="15" presetID="10" presetClass="entr" presetSubtype="0" fill="hold" nodeType="clickEffect">
                                   <p:stCondLst>
                                     <p:cond delay="0"/>
                                   </p:stCondLst>
@@ -3629,11 +3891,7 @@
                                           </p:stCondLst>
                                         </p:cTn>
                                         <p:tgtEl>
-                                          <p:spTgt spid="3">
-                                            <p:txEl>
-                                              <p:pRg st="4" end="4"/>
-                                            </p:txEl>
-                                          </p:spTgt>
+                                          <p:spTgt spid="3085"/>
                                         </p:tgtEl>
                                         <p:attrNameLst>
                                           <p:attrName>style.visibility</p:attrName>
@@ -3647,11 +3905,7 @@
                                       <p:cBhvr>
                                         <p:cTn id="17" dur="500"/>
                                         <p:tgtEl>
-                                          <p:spTgt spid="3">
-                                            <p:txEl>
-                                              <p:pRg st="4" end="4"/>
-                                            </p:txEl>
-                                          </p:spTgt>
+                                          <p:spTgt spid="3085"/>
                                         </p:tgtEl>
                                       </p:cBhvr>
                                     </p:animEffect>
@@ -3677,7 +3931,7 @@
                             </p:stCondLst>
                             <p:childTnLst>
                               <p:par>
-                                <p:cTn id="20" presetID="10" presetClass="entr" presetSubtype="0" fill="hold" grpId="0" nodeType="clickEffect">
+                                <p:cTn id="20" presetID="10" presetClass="entr" presetSubtype="0" fill="hold" nodeType="clickEffect">
                                   <p:stCondLst>
                                     <p:cond delay="0"/>
                                   </p:stCondLst>
@@ -3690,11 +3944,7 @@
                                           </p:stCondLst>
                                         </p:cTn>
                                         <p:tgtEl>
-                                          <p:spTgt spid="3">
-                                            <p:txEl>
-                                              <p:pRg st="6" end="6"/>
-                                            </p:txEl>
-                                          </p:spTgt>
+                                          <p:spTgt spid="3086"/>
                                         </p:tgtEl>
                                         <p:attrNameLst>
                                           <p:attrName>style.visibility</p:attrName>
@@ -3708,11 +3958,113 @@
                                       <p:cBhvr>
                                         <p:cTn id="22" dur="500"/>
                                         <p:tgtEl>
-                                          <p:spTgt spid="3">
-                                            <p:txEl>
-                                              <p:pRg st="6" end="6"/>
-                                            </p:txEl>
-                                          </p:spTgt>
+                                          <p:spTgt spid="3086"/>
+                                        </p:tgtEl>
+                                      </p:cBhvr>
+                                    </p:animEffect>
+                                  </p:childTnLst>
+                                </p:cTn>
+                              </p:par>
+                            </p:childTnLst>
+                          </p:cTn>
+                        </p:par>
+                      </p:childTnLst>
+                    </p:cTn>
+                  </p:par>
+                  <p:par>
+                    <p:cTn id="23" fill="hold">
+                      <p:stCondLst>
+                        <p:cond delay="indefinite"/>
+                      </p:stCondLst>
+                      <p:childTnLst>
+                        <p:par>
+                          <p:cTn id="24" fill="hold">
+                            <p:stCondLst>
+                              <p:cond delay="0"/>
+                            </p:stCondLst>
+                            <p:childTnLst>
+                              <p:par>
+                                <p:cTn id="25" presetID="10" presetClass="entr" presetSubtype="0" fill="hold" nodeType="clickEffect">
+                                  <p:stCondLst>
+                                    <p:cond delay="0"/>
+                                  </p:stCondLst>
+                                  <p:childTnLst>
+                                    <p:set>
+                                      <p:cBhvr>
+                                        <p:cTn id="26" dur="1" fill="hold">
+                                          <p:stCondLst>
+                                            <p:cond delay="0"/>
+                                          </p:stCondLst>
+                                        </p:cTn>
+                                        <p:tgtEl>
+                                          <p:spTgt spid="3087"/>
+                                        </p:tgtEl>
+                                        <p:attrNameLst>
+                                          <p:attrName>style.visibility</p:attrName>
+                                        </p:attrNameLst>
+                                      </p:cBhvr>
+                                      <p:to>
+                                        <p:strVal val="visible"/>
+                                      </p:to>
+                                    </p:set>
+                                    <p:animEffect transition="in" filter="fade">
+                                      <p:cBhvr>
+                                        <p:cTn id="27" dur="500"/>
+                                        <p:tgtEl>
+                                          <p:spTgt spid="3087"/>
+                                        </p:tgtEl>
+                                      </p:cBhvr>
+                                    </p:animEffect>
+                                  </p:childTnLst>
+                                </p:cTn>
+                              </p:par>
+                            </p:childTnLst>
+                          </p:cTn>
+                        </p:par>
+                      </p:childTnLst>
+                    </p:cTn>
+                  </p:par>
+                  <p:par>
+                    <p:cTn id="28" fill="hold">
+                      <p:stCondLst>
+                        <p:cond delay="indefinite"/>
+                      </p:stCondLst>
+                      <p:childTnLst>
+                        <p:par>
+                          <p:cTn id="29" fill="hold">
+                            <p:stCondLst>
+                              <p:cond delay="0"/>
+                            </p:stCondLst>
+                            <p:childTnLst>
+                              <p:par>
+                                <p:cTn id="30" presetID="10" presetClass="entr" presetSubtype="0" fill="hold" nodeType="clickEffect">
+                                  <p:stCondLst>
+                                    <p:cond delay="0"/>
+                                  </p:stCondLst>
+                                  <p:childTnLst>
+                                    <p:set>
+                                      <p:cBhvr>
+                                        <p:cTn id="31" dur="1" fill="hold">
+                                          <p:stCondLst>
+                                            <p:cond delay="0"/>
+                                          </p:stCondLst>
+                                        </p:cTn>
+                                        <p:tgtEl>
+                                          <p:spTgt spid="3088"/>
+                                        </p:tgtEl>
+                                        <p:attrNameLst>
+                                          <p:attrName>style.visibility</p:attrName>
+                                        </p:attrNameLst>
+                                      </p:cBhvr>
+                                      <p:to>
+                                        <p:strVal val="visible"/>
+                                      </p:to>
+                                    </p:set>
+                                    <p:animEffect transition="in" filter="fade">
+                                      <p:cBhvr>
+                                        <p:cTn id="32" dur="500"/>
+                                        <p:tgtEl>
+                                          <p:spTgt spid="3088"/>
                                         </p:tgtEl>
                                       </p:cBhvr>
                                     </p:animEffect>
@@ -3770,6 +4122,170 @@
           <a:chExt cx="0" cy="0"/>
         </a:xfrm>
       </p:grpSpPr>
+      <p:pic>
+        <p:nvPicPr>
+          <p:cNvPr id="13" name="Picture 5" descr="C:\Users\jaromir.paarmann\Documents\HammerMan\Art\BilderPPPgate02\Wallpaper full cream.png"/>
+          <p:cNvPicPr>
+            <a:picLocks noChangeAspect="1" noChangeArrowheads="1"/>
+          </p:cNvPicPr>
+          <p:nvPr/>
+        </p:nvPicPr>
+        <p:blipFill>
+          <a:blip r:embed="rId2" cstate="print">
+            <a:extLst>
+              <a:ext uri="{28A0092B-C50C-407E-A947-70E740481C1C}">
+                <a14:useLocalDpi xmlns:a14="http://schemas.microsoft.com/office/drawing/2010/main" val="0"/>
+              </a:ext>
+            </a:extLst>
+          </a:blip>
+          <a:srcRect/>
+          <a:stretch>
+            <a:fillRect/>
+          </a:stretch>
+        </p:blipFill>
+        <p:spPr bwMode="auto">
+          <a:xfrm>
+            <a:off x="6726396" y="2435716"/>
+            <a:ext cx="1950720" cy="2926080"/>
+          </a:xfrm>
+          <a:prstGeom prst="rect">
+            <a:avLst/>
+          </a:prstGeom>
+          <a:noFill/>
+          <a:extLst>
+            <a:ext uri="{909E8E84-426E-40DD-AFC4-6F175D3DCCD1}">
+              <a14:hiddenFill xmlns:a14="http://schemas.microsoft.com/office/drawing/2010/main">
+                <a:solidFill>
+                  <a:srgbClr val="FFFFFF"/>
+                </a:solidFill>
+              </a14:hiddenFill>
+            </a:ext>
+          </a:extLst>
+        </p:spPr>
+      </p:pic>
+      <p:pic>
+        <p:nvPicPr>
+          <p:cNvPr id="15" name="Picture 5" descr="C:\Users\jaromir.paarmann\Documents\HammerMan\Art\BilderPPPgate02\Wallpaper full cream.png"/>
+          <p:cNvPicPr>
+            <a:picLocks noChangeAspect="1" noChangeArrowheads="1"/>
+          </p:cNvPicPr>
+          <p:nvPr/>
+        </p:nvPicPr>
+        <p:blipFill>
+          <a:blip r:embed="rId2" cstate="print">
+            <a:extLst>
+              <a:ext uri="{28A0092B-C50C-407E-A947-70E740481C1C}">
+                <a14:useLocalDpi xmlns:a14="http://schemas.microsoft.com/office/drawing/2010/main" val="0"/>
+              </a:ext>
+            </a:extLst>
+          </a:blip>
+          <a:srcRect/>
+          <a:stretch>
+            <a:fillRect/>
+          </a:stretch>
+        </p:blipFill>
+        <p:spPr bwMode="auto">
+          <a:xfrm>
+            <a:off x="4775676" y="2435716"/>
+            <a:ext cx="1950720" cy="2926080"/>
+          </a:xfrm>
+          <a:prstGeom prst="rect">
+            <a:avLst/>
+          </a:prstGeom>
+          <a:noFill/>
+          <a:extLst>
+            <a:ext uri="{909E8E84-426E-40DD-AFC4-6F175D3DCCD1}">
+              <a14:hiddenFill xmlns:a14="http://schemas.microsoft.com/office/drawing/2010/main">
+                <a:solidFill>
+                  <a:srgbClr val="FFFFFF"/>
+                </a:solidFill>
+              </a14:hiddenFill>
+            </a:ext>
+          </a:extLst>
+        </p:spPr>
+      </p:pic>
+      <p:pic>
+        <p:nvPicPr>
+          <p:cNvPr id="9" name="Picture 5" descr="C:\Users\jaromir.paarmann\Documents\HammerMan\Art\BilderPPPgate02\Wallpaper full cream.png"/>
+          <p:cNvPicPr>
+            <a:picLocks noChangeAspect="1" noChangeArrowheads="1"/>
+          </p:cNvPicPr>
+          <p:nvPr/>
+        </p:nvPicPr>
+        <p:blipFill>
+          <a:blip r:embed="rId2" cstate="print">
+            <a:extLst>
+              <a:ext uri="{28A0092B-C50C-407E-A947-70E740481C1C}">
+                <a14:useLocalDpi xmlns:a14="http://schemas.microsoft.com/office/drawing/2010/main" val="0"/>
+              </a:ext>
+            </a:extLst>
+          </a:blip>
+          <a:srcRect/>
+          <a:stretch>
+            <a:fillRect/>
+          </a:stretch>
+        </p:blipFill>
+        <p:spPr bwMode="auto">
+          <a:xfrm>
+            <a:off x="4775676" y="5301208"/>
+            <a:ext cx="1950720" cy="2926080"/>
+          </a:xfrm>
+          <a:prstGeom prst="rect">
+            <a:avLst/>
+          </a:prstGeom>
+          <a:noFill/>
+          <a:extLst>
+            <a:ext uri="{909E8E84-426E-40DD-AFC4-6F175D3DCCD1}">
+              <a14:hiddenFill xmlns:a14="http://schemas.microsoft.com/office/drawing/2010/main">
+                <a:solidFill>
+                  <a:srgbClr val="FFFFFF"/>
+                </a:solidFill>
+              </a14:hiddenFill>
+            </a:ext>
+          </a:extLst>
+        </p:spPr>
+      </p:pic>
+      <p:pic>
+        <p:nvPicPr>
+          <p:cNvPr id="10" name="Picture 5" descr="C:\Users\jaromir.paarmann\Documents\HammerMan\Art\BilderPPPgate02\Wallpaper full cream.png"/>
+          <p:cNvPicPr>
+            <a:picLocks noChangeAspect="1" noChangeArrowheads="1"/>
+          </p:cNvPicPr>
+          <p:nvPr/>
+        </p:nvPicPr>
+        <p:blipFill>
+          <a:blip r:embed="rId2" cstate="print">
+            <a:extLst>
+              <a:ext uri="{28A0092B-C50C-407E-A947-70E740481C1C}">
+                <a14:useLocalDpi xmlns:a14="http://schemas.microsoft.com/office/drawing/2010/main" val="0"/>
+              </a:ext>
+            </a:extLst>
+          </a:blip>
+          <a:srcRect/>
+          <a:stretch>
+            <a:fillRect/>
+          </a:stretch>
+        </p:blipFill>
+        <p:spPr bwMode="auto">
+          <a:xfrm>
+            <a:off x="6726396" y="5299000"/>
+            <a:ext cx="1950720" cy="2926080"/>
+          </a:xfrm>
+          <a:prstGeom prst="rect">
+            <a:avLst/>
+          </a:prstGeom>
+          <a:noFill/>
+          <a:extLst>
+            <a:ext uri="{909E8E84-426E-40DD-AFC4-6F175D3DCCD1}">
+              <a14:hiddenFill xmlns:a14="http://schemas.microsoft.com/office/drawing/2010/main">
+                <a:solidFill>
+                  <a:srgbClr val="FFFFFF"/>
+                </a:solidFill>
+              </a14:hiddenFill>
+            </a:ext>
+          </a:extLst>
+        </p:spPr>
+      </p:pic>
       <p:sp>
         <p:nvSpPr>
           <p:cNvPr id="2" name="Titel 1"/>
@@ -3849,34 +4365,16 @@
                 </a:solidFill>
                 <a:latin typeface="TeXGyreAdventor" pitchFamily="50" charset="0"/>
               </a:rPr>
-              <a:t>Trennwände</a:t>
-            </a:r>
-          </a:p>
-          <a:p>
-            <a:endParaRPr lang="de-DE" dirty="0" smtClean="0">
-              <a:solidFill>
-                <a:schemeClr val="bg1"/>
-              </a:solidFill>
-              <a:latin typeface="TeXGyreAdventor" pitchFamily="50" charset="0"/>
-            </a:endParaRPr>
-          </a:p>
-          <a:p>
-            <a:endParaRPr lang="de-DE" dirty="0">
-              <a:solidFill>
-                <a:schemeClr val="bg1"/>
-              </a:solidFill>
-              <a:latin typeface="TeXGyreAdventor" pitchFamily="50" charset="0"/>
-            </a:endParaRPr>
-          </a:p>
-          <a:p>
-            <a:r>
-              <a:rPr lang="de-DE" dirty="0">
+              <a:t>Boden </a:t>
+            </a:r>
+            <a:r>
+              <a:rPr lang="de-DE" dirty="0" err="1" smtClean="0">
                 <a:solidFill>
                   <a:schemeClr val="bg1"/>
                 </a:solidFill>
                 <a:latin typeface="TeXGyreAdventor" pitchFamily="50" charset="0"/>
               </a:rPr>
-              <a:t>Ausgänge</a:t>
+              <a:t>Tiles</a:t>
             </a:r>
             <a:endParaRPr lang="de-DE" dirty="0" smtClean="0">
               <a:solidFill>
@@ -3897,6 +4395,17 @@
             </a:endParaRPr>
           </a:p>
           <a:p>
+            <a:r>
+              <a:rPr lang="de-DE" dirty="0" smtClean="0">
+                <a:solidFill>
+                  <a:schemeClr val="bg1"/>
+                </a:solidFill>
+                <a:latin typeface="TeXGyreAdventor" pitchFamily="50" charset="0"/>
+              </a:rPr>
+              <a:t>Leitern</a:t>
+            </a:r>
+          </a:p>
+          <a:p>
             <a:endParaRPr lang="de-DE" dirty="0" smtClean="0">
               <a:solidFill>
                 <a:schemeClr val="bg1"/>
@@ -3905,6 +4414,17 @@
             </a:endParaRPr>
           </a:p>
           <a:p>
+            <a:r>
+              <a:rPr lang="de-DE" dirty="0" smtClean="0">
+                <a:solidFill>
+                  <a:schemeClr val="bg1"/>
+                </a:solidFill>
+                <a:latin typeface="TeXGyreAdventor" pitchFamily="50" charset="0"/>
+              </a:rPr>
+              <a:t>Hintergrundtapete</a:t>
+            </a:r>
+          </a:p>
+          <a:p>
             <a:endParaRPr lang="de-DE" dirty="0">
               <a:solidFill>
                 <a:schemeClr val="bg1"/>
@@ -3914,10 +4434,174 @@
           </a:p>
         </p:txBody>
       </p:sp>
+      <p:pic>
+        <p:nvPicPr>
+          <p:cNvPr id="4" name="Picture 4" descr="C:\Users\jaromir.paarmann\Documents\HammerMan\Art\BilderPPPgate02\GroundLeft.png"/>
+          <p:cNvPicPr>
+            <a:picLocks noChangeAspect="1" noChangeArrowheads="1"/>
+          </p:cNvPicPr>
+          <p:nvPr/>
+        </p:nvPicPr>
+        <p:blipFill>
+          <a:blip r:embed="rId3" cstate="print">
+            <a:extLst>
+              <a:ext uri="{28A0092B-C50C-407E-A947-70E740481C1C}">
+                <a14:useLocalDpi xmlns:a14="http://schemas.microsoft.com/office/drawing/2010/main" val="0"/>
+              </a:ext>
+            </a:extLst>
+          </a:blip>
+          <a:srcRect/>
+          <a:stretch>
+            <a:fillRect/>
+          </a:stretch>
+        </p:blipFill>
+        <p:spPr bwMode="auto">
+          <a:xfrm>
+            <a:off x="5088494" y="2780928"/>
+            <a:ext cx="975360" cy="975360"/>
+          </a:xfrm>
+          <a:prstGeom prst="rect">
+            <a:avLst/>
+          </a:prstGeom>
+          <a:noFill/>
+          <a:extLst>
+            <a:ext uri="{909E8E84-426E-40DD-AFC4-6F175D3DCCD1}">
+              <a14:hiddenFill xmlns:a14="http://schemas.microsoft.com/office/drawing/2010/main">
+                <a:solidFill>
+                  <a:srgbClr val="FFFFFF"/>
+                </a:solidFill>
+              </a14:hiddenFill>
+            </a:ext>
+          </a:extLst>
+        </p:spPr>
+      </p:pic>
+      <p:pic>
+        <p:nvPicPr>
+          <p:cNvPr id="4098" name="Picture 2" descr="C:\Users\jaromir.paarmann\Documents\HammerMan\Art\BilderPPPgate02\GroundMiddle.png"/>
+          <p:cNvPicPr>
+            <a:picLocks noChangeAspect="1" noChangeArrowheads="1"/>
+          </p:cNvPicPr>
+          <p:nvPr/>
+        </p:nvPicPr>
+        <p:blipFill>
+          <a:blip r:embed="rId4" cstate="print">
+            <a:extLst>
+              <a:ext uri="{28A0092B-C50C-407E-A947-70E740481C1C}">
+                <a14:useLocalDpi xmlns:a14="http://schemas.microsoft.com/office/drawing/2010/main" val="0"/>
+              </a:ext>
+            </a:extLst>
+          </a:blip>
+          <a:srcRect/>
+          <a:stretch>
+            <a:fillRect/>
+          </a:stretch>
+        </p:blipFill>
+        <p:spPr bwMode="auto">
+          <a:xfrm>
+            <a:off x="6063854" y="2780928"/>
+            <a:ext cx="975360" cy="975360"/>
+          </a:xfrm>
+          <a:prstGeom prst="rect">
+            <a:avLst/>
+          </a:prstGeom>
+          <a:noFill/>
+          <a:extLst>
+            <a:ext uri="{909E8E84-426E-40DD-AFC4-6F175D3DCCD1}">
+              <a14:hiddenFill xmlns:a14="http://schemas.microsoft.com/office/drawing/2010/main">
+                <a:solidFill>
+                  <a:srgbClr val="FFFFFF"/>
+                </a:solidFill>
+              </a14:hiddenFill>
+            </a:ext>
+          </a:extLst>
+        </p:spPr>
+      </p:pic>
+      <p:pic>
+        <p:nvPicPr>
+          <p:cNvPr id="7" name="Picture 3" descr="C:\Users\jaromir.paarmann\Documents\HammerMan\Art\BilderPPPgate02\LadderWood.png"/>
+          <p:cNvPicPr>
+            <a:picLocks noChangeAspect="1" noChangeArrowheads="1"/>
+          </p:cNvPicPr>
+          <p:nvPr/>
+        </p:nvPicPr>
+        <p:blipFill>
+          <a:blip r:embed="rId5" cstate="print">
+            <a:extLst>
+              <a:ext uri="{28A0092B-C50C-407E-A947-70E740481C1C}">
+                <a14:useLocalDpi xmlns:a14="http://schemas.microsoft.com/office/drawing/2010/main" val="0"/>
+              </a:ext>
+            </a:extLst>
+          </a:blip>
+          <a:srcRect/>
+          <a:stretch>
+            <a:fillRect/>
+          </a:stretch>
+        </p:blipFill>
+        <p:spPr bwMode="auto">
+          <a:xfrm>
+            <a:off x="6067268" y="2204864"/>
+            <a:ext cx="975360" cy="3901440"/>
+          </a:xfrm>
+          <a:prstGeom prst="rect">
+            <a:avLst/>
+          </a:prstGeom>
+          <a:noFill/>
+          <a:extLst>
+            <a:ext uri="{909E8E84-426E-40DD-AFC4-6F175D3DCCD1}">
+              <a14:hiddenFill xmlns:a14="http://schemas.microsoft.com/office/drawing/2010/main">
+                <a:solidFill>
+                  <a:srgbClr val="FFFFFF"/>
+                </a:solidFill>
+              </a14:hiddenFill>
+            </a:ext>
+          </a:extLst>
+        </p:spPr>
+      </p:pic>
+      <p:pic>
+        <p:nvPicPr>
+          <p:cNvPr id="4100" name="Picture 4" descr="C:\Users\jaromir.paarmann\Documents\HammerMan\Art\BilderPPPgate02\GroundRight.png"/>
+          <p:cNvPicPr>
+            <a:picLocks noChangeAspect="1" noChangeArrowheads="1"/>
+          </p:cNvPicPr>
+          <p:nvPr/>
+        </p:nvPicPr>
+        <p:blipFill>
+          <a:blip r:embed="rId6" cstate="print">
+            <a:extLst>
+              <a:ext uri="{28A0092B-C50C-407E-A947-70E740481C1C}">
+                <a14:useLocalDpi xmlns:a14="http://schemas.microsoft.com/office/drawing/2010/main" val="0"/>
+              </a:ext>
+            </a:extLst>
+          </a:blip>
+          <a:srcRect/>
+          <a:stretch>
+            <a:fillRect/>
+          </a:stretch>
+        </p:blipFill>
+        <p:spPr bwMode="auto">
+          <a:xfrm>
+            <a:off x="7039214" y="2780928"/>
+            <a:ext cx="975360" cy="975360"/>
+          </a:xfrm>
+          <a:prstGeom prst="rect">
+            <a:avLst/>
+          </a:prstGeom>
+          <a:noFill/>
+          <a:extLst>
+            <a:ext uri="{909E8E84-426E-40DD-AFC4-6F175D3DCCD1}">
+              <a14:hiddenFill xmlns:a14="http://schemas.microsoft.com/office/drawing/2010/main">
+                <a:solidFill>
+                  <a:srgbClr val="FFFFFF"/>
+                </a:solidFill>
+              </a14:hiddenFill>
+            </a:ext>
+          </a:extLst>
+        </p:spPr>
+      </p:pic>
     </p:spTree>
     <p:extLst>
       <p:ext uri="{BB962C8B-B14F-4D97-AF65-F5344CB8AC3E}">
-        <p14:creationId xmlns:p14="http://schemas.microsoft.com/office/powerpoint/2010/main" val="4089725833"/>
+        <p14:creationId xmlns:p14="http://schemas.microsoft.com/office/powerpoint/2010/main" val="813721148"/>
       </p:ext>
     </p:extLst>
   </p:cSld>
@@ -3945,7 +4629,7 @@
                             </p:stCondLst>
                             <p:childTnLst>
                               <p:par>
-                                <p:cTn id="5" presetID="10" presetClass="entr" presetSubtype="0" fill="hold" grpId="0" nodeType="clickEffect">
+                                <p:cTn id="5" presetID="10" presetClass="entr" presetSubtype="0" fill="hold" nodeType="clickEffect">
                                   <p:stCondLst>
                                     <p:cond delay="0"/>
                                   </p:stCondLst>
@@ -4006,7 +4690,7 @@
                             </p:stCondLst>
                             <p:childTnLst>
                               <p:par>
-                                <p:cTn id="10" presetID="10" presetClass="entr" presetSubtype="0" fill="hold" grpId="0" nodeType="clickEffect">
+                                <p:cTn id="10" presetID="10" presetClass="entr" presetSubtype="0" fill="hold" nodeType="clickEffect">
                                   <p:stCondLst>
                                     <p:cond delay="0"/>
                                   </p:stCondLst>
@@ -4042,6 +4726,111 @@
                                               <p:pRg st="2" end="2"/>
                                             </p:txEl>
                                           </p:spTgt>
+                                        </p:tgtEl>
+                                      </p:cBhvr>
+                                    </p:animEffect>
+                                  </p:childTnLst>
+                                </p:cTn>
+                              </p:par>
+                              <p:par>
+                                <p:cTn id="13" presetID="10" presetClass="entr" presetSubtype="0" fill="hold" nodeType="withEffect">
+                                  <p:stCondLst>
+                                    <p:cond delay="0"/>
+                                  </p:stCondLst>
+                                  <p:childTnLst>
+                                    <p:set>
+                                      <p:cBhvr>
+                                        <p:cTn id="14" dur="1" fill="hold">
+                                          <p:stCondLst>
+                                            <p:cond delay="0"/>
+                                          </p:stCondLst>
+                                        </p:cTn>
+                                        <p:tgtEl>
+                                          <p:spTgt spid="4"/>
+                                        </p:tgtEl>
+                                        <p:attrNameLst>
+                                          <p:attrName>style.visibility</p:attrName>
+                                        </p:attrNameLst>
+                                      </p:cBhvr>
+                                      <p:to>
+                                        <p:strVal val="visible"/>
+                                      </p:to>
+                                    </p:set>
+                                    <p:animEffect transition="in" filter="fade">
+                                      <p:cBhvr>
+                                        <p:cTn id="15" dur="500"/>
+                                        <p:tgtEl>
+                                          <p:spTgt spid="4"/>
+                                        </p:tgtEl>
+                                      </p:cBhvr>
+                                    </p:animEffect>
+                                  </p:childTnLst>
+                                </p:cTn>
+                              </p:par>
+                              <p:par>
+                                <p:cTn id="16" presetID="10" presetClass="entr" presetSubtype="0" fill="hold" nodeType="withEffect">
+                                  <p:stCondLst>
+                                    <p:cond delay="0"/>
+                                  </p:stCondLst>
+                                  <p:childTnLst>
+                                    <p:set>
+                                      <p:cBhvr>
+                                        <p:cTn id="17" dur="1" fill="hold">
+                                          <p:stCondLst>
+                                            <p:cond delay="0"/>
+                                          </p:stCondLst>
+                                        </p:cTn>
+                                        <p:tgtEl>
+                                          <p:spTgt spid="4098"/>
+                                        </p:tgtEl>
+                                        <p:attrNameLst>
+                                          <p:attrName>style.visibility</p:attrName>
+                                        </p:attrNameLst>
+                                      </p:cBhvr>
+                                      <p:to>
+                                        <p:strVal val="visible"/>
+                                      </p:to>
+                                    </p:set>
+                                    <p:animEffect transition="in" filter="fade">
+                                      <p:cBhvr>
+                                        <p:cTn id="18" dur="500"/>
+                                        <p:tgtEl>
+                                          <p:spTgt spid="4098"/>
+                                        </p:tgtEl>
+                                      </p:cBhvr>
+                                    </p:animEffect>
+                                  </p:childTnLst>
+                                </p:cTn>
+                              </p:par>
+                              <p:par>
+                                <p:cTn id="19" presetID="10" presetClass="entr" presetSubtype="0" fill="hold" nodeType="withEffect">
+                                  <p:stCondLst>
+                                    <p:cond delay="0"/>
+                                  </p:stCondLst>
+                                  <p:childTnLst>
+                                    <p:set>
+                                      <p:cBhvr>
+                                        <p:cTn id="20" dur="1" fill="hold">
+                                          <p:stCondLst>
+                                            <p:cond delay="0"/>
+                                          </p:stCondLst>
+                                        </p:cTn>
+                                        <p:tgtEl>
+                                          <p:spTgt spid="4100"/>
+                                        </p:tgtEl>
+                                        <p:attrNameLst>
+                                          <p:attrName>style.visibility</p:attrName>
+                                        </p:attrNameLst>
+                                      </p:cBhvr>
+                                      <p:to>
+                                        <p:strVal val="visible"/>
+                                      </p:to>
+                                    </p:set>
+                                    <p:animEffect transition="in" filter="fade">
+                                      <p:cBhvr>
+                                        <p:cTn id="21" dur="500"/>
+                                        <p:tgtEl>
+                                          <p:spTgt spid="4100"/>
                                         </p:tgtEl>
                                       </p:cBhvr>
                                     </p:animEffect>
@@ -4055,26 +4844,26 @@
                     </p:cTn>
                   </p:par>
                   <p:par>
-                    <p:cTn id="13" fill="hold">
+                    <p:cTn id="22" fill="hold">
                       <p:stCondLst>
                         <p:cond delay="indefinite"/>
                       </p:stCondLst>
                       <p:childTnLst>
                         <p:par>
-                          <p:cTn id="14" fill="hold">
+                          <p:cTn id="23" fill="hold">
                             <p:stCondLst>
                               <p:cond delay="0"/>
                             </p:stCondLst>
                             <p:childTnLst>
                               <p:par>
-                                <p:cTn id="15" presetID="10" presetClass="entr" presetSubtype="0" fill="hold" grpId="0" nodeType="clickEffect">
+                                <p:cTn id="24" presetID="10" presetClass="entr" presetSubtype="0" fill="hold" nodeType="clickEffect">
                                   <p:stCondLst>
                                     <p:cond delay="0"/>
                                   </p:stCondLst>
                                   <p:childTnLst>
                                     <p:set>
                                       <p:cBhvr>
-                                        <p:cTn id="16" dur="1" fill="hold">
+                                        <p:cTn id="25" dur="1" fill="hold">
                                           <p:stCondLst>
                                             <p:cond delay="0"/>
                                           </p:stCondLst>
@@ -4082,7 +4871,7 @@
                                         <p:tgtEl>
                                           <p:spTgt spid="3">
                                             <p:txEl>
-                                              <p:pRg st="5" end="5"/>
+                                              <p:pRg st="4" end="4"/>
                                             </p:txEl>
                                           </p:spTgt>
                                         </p:tgtEl>
@@ -4096,13 +4885,249 @@
                                     </p:set>
                                     <p:animEffect transition="in" filter="fade">
                                       <p:cBhvr>
-                                        <p:cTn id="17" dur="500"/>
+                                        <p:cTn id="26" dur="500"/>
                                         <p:tgtEl>
                                           <p:spTgt spid="3">
                                             <p:txEl>
-                                              <p:pRg st="5" end="5"/>
+                                              <p:pRg st="4" end="4"/>
                                             </p:txEl>
                                           </p:spTgt>
+                                        </p:tgtEl>
+                                      </p:cBhvr>
+                                    </p:animEffect>
+                                  </p:childTnLst>
+                                </p:cTn>
+                              </p:par>
+                              <p:par>
+                                <p:cTn id="27" presetID="10" presetClass="entr" presetSubtype="0" fill="hold" nodeType="withEffect">
+                                  <p:stCondLst>
+                                    <p:cond delay="0"/>
+                                  </p:stCondLst>
+                                  <p:childTnLst>
+                                    <p:set>
+                                      <p:cBhvr>
+                                        <p:cTn id="28" dur="1" fill="hold">
+                                          <p:stCondLst>
+                                            <p:cond delay="0"/>
+                                          </p:stCondLst>
+                                        </p:cTn>
+                                        <p:tgtEl>
+                                          <p:spTgt spid="7"/>
+                                        </p:tgtEl>
+                                        <p:attrNameLst>
+                                          <p:attrName>style.visibility</p:attrName>
+                                        </p:attrNameLst>
+                                      </p:cBhvr>
+                                      <p:to>
+                                        <p:strVal val="visible"/>
+                                      </p:to>
+                                    </p:set>
+                                    <p:animEffect transition="in" filter="fade">
+                                      <p:cBhvr>
+                                        <p:cTn id="29" dur="500"/>
+                                        <p:tgtEl>
+                                          <p:spTgt spid="7"/>
+                                        </p:tgtEl>
+                                      </p:cBhvr>
+                                    </p:animEffect>
+                                  </p:childTnLst>
+                                </p:cTn>
+                              </p:par>
+                            </p:childTnLst>
+                          </p:cTn>
+                        </p:par>
+                      </p:childTnLst>
+                    </p:cTn>
+                  </p:par>
+                  <p:par>
+                    <p:cTn id="30" fill="hold">
+                      <p:stCondLst>
+                        <p:cond delay="indefinite"/>
+                      </p:stCondLst>
+                      <p:childTnLst>
+                        <p:par>
+                          <p:cTn id="31" fill="hold">
+                            <p:stCondLst>
+                              <p:cond delay="0"/>
+                            </p:stCondLst>
+                            <p:childTnLst>
+                              <p:par>
+                                <p:cTn id="32" presetID="10" presetClass="entr" presetSubtype="0" fill="hold" nodeType="clickEffect">
+                                  <p:stCondLst>
+                                    <p:cond delay="0"/>
+                                  </p:stCondLst>
+                                  <p:childTnLst>
+                                    <p:set>
+                                      <p:cBhvr>
+                                        <p:cTn id="33" dur="1" fill="hold">
+                                          <p:stCondLst>
+                                            <p:cond delay="0"/>
+                                          </p:stCondLst>
+                                        </p:cTn>
+                                        <p:tgtEl>
+                                          <p:spTgt spid="3">
+                                            <p:txEl>
+                                              <p:pRg st="6" end="6"/>
+                                            </p:txEl>
+                                          </p:spTgt>
+                                        </p:tgtEl>
+                                        <p:attrNameLst>
+                                          <p:attrName>style.visibility</p:attrName>
+                                        </p:attrNameLst>
+                                      </p:cBhvr>
+                                      <p:to>
+                                        <p:strVal val="visible"/>
+                                      </p:to>
+                                    </p:set>
+                                    <p:animEffect transition="in" filter="fade">
+                                      <p:cBhvr>
+                                        <p:cTn id="34" dur="500"/>
+                                        <p:tgtEl>
+                                          <p:spTgt spid="3">
+                                            <p:txEl>
+                                              <p:pRg st="6" end="6"/>
+                                            </p:txEl>
+                                          </p:spTgt>
+                                        </p:tgtEl>
+                                      </p:cBhvr>
+                                    </p:animEffect>
+                                  </p:childTnLst>
+                                </p:cTn>
+                              </p:par>
+                              <p:par>
+                                <p:cTn id="35" presetID="10" presetClass="entr" presetSubtype="0" fill="hold" nodeType="withEffect">
+                                  <p:stCondLst>
+                                    <p:cond delay="0"/>
+                                  </p:stCondLst>
+                                  <p:childTnLst>
+                                    <p:set>
+                                      <p:cBhvr>
+                                        <p:cTn id="36" dur="1" fill="hold">
+                                          <p:stCondLst>
+                                            <p:cond delay="0"/>
+                                          </p:stCondLst>
+                                        </p:cTn>
+                                        <p:tgtEl>
+                                          <p:spTgt spid="9"/>
+                                        </p:tgtEl>
+                                        <p:attrNameLst>
+                                          <p:attrName>style.visibility</p:attrName>
+                                        </p:attrNameLst>
+                                      </p:cBhvr>
+                                      <p:to>
+                                        <p:strVal val="visible"/>
+                                      </p:to>
+                                    </p:set>
+                                    <p:animEffect transition="in" filter="fade">
+                                      <p:cBhvr>
+                                        <p:cTn id="37" dur="500"/>
+                                        <p:tgtEl>
+                                          <p:spTgt spid="9"/>
+                                        </p:tgtEl>
+                                      </p:cBhvr>
+                                    </p:animEffect>
+                                  </p:childTnLst>
+                                </p:cTn>
+                              </p:par>
+                              <p:par>
+                                <p:cTn id="38" presetID="10" presetClass="entr" presetSubtype="0" fill="hold" nodeType="withEffect">
+                                  <p:stCondLst>
+                                    <p:cond delay="0"/>
+                                  </p:stCondLst>
+                                  <p:childTnLst>
+                                    <p:set>
+                                      <p:cBhvr>
+                                        <p:cTn id="39" dur="1" fill="hold">
+                                          <p:stCondLst>
+                                            <p:cond delay="0"/>
+                                          </p:stCondLst>
+                                        </p:cTn>
+                                        <p:tgtEl>
+                                          <p:spTgt spid="10"/>
+                                        </p:tgtEl>
+                                        <p:attrNameLst>
+                                          <p:attrName>style.visibility</p:attrName>
+                                        </p:attrNameLst>
+                                      </p:cBhvr>
+                                      <p:to>
+                                        <p:strVal val="visible"/>
+                                      </p:to>
+                                    </p:set>
+                                    <p:animEffect transition="in" filter="fade">
+                                      <p:cBhvr>
+                                        <p:cTn id="40" dur="500"/>
+                                        <p:tgtEl>
+                                          <p:spTgt spid="10"/>
+                                        </p:tgtEl>
+                                      </p:cBhvr>
+                                    </p:animEffect>
+                                  </p:childTnLst>
+                                </p:cTn>
+                              </p:par>
+                              <p:par>
+                                <p:cTn id="41" presetID="10" presetClass="entr" presetSubtype="0" fill="hold" nodeType="withEffect">
+                                  <p:stCondLst>
+                                    <p:cond delay="0"/>
+                                  </p:stCondLst>
+                                  <p:childTnLst>
+                                    <p:set>
+                                      <p:cBhvr>
+                                        <p:cTn id="42" dur="1" fill="hold">
+                                          <p:stCondLst>
+                                            <p:cond delay="0"/>
+                                          </p:stCondLst>
+                                        </p:cTn>
+                                        <p:tgtEl>
+                                          <p:spTgt spid="13"/>
+                                        </p:tgtEl>
+                                        <p:attrNameLst>
+                                          <p:attrName>style.visibility</p:attrName>
+                                        </p:attrNameLst>
+                                      </p:cBhvr>
+                                      <p:to>
+                                        <p:strVal val="visible"/>
+                                      </p:to>
+                                    </p:set>
+                                    <p:animEffect transition="in" filter="fade">
+                                      <p:cBhvr>
+                                        <p:cTn id="43" dur="500"/>
+                                        <p:tgtEl>
+                                          <p:spTgt spid="13"/>
+                                        </p:tgtEl>
+                                      </p:cBhvr>
+                                    </p:animEffect>
+                                  </p:childTnLst>
+                                </p:cTn>
+                              </p:par>
+                              <p:par>
+                                <p:cTn id="44" presetID="10" presetClass="entr" presetSubtype="0" fill="hold" nodeType="withEffect">
+                                  <p:stCondLst>
+                                    <p:cond delay="0"/>
+                                  </p:stCondLst>
+                                  <p:childTnLst>
+                                    <p:set>
+                                      <p:cBhvr>
+                                        <p:cTn id="45" dur="1" fill="hold">
+                                          <p:stCondLst>
+                                            <p:cond delay="0"/>
+                                          </p:stCondLst>
+                                        </p:cTn>
+                                        <p:tgtEl>
+                                          <p:spTgt spid="15"/>
+                                        </p:tgtEl>
+                                        <p:attrNameLst>
+                                          <p:attrName>style.visibility</p:attrName>
+                                        </p:attrNameLst>
+                                      </p:cBhvr>
+                                      <p:to>
+                                        <p:strVal val="visible"/>
+                                      </p:to>
+                                    </p:set>
+                                    <p:animEffect transition="in" filter="fade">
+                                      <p:cBhvr>
+                                        <p:cTn id="46" dur="500"/>
+                                        <p:tgtEl>
+                                          <p:spTgt spid="15"/>
                                         </p:tgtEl>
                                       </p:cBhvr>
                                     </p:animEffect>
@@ -4136,9 +5161,6 @@
         </p:cTn>
       </p:par>
     </p:tnLst>
-    <p:bldLst>
-      <p:bldP spid="3" grpId="0" build="p"/>
-    </p:bldLst>
   </p:timing>
 </p:sld>
 </file>
@@ -4224,6 +5246,75 @@
             </a:r>
           </a:p>
           <a:p>
+            <a:endParaRPr lang="de-DE" b="1" dirty="0">
+              <a:solidFill>
+                <a:schemeClr val="bg1"/>
+              </a:solidFill>
+              <a:latin typeface="TeXGyreAdventor" pitchFamily="50" charset="0"/>
+            </a:endParaRPr>
+          </a:p>
+          <a:p>
+            <a:r>
+              <a:rPr lang="de-DE" dirty="0" smtClean="0">
+                <a:solidFill>
+                  <a:schemeClr val="bg1"/>
+                </a:solidFill>
+                <a:latin typeface="TeXGyreAdventor" pitchFamily="50" charset="0"/>
+              </a:rPr>
+              <a:t>Trennwände</a:t>
+            </a:r>
+            <a:endParaRPr lang="de-DE" dirty="0" smtClean="0">
+              <a:solidFill>
+                <a:schemeClr val="bg1"/>
+              </a:solidFill>
+              <a:latin typeface="TeXGyreAdventor" pitchFamily="50" charset="0"/>
+            </a:endParaRPr>
+          </a:p>
+          <a:p>
+            <a:endParaRPr lang="de-DE" dirty="0">
+              <a:solidFill>
+                <a:schemeClr val="bg1"/>
+              </a:solidFill>
+              <a:latin typeface="TeXGyreAdventor" pitchFamily="50" charset="0"/>
+            </a:endParaRPr>
+          </a:p>
+          <a:p>
+            <a:r>
+              <a:rPr lang="de-DE" dirty="0" smtClean="0">
+                <a:solidFill>
+                  <a:schemeClr val="bg1"/>
+                </a:solidFill>
+                <a:latin typeface="TeXGyreAdventor" pitchFamily="50" charset="0"/>
+              </a:rPr>
+              <a:t>Ausgänge</a:t>
+            </a:r>
+          </a:p>
+          <a:p>
+            <a:endParaRPr lang="de-DE" dirty="0">
+              <a:solidFill>
+                <a:schemeClr val="bg1"/>
+              </a:solidFill>
+              <a:latin typeface="TeXGyreAdventor" pitchFamily="50" charset="0"/>
+            </a:endParaRPr>
+          </a:p>
+          <a:p>
+            <a:r>
+              <a:rPr lang="de-DE" dirty="0" smtClean="0">
+                <a:solidFill>
+                  <a:schemeClr val="bg1"/>
+                </a:solidFill>
+                <a:latin typeface="TeXGyreAdventor" pitchFamily="50" charset="0"/>
+              </a:rPr>
+              <a:t>Kisten</a:t>
+            </a:r>
+            <a:endParaRPr lang="de-DE" dirty="0" smtClean="0">
+              <a:solidFill>
+                <a:schemeClr val="bg1"/>
+              </a:solidFill>
+              <a:latin typeface="TeXGyreAdventor" pitchFamily="50" charset="0"/>
+            </a:endParaRPr>
+          </a:p>
+          <a:p>
             <a:pPr marL="0" indent="0">
               <a:buNone/>
             </a:pPr>
@@ -4235,15 +5326,6 @@
             </a:endParaRPr>
           </a:p>
           <a:p>
-            <a:r>
-              <a:rPr lang="de-DE" dirty="0" err="1" smtClean="0">
-                <a:solidFill>
-                  <a:schemeClr val="bg1"/>
-                </a:solidFill>
-                <a:latin typeface="TeXGyreAdventor" pitchFamily="50" charset="0"/>
-              </a:rPr>
-              <a:t>Spawner</a:t>
-            </a:r>
             <a:endParaRPr lang="de-DE" dirty="0" smtClean="0">
               <a:solidFill>
                 <a:schemeClr val="bg1"/>
@@ -4252,33 +5334,6 @@
             </a:endParaRPr>
           </a:p>
           <a:p>
-            <a:endParaRPr lang="de-DE" dirty="0" smtClean="0">
-              <a:solidFill>
-                <a:schemeClr val="bg1"/>
-              </a:solidFill>
-              <a:latin typeface="TeXGyreAdventor" pitchFamily="50" charset="0"/>
-            </a:endParaRPr>
-          </a:p>
-          <a:p>
-            <a:endParaRPr lang="de-DE" dirty="0" smtClean="0">
-              <a:solidFill>
-                <a:schemeClr val="bg1"/>
-              </a:solidFill>
-              <a:latin typeface="TeXGyreAdventor" pitchFamily="50" charset="0"/>
-            </a:endParaRPr>
-          </a:p>
-          <a:p>
-            <a:r>
-              <a:rPr lang="de-DE" dirty="0" smtClean="0">
-                <a:solidFill>
-                  <a:schemeClr val="bg1"/>
-                </a:solidFill>
-                <a:latin typeface="TeXGyreAdventor" pitchFamily="50" charset="0"/>
-              </a:rPr>
-              <a:t>Generator</a:t>
-            </a:r>
-          </a:p>
-          <a:p>
             <a:endParaRPr lang="de-DE" dirty="0">
               <a:solidFill>
                 <a:schemeClr val="bg1"/>
@@ -4288,10 +5343,133 @@
           </a:p>
         </p:txBody>
       </p:sp>
+      <p:pic>
+        <p:nvPicPr>
+          <p:cNvPr id="1026" name="Picture 2" descr="C:\Users\jaromir.paarmann\Documents\HammerMan\Art\BilderPPPgate02\Box.png"/>
+          <p:cNvPicPr>
+            <a:picLocks noChangeAspect="1" noChangeArrowheads="1"/>
+          </p:cNvPicPr>
+          <p:nvPr/>
+        </p:nvPicPr>
+        <p:blipFill>
+          <a:blip r:embed="rId2" cstate="print">
+            <a:extLst>
+              <a:ext uri="{28A0092B-C50C-407E-A947-70E740481C1C}">
+                <a14:useLocalDpi xmlns:a14="http://schemas.microsoft.com/office/drawing/2010/main" val="0"/>
+              </a:ext>
+            </a:extLst>
+          </a:blip>
+          <a:srcRect/>
+          <a:stretch>
+            <a:fillRect/>
+          </a:stretch>
+        </p:blipFill>
+        <p:spPr bwMode="auto">
+          <a:xfrm>
+            <a:off x="2915816" y="4797152"/>
+            <a:ext cx="1950720" cy="1950720"/>
+          </a:xfrm>
+          <a:prstGeom prst="rect">
+            <a:avLst/>
+          </a:prstGeom>
+          <a:noFill/>
+          <a:extLst>
+            <a:ext uri="{909E8E84-426E-40DD-AFC4-6F175D3DCCD1}">
+              <a14:hiddenFill xmlns:a14="http://schemas.microsoft.com/office/drawing/2010/main">
+                <a:solidFill>
+                  <a:srgbClr val="FFFFFF"/>
+                </a:solidFill>
+              </a14:hiddenFill>
+            </a:ext>
+          </a:extLst>
+        </p:spPr>
+      </p:pic>
+      <p:pic>
+        <p:nvPicPr>
+          <p:cNvPr id="1027" name="Picture 3" descr="C:\Users\jaromir.paarmann\Documents\HammerMan\Art\BilderPPPgate02\ExitDoorRight.png"/>
+          <p:cNvPicPr>
+            <a:picLocks noChangeAspect="1" noChangeArrowheads="1"/>
+          </p:cNvPicPr>
+          <p:nvPr/>
+        </p:nvPicPr>
+        <p:blipFill>
+          <a:blip r:embed="rId3" cstate="print">
+            <a:extLst>
+              <a:ext uri="{28A0092B-C50C-407E-A947-70E740481C1C}">
+                <a14:useLocalDpi xmlns:a14="http://schemas.microsoft.com/office/drawing/2010/main" val="0"/>
+              </a:ext>
+            </a:extLst>
+          </a:blip>
+          <a:srcRect/>
+          <a:stretch>
+            <a:fillRect/>
+          </a:stretch>
+        </p:blipFill>
+        <p:spPr bwMode="auto">
+          <a:xfrm>
+            <a:off x="1691680" y="895712"/>
+            <a:ext cx="3901440" cy="5852160"/>
+          </a:xfrm>
+          <a:prstGeom prst="rect">
+            <a:avLst/>
+          </a:prstGeom>
+          <a:noFill/>
+          <a:extLst>
+            <a:ext uri="{909E8E84-426E-40DD-AFC4-6F175D3DCCD1}">
+              <a14:hiddenFill xmlns:a14="http://schemas.microsoft.com/office/drawing/2010/main">
+                <a:solidFill>
+                  <a:srgbClr val="FFFFFF"/>
+                </a:solidFill>
+              </a14:hiddenFill>
+            </a:ext>
+          </a:extLst>
+        </p:spPr>
+      </p:pic>
+      <p:pic>
+        <p:nvPicPr>
+          <p:cNvPr id="1029" name="Picture 5" descr="C:\Users\jaromir.paarmann\Documents\HammerMan\Art\BilderPPPgate02\WallWood.png"/>
+          <p:cNvPicPr>
+            <a:picLocks noChangeAspect="1" noChangeArrowheads="1"/>
+          </p:cNvPicPr>
+          <p:nvPr/>
+        </p:nvPicPr>
+        <p:blipFill>
+          <a:blip r:embed="rId4" cstate="print">
+            <a:extLst>
+              <a:ext uri="{28A0092B-C50C-407E-A947-70E740481C1C}">
+                <a14:useLocalDpi xmlns:a14="http://schemas.microsoft.com/office/drawing/2010/main" val="0"/>
+              </a:ext>
+            </a:extLst>
+          </a:blip>
+          <a:srcRect/>
+          <a:stretch>
+            <a:fillRect/>
+          </a:stretch>
+        </p:blipFill>
+        <p:spPr bwMode="auto">
+          <a:xfrm>
+            <a:off x="5841896" y="2386553"/>
+            <a:ext cx="975360" cy="2926080"/>
+          </a:xfrm>
+          <a:prstGeom prst="rect">
+            <a:avLst/>
+          </a:prstGeom>
+          <a:noFill/>
+          <a:extLst>
+            <a:ext uri="{909E8E84-426E-40DD-AFC4-6F175D3DCCD1}">
+              <a14:hiddenFill xmlns:a14="http://schemas.microsoft.com/office/drawing/2010/main">
+                <a:solidFill>
+                  <a:srgbClr val="FFFFFF"/>
+                </a:solidFill>
+              </a14:hiddenFill>
+            </a:ext>
+          </a:extLst>
+        </p:spPr>
+      </p:pic>
     </p:spTree>
     <p:extLst>
       <p:ext uri="{BB962C8B-B14F-4D97-AF65-F5344CB8AC3E}">
-        <p14:creationId xmlns:p14="http://schemas.microsoft.com/office/powerpoint/2010/main" val="3603530120"/>
+        <p14:creationId xmlns:p14="http://schemas.microsoft.com/office/powerpoint/2010/main" val="4089725833"/>
       </p:ext>
     </p:extLst>
   </p:cSld>
@@ -4319,7 +5497,7 @@
                             </p:stCondLst>
                             <p:childTnLst>
                               <p:par>
-                                <p:cTn id="5" presetID="10" presetClass="entr" presetSubtype="0" fill="hold" grpId="0" nodeType="clickEffect">
+                                <p:cTn id="5" presetID="10" presetClass="entr" presetSubtype="0" fill="hold" nodeType="clickEffect">
                                   <p:stCondLst>
                                     <p:cond delay="0"/>
                                   </p:stCondLst>
@@ -4380,7 +5558,7 @@
                             </p:stCondLst>
                             <p:childTnLst>
                               <p:par>
-                                <p:cTn id="10" presetID="10" presetClass="entr" presetSubtype="0" fill="hold" grpId="0" nodeType="clickEffect">
+                                <p:cTn id="10" presetID="10" presetClass="entr" presetSubtype="0" fill="hold" nodeType="clickEffect">
                                   <p:stCondLst>
                                     <p:cond delay="0"/>
                                   </p:stCondLst>
@@ -4416,6 +5594,41 @@
                                               <p:pRg st="2" end="2"/>
                                             </p:txEl>
                                           </p:spTgt>
+                                        </p:tgtEl>
+                                      </p:cBhvr>
+                                    </p:animEffect>
+                                  </p:childTnLst>
+                                </p:cTn>
+                              </p:par>
+                              <p:par>
+                                <p:cTn id="13" presetID="10" presetClass="entr" presetSubtype="0" fill="hold" nodeType="withEffect">
+                                  <p:stCondLst>
+                                    <p:cond delay="0"/>
+                                  </p:stCondLst>
+                                  <p:childTnLst>
+                                    <p:set>
+                                      <p:cBhvr>
+                                        <p:cTn id="14" dur="1" fill="hold">
+                                          <p:stCondLst>
+                                            <p:cond delay="0"/>
+                                          </p:stCondLst>
+                                        </p:cTn>
+                                        <p:tgtEl>
+                                          <p:spTgt spid="1029"/>
+                                        </p:tgtEl>
+                                        <p:attrNameLst>
+                                          <p:attrName>style.visibility</p:attrName>
+                                        </p:attrNameLst>
+                                      </p:cBhvr>
+                                      <p:to>
+                                        <p:strVal val="visible"/>
+                                      </p:to>
+                                    </p:set>
+                                    <p:animEffect transition="in" filter="fade">
+                                      <p:cBhvr>
+                                        <p:cTn id="15" dur="500"/>
+                                        <p:tgtEl>
+                                          <p:spTgt spid="1029"/>
                                         </p:tgtEl>
                                       </p:cBhvr>
                                     </p:animEffect>
@@ -4429,26 +5642,26 @@
                     </p:cTn>
                   </p:par>
                   <p:par>
-                    <p:cTn id="13" fill="hold">
+                    <p:cTn id="16" fill="hold">
                       <p:stCondLst>
                         <p:cond delay="indefinite"/>
                       </p:stCondLst>
                       <p:childTnLst>
                         <p:par>
-                          <p:cTn id="14" fill="hold">
+                          <p:cTn id="17" fill="hold">
                             <p:stCondLst>
                               <p:cond delay="0"/>
                             </p:stCondLst>
                             <p:childTnLst>
                               <p:par>
-                                <p:cTn id="15" presetID="10" presetClass="entr" presetSubtype="0" fill="hold" grpId="0" nodeType="clickEffect">
+                                <p:cTn id="18" presetID="10" presetClass="entr" presetSubtype="0" fill="hold" nodeType="clickEffect">
                                   <p:stCondLst>
                                     <p:cond delay="0"/>
                                   </p:stCondLst>
                                   <p:childTnLst>
                                     <p:set>
                                       <p:cBhvr>
-                                        <p:cTn id="16" dur="1" fill="hold">
+                                        <p:cTn id="19" dur="1" fill="hold">
                                           <p:stCondLst>
                                             <p:cond delay="0"/>
                                           </p:stCondLst>
@@ -4456,7 +5669,7 @@
                                         <p:tgtEl>
                                           <p:spTgt spid="3">
                                             <p:txEl>
-                                              <p:pRg st="5" end="5"/>
+                                              <p:pRg st="4" end="4"/>
                                             </p:txEl>
                                           </p:spTgt>
                                         </p:tgtEl>
@@ -4470,13 +5683,144 @@
                                     </p:set>
                                     <p:animEffect transition="in" filter="fade">
                                       <p:cBhvr>
-                                        <p:cTn id="17" dur="500"/>
+                                        <p:cTn id="20" dur="500"/>
                                         <p:tgtEl>
                                           <p:spTgt spid="3">
                                             <p:txEl>
-                                              <p:pRg st="5" end="5"/>
+                                              <p:pRg st="4" end="4"/>
                                             </p:txEl>
                                           </p:spTgt>
+                                        </p:tgtEl>
+                                      </p:cBhvr>
+                                    </p:animEffect>
+                                  </p:childTnLst>
+                                </p:cTn>
+                              </p:par>
+                              <p:par>
+                                <p:cTn id="21" presetID="10" presetClass="entr" presetSubtype="0" fill="hold" nodeType="withEffect">
+                                  <p:stCondLst>
+                                    <p:cond delay="0"/>
+                                  </p:stCondLst>
+                                  <p:childTnLst>
+                                    <p:set>
+                                      <p:cBhvr>
+                                        <p:cTn id="22" dur="1" fill="hold">
+                                          <p:stCondLst>
+                                            <p:cond delay="0"/>
+                                          </p:stCondLst>
+                                        </p:cTn>
+                                        <p:tgtEl>
+                                          <p:spTgt spid="1027"/>
+                                        </p:tgtEl>
+                                        <p:attrNameLst>
+                                          <p:attrName>style.visibility</p:attrName>
+                                        </p:attrNameLst>
+                                      </p:cBhvr>
+                                      <p:to>
+                                        <p:strVal val="visible"/>
+                                      </p:to>
+                                    </p:set>
+                                    <p:animEffect transition="in" filter="fade">
+                                      <p:cBhvr>
+                                        <p:cTn id="23" dur="500"/>
+                                        <p:tgtEl>
+                                          <p:spTgt spid="1027"/>
+                                        </p:tgtEl>
+                                      </p:cBhvr>
+                                    </p:animEffect>
+                                  </p:childTnLst>
+                                </p:cTn>
+                              </p:par>
+                            </p:childTnLst>
+                          </p:cTn>
+                        </p:par>
+                      </p:childTnLst>
+                    </p:cTn>
+                  </p:par>
+                  <p:par>
+                    <p:cTn id="24" fill="hold">
+                      <p:stCondLst>
+                        <p:cond delay="indefinite"/>
+                      </p:stCondLst>
+                      <p:childTnLst>
+                        <p:par>
+                          <p:cTn id="25" fill="hold">
+                            <p:stCondLst>
+                              <p:cond delay="0"/>
+                            </p:stCondLst>
+                            <p:childTnLst>
+                              <p:par>
+                                <p:cTn id="26" presetID="10" presetClass="entr" presetSubtype="0" fill="hold" nodeType="clickEffect">
+                                  <p:stCondLst>
+                                    <p:cond delay="0"/>
+                                  </p:stCondLst>
+                                  <p:childTnLst>
+                                    <p:set>
+                                      <p:cBhvr>
+                                        <p:cTn id="27" dur="1" fill="hold">
+                                          <p:stCondLst>
+                                            <p:cond delay="0"/>
+                                          </p:stCondLst>
+                                        </p:cTn>
+                                        <p:tgtEl>
+                                          <p:spTgt spid="3">
+                                            <p:txEl>
+                                              <p:pRg st="6" end="6"/>
+                                            </p:txEl>
+                                          </p:spTgt>
+                                        </p:tgtEl>
+                                        <p:attrNameLst>
+                                          <p:attrName>style.visibility</p:attrName>
+                                        </p:attrNameLst>
+                                      </p:cBhvr>
+                                      <p:to>
+                                        <p:strVal val="visible"/>
+                                      </p:to>
+                                    </p:set>
+                                    <p:animEffect transition="in" filter="fade">
+                                      <p:cBhvr>
+                                        <p:cTn id="28" dur="500"/>
+                                        <p:tgtEl>
+                                          <p:spTgt spid="3">
+                                            <p:txEl>
+                                              <p:pRg st="6" end="6"/>
+                                            </p:txEl>
+                                          </p:spTgt>
+                                        </p:tgtEl>
+                                      </p:cBhvr>
+                                    </p:animEffect>
+                                  </p:childTnLst>
+                                </p:cTn>
+                              </p:par>
+                              <p:par>
+                                <p:cTn id="29" presetID="10" presetClass="entr" presetSubtype="0" fill="hold" nodeType="withEffect">
+                                  <p:stCondLst>
+                                    <p:cond delay="0"/>
+                                  </p:stCondLst>
+                                  <p:childTnLst>
+                                    <p:set>
+                                      <p:cBhvr>
+                                        <p:cTn id="30" dur="1" fill="hold">
+                                          <p:stCondLst>
+                                            <p:cond delay="0"/>
+                                          </p:stCondLst>
+                                        </p:cTn>
+                                        <p:tgtEl>
+                                          <p:spTgt spid="1026"/>
+                                        </p:tgtEl>
+                                        <p:attrNameLst>
+                                          <p:attrName>style.visibility</p:attrName>
+                                        </p:attrNameLst>
+                                      </p:cBhvr>
+                                      <p:to>
+                                        <p:strVal val="visible"/>
+                                      </p:to>
+                                    </p:set>
+                                    <p:animEffect transition="in" filter="fade">
+                                      <p:cBhvr>
+                                        <p:cTn id="31" dur="500"/>
+                                        <p:tgtEl>
+                                          <p:spTgt spid="1026"/>
                                         </p:tgtEl>
                                       </p:cBhvr>
                                     </p:animEffect>
@@ -4510,9 +5854,6 @@
         </p:cTn>
       </p:par>
     </p:tnLst>
-    <p:bldLst>
-      <p:bldP spid="3" grpId="0" build="p"/>
-    </p:bldLst>
   </p:timing>
 </p:sld>
 </file>
@@ -4556,7 +5897,7 @@
                 </a:solidFill>
                 <a:latin typeface="TeXGyreAdventor" pitchFamily="50" charset="0"/>
               </a:rPr>
-              <a:t>Code Änderungen</a:t>
+              <a:t>Änderungen Art</a:t>
             </a:r>
             <a:endParaRPr lang="de-DE" b="1" dirty="0">
               <a:solidFill>
@@ -4580,9 +5921,86 @@
         <p:spPr/>
         <p:txBody>
           <a:bodyPr>
-            <a:normAutofit/>
+            <a:normAutofit fontScale="92500" lnSpcReduction="20000"/>
           </a:bodyPr>
           <a:lstStyle/>
+          <a:p>
+            <a:pPr marL="0" indent="0" algn="ctr">
+              <a:buNone/>
+            </a:pPr>
+            <a:r>
+              <a:rPr lang="de-DE" b="1" dirty="0" smtClean="0">
+                <a:solidFill>
+                  <a:schemeClr val="bg1"/>
+                </a:solidFill>
+                <a:latin typeface="TeXGyreAdventor" pitchFamily="50" charset="0"/>
+              </a:rPr>
+              <a:t>Level</a:t>
+            </a:r>
+          </a:p>
+          <a:p>
+            <a:pPr marL="0" indent="0">
+              <a:buNone/>
+            </a:pPr>
+            <a:endParaRPr lang="de-DE" dirty="0" smtClean="0">
+              <a:solidFill>
+                <a:schemeClr val="bg1"/>
+              </a:solidFill>
+              <a:latin typeface="TeXGyreAdventor" pitchFamily="50" charset="0"/>
+            </a:endParaRPr>
+          </a:p>
+          <a:p>
+            <a:r>
+              <a:rPr lang="de-DE" dirty="0" err="1" smtClean="0">
+                <a:solidFill>
+                  <a:schemeClr val="bg1"/>
+                </a:solidFill>
+                <a:latin typeface="TeXGyreAdventor" pitchFamily="50" charset="0"/>
+              </a:rPr>
+              <a:t>Spawner</a:t>
+            </a:r>
+            <a:endParaRPr lang="de-DE" dirty="0" smtClean="0">
+              <a:solidFill>
+                <a:schemeClr val="bg1"/>
+              </a:solidFill>
+              <a:latin typeface="TeXGyreAdventor" pitchFamily="50" charset="0"/>
+            </a:endParaRPr>
+          </a:p>
+          <a:p>
+            <a:endParaRPr lang="de-DE" dirty="0" smtClean="0">
+              <a:solidFill>
+                <a:schemeClr val="bg1"/>
+              </a:solidFill>
+              <a:latin typeface="TeXGyreAdventor" pitchFamily="50" charset="0"/>
+            </a:endParaRPr>
+          </a:p>
+          <a:p>
+            <a:endParaRPr lang="de-DE" dirty="0" smtClean="0">
+              <a:solidFill>
+                <a:schemeClr val="bg1"/>
+              </a:solidFill>
+              <a:latin typeface="TeXGyreAdventor" pitchFamily="50" charset="0"/>
+            </a:endParaRPr>
+          </a:p>
+          <a:p>
+            <a:r>
+              <a:rPr lang="de-DE" dirty="0" smtClean="0">
+                <a:solidFill>
+                  <a:schemeClr val="bg1"/>
+                </a:solidFill>
+                <a:latin typeface="TeXGyreAdventor" pitchFamily="50" charset="0"/>
+              </a:rPr>
+              <a:t>Generator</a:t>
+            </a:r>
+          </a:p>
+          <a:p>
+            <a:endParaRPr lang="de-DE" dirty="0" smtClean="0">
+              <a:solidFill>
+                <a:schemeClr val="bg1"/>
+              </a:solidFill>
+              <a:latin typeface="TeXGyreAdventor" pitchFamily="50" charset="0"/>
+            </a:endParaRPr>
+          </a:p>
           <a:p>
             <a:endParaRPr lang="de-DE" dirty="0">
               <a:solidFill>
@@ -4591,12 +6009,162 @@
               <a:latin typeface="TeXGyreAdventor" pitchFamily="50" charset="0"/>
             </a:endParaRPr>
           </a:p>
+          <a:p>
+            <a:r>
+              <a:rPr lang="de-DE" dirty="0" smtClean="0">
+                <a:solidFill>
+                  <a:schemeClr val="bg1"/>
+                </a:solidFill>
+                <a:latin typeface="TeXGyreAdventor" pitchFamily="50" charset="0"/>
+              </a:rPr>
+              <a:t>Kabel</a:t>
+            </a:r>
+          </a:p>
+          <a:p>
+            <a:endParaRPr lang="de-DE" dirty="0" smtClean="0">
+              <a:solidFill>
+                <a:schemeClr val="bg1"/>
+              </a:solidFill>
+              <a:latin typeface="TeXGyreAdventor" pitchFamily="50" charset="0"/>
+            </a:endParaRPr>
+          </a:p>
+          <a:p>
+            <a:endParaRPr lang="de-DE" dirty="0">
+              <a:solidFill>
+                <a:schemeClr val="bg1"/>
+              </a:solidFill>
+              <a:latin typeface="TeXGyreAdventor" pitchFamily="50" charset="0"/>
+            </a:endParaRPr>
+          </a:p>
         </p:txBody>
       </p:sp>
+      <p:pic>
+        <p:nvPicPr>
+          <p:cNvPr id="2050" name="Picture 2" descr="C:\Users\jaromir.paarmann\Documents\HammerMan\Art\BilderPPPgate02\Cable.png"/>
+          <p:cNvPicPr>
+            <a:picLocks noChangeAspect="1" noChangeArrowheads="1"/>
+          </p:cNvPicPr>
+          <p:nvPr/>
+        </p:nvPicPr>
+        <p:blipFill>
+          <a:blip r:embed="rId2" cstate="print">
+            <a:extLst>
+              <a:ext uri="{28A0092B-C50C-407E-A947-70E740481C1C}">
+                <a14:useLocalDpi xmlns:a14="http://schemas.microsoft.com/office/drawing/2010/main" val="0"/>
+              </a:ext>
+            </a:extLst>
+          </a:blip>
+          <a:srcRect/>
+          <a:stretch>
+            <a:fillRect/>
+          </a:stretch>
+        </p:blipFill>
+        <p:spPr bwMode="auto">
+          <a:xfrm>
+            <a:off x="3015630" y="5013176"/>
+            <a:ext cx="1463040" cy="1463040"/>
+          </a:xfrm>
+          <a:prstGeom prst="rect">
+            <a:avLst/>
+          </a:prstGeom>
+          <a:noFill/>
+          <a:extLst>
+            <a:ext uri="{909E8E84-426E-40DD-AFC4-6F175D3DCCD1}">
+              <a14:hiddenFill xmlns:a14="http://schemas.microsoft.com/office/drawing/2010/main">
+                <a:solidFill>
+                  <a:srgbClr val="FFFFFF"/>
+                </a:solidFill>
+              </a14:hiddenFill>
+            </a:ext>
+          </a:extLst>
+        </p:spPr>
+      </p:pic>
+      <p:pic>
+        <p:nvPicPr>
+          <p:cNvPr id="2054" name="Picture 6" descr="C:\Users\jaromir.paarmann\Documents\HammerMan\Art\BilderPPPgate02\Spawner.gif"/>
+          <p:cNvPicPr>
+            <a:picLocks noChangeAspect="1" noChangeArrowheads="1" noCrop="1"/>
+          </p:cNvPicPr>
+          <p:nvPr/>
+        </p:nvPicPr>
+        <p:blipFill>
+          <a:blip r:embed="rId3" cstate="print">
+            <a:extLst>
+              <a:ext uri="{28A0092B-C50C-407E-A947-70E740481C1C}">
+                <a14:useLocalDpi xmlns:a14="http://schemas.microsoft.com/office/drawing/2010/main" val="0"/>
+              </a:ext>
+            </a:extLst>
+          </a:blip>
+          <a:srcRect/>
+          <a:stretch>
+            <a:fillRect/>
+          </a:stretch>
+        </p:blipFill>
+        <p:spPr bwMode="auto">
+          <a:xfrm>
+            <a:off x="2771790" y="1772816"/>
+            <a:ext cx="1950720" cy="1950720"/>
+          </a:xfrm>
+          <a:prstGeom prst="rect">
+            <a:avLst/>
+          </a:prstGeom>
+          <a:noFill/>
+          <a:extLst>
+            <a:ext uri="{909E8E84-426E-40DD-AFC4-6F175D3DCCD1}">
+              <a14:hiddenFill xmlns:a14="http://schemas.microsoft.com/office/drawing/2010/main">
+                <a:solidFill>
+                  <a:srgbClr val="FFFFFF"/>
+                </a:solidFill>
+              </a14:hiddenFill>
+            </a:ext>
+          </a:extLst>
+        </p:spPr>
+      </p:pic>
+      <p:pic>
+        <p:nvPicPr>
+          <p:cNvPr id="2055" name="Picture 7" descr="C:\Users\jaromir.paarmann\Documents\HammerMan\Art\BilderPPPgate02\GeneratorWhite.gif"/>
+          <p:cNvPicPr>
+            <a:picLocks noChangeAspect="1" noChangeArrowheads="1" noCrop="1"/>
+          </p:cNvPicPr>
+          <p:nvPr/>
+        </p:nvPicPr>
+        <p:blipFill>
+          <a:blip r:embed="rId4" cstate="print">
+            <a:extLst>
+              <a:ext uri="{28A0092B-C50C-407E-A947-70E740481C1C}">
+                <a14:useLocalDpi xmlns:a14="http://schemas.microsoft.com/office/drawing/2010/main" val="0"/>
+              </a:ext>
+            </a:extLst>
+          </a:blip>
+          <a:srcRect/>
+          <a:stretch>
+            <a:fillRect/>
+          </a:stretch>
+        </p:blipFill>
+        <p:spPr bwMode="auto">
+          <a:xfrm>
+            <a:off x="4733920" y="3318098"/>
+            <a:ext cx="1950720" cy="1950720"/>
+          </a:xfrm>
+          <a:prstGeom prst="rect">
+            <a:avLst/>
+          </a:prstGeom>
+          <a:noFill/>
+          <a:extLst>
+            <a:ext uri="{909E8E84-426E-40DD-AFC4-6F175D3DCCD1}">
+              <a14:hiddenFill xmlns:a14="http://schemas.microsoft.com/office/drawing/2010/main">
+                <a:solidFill>
+                  <a:srgbClr val="FFFFFF"/>
+                </a:solidFill>
+              </a14:hiddenFill>
+            </a:ext>
+          </a:extLst>
+        </p:spPr>
+      </p:pic>
     </p:spTree>
     <p:extLst>
       <p:ext uri="{BB962C8B-B14F-4D97-AF65-F5344CB8AC3E}">
-        <p14:creationId xmlns:p14="http://schemas.microsoft.com/office/powerpoint/2010/main" val="2688108123"/>
+        <p14:creationId xmlns:p14="http://schemas.microsoft.com/office/powerpoint/2010/main" val="3603530120"/>
       </p:ext>
     </p:extLst>
   </p:cSld>
@@ -4624,15 +6192,10 @@
                             </p:stCondLst>
                             <p:childTnLst>
                               <p:par>
-                                <p:cTn id="5" presetID="10" presetClass="entr" presetSubtype="0" fill="hold" grpId="0" nodeType="clickEffect" nodePh="1">
+                                <p:cTn id="5" presetID="10" presetClass="entr" presetSubtype="0" fill="hold" nodeType="clickEffect">
                                   <p:stCondLst>
                                     <p:cond delay="0"/>
                                   </p:stCondLst>
-                                  <p:endCondLst>
-                                    <p:cond evt="begin" delay="0">
-                                      <p:tn val="5"/>
-                                    </p:cond>
-                                  </p:endCondLst>
                                   <p:childTnLst>
                                     <p:set>
                                       <p:cBhvr>
@@ -4665,6 +6228,294 @@
                                               <p:pRg st="0" end="0"/>
                                             </p:txEl>
                                           </p:spTgt>
+                                        </p:tgtEl>
+                                      </p:cBhvr>
+                                    </p:animEffect>
+                                  </p:childTnLst>
+                                </p:cTn>
+                              </p:par>
+                            </p:childTnLst>
+                          </p:cTn>
+                        </p:par>
+                      </p:childTnLst>
+                    </p:cTn>
+                  </p:par>
+                  <p:par>
+                    <p:cTn id="8" fill="hold">
+                      <p:stCondLst>
+                        <p:cond delay="indefinite"/>
+                      </p:stCondLst>
+                      <p:childTnLst>
+                        <p:par>
+                          <p:cTn id="9" fill="hold">
+                            <p:stCondLst>
+                              <p:cond delay="0"/>
+                            </p:stCondLst>
+                            <p:childTnLst>
+                              <p:par>
+                                <p:cTn id="10" presetID="10" presetClass="entr" presetSubtype="0" fill="hold" nodeType="clickEffect">
+                                  <p:stCondLst>
+                                    <p:cond delay="0"/>
+                                  </p:stCondLst>
+                                  <p:childTnLst>
+                                    <p:set>
+                                      <p:cBhvr>
+                                        <p:cTn id="11" dur="1" fill="hold">
+                                          <p:stCondLst>
+                                            <p:cond delay="0"/>
+                                          </p:stCondLst>
+                                        </p:cTn>
+                                        <p:tgtEl>
+                                          <p:spTgt spid="3">
+                                            <p:txEl>
+                                              <p:pRg st="2" end="2"/>
+                                            </p:txEl>
+                                          </p:spTgt>
+                                        </p:tgtEl>
+                                        <p:attrNameLst>
+                                          <p:attrName>style.visibility</p:attrName>
+                                        </p:attrNameLst>
+                                      </p:cBhvr>
+                                      <p:to>
+                                        <p:strVal val="visible"/>
+                                      </p:to>
+                                    </p:set>
+                                    <p:animEffect transition="in" filter="fade">
+                                      <p:cBhvr>
+                                        <p:cTn id="12" dur="500"/>
+                                        <p:tgtEl>
+                                          <p:spTgt spid="3">
+                                            <p:txEl>
+                                              <p:pRg st="2" end="2"/>
+                                            </p:txEl>
+                                          </p:spTgt>
+                                        </p:tgtEl>
+                                      </p:cBhvr>
+                                    </p:animEffect>
+                                  </p:childTnLst>
+                                </p:cTn>
+                              </p:par>
+                              <p:par>
+                                <p:cTn id="13" presetID="10" presetClass="entr" presetSubtype="0" fill="hold" nodeType="withEffect">
+                                  <p:stCondLst>
+                                    <p:cond delay="0"/>
+                                  </p:stCondLst>
+                                  <p:childTnLst>
+                                    <p:set>
+                                      <p:cBhvr>
+                                        <p:cTn id="14" dur="1" fill="hold">
+                                          <p:stCondLst>
+                                            <p:cond delay="0"/>
+                                          </p:stCondLst>
+                                        </p:cTn>
+                                        <p:tgtEl>
+                                          <p:spTgt spid="2054"/>
+                                        </p:tgtEl>
+                                        <p:attrNameLst>
+                                          <p:attrName>style.visibility</p:attrName>
+                                        </p:attrNameLst>
+                                      </p:cBhvr>
+                                      <p:to>
+                                        <p:strVal val="visible"/>
+                                      </p:to>
+                                    </p:set>
+                                    <p:animEffect transition="in" filter="fade">
+                                      <p:cBhvr>
+                                        <p:cTn id="15" dur="500"/>
+                                        <p:tgtEl>
+                                          <p:spTgt spid="2054"/>
+                                        </p:tgtEl>
+                                      </p:cBhvr>
+                                    </p:animEffect>
+                                  </p:childTnLst>
+                                </p:cTn>
+                              </p:par>
+                            </p:childTnLst>
+                          </p:cTn>
+                        </p:par>
+                      </p:childTnLst>
+                    </p:cTn>
+                  </p:par>
+                  <p:par>
+                    <p:cTn id="16" fill="hold">
+                      <p:stCondLst>
+                        <p:cond delay="indefinite"/>
+                      </p:stCondLst>
+                      <p:childTnLst>
+                        <p:par>
+                          <p:cTn id="17" fill="hold">
+                            <p:stCondLst>
+                              <p:cond delay="0"/>
+                            </p:stCondLst>
+                            <p:childTnLst>
+                              <p:par>
+                                <p:cTn id="18" presetID="10" presetClass="entr" presetSubtype="0" fill="hold" nodeType="clickEffect">
+                                  <p:stCondLst>
+                                    <p:cond delay="0"/>
+                                  </p:stCondLst>
+                                  <p:childTnLst>
+                                    <p:set>
+                                      <p:cBhvr>
+                                        <p:cTn id="19" dur="1" fill="hold">
+                                          <p:stCondLst>
+                                            <p:cond delay="0"/>
+                                          </p:stCondLst>
+                                        </p:cTn>
+                                        <p:tgtEl>
+                                          <p:spTgt spid="3">
+                                            <p:txEl>
+                                              <p:pRg st="5" end="5"/>
+                                            </p:txEl>
+                                          </p:spTgt>
+                                        </p:tgtEl>
+                                        <p:attrNameLst>
+                                          <p:attrName>style.visibility</p:attrName>
+                                        </p:attrNameLst>
+                                      </p:cBhvr>
+                                      <p:to>
+                                        <p:strVal val="visible"/>
+                                      </p:to>
+                                    </p:set>
+                                    <p:animEffect transition="in" filter="fade">
+                                      <p:cBhvr>
+                                        <p:cTn id="20" dur="500"/>
+                                        <p:tgtEl>
+                                          <p:spTgt spid="3">
+                                            <p:txEl>
+                                              <p:pRg st="5" end="5"/>
+                                            </p:txEl>
+                                          </p:spTgt>
+                                        </p:tgtEl>
+                                      </p:cBhvr>
+                                    </p:animEffect>
+                                  </p:childTnLst>
+                                </p:cTn>
+                              </p:par>
+                              <p:par>
+                                <p:cTn id="21" presetID="10" presetClass="entr" presetSubtype="0" fill="hold" nodeType="withEffect">
+                                  <p:stCondLst>
+                                    <p:cond delay="0"/>
+                                  </p:stCondLst>
+                                  <p:childTnLst>
+                                    <p:set>
+                                      <p:cBhvr>
+                                        <p:cTn id="22" dur="1" fill="hold">
+                                          <p:stCondLst>
+                                            <p:cond delay="0"/>
+                                          </p:stCondLst>
+                                        </p:cTn>
+                                        <p:tgtEl>
+                                          <p:spTgt spid="2055"/>
+                                        </p:tgtEl>
+                                        <p:attrNameLst>
+                                          <p:attrName>style.visibility</p:attrName>
+                                        </p:attrNameLst>
+                                      </p:cBhvr>
+                                      <p:to>
+                                        <p:strVal val="visible"/>
+                                      </p:to>
+                                    </p:set>
+                                    <p:animEffect transition="in" filter="fade">
+                                      <p:cBhvr>
+                                        <p:cTn id="23" dur="500"/>
+                                        <p:tgtEl>
+                                          <p:spTgt spid="2055"/>
+                                        </p:tgtEl>
+                                      </p:cBhvr>
+                                    </p:animEffect>
+                                  </p:childTnLst>
+                                </p:cTn>
+                              </p:par>
+                            </p:childTnLst>
+                          </p:cTn>
+                        </p:par>
+                      </p:childTnLst>
+                    </p:cTn>
+                  </p:par>
+                  <p:par>
+                    <p:cTn id="24" fill="hold">
+                      <p:stCondLst>
+                        <p:cond delay="indefinite"/>
+                      </p:stCondLst>
+                      <p:childTnLst>
+                        <p:par>
+                          <p:cTn id="25" fill="hold">
+                            <p:stCondLst>
+                              <p:cond delay="0"/>
+                            </p:stCondLst>
+                            <p:childTnLst>
+                              <p:par>
+                                <p:cTn id="26" presetID="10" presetClass="entr" presetSubtype="0" fill="hold" nodeType="clickEffect">
+                                  <p:stCondLst>
+                                    <p:cond delay="0"/>
+                                  </p:stCondLst>
+                                  <p:childTnLst>
+                                    <p:set>
+                                      <p:cBhvr>
+                                        <p:cTn id="27" dur="1" fill="hold">
+                                          <p:stCondLst>
+                                            <p:cond delay="0"/>
+                                          </p:stCondLst>
+                                        </p:cTn>
+                                        <p:tgtEl>
+                                          <p:spTgt spid="3">
+                                            <p:txEl>
+                                              <p:pRg st="8" end="8"/>
+                                            </p:txEl>
+                                          </p:spTgt>
+                                        </p:tgtEl>
+                                        <p:attrNameLst>
+                                          <p:attrName>style.visibility</p:attrName>
+                                        </p:attrNameLst>
+                                      </p:cBhvr>
+                                      <p:to>
+                                        <p:strVal val="visible"/>
+                                      </p:to>
+                                    </p:set>
+                                    <p:animEffect transition="in" filter="fade">
+                                      <p:cBhvr>
+                                        <p:cTn id="28" dur="500"/>
+                                        <p:tgtEl>
+                                          <p:spTgt spid="3">
+                                            <p:txEl>
+                                              <p:pRg st="8" end="8"/>
+                                            </p:txEl>
+                                          </p:spTgt>
+                                        </p:tgtEl>
+                                      </p:cBhvr>
+                                    </p:animEffect>
+                                  </p:childTnLst>
+                                </p:cTn>
+                              </p:par>
+                              <p:par>
+                                <p:cTn id="29" presetID="10" presetClass="entr" presetSubtype="0" fill="hold" nodeType="withEffect">
+                                  <p:stCondLst>
+                                    <p:cond delay="0"/>
+                                  </p:stCondLst>
+                                  <p:childTnLst>
+                                    <p:set>
+                                      <p:cBhvr>
+                                        <p:cTn id="30" dur="1" fill="hold">
+                                          <p:stCondLst>
+                                            <p:cond delay="0"/>
+                                          </p:stCondLst>
+                                        </p:cTn>
+                                        <p:tgtEl>
+                                          <p:spTgt spid="2050"/>
+                                        </p:tgtEl>
+                                        <p:attrNameLst>
+                                          <p:attrName>style.visibility</p:attrName>
+                                        </p:attrNameLst>
+                                      </p:cBhvr>
+                                      <p:to>
+                                        <p:strVal val="visible"/>
+                                      </p:to>
+                                    </p:set>
+                                    <p:animEffect transition="in" filter="fade">
+                                      <p:cBhvr>
+                                        <p:cTn id="31" dur="500"/>
+                                        <p:tgtEl>
+                                          <p:spTgt spid="2050"/>
                                         </p:tgtEl>
                                       </p:cBhvr>
                                     </p:animEffect>
@@ -4698,9 +6549,6 @@
         </p:cTn>
       </p:par>
     </p:tnLst>
-    <p:bldLst>
-      <p:bldP spid="3" grpId="0" uiExpand="1" build="p"/>
-    </p:bldLst>
   </p:timing>
 </p:sld>
 </file>
@@ -4744,34 +6592,7 @@
                 </a:solidFill>
                 <a:latin typeface="TeXGyreAdventor" pitchFamily="50" charset="0"/>
               </a:rPr>
-              <a:t>Nice </a:t>
-            </a:r>
-            <a:r>
-              <a:rPr lang="de-DE" b="1" dirty="0" err="1" smtClean="0">
-                <a:solidFill>
-                  <a:schemeClr val="bg1"/>
-                </a:solidFill>
-                <a:latin typeface="TeXGyreAdventor" pitchFamily="50" charset="0"/>
-              </a:rPr>
-              <a:t>to</a:t>
-            </a:r>
-            <a:r>
-              <a:rPr lang="de-DE" b="1" dirty="0" smtClean="0">
-                <a:solidFill>
-                  <a:schemeClr val="bg1"/>
-                </a:solidFill>
-                <a:latin typeface="TeXGyreAdventor" pitchFamily="50" charset="0"/>
-              </a:rPr>
-              <a:t> </a:t>
-            </a:r>
-            <a:r>
-              <a:rPr lang="de-DE" b="1" dirty="0" err="1" smtClean="0">
-                <a:solidFill>
-                  <a:schemeClr val="bg1"/>
-                </a:solidFill>
-                <a:latin typeface="TeXGyreAdventor" pitchFamily="50" charset="0"/>
-              </a:rPr>
-              <a:t>have</a:t>
+              <a:t>Änderungen Art</a:t>
             </a:r>
             <a:endParaRPr lang="de-DE" b="1" dirty="0">
               <a:solidFill>
@@ -4799,24 +6620,23 @@
           </a:bodyPr>
           <a:lstStyle/>
           <a:p>
-            <a:r>
-              <a:rPr lang="de-DE" dirty="0" smtClean="0">
+            <a:pPr marL="0" indent="0" algn="ctr">
+              <a:buNone/>
+            </a:pPr>
+            <a:r>
+              <a:rPr lang="de-DE" b="1" dirty="0" smtClean="0">
                 <a:solidFill>
                   <a:schemeClr val="bg1"/>
                 </a:solidFill>
                 <a:latin typeface="TeXGyreAdventor" pitchFamily="50" charset="0"/>
               </a:rPr>
-              <a:t>Jump </a:t>
-            </a:r>
-            <a:r>
-              <a:rPr lang="de-DE" dirty="0" err="1" smtClean="0">
-                <a:solidFill>
-                  <a:schemeClr val="bg1"/>
-                </a:solidFill>
-                <a:latin typeface="TeXGyreAdventor" pitchFamily="50" charset="0"/>
-              </a:rPr>
-              <a:t>Attack</a:t>
-            </a:r>
+              <a:t>Level</a:t>
+            </a:r>
+          </a:p>
+          <a:p>
+            <a:pPr marL="0" indent="0">
+              <a:buNone/>
+            </a:pPr>
             <a:endParaRPr lang="de-DE" dirty="0" smtClean="0">
               <a:solidFill>
                 <a:schemeClr val="bg1"/>
@@ -4825,9 +6645,31 @@
             </a:endParaRPr>
           </a:p>
           <a:p>
-            <a:pPr marL="0" indent="0">
-              <a:buNone/>
-            </a:pPr>
+            <a:r>
+              <a:rPr lang="de-DE" dirty="0" smtClean="0">
+                <a:solidFill>
+                  <a:schemeClr val="bg1"/>
+                </a:solidFill>
+                <a:latin typeface="TeXGyreAdventor" pitchFamily="50" charset="0"/>
+              </a:rPr>
+              <a:t>Möbel</a:t>
+            </a:r>
+            <a:endParaRPr lang="de-DE" dirty="0" smtClean="0">
+              <a:solidFill>
+                <a:schemeClr val="bg1"/>
+              </a:solidFill>
+              <a:latin typeface="TeXGyreAdventor" pitchFamily="50" charset="0"/>
+            </a:endParaRPr>
+          </a:p>
+          <a:p>
+            <a:endParaRPr lang="de-DE" dirty="0" smtClean="0">
+              <a:solidFill>
+                <a:schemeClr val="bg1"/>
+              </a:solidFill>
+              <a:latin typeface="TeXGyreAdventor" pitchFamily="50" charset="0"/>
+            </a:endParaRPr>
+          </a:p>
+          <a:p>
             <a:endParaRPr lang="de-DE" dirty="0">
               <a:solidFill>
                 <a:schemeClr val="bg1"/>
@@ -4835,12 +6677,151 @@
               <a:latin typeface="TeXGyreAdventor" pitchFamily="50" charset="0"/>
             </a:endParaRPr>
           </a:p>
+          <a:p>
+            <a:endParaRPr lang="de-DE" dirty="0" smtClean="0">
+              <a:solidFill>
+                <a:schemeClr val="bg1"/>
+              </a:solidFill>
+              <a:latin typeface="TeXGyreAdventor" pitchFamily="50" charset="0"/>
+            </a:endParaRPr>
+          </a:p>
+          <a:p>
+            <a:endParaRPr lang="de-DE" dirty="0">
+              <a:solidFill>
+                <a:schemeClr val="bg1"/>
+              </a:solidFill>
+              <a:latin typeface="TeXGyreAdventor" pitchFamily="50" charset="0"/>
+            </a:endParaRPr>
+          </a:p>
         </p:txBody>
       </p:sp>
+      <p:pic>
+        <p:nvPicPr>
+          <p:cNvPr id="5" name="Picture 4" descr="C:\Users\jaromir.paarmann\Documents\HammerMan\Art\BilderPPPgate02\ChairAndTable.png"/>
+          <p:cNvPicPr>
+            <a:picLocks noChangeAspect="1" noChangeArrowheads="1"/>
+          </p:cNvPicPr>
+          <p:nvPr/>
+        </p:nvPicPr>
+        <p:blipFill>
+          <a:blip r:embed="rId2" cstate="print">
+            <a:extLst>
+              <a:ext uri="{28A0092B-C50C-407E-A947-70E740481C1C}">
+                <a14:useLocalDpi xmlns:a14="http://schemas.microsoft.com/office/drawing/2010/main" val="0"/>
+              </a:ext>
+            </a:extLst>
+          </a:blip>
+          <a:srcRect/>
+          <a:stretch>
+            <a:fillRect/>
+          </a:stretch>
+        </p:blipFill>
+        <p:spPr bwMode="auto">
+          <a:xfrm>
+            <a:off x="1475656" y="1988840"/>
+            <a:ext cx="3901440" cy="3901440"/>
+          </a:xfrm>
+          <a:prstGeom prst="rect">
+            <a:avLst/>
+          </a:prstGeom>
+          <a:noFill/>
+          <a:extLst>
+            <a:ext uri="{909E8E84-426E-40DD-AFC4-6F175D3DCCD1}">
+              <a14:hiddenFill xmlns:a14="http://schemas.microsoft.com/office/drawing/2010/main">
+                <a:solidFill>
+                  <a:srgbClr val="FFFFFF"/>
+                </a:solidFill>
+              </a14:hiddenFill>
+            </a:ext>
+          </a:extLst>
+        </p:spPr>
+      </p:pic>
+      <p:pic>
+        <p:nvPicPr>
+          <p:cNvPr id="3074" name="Picture 2" descr="C:\Users\jaromir.paarmann\Documents\HammerMan\Art\BilderPPPgate02\Table.png"/>
+          <p:cNvPicPr>
+            <a:picLocks noChangeAspect="1" noChangeArrowheads="1"/>
+          </p:cNvPicPr>
+          <p:nvPr/>
+        </p:nvPicPr>
+        <p:blipFill>
+          <a:blip r:embed="rId3" cstate="print">
+            <a:extLst>
+              <a:ext uri="{28A0092B-C50C-407E-A947-70E740481C1C}">
+                <a14:useLocalDpi xmlns:a14="http://schemas.microsoft.com/office/drawing/2010/main" val="0"/>
+              </a:ext>
+            </a:extLst>
+          </a:blip>
+          <a:srcRect/>
+          <a:stretch>
+            <a:fillRect/>
+          </a:stretch>
+        </p:blipFill>
+        <p:spPr bwMode="auto">
+          <a:xfrm>
+            <a:off x="9162" y="2202092"/>
+            <a:ext cx="3901440" cy="3901440"/>
+          </a:xfrm>
+          <a:prstGeom prst="rect">
+            <a:avLst/>
+          </a:prstGeom>
+          <a:noFill/>
+          <a:extLst>
+            <a:ext uri="{909E8E84-426E-40DD-AFC4-6F175D3DCCD1}">
+              <a14:hiddenFill xmlns:a14="http://schemas.microsoft.com/office/drawing/2010/main">
+                <a:solidFill>
+                  <a:srgbClr val="FFFFFF"/>
+                </a:solidFill>
+              </a14:hiddenFill>
+            </a:ext>
+          </a:extLst>
+        </p:spPr>
+      </p:pic>
+      <p:pic>
+        <p:nvPicPr>
+          <p:cNvPr id="3075" name="Picture 3" descr="C:\Users\jaromir.paarmann\Documents\HammerMan\Art\BilderPPPgate02\Sofa.png"/>
+          <p:cNvPicPr>
+            <a:picLocks noChangeAspect="1" noChangeArrowheads="1"/>
+          </p:cNvPicPr>
+          <p:nvPr/>
+        </p:nvPicPr>
+        <p:blipFill>
+          <a:blip r:embed="rId4" cstate="print">
+            <a:extLst>
+              <a:ext uri="{28A0092B-C50C-407E-A947-70E740481C1C}">
+                <a14:useLocalDpi xmlns:a14="http://schemas.microsoft.com/office/drawing/2010/main" val="0"/>
+              </a:ext>
+            </a:extLst>
+          </a:blip>
+          <a:srcRect/>
+          <a:stretch>
+            <a:fillRect/>
+          </a:stretch>
+        </p:blipFill>
+        <p:spPr bwMode="auto">
+          <a:xfrm>
+            <a:off x="3059832" y="2132856"/>
+            <a:ext cx="5852160" cy="3901440"/>
+          </a:xfrm>
+          <a:prstGeom prst="rect">
+            <a:avLst/>
+          </a:prstGeom>
+          <a:noFill/>
+          <a:extLst>
+            <a:ext uri="{909E8E84-426E-40DD-AFC4-6F175D3DCCD1}">
+              <a14:hiddenFill xmlns:a14="http://schemas.microsoft.com/office/drawing/2010/main">
+                <a:solidFill>
+                  <a:srgbClr val="FFFFFF"/>
+                </a:solidFill>
+              </a14:hiddenFill>
+            </a:ext>
+          </a:extLst>
+        </p:spPr>
+      </p:pic>
     </p:spTree>
     <p:extLst>
       <p:ext uri="{BB962C8B-B14F-4D97-AF65-F5344CB8AC3E}">
-        <p14:creationId xmlns:p14="http://schemas.microsoft.com/office/powerpoint/2010/main" val="1501799160"/>
+        <p14:creationId xmlns:p14="http://schemas.microsoft.com/office/powerpoint/2010/main" val="1999325600"/>
       </p:ext>
     </p:extLst>
   </p:cSld>
@@ -4904,6 +6885,208 @@
                                               <p:pRg st="0" end="0"/>
                                             </p:txEl>
                                           </p:spTgt>
+                                        </p:tgtEl>
+                                      </p:cBhvr>
+                                    </p:animEffect>
+                                  </p:childTnLst>
+                                </p:cTn>
+                              </p:par>
+                            </p:childTnLst>
+                          </p:cTn>
+                        </p:par>
+                      </p:childTnLst>
+                    </p:cTn>
+                  </p:par>
+                  <p:par>
+                    <p:cTn id="8" fill="hold">
+                      <p:stCondLst>
+                        <p:cond delay="indefinite"/>
+                      </p:stCondLst>
+                      <p:childTnLst>
+                        <p:par>
+                          <p:cTn id="9" fill="hold">
+                            <p:stCondLst>
+                              <p:cond delay="0"/>
+                            </p:stCondLst>
+                            <p:childTnLst>
+                              <p:par>
+                                <p:cTn id="10" presetID="10" presetClass="entr" presetSubtype="0" fill="hold" grpId="0" nodeType="clickEffect">
+                                  <p:stCondLst>
+                                    <p:cond delay="0"/>
+                                  </p:stCondLst>
+                                  <p:childTnLst>
+                                    <p:set>
+                                      <p:cBhvr>
+                                        <p:cTn id="11" dur="1" fill="hold">
+                                          <p:stCondLst>
+                                            <p:cond delay="0"/>
+                                          </p:stCondLst>
+                                        </p:cTn>
+                                        <p:tgtEl>
+                                          <p:spTgt spid="3">
+                                            <p:txEl>
+                                              <p:pRg st="2" end="2"/>
+                                            </p:txEl>
+                                          </p:spTgt>
+                                        </p:tgtEl>
+                                        <p:attrNameLst>
+                                          <p:attrName>style.visibility</p:attrName>
+                                        </p:attrNameLst>
+                                      </p:cBhvr>
+                                      <p:to>
+                                        <p:strVal val="visible"/>
+                                      </p:to>
+                                    </p:set>
+                                    <p:animEffect transition="in" filter="fade">
+                                      <p:cBhvr>
+                                        <p:cTn id="12" dur="500"/>
+                                        <p:tgtEl>
+                                          <p:spTgt spid="3">
+                                            <p:txEl>
+                                              <p:pRg st="2" end="2"/>
+                                            </p:txEl>
+                                          </p:spTgt>
+                                        </p:tgtEl>
+                                      </p:cBhvr>
+                                    </p:animEffect>
+                                  </p:childTnLst>
+                                </p:cTn>
+                              </p:par>
+                            </p:childTnLst>
+                          </p:cTn>
+                        </p:par>
+                      </p:childTnLst>
+                    </p:cTn>
+                  </p:par>
+                  <p:par>
+                    <p:cTn id="13" fill="hold">
+                      <p:stCondLst>
+                        <p:cond delay="indefinite"/>
+                      </p:stCondLst>
+                      <p:childTnLst>
+                        <p:par>
+                          <p:cTn id="14" fill="hold">
+                            <p:stCondLst>
+                              <p:cond delay="0"/>
+                            </p:stCondLst>
+                            <p:childTnLst>
+                              <p:par>
+                                <p:cTn id="15" presetID="10" presetClass="entr" presetSubtype="0" fill="hold" nodeType="clickEffect">
+                                  <p:stCondLst>
+                                    <p:cond delay="0"/>
+                                  </p:stCondLst>
+                                  <p:childTnLst>
+                                    <p:set>
+                                      <p:cBhvr>
+                                        <p:cTn id="16" dur="1" fill="hold">
+                                          <p:stCondLst>
+                                            <p:cond delay="0"/>
+                                          </p:stCondLst>
+                                        </p:cTn>
+                                        <p:tgtEl>
+                                          <p:spTgt spid="3074"/>
+                                        </p:tgtEl>
+                                        <p:attrNameLst>
+                                          <p:attrName>style.visibility</p:attrName>
+                                        </p:attrNameLst>
+                                      </p:cBhvr>
+                                      <p:to>
+                                        <p:strVal val="visible"/>
+                                      </p:to>
+                                    </p:set>
+                                    <p:animEffect transition="in" filter="fade">
+                                      <p:cBhvr>
+                                        <p:cTn id="17" dur="500"/>
+                                        <p:tgtEl>
+                                          <p:spTgt spid="3074"/>
+                                        </p:tgtEl>
+                                      </p:cBhvr>
+                                    </p:animEffect>
+                                  </p:childTnLst>
+                                </p:cTn>
+                              </p:par>
+                              <p:par>
+                                <p:cTn id="18" presetID="10" presetClass="entr" presetSubtype="0" fill="hold" nodeType="withEffect">
+                                  <p:stCondLst>
+                                    <p:cond delay="0"/>
+                                  </p:stCondLst>
+                                  <p:childTnLst>
+                                    <p:set>
+                                      <p:cBhvr>
+                                        <p:cTn id="19" dur="1" fill="hold">
+                                          <p:stCondLst>
+                                            <p:cond delay="0"/>
+                                          </p:stCondLst>
+                                        </p:cTn>
+                                        <p:tgtEl>
+                                          <p:spTgt spid="5"/>
+                                        </p:tgtEl>
+                                        <p:attrNameLst>
+                                          <p:attrName>style.visibility</p:attrName>
+                                        </p:attrNameLst>
+                                      </p:cBhvr>
+                                      <p:to>
+                                        <p:strVal val="visible"/>
+                                      </p:to>
+                                    </p:set>
+                                    <p:animEffect transition="in" filter="fade">
+                                      <p:cBhvr>
+                                        <p:cTn id="20" dur="500"/>
+                                        <p:tgtEl>
+                                          <p:spTgt spid="5"/>
+                                        </p:tgtEl>
+                                      </p:cBhvr>
+                                    </p:animEffect>
+                                  </p:childTnLst>
+                                </p:cTn>
+                              </p:par>
+                            </p:childTnLst>
+                          </p:cTn>
+                        </p:par>
+                      </p:childTnLst>
+                    </p:cTn>
+                  </p:par>
+                  <p:par>
+                    <p:cTn id="21" fill="hold">
+                      <p:stCondLst>
+                        <p:cond delay="indefinite"/>
+                      </p:stCondLst>
+                      <p:childTnLst>
+                        <p:par>
+                          <p:cTn id="22" fill="hold">
+                            <p:stCondLst>
+                              <p:cond delay="0"/>
+                            </p:stCondLst>
+                            <p:childTnLst>
+                              <p:par>
+                                <p:cTn id="23" presetID="10" presetClass="entr" presetSubtype="0" fill="hold" nodeType="clickEffect">
+                                  <p:stCondLst>
+                                    <p:cond delay="0"/>
+                                  </p:stCondLst>
+                                  <p:childTnLst>
+                                    <p:set>
+                                      <p:cBhvr>
+                                        <p:cTn id="24" dur="1" fill="hold">
+                                          <p:stCondLst>
+                                            <p:cond delay="0"/>
+                                          </p:stCondLst>
+                                        </p:cTn>
+                                        <p:tgtEl>
+                                          <p:spTgt spid="3075"/>
+                                        </p:tgtEl>
+                                        <p:attrNameLst>
+                                          <p:attrName>style.visibility</p:attrName>
+                                        </p:attrNameLst>
+                                      </p:cBhvr>
+                                      <p:to>
+                                        <p:strVal val="visible"/>
+                                      </p:to>
+                                    </p:set>
+                                    <p:animEffect transition="in" filter="fade">
+                                      <p:cBhvr>
+                                        <p:cTn id="25" dur="500"/>
+                                        <p:tgtEl>
+                                          <p:spTgt spid="3075"/>
                                         </p:tgtEl>
                                       </p:cBhvr>
                                     </p:animEffect>
@@ -4983,34 +7166,7 @@
                 </a:solidFill>
                 <a:latin typeface="TeXGyreAdventor" pitchFamily="50" charset="0"/>
               </a:rPr>
-              <a:t>Nice </a:t>
-            </a:r>
-            <a:r>
-              <a:rPr lang="de-DE" b="1" dirty="0" err="1" smtClean="0">
-                <a:solidFill>
-                  <a:schemeClr val="bg1"/>
-                </a:solidFill>
-                <a:latin typeface="TeXGyreAdventor" pitchFamily="50" charset="0"/>
-              </a:rPr>
-              <a:t>to</a:t>
-            </a:r>
-            <a:r>
-              <a:rPr lang="de-DE" b="1" dirty="0" smtClean="0">
-                <a:solidFill>
-                  <a:schemeClr val="bg1"/>
-                </a:solidFill>
-                <a:latin typeface="TeXGyreAdventor" pitchFamily="50" charset="0"/>
-              </a:rPr>
-              <a:t> </a:t>
-            </a:r>
-            <a:r>
-              <a:rPr lang="de-DE" b="1" dirty="0" err="1" smtClean="0">
-                <a:solidFill>
-                  <a:schemeClr val="bg1"/>
-                </a:solidFill>
-                <a:latin typeface="TeXGyreAdventor" pitchFamily="50" charset="0"/>
-              </a:rPr>
-              <a:t>have</a:t>
+              <a:t>Code Änderungen</a:t>
             </a:r>
             <a:endParaRPr lang="de-DE" b="1" dirty="0">
               <a:solidFill>
@@ -5034,144 +7190,98 @@
         <p:spPr/>
         <p:txBody>
           <a:bodyPr>
-            <a:normAutofit fontScale="92500" lnSpcReduction="10000"/>
+            <a:normAutofit lnSpcReduction="10000"/>
           </a:bodyPr>
           <a:lstStyle/>
           <a:p>
-            <a:pPr marL="0" indent="0" algn="ctr">
-              <a:buNone/>
-            </a:pPr>
-            <a:r>
-              <a:rPr lang="de-DE" b="1" dirty="0" smtClean="0">
+            <a:r>
+              <a:rPr lang="de-DE" dirty="0" smtClean="0">
                 <a:solidFill>
                   <a:schemeClr val="bg1"/>
                 </a:solidFill>
                 <a:latin typeface="TeXGyreAdventor" pitchFamily="50" charset="0"/>
               </a:rPr>
-              <a:t>Enemy </a:t>
-            </a:r>
-            <a:r>
-              <a:rPr lang="de-DE" b="1" dirty="0" err="1" smtClean="0">
+              <a:t>Code für Animation</a:t>
+            </a:r>
+          </a:p>
+          <a:p>
+            <a:r>
+              <a:rPr lang="de-DE" dirty="0" smtClean="0">
                 <a:solidFill>
                   <a:schemeClr val="bg1"/>
                 </a:solidFill>
                 <a:latin typeface="TeXGyreAdventor" pitchFamily="50" charset="0"/>
               </a:rPr>
-              <a:t>Types</a:t>
-            </a:r>
-            <a:endParaRPr lang="de-DE" b="1" dirty="0" smtClean="0">
-              <a:solidFill>
-                <a:schemeClr val="bg1"/>
-              </a:solidFill>
-              <a:latin typeface="TeXGyreAdventor" pitchFamily="50" charset="0"/>
-            </a:endParaRPr>
-          </a:p>
-          <a:p>
-            <a:endParaRPr lang="en-US" dirty="0" smtClean="0">
-              <a:solidFill>
-                <a:schemeClr val="bg1"/>
-              </a:solidFill>
-              <a:latin typeface="TeXGyreAdventor" pitchFamily="50" charset="0"/>
-            </a:endParaRPr>
-          </a:p>
-          <a:p>
-            <a:r>
-              <a:rPr lang="en-US" dirty="0" smtClean="0">
+              <a:t>Audio Architektur Überarbeitung</a:t>
+            </a:r>
+          </a:p>
+          <a:p>
+            <a:r>
+              <a:rPr lang="de-DE" dirty="0" smtClean="0">
                 <a:solidFill>
                   <a:schemeClr val="bg1"/>
                 </a:solidFill>
                 <a:latin typeface="TeXGyreAdventor" pitchFamily="50" charset="0"/>
               </a:rPr>
-              <a:t>Exploding enemy</a:t>
-            </a:r>
-          </a:p>
-          <a:p>
-            <a:pPr lvl="1"/>
-            <a:endParaRPr lang="en-US" dirty="0">
-              <a:solidFill>
-                <a:schemeClr val="bg1"/>
-              </a:solidFill>
-              <a:latin typeface="TeXGyreAdventor" pitchFamily="50" charset="0"/>
-            </a:endParaRPr>
-          </a:p>
-          <a:p>
-            <a:r>
-              <a:rPr lang="en-US" dirty="0" err="1">
+              <a:t>Generator Funktionalität</a:t>
+            </a:r>
+          </a:p>
+          <a:p>
+            <a:r>
+              <a:rPr lang="de-DE" dirty="0" smtClean="0">
                 <a:solidFill>
                   <a:schemeClr val="bg1"/>
                 </a:solidFill>
                 <a:latin typeface="TeXGyreAdventor" pitchFamily="50" charset="0"/>
               </a:rPr>
-              <a:t>Resurrectable</a:t>
-            </a:r>
-            <a:r>
-              <a:rPr lang="en-US" dirty="0">
+              <a:t>Kisten Funktionalität</a:t>
+            </a:r>
+          </a:p>
+          <a:p>
+            <a:r>
+              <a:rPr lang="de-DE" dirty="0" smtClean="0">
                 <a:solidFill>
                   <a:schemeClr val="bg1"/>
                 </a:solidFill>
                 <a:latin typeface="TeXGyreAdventor" pitchFamily="50" charset="0"/>
               </a:rPr>
-              <a:t> </a:t>
-            </a:r>
-            <a:r>
-              <a:rPr lang="en-US" dirty="0" smtClean="0">
+              <a:t>Menüs</a:t>
+            </a:r>
+          </a:p>
+          <a:p>
+            <a:r>
+              <a:rPr lang="de-DE" dirty="0" smtClean="0">
                 <a:solidFill>
                   <a:schemeClr val="bg1"/>
                 </a:solidFill>
                 <a:latin typeface="TeXGyreAdventor" pitchFamily="50" charset="0"/>
               </a:rPr>
-              <a:t>enemy</a:t>
-            </a:r>
-          </a:p>
-          <a:p>
-            <a:endParaRPr lang="en-US" dirty="0">
-              <a:solidFill>
-                <a:schemeClr val="bg1"/>
-              </a:solidFill>
-              <a:latin typeface="TeXGyreAdventor" pitchFamily="50" charset="0"/>
-            </a:endParaRPr>
-          </a:p>
-          <a:p>
-            <a:r>
-              <a:rPr lang="en-US" dirty="0">
+              <a:t>Partikel Effekte</a:t>
+            </a:r>
+          </a:p>
+          <a:p>
+            <a:r>
+              <a:rPr lang="de-DE" dirty="0" smtClean="0">
                 <a:solidFill>
                   <a:schemeClr val="bg1"/>
                 </a:solidFill>
                 <a:latin typeface="TeXGyreAdventor" pitchFamily="50" charset="0"/>
               </a:rPr>
-              <a:t>Armored </a:t>
-            </a:r>
-            <a:r>
-              <a:rPr lang="en-US" dirty="0" smtClean="0">
+              <a:t>Enemy Death Effekte</a:t>
+            </a:r>
+          </a:p>
+          <a:p>
+            <a:r>
+              <a:rPr lang="de-DE" dirty="0" smtClean="0">
                 <a:solidFill>
                   <a:schemeClr val="bg1"/>
                 </a:solidFill>
                 <a:latin typeface="TeXGyreAdventor" pitchFamily="50" charset="0"/>
               </a:rPr>
-              <a:t>enemy</a:t>
-            </a:r>
-          </a:p>
-          <a:p>
-            <a:endParaRPr lang="en-US" dirty="0">
-              <a:solidFill>
-                <a:schemeClr val="bg1"/>
-              </a:solidFill>
-              <a:latin typeface="TeXGyreAdventor" pitchFamily="50" charset="0"/>
-            </a:endParaRPr>
-          </a:p>
-          <a:p>
-            <a:r>
-              <a:rPr lang="en-US" dirty="0">
-                <a:solidFill>
-                  <a:schemeClr val="bg1"/>
-                </a:solidFill>
-                <a:latin typeface="TeXGyreAdventor" pitchFamily="50" charset="0"/>
-              </a:rPr>
-              <a:t>Toss-able enemy</a:t>
-            </a:r>
-          </a:p>
-          <a:p>
-            <a:pPr lvl="1"/>
+              <a:t>Bug Fixes</a:t>
+            </a:r>
+          </a:p>
+          <a:p>
             <a:endParaRPr lang="de-DE" dirty="0">
               <a:solidFill>
                 <a:schemeClr val="bg1"/>
@@ -5181,174 +7291,10 @@
           </a:p>
         </p:txBody>
       </p:sp>
-      <p:pic>
-        <p:nvPicPr>
-          <p:cNvPr id="8194" name="Picture 2" descr="C:\Users\jaromir.paarmann\Documents\HammerMan\Art\BilderPPPGate01\Explosion.jpg"/>
-          <p:cNvPicPr>
-            <a:picLocks noChangeAspect="1" noChangeArrowheads="1"/>
-          </p:cNvPicPr>
-          <p:nvPr/>
-        </p:nvPicPr>
-        <p:blipFill>
-          <a:blip r:embed="rId2" cstate="print">
-            <a:extLst>
-              <a:ext uri="{28A0092B-C50C-407E-A947-70E740481C1C}">
-                <a14:useLocalDpi xmlns:a14="http://schemas.microsoft.com/office/drawing/2010/main" val="0"/>
-              </a:ext>
-            </a:extLst>
-          </a:blip>
-          <a:srcRect/>
-          <a:stretch>
-            <a:fillRect/>
-          </a:stretch>
-        </p:blipFill>
-        <p:spPr bwMode="auto">
-          <a:xfrm>
-            <a:off x="5004048" y="2305847"/>
-            <a:ext cx="1584176" cy="1189832"/>
-          </a:xfrm>
-          <a:prstGeom prst="rect">
-            <a:avLst/>
-          </a:prstGeom>
-          <a:noFill/>
-          <a:extLst>
-            <a:ext uri="{909E8E84-426E-40DD-AFC4-6F175D3DCCD1}">
-              <a14:hiddenFill xmlns:a14="http://schemas.microsoft.com/office/drawing/2010/main">
-                <a:solidFill>
-                  <a:srgbClr val="FFFFFF"/>
-                </a:solidFill>
-              </a14:hiddenFill>
-            </a:ext>
-          </a:extLst>
-        </p:spPr>
-      </p:pic>
-      <p:pic>
-        <p:nvPicPr>
-          <p:cNvPr id="8195" name="Picture 3" descr="C:\Users\jaromir.paarmann\Documents\HammerMan\Art\BilderPPPGate01\Resurrectable.jpg"/>
-          <p:cNvPicPr>
-            <a:picLocks noChangeAspect="1" noChangeArrowheads="1"/>
-          </p:cNvPicPr>
-          <p:nvPr/>
-        </p:nvPicPr>
-        <p:blipFill>
-          <a:blip r:embed="rId3">
-            <a:extLst>
-              <a:ext uri="{28A0092B-C50C-407E-A947-70E740481C1C}">
-                <a14:useLocalDpi xmlns:a14="http://schemas.microsoft.com/office/drawing/2010/main" val="0"/>
-              </a:ext>
-            </a:extLst>
-          </a:blip>
-          <a:srcRect/>
-          <a:stretch>
-            <a:fillRect/>
-          </a:stretch>
-        </p:blipFill>
-        <p:spPr bwMode="auto">
-          <a:xfrm>
-            <a:off x="6876256" y="2996952"/>
-            <a:ext cx="1536278" cy="1536278"/>
-          </a:xfrm>
-          <a:prstGeom prst="rect">
-            <a:avLst/>
-          </a:prstGeom>
-          <a:noFill/>
-          <a:extLst>
-            <a:ext uri="{909E8E84-426E-40DD-AFC4-6F175D3DCCD1}">
-              <a14:hiddenFill xmlns:a14="http://schemas.microsoft.com/office/drawing/2010/main">
-                <a:solidFill>
-                  <a:srgbClr val="FFFFFF"/>
-                </a:solidFill>
-              </a14:hiddenFill>
-            </a:ext>
-          </a:extLst>
-        </p:spPr>
-      </p:pic>
-      <p:pic>
-        <p:nvPicPr>
-          <p:cNvPr id="8196" name="Picture 4" descr="C:\Users\jaromir.paarmann\Documents\HammerMan\Art\BilderPPPGate01\Throw.jpg"/>
-          <p:cNvPicPr>
-            <a:picLocks noChangeAspect="1" noChangeArrowheads="1"/>
-          </p:cNvPicPr>
-          <p:nvPr/>
-        </p:nvPicPr>
-        <p:blipFill>
-          <a:blip r:embed="rId4" cstate="print">
-            <a:extLst>
-              <a:ext uri="{28A0092B-C50C-407E-A947-70E740481C1C}">
-                <a14:useLocalDpi xmlns:a14="http://schemas.microsoft.com/office/drawing/2010/main" val="0"/>
-              </a:ext>
-            </a:extLst>
-          </a:blip>
-          <a:srcRect/>
-          <a:stretch>
-            <a:fillRect/>
-          </a:stretch>
-        </p:blipFill>
-        <p:spPr bwMode="auto">
-          <a:xfrm>
-            <a:off x="6449335" y="5344685"/>
-            <a:ext cx="1819183" cy="1212081"/>
-          </a:xfrm>
-          <a:prstGeom prst="rect">
-            <a:avLst/>
-          </a:prstGeom>
-          <a:noFill/>
-          <a:extLst>
-            <a:ext uri="{909E8E84-426E-40DD-AFC4-6F175D3DCCD1}">
-              <a14:hiddenFill xmlns:a14="http://schemas.microsoft.com/office/drawing/2010/main">
-                <a:solidFill>
-                  <a:srgbClr val="FFFFFF"/>
-                </a:solidFill>
-              </a14:hiddenFill>
-            </a:ext>
-          </a:extLst>
-        </p:spPr>
-      </p:pic>
-      <p:pic>
-        <p:nvPicPr>
-          <p:cNvPr id="8197" name="Picture 5" descr="C:\Users\jaromir.paarmann\Documents\HammerMan\Art\BilderPPPGate01\Armor.png"/>
-          <p:cNvPicPr>
-            <a:picLocks noChangeAspect="1" noChangeArrowheads="1"/>
-          </p:cNvPicPr>
-          <p:nvPr/>
-        </p:nvPicPr>
-        <p:blipFill>
-          <a:blip r:embed="rId5" cstate="print">
-            <a:extLst>
-              <a:ext uri="{28A0092B-C50C-407E-A947-70E740481C1C}">
-                <a14:useLocalDpi xmlns:a14="http://schemas.microsoft.com/office/drawing/2010/main" val="0"/>
-              </a:ext>
-            </a:extLst>
-          </a:blip>
-          <a:srcRect/>
-          <a:stretch>
-            <a:fillRect/>
-          </a:stretch>
-        </p:blipFill>
-        <p:spPr bwMode="auto">
-          <a:xfrm>
-            <a:off x="4256029" y="4077072"/>
-            <a:ext cx="1728192" cy="1728192"/>
-          </a:xfrm>
-          <a:prstGeom prst="rect">
-            <a:avLst/>
-          </a:prstGeom>
-          <a:noFill/>
-          <a:extLst>
-            <a:ext uri="{909E8E84-426E-40DD-AFC4-6F175D3DCCD1}">
-              <a14:hiddenFill xmlns:a14="http://schemas.microsoft.com/office/drawing/2010/main">
-                <a:solidFill>
-                  <a:srgbClr val="FFFFFF"/>
-                </a:solidFill>
-              </a14:hiddenFill>
-            </a:ext>
-          </a:extLst>
-        </p:spPr>
-      </p:pic>
     </p:spTree>
     <p:extLst>
       <p:ext uri="{BB962C8B-B14F-4D97-AF65-F5344CB8AC3E}">
-        <p14:creationId xmlns:p14="http://schemas.microsoft.com/office/powerpoint/2010/main" val="1689521356"/>
+        <p14:creationId xmlns:p14="http://schemas.microsoft.com/office/powerpoint/2010/main" val="2688108123"/>
       </p:ext>
     </p:extLst>
   </p:cSld>
@@ -5452,7 +7398,7 @@
                                         <p:tgtEl>
                                           <p:spTgt spid="3">
                                             <p:txEl>
-                                              <p:pRg st="2" end="2"/>
+                                              <p:pRg st="1" end="1"/>
                                             </p:txEl>
                                           </p:spTgt>
                                         </p:tgtEl>
@@ -5470,44 +7416,9 @@
                                         <p:tgtEl>
                                           <p:spTgt spid="3">
                                             <p:txEl>
-                                              <p:pRg st="2" end="2"/>
+                                              <p:pRg st="1" end="1"/>
                                             </p:txEl>
                                           </p:spTgt>
-                                        </p:tgtEl>
-                                      </p:cBhvr>
-                                    </p:animEffect>
-                                  </p:childTnLst>
-                                </p:cTn>
-                              </p:par>
-                              <p:par>
-                                <p:cTn id="13" presetID="10" presetClass="entr" presetSubtype="0" fill="hold" nodeType="withEffect">
-                                  <p:stCondLst>
-                                    <p:cond delay="0"/>
-                                  </p:stCondLst>
-                                  <p:childTnLst>
-                                    <p:set>
-                                      <p:cBhvr>
-                                        <p:cTn id="14" dur="1" fill="hold">
-                                          <p:stCondLst>
-                                            <p:cond delay="0"/>
-                                          </p:stCondLst>
-                                        </p:cTn>
-                                        <p:tgtEl>
-                                          <p:spTgt spid="8194"/>
-                                        </p:tgtEl>
-                                        <p:attrNameLst>
-                                          <p:attrName>style.visibility</p:attrName>
-                                        </p:attrNameLst>
-                                      </p:cBhvr>
-                                      <p:to>
-                                        <p:strVal val="visible"/>
-                                      </p:to>
-                                    </p:set>
-                                    <p:animEffect transition="in" filter="fade">
-                                      <p:cBhvr>
-                                        <p:cTn id="15" dur="500"/>
-                                        <p:tgtEl>
-                                          <p:spTgt spid="8194"/>
                                         </p:tgtEl>
                                       </p:cBhvr>
                                     </p:animEffect>
@@ -5521,26 +7432,26 @@
                     </p:cTn>
                   </p:par>
                   <p:par>
-                    <p:cTn id="16" fill="hold">
+                    <p:cTn id="13" fill="hold">
                       <p:stCondLst>
                         <p:cond delay="indefinite"/>
                       </p:stCondLst>
                       <p:childTnLst>
                         <p:par>
-                          <p:cTn id="17" fill="hold">
+                          <p:cTn id="14" fill="hold">
                             <p:stCondLst>
                               <p:cond delay="0"/>
                             </p:stCondLst>
                             <p:childTnLst>
                               <p:par>
-                                <p:cTn id="18" presetID="10" presetClass="entr" presetSubtype="0" fill="hold" grpId="0" nodeType="clickEffect">
+                                <p:cTn id="15" presetID="10" presetClass="entr" presetSubtype="0" fill="hold" grpId="0" nodeType="clickEffect">
                                   <p:stCondLst>
                                     <p:cond delay="0"/>
                                   </p:stCondLst>
                                   <p:childTnLst>
                                     <p:set>
                                       <p:cBhvr>
-                                        <p:cTn id="19" dur="1" fill="hold">
+                                        <p:cTn id="16" dur="1" fill="hold">
                                           <p:stCondLst>
                                             <p:cond delay="0"/>
                                           </p:stCondLst>
@@ -5548,7 +7459,7 @@
                                         <p:tgtEl>
                                           <p:spTgt spid="3">
                                             <p:txEl>
-                                              <p:pRg st="4" end="4"/>
+                                              <p:pRg st="2" end="2"/>
                                             </p:txEl>
                                           </p:spTgt>
                                         </p:tgtEl>
@@ -5562,48 +7473,13 @@
                                     </p:set>
                                     <p:animEffect transition="in" filter="fade">
                                       <p:cBhvr>
-                                        <p:cTn id="20" dur="500"/>
+                                        <p:cTn id="17" dur="500"/>
                                         <p:tgtEl>
                                           <p:spTgt spid="3">
                                             <p:txEl>
-                                              <p:pRg st="4" end="4"/>
+                                              <p:pRg st="2" end="2"/>
                                             </p:txEl>
                                           </p:spTgt>
-                                        </p:tgtEl>
-                                      </p:cBhvr>
-                                    </p:animEffect>
-                                  </p:childTnLst>
-                                </p:cTn>
-                              </p:par>
-                              <p:par>
-                                <p:cTn id="21" presetID="10" presetClass="entr" presetSubtype="0" fill="hold" nodeType="withEffect">
-                                  <p:stCondLst>
-                                    <p:cond delay="0"/>
-                                  </p:stCondLst>
-                                  <p:childTnLst>
-                                    <p:set>
-                                      <p:cBhvr>
-                                        <p:cTn id="22" dur="1" fill="hold">
-                                          <p:stCondLst>
-                                            <p:cond delay="0"/>
-                                          </p:stCondLst>
-                                        </p:cTn>
-                                        <p:tgtEl>
-                                          <p:spTgt spid="8195"/>
-                                        </p:tgtEl>
-                                        <p:attrNameLst>
-                                          <p:attrName>style.visibility</p:attrName>
-                                        </p:attrNameLst>
-                                      </p:cBhvr>
-                                      <p:to>
-                                        <p:strVal val="visible"/>
-                                      </p:to>
-                                    </p:set>
-                                    <p:animEffect transition="in" filter="fade">
-                                      <p:cBhvr>
-                                        <p:cTn id="23" dur="500"/>
-                                        <p:tgtEl>
-                                          <p:spTgt spid="8195"/>
                                         </p:tgtEl>
                                       </p:cBhvr>
                                     </p:animEffect>
@@ -5617,26 +7493,26 @@
                     </p:cTn>
                   </p:par>
                   <p:par>
-                    <p:cTn id="24" fill="hold">
+                    <p:cTn id="18" fill="hold">
                       <p:stCondLst>
                         <p:cond delay="indefinite"/>
                       </p:stCondLst>
                       <p:childTnLst>
                         <p:par>
-                          <p:cTn id="25" fill="hold">
+                          <p:cTn id="19" fill="hold">
                             <p:stCondLst>
                               <p:cond delay="0"/>
                             </p:stCondLst>
                             <p:childTnLst>
                               <p:par>
-                                <p:cTn id="26" presetID="10" presetClass="entr" presetSubtype="0" fill="hold" grpId="0" nodeType="clickEffect">
+                                <p:cTn id="20" presetID="10" presetClass="entr" presetSubtype="0" fill="hold" grpId="0" nodeType="clickEffect">
                                   <p:stCondLst>
                                     <p:cond delay="0"/>
                                   </p:stCondLst>
                                   <p:childTnLst>
                                     <p:set>
                                       <p:cBhvr>
-                                        <p:cTn id="27" dur="1" fill="hold">
+                                        <p:cTn id="21" dur="1" fill="hold">
                                           <p:stCondLst>
                                             <p:cond delay="0"/>
                                           </p:stCondLst>
@@ -5644,7 +7520,7 @@
                                         <p:tgtEl>
                                           <p:spTgt spid="3">
                                             <p:txEl>
-                                              <p:pRg st="6" end="6"/>
+                                              <p:pRg st="3" end="3"/>
                                             </p:txEl>
                                           </p:spTgt>
                                         </p:tgtEl>
@@ -5658,48 +7534,13 @@
                                     </p:set>
                                     <p:animEffect transition="in" filter="fade">
                                       <p:cBhvr>
-                                        <p:cTn id="28" dur="500"/>
+                                        <p:cTn id="22" dur="500"/>
                                         <p:tgtEl>
                                           <p:spTgt spid="3">
                                             <p:txEl>
-                                              <p:pRg st="6" end="6"/>
+                                              <p:pRg st="3" end="3"/>
                                             </p:txEl>
                                           </p:spTgt>
-                                        </p:tgtEl>
-                                      </p:cBhvr>
-                                    </p:animEffect>
-                                  </p:childTnLst>
-                                </p:cTn>
-                              </p:par>
-                              <p:par>
-                                <p:cTn id="29" presetID="10" presetClass="entr" presetSubtype="0" fill="hold" nodeType="withEffect">
-                                  <p:stCondLst>
-                                    <p:cond delay="0"/>
-                                  </p:stCondLst>
-                                  <p:childTnLst>
-                                    <p:set>
-                                      <p:cBhvr>
-                                        <p:cTn id="30" dur="1" fill="hold">
-                                          <p:stCondLst>
-                                            <p:cond delay="0"/>
-                                          </p:stCondLst>
-                                        </p:cTn>
-                                        <p:tgtEl>
-                                          <p:spTgt spid="8197"/>
-                                        </p:tgtEl>
-                                        <p:attrNameLst>
-                                          <p:attrName>style.visibility</p:attrName>
-                                        </p:attrNameLst>
-                                      </p:cBhvr>
-                                      <p:to>
-                                        <p:strVal val="visible"/>
-                                      </p:to>
-                                    </p:set>
-                                    <p:animEffect transition="in" filter="fade">
-                                      <p:cBhvr>
-                                        <p:cTn id="31" dur="500"/>
-                                        <p:tgtEl>
-                                          <p:spTgt spid="8197"/>
                                         </p:tgtEl>
                                       </p:cBhvr>
                                     </p:animEffect>
@@ -5713,26 +7554,26 @@
                     </p:cTn>
                   </p:par>
                   <p:par>
-                    <p:cTn id="32" fill="hold">
+                    <p:cTn id="23" fill="hold">
                       <p:stCondLst>
                         <p:cond delay="indefinite"/>
                       </p:stCondLst>
                       <p:childTnLst>
                         <p:par>
-                          <p:cTn id="33" fill="hold">
+                          <p:cTn id="24" fill="hold">
                             <p:stCondLst>
                               <p:cond delay="0"/>
                             </p:stCondLst>
                             <p:childTnLst>
                               <p:par>
-                                <p:cTn id="34" presetID="10" presetClass="entr" presetSubtype="0" fill="hold" grpId="0" nodeType="clickEffect">
+                                <p:cTn id="25" presetID="10" presetClass="entr" presetSubtype="0" fill="hold" grpId="0" nodeType="clickEffect">
                                   <p:stCondLst>
                                     <p:cond delay="0"/>
                                   </p:stCondLst>
                                   <p:childTnLst>
                                     <p:set>
                                       <p:cBhvr>
-                                        <p:cTn id="35" dur="1" fill="hold">
+                                        <p:cTn id="26" dur="1" fill="hold">
                                           <p:stCondLst>
                                             <p:cond delay="0"/>
                                           </p:stCondLst>
@@ -5740,7 +7581,7 @@
                                         <p:tgtEl>
                                           <p:spTgt spid="3">
                                             <p:txEl>
-                                              <p:pRg st="8" end="8"/>
+                                              <p:pRg st="4" end="4"/>
                                             </p:txEl>
                                           </p:spTgt>
                                         </p:tgtEl>
@@ -5754,11 +7595,11 @@
                                     </p:set>
                                     <p:animEffect transition="in" filter="fade">
                                       <p:cBhvr>
-                                        <p:cTn id="36" dur="500"/>
+                                        <p:cTn id="27" dur="500"/>
                                         <p:tgtEl>
                                           <p:spTgt spid="3">
                                             <p:txEl>
-                                              <p:pRg st="8" end="8"/>
+                                              <p:pRg st="4" end="4"/>
                                             </p:txEl>
                                           </p:spTgt>
                                         </p:tgtEl>
@@ -5767,21 +7608,43 @@
                                   </p:childTnLst>
                                 </p:cTn>
                               </p:par>
+                            </p:childTnLst>
+                          </p:cTn>
+                        </p:par>
+                      </p:childTnLst>
+                    </p:cTn>
+                  </p:par>
+                  <p:par>
+                    <p:cTn id="28" fill="hold">
+                      <p:stCondLst>
+                        <p:cond delay="indefinite"/>
+                      </p:stCondLst>
+                      <p:childTnLst>
+                        <p:par>
+                          <p:cTn id="29" fill="hold">
+                            <p:stCondLst>
+                              <p:cond delay="0"/>
+                            </p:stCondLst>
+                            <p:childTnLst>
                               <p:par>
-                                <p:cTn id="37" presetID="10" presetClass="entr" presetSubtype="0" fill="hold" nodeType="withEffect">
+                                <p:cTn id="30" presetID="10" presetClass="entr" presetSubtype="0" fill="hold" grpId="0" nodeType="clickEffect">
                                   <p:stCondLst>
                                     <p:cond delay="0"/>
                                   </p:stCondLst>
                                   <p:childTnLst>
                                     <p:set>
                                       <p:cBhvr>
-                                        <p:cTn id="38" dur="1" fill="hold">
+                                        <p:cTn id="31" dur="1" fill="hold">
                                           <p:stCondLst>
                                             <p:cond delay="0"/>
                                           </p:stCondLst>
                                         </p:cTn>
                                         <p:tgtEl>
-                                          <p:spTgt spid="8196"/>
+                                          <p:spTgt spid="3">
+                                            <p:txEl>
+                                              <p:pRg st="5" end="5"/>
+                                            </p:txEl>
+                                          </p:spTgt>
                                         </p:tgtEl>
                                         <p:attrNameLst>
                                           <p:attrName>style.visibility</p:attrName>
@@ -5793,9 +7656,135 @@
                                     </p:set>
                                     <p:animEffect transition="in" filter="fade">
                                       <p:cBhvr>
-                                        <p:cTn id="39" dur="500"/>
-                                        <p:tgtEl>
-                                          <p:spTgt spid="8196"/>
+                                        <p:cTn id="32" dur="500"/>
+                                        <p:tgtEl>
+                                          <p:spTgt spid="3">
+                                            <p:txEl>
+                                              <p:pRg st="5" end="5"/>
+                                            </p:txEl>
+                                          </p:spTgt>
+                                        </p:tgtEl>
+                                      </p:cBhvr>
+                                    </p:animEffect>
+                                  </p:childTnLst>
+                                </p:cTn>
+                              </p:par>
+                            </p:childTnLst>
+                          </p:cTn>
+                        </p:par>
+                      </p:childTnLst>
+                    </p:cTn>
+                  </p:par>
+                  <p:par>
+                    <p:cTn id="33" fill="hold">
+                      <p:stCondLst>
+                        <p:cond delay="indefinite"/>
+                      </p:stCondLst>
+                      <p:childTnLst>
+                        <p:par>
+                          <p:cTn id="34" fill="hold">
+                            <p:stCondLst>
+                              <p:cond delay="0"/>
+                            </p:stCondLst>
+                            <p:childTnLst>
+                              <p:par>
+                                <p:cTn id="35" presetID="10" presetClass="entr" presetSubtype="0" fill="hold" grpId="0" nodeType="clickEffect">
+                                  <p:stCondLst>
+                                    <p:cond delay="0"/>
+                                  </p:stCondLst>
+                                  <p:childTnLst>
+                                    <p:set>
+                                      <p:cBhvr>
+                                        <p:cTn id="36" dur="1" fill="hold">
+                                          <p:stCondLst>
+                                            <p:cond delay="0"/>
+                                          </p:stCondLst>
+                                        </p:cTn>
+                                        <p:tgtEl>
+                                          <p:spTgt spid="3">
+                                            <p:txEl>
+                                              <p:pRg st="6" end="6"/>
+                                            </p:txEl>
+                                          </p:spTgt>
+                                        </p:tgtEl>
+                                        <p:attrNameLst>
+                                          <p:attrName>style.visibility</p:attrName>
+                                        </p:attrNameLst>
+                                      </p:cBhvr>
+                                      <p:to>
+                                        <p:strVal val="visible"/>
+                                      </p:to>
+                                    </p:set>
+                                    <p:animEffect transition="in" filter="fade">
+                                      <p:cBhvr>
+                                        <p:cTn id="37" dur="500"/>
+                                        <p:tgtEl>
+                                          <p:spTgt spid="3">
+                                            <p:txEl>
+                                              <p:pRg st="6" end="6"/>
+                                            </p:txEl>
+                                          </p:spTgt>
+                                        </p:tgtEl>
+                                      </p:cBhvr>
+                                    </p:animEffect>
+                                  </p:childTnLst>
+                                </p:cTn>
+                              </p:par>
+                            </p:childTnLst>
+                          </p:cTn>
+                        </p:par>
+                      </p:childTnLst>
+                    </p:cTn>
+                  </p:par>
+                  <p:par>
+                    <p:cTn id="38" fill="hold">
+                      <p:stCondLst>
+                        <p:cond delay="indefinite"/>
+                      </p:stCondLst>
+                      <p:childTnLst>
+                        <p:par>
+                          <p:cTn id="39" fill="hold">
+                            <p:stCondLst>
+                              <p:cond delay="0"/>
+                            </p:stCondLst>
+                            <p:childTnLst>
+                              <p:par>
+                                <p:cTn id="40" presetID="10" presetClass="entr" presetSubtype="0" fill="hold" grpId="0" nodeType="clickEffect">
+                                  <p:stCondLst>
+                                    <p:cond delay="0"/>
+                                  </p:stCondLst>
+                                  <p:childTnLst>
+                                    <p:set>
+                                      <p:cBhvr>
+                                        <p:cTn id="41" dur="1" fill="hold">
+                                          <p:stCondLst>
+                                            <p:cond delay="0"/>
+                                          </p:stCondLst>
+                                        </p:cTn>
+                                        <p:tgtEl>
+                                          <p:spTgt spid="3">
+                                            <p:txEl>
+                                              <p:pRg st="7" end="7"/>
+                                            </p:txEl>
+                                          </p:spTgt>
+                                        </p:tgtEl>
+                                        <p:attrNameLst>
+                                          <p:attrName>style.visibility</p:attrName>
+                                        </p:attrNameLst>
+                                      </p:cBhvr>
+                                      <p:to>
+                                        <p:strVal val="visible"/>
+                                      </p:to>
+                                    </p:set>
+                                    <p:animEffect transition="in" filter="fade">
+                                      <p:cBhvr>
+                                        <p:cTn id="42" dur="500"/>
+                                        <p:tgtEl>
+                                          <p:spTgt spid="3">
+                                            <p:txEl>
+                                              <p:pRg st="7" end="7"/>
+                                            </p:txEl>
+                                          </p:spTgt>
                                         </p:tgtEl>
                                       </p:cBhvr>
                                     </p:animEffect>
@@ -5830,7 +7819,7 @@
       </p:par>
     </p:tnLst>
     <p:bldLst>
-      <p:bldP spid="3" grpId="0" build="p"/>
+      <p:bldP spid="3" grpId="0" uiExpand="1" build="p"/>
     </p:bldLst>
   </p:timing>
 </p:sld>
@@ -5875,7 +7864,34 @@
                 </a:solidFill>
                 <a:latin typeface="TeXGyreAdventor" pitchFamily="50" charset="0"/>
               </a:rPr>
-              <a:t>Plan für Goldmaster</a:t>
+              <a:t>Nice </a:t>
+            </a:r>
+            <a:r>
+              <a:rPr lang="de-DE" b="1" dirty="0" err="1" smtClean="0">
+                <a:solidFill>
+                  <a:schemeClr val="bg1"/>
+                </a:solidFill>
+                <a:latin typeface="TeXGyreAdventor" pitchFamily="50" charset="0"/>
+              </a:rPr>
+              <a:t>to</a:t>
+            </a:r>
+            <a:r>
+              <a:rPr lang="de-DE" b="1" dirty="0" smtClean="0">
+                <a:solidFill>
+                  <a:schemeClr val="bg1"/>
+                </a:solidFill>
+                <a:latin typeface="TeXGyreAdventor" pitchFamily="50" charset="0"/>
+              </a:rPr>
+              <a:t> </a:t>
+            </a:r>
+            <a:r>
+              <a:rPr lang="de-DE" b="1" dirty="0" err="1" smtClean="0">
+                <a:solidFill>
+                  <a:schemeClr val="bg1"/>
+                </a:solidFill>
+                <a:latin typeface="TeXGyreAdventor" pitchFamily="50" charset="0"/>
+              </a:rPr>
+              <a:t>have</a:t>
             </a:r>
             <a:endParaRPr lang="de-DE" b="1" dirty="0">
               <a:solidFill>
@@ -5910,48 +7926,28 @@
                 </a:solidFill>
                 <a:latin typeface="TeXGyreAdventor" pitchFamily="50" charset="0"/>
               </a:rPr>
-              <a:t>Allgemeiner Feinschliff</a:t>
-            </a:r>
-          </a:p>
-          <a:p>
-            <a:r>
-              <a:rPr lang="de-DE" dirty="0" smtClean="0">
+              <a:t>Jump </a:t>
+            </a:r>
+            <a:r>
+              <a:rPr lang="de-DE" dirty="0" err="1" smtClean="0">
                 <a:solidFill>
                   <a:schemeClr val="bg1"/>
                 </a:solidFill>
                 <a:latin typeface="TeXGyreAdventor" pitchFamily="50" charset="0"/>
               </a:rPr>
-              <a:t>Animation zu Beat </a:t>
-            </a:r>
-            <a:r>
-              <a:rPr lang="de-DE" dirty="0" smtClean="0">
-                <a:solidFill>
-                  <a:schemeClr val="bg1"/>
-                </a:solidFill>
-                <a:latin typeface="TeXGyreAdventor" pitchFamily="50" charset="0"/>
-              </a:rPr>
-              <a:t>Rhythmus</a:t>
-            </a:r>
-          </a:p>
-          <a:p>
-            <a:r>
-              <a:rPr lang="de-DE" dirty="0">
-                <a:solidFill>
-                  <a:schemeClr val="bg1"/>
-                </a:solidFill>
-                <a:latin typeface="TeXGyreAdventor" pitchFamily="50" charset="0"/>
-              </a:rPr>
-              <a:t>More </a:t>
-            </a:r>
-            <a:r>
-              <a:rPr lang="de-DE" dirty="0" err="1">
-                <a:solidFill>
-                  <a:schemeClr val="bg1"/>
-                </a:solidFill>
-                <a:latin typeface="TeXGyreAdventor" pitchFamily="50" charset="0"/>
-              </a:rPr>
-              <a:t>levels</a:t>
-            </a:r>
+              <a:t>Attack</a:t>
+            </a:r>
+            <a:endParaRPr lang="de-DE" dirty="0" smtClean="0">
+              <a:solidFill>
+                <a:schemeClr val="bg1"/>
+              </a:solidFill>
+              <a:latin typeface="TeXGyreAdventor" pitchFamily="50" charset="0"/>
+            </a:endParaRPr>
+          </a:p>
+          <a:p>
+            <a:pPr marL="0" indent="0">
+              <a:buNone/>
+            </a:pPr>
             <a:endParaRPr lang="de-DE" dirty="0">
               <a:solidFill>
                 <a:schemeClr val="bg1"/>
@@ -5959,20 +7955,53 @@
               <a:latin typeface="TeXGyreAdventor" pitchFamily="50" charset="0"/>
             </a:endParaRPr>
           </a:p>
-          <a:p>
-            <a:endParaRPr lang="de-DE" dirty="0">
-              <a:solidFill>
-                <a:schemeClr val="bg1"/>
-              </a:solidFill>
-              <a:latin typeface="TeXGyreAdventor" pitchFamily="50" charset="0"/>
-            </a:endParaRPr>
-          </a:p>
         </p:txBody>
       </p:sp>
+      <p:pic>
+        <p:nvPicPr>
+          <p:cNvPr id="5122" name="Picture 2" descr="C:\Users\jaromir.paarmann\Documents\HammerMan\Art\BilderPPPGate01\JumpAttack.jpg"/>
+          <p:cNvPicPr>
+            <a:picLocks noChangeAspect="1" noChangeArrowheads="1"/>
+          </p:cNvPicPr>
+          <p:nvPr/>
+        </p:nvPicPr>
+        <p:blipFill>
+          <a:blip r:embed="rId2">
+            <a:extLst>
+              <a:ext uri="{28A0092B-C50C-407E-A947-70E740481C1C}">
+                <a14:useLocalDpi xmlns:a14="http://schemas.microsoft.com/office/drawing/2010/main" val="0"/>
+              </a:ext>
+            </a:extLst>
+          </a:blip>
+          <a:srcRect/>
+          <a:stretch>
+            <a:fillRect/>
+          </a:stretch>
+        </p:blipFill>
+        <p:spPr bwMode="auto">
+          <a:xfrm>
+            <a:off x="1691680" y="2492896"/>
+            <a:ext cx="5951796" cy="4032448"/>
+          </a:xfrm>
+          <a:prstGeom prst="rect">
+            <a:avLst/>
+          </a:prstGeom>
+          <a:noFill/>
+          <a:extLst>
+            <a:ext uri="{909E8E84-426E-40DD-AFC4-6F175D3DCCD1}">
+              <a14:hiddenFill xmlns:a14="http://schemas.microsoft.com/office/drawing/2010/main">
+                <a:solidFill>
+                  <a:srgbClr val="FFFFFF"/>
+                </a:solidFill>
+              </a14:hiddenFill>
+            </a:ext>
+          </a:extLst>
+        </p:spPr>
+      </p:pic>
     </p:spTree>
     <p:extLst>
       <p:ext uri="{BB962C8B-B14F-4D97-AF65-F5344CB8AC3E}">
-        <p14:creationId xmlns:p14="http://schemas.microsoft.com/office/powerpoint/2010/main" val="341214904"/>
+        <p14:creationId xmlns:p14="http://schemas.microsoft.com/office/powerpoint/2010/main" val="1501799160"/>
       </p:ext>
     </p:extLst>
   </p:cSld>
@@ -6042,43 +8071,21 @@
                                   </p:childTnLst>
                                 </p:cTn>
                               </p:par>
-                            </p:childTnLst>
-                          </p:cTn>
-                        </p:par>
-                      </p:childTnLst>
-                    </p:cTn>
-                  </p:par>
-                  <p:par>
-                    <p:cTn id="8" fill="hold">
-                      <p:stCondLst>
-                        <p:cond delay="indefinite"/>
-                      </p:stCondLst>
-                      <p:childTnLst>
-                        <p:par>
-                          <p:cTn id="9" fill="hold">
-                            <p:stCondLst>
-                              <p:cond delay="0"/>
-                            </p:stCondLst>
-                            <p:childTnLst>
                               <p:par>
-                                <p:cTn id="10" presetID="10" presetClass="entr" presetSubtype="0" fill="hold" grpId="0" nodeType="clickEffect">
+                                <p:cTn id="8" presetID="10" presetClass="entr" presetSubtype="0" fill="hold" nodeType="withEffect">
                                   <p:stCondLst>
                                     <p:cond delay="0"/>
                                   </p:stCondLst>
                                   <p:childTnLst>
                                     <p:set>
                                       <p:cBhvr>
-                                        <p:cTn id="11" dur="1" fill="hold">
+                                        <p:cTn id="9" dur="1" fill="hold">
                                           <p:stCondLst>
                                             <p:cond delay="0"/>
                                           </p:stCondLst>
                                         </p:cTn>
                                         <p:tgtEl>
-                                          <p:spTgt spid="3">
-                                            <p:txEl>
-                                              <p:pRg st="1" end="1"/>
-                                            </p:txEl>
-                                          </p:spTgt>
+                                          <p:spTgt spid="5122"/>
                                         </p:tgtEl>
                                         <p:attrNameLst>
                                           <p:attrName>style.visibility</p:attrName>
@@ -6090,74 +8097,9 @@
                                     </p:set>
                                     <p:animEffect transition="in" filter="fade">
                                       <p:cBhvr>
-                                        <p:cTn id="12" dur="500"/>
-                                        <p:tgtEl>
-                                          <p:spTgt spid="3">
-                                            <p:txEl>
-                                              <p:pRg st="1" end="1"/>
-                                            </p:txEl>
-                                          </p:spTgt>
-                                        </p:tgtEl>
-                                      </p:cBhvr>
-                                    </p:animEffect>
-                                  </p:childTnLst>
-                                </p:cTn>
-                              </p:par>
-                            </p:childTnLst>
-                          </p:cTn>
-                        </p:par>
-                      </p:childTnLst>
-                    </p:cTn>
-                  </p:par>
-                  <p:par>
-                    <p:cTn id="13" fill="hold">
-                      <p:stCondLst>
-                        <p:cond delay="indefinite"/>
-                      </p:stCondLst>
-                      <p:childTnLst>
-                        <p:par>
-                          <p:cTn id="14" fill="hold">
-                            <p:stCondLst>
-                              <p:cond delay="0"/>
-                            </p:stCondLst>
-                            <p:childTnLst>
-                              <p:par>
-                                <p:cTn id="15" presetID="10" presetClass="entr" presetSubtype="0" fill="hold" grpId="0" nodeType="clickEffect">
-                                  <p:stCondLst>
-                                    <p:cond delay="0"/>
-                                  </p:stCondLst>
-                                  <p:childTnLst>
-                                    <p:set>
-                                      <p:cBhvr>
-                                        <p:cTn id="16" dur="1" fill="hold">
-                                          <p:stCondLst>
-                                            <p:cond delay="0"/>
-                                          </p:stCondLst>
-                                        </p:cTn>
-                                        <p:tgtEl>
-                                          <p:spTgt spid="3">
-                                            <p:txEl>
-                                              <p:pRg st="2" end="2"/>
-                                            </p:txEl>
-                                          </p:spTgt>
-                                        </p:tgtEl>
-                                        <p:attrNameLst>
-                                          <p:attrName>style.visibility</p:attrName>
-                                        </p:attrNameLst>
-                                      </p:cBhvr>
-                                      <p:to>
-                                        <p:strVal val="visible"/>
-                                      </p:to>
-                                    </p:set>
-                                    <p:animEffect transition="in" filter="fade">
-                                      <p:cBhvr>
-                                        <p:cTn id="17" dur="500"/>
-                                        <p:tgtEl>
-                                          <p:spTgt spid="3">
-                                            <p:txEl>
-                                              <p:pRg st="2" end="2"/>
-                                            </p:txEl>
-                                          </p:spTgt>
+                                        <p:cTn id="10" dur="500"/>
+                                        <p:tgtEl>
+                                          <p:spTgt spid="5122"/>
                                         </p:tgtEl>
                                       </p:cBhvr>
                                     </p:animEffect>
@@ -6231,6 +8173,1251 @@
           <a:lstStyle/>
           <a:p>
             <a:r>
+              <a:rPr lang="de-DE" b="1" dirty="0" smtClean="0">
+                <a:solidFill>
+                  <a:schemeClr val="bg1"/>
+                </a:solidFill>
+                <a:latin typeface="TeXGyreAdventor" pitchFamily="50" charset="0"/>
+              </a:rPr>
+              <a:t>Nice </a:t>
+            </a:r>
+            <a:r>
+              <a:rPr lang="de-DE" b="1" dirty="0" err="1" smtClean="0">
+                <a:solidFill>
+                  <a:schemeClr val="bg1"/>
+                </a:solidFill>
+                <a:latin typeface="TeXGyreAdventor" pitchFamily="50" charset="0"/>
+              </a:rPr>
+              <a:t>to</a:t>
+            </a:r>
+            <a:r>
+              <a:rPr lang="de-DE" b="1" dirty="0" smtClean="0">
+                <a:solidFill>
+                  <a:schemeClr val="bg1"/>
+                </a:solidFill>
+                <a:latin typeface="TeXGyreAdventor" pitchFamily="50" charset="0"/>
+              </a:rPr>
+              <a:t> </a:t>
+            </a:r>
+            <a:r>
+              <a:rPr lang="de-DE" b="1" dirty="0" err="1" smtClean="0">
+                <a:solidFill>
+                  <a:schemeClr val="bg1"/>
+                </a:solidFill>
+                <a:latin typeface="TeXGyreAdventor" pitchFamily="50" charset="0"/>
+              </a:rPr>
+              <a:t>have</a:t>
+            </a:r>
+            <a:endParaRPr lang="de-DE" b="1" dirty="0">
+              <a:solidFill>
+                <a:schemeClr val="bg1"/>
+              </a:solidFill>
+              <a:latin typeface="TeXGyreAdventor" pitchFamily="50" charset="0"/>
+            </a:endParaRPr>
+          </a:p>
+        </p:txBody>
+      </p:sp>
+      <p:sp>
+        <p:nvSpPr>
+          <p:cNvPr id="3" name="Inhaltsplatzhalter 2"/>
+          <p:cNvSpPr>
+            <a:spLocks noGrp="1"/>
+          </p:cNvSpPr>
+          <p:nvPr>
+            <p:ph idx="1"/>
+          </p:nvPr>
+        </p:nvSpPr>
+        <p:spPr/>
+        <p:txBody>
+          <a:bodyPr>
+            <a:normAutofit fontScale="92500" lnSpcReduction="10000"/>
+          </a:bodyPr>
+          <a:lstStyle/>
+          <a:p>
+            <a:pPr marL="0" indent="0" algn="ctr">
+              <a:buNone/>
+            </a:pPr>
+            <a:r>
+              <a:rPr lang="de-DE" b="1" dirty="0" smtClean="0">
+                <a:solidFill>
+                  <a:schemeClr val="bg1"/>
+                </a:solidFill>
+                <a:latin typeface="TeXGyreAdventor" pitchFamily="50" charset="0"/>
+              </a:rPr>
+              <a:t>Enemy </a:t>
+            </a:r>
+            <a:r>
+              <a:rPr lang="de-DE" b="1" dirty="0" err="1" smtClean="0">
+                <a:solidFill>
+                  <a:schemeClr val="bg1"/>
+                </a:solidFill>
+                <a:latin typeface="TeXGyreAdventor" pitchFamily="50" charset="0"/>
+              </a:rPr>
+              <a:t>Types</a:t>
+            </a:r>
+            <a:endParaRPr lang="de-DE" b="1" dirty="0" smtClean="0">
+              <a:solidFill>
+                <a:schemeClr val="bg1"/>
+              </a:solidFill>
+              <a:latin typeface="TeXGyreAdventor" pitchFamily="50" charset="0"/>
+            </a:endParaRPr>
+          </a:p>
+          <a:p>
+            <a:endParaRPr lang="en-US" dirty="0" smtClean="0">
+              <a:solidFill>
+                <a:schemeClr val="bg1"/>
+              </a:solidFill>
+              <a:latin typeface="TeXGyreAdventor" pitchFamily="50" charset="0"/>
+            </a:endParaRPr>
+          </a:p>
+          <a:p>
+            <a:r>
+              <a:rPr lang="en-US" dirty="0" smtClean="0">
+                <a:solidFill>
+                  <a:schemeClr val="bg1"/>
+                </a:solidFill>
+                <a:latin typeface="TeXGyreAdventor" pitchFamily="50" charset="0"/>
+              </a:rPr>
+              <a:t>Exploding enemy</a:t>
+            </a:r>
+          </a:p>
+          <a:p>
+            <a:pPr lvl="1"/>
+            <a:endParaRPr lang="en-US" dirty="0">
+              <a:solidFill>
+                <a:schemeClr val="bg1"/>
+              </a:solidFill>
+              <a:latin typeface="TeXGyreAdventor" pitchFamily="50" charset="0"/>
+            </a:endParaRPr>
+          </a:p>
+          <a:p>
+            <a:r>
+              <a:rPr lang="en-US" dirty="0" err="1">
+                <a:solidFill>
+                  <a:schemeClr val="bg1"/>
+                </a:solidFill>
+                <a:latin typeface="TeXGyreAdventor" pitchFamily="50" charset="0"/>
+              </a:rPr>
+              <a:t>Resurrectable</a:t>
+            </a:r>
+            <a:r>
+              <a:rPr lang="en-US" dirty="0">
+                <a:solidFill>
+                  <a:schemeClr val="bg1"/>
+                </a:solidFill>
+                <a:latin typeface="TeXGyreAdventor" pitchFamily="50" charset="0"/>
+              </a:rPr>
+              <a:t> </a:t>
+            </a:r>
+            <a:r>
+              <a:rPr lang="en-US" dirty="0" smtClean="0">
+                <a:solidFill>
+                  <a:schemeClr val="bg1"/>
+                </a:solidFill>
+                <a:latin typeface="TeXGyreAdventor" pitchFamily="50" charset="0"/>
+              </a:rPr>
+              <a:t>enemy</a:t>
+            </a:r>
+          </a:p>
+          <a:p>
+            <a:endParaRPr lang="en-US" dirty="0">
+              <a:solidFill>
+                <a:schemeClr val="bg1"/>
+              </a:solidFill>
+              <a:latin typeface="TeXGyreAdventor" pitchFamily="50" charset="0"/>
+            </a:endParaRPr>
+          </a:p>
+          <a:p>
+            <a:r>
+              <a:rPr lang="en-US" dirty="0">
+                <a:solidFill>
+                  <a:schemeClr val="bg1"/>
+                </a:solidFill>
+                <a:latin typeface="TeXGyreAdventor" pitchFamily="50" charset="0"/>
+              </a:rPr>
+              <a:t>Armored </a:t>
+            </a:r>
+            <a:r>
+              <a:rPr lang="en-US" dirty="0" smtClean="0">
+                <a:solidFill>
+                  <a:schemeClr val="bg1"/>
+                </a:solidFill>
+                <a:latin typeface="TeXGyreAdventor" pitchFamily="50" charset="0"/>
+              </a:rPr>
+              <a:t>enemy</a:t>
+            </a:r>
+          </a:p>
+          <a:p>
+            <a:endParaRPr lang="en-US" dirty="0">
+              <a:solidFill>
+                <a:schemeClr val="bg1"/>
+              </a:solidFill>
+              <a:latin typeface="TeXGyreAdventor" pitchFamily="50" charset="0"/>
+            </a:endParaRPr>
+          </a:p>
+          <a:p>
+            <a:r>
+              <a:rPr lang="en-US" dirty="0">
+                <a:solidFill>
+                  <a:schemeClr val="bg1"/>
+                </a:solidFill>
+                <a:latin typeface="TeXGyreAdventor" pitchFamily="50" charset="0"/>
+              </a:rPr>
+              <a:t>Toss-able enemy</a:t>
+            </a:r>
+          </a:p>
+          <a:p>
+            <a:pPr lvl="1"/>
+            <a:endParaRPr lang="de-DE" dirty="0">
+              <a:solidFill>
+                <a:schemeClr val="bg1"/>
+              </a:solidFill>
+              <a:latin typeface="TeXGyreAdventor" pitchFamily="50" charset="0"/>
+            </a:endParaRPr>
+          </a:p>
+        </p:txBody>
+      </p:sp>
+      <p:pic>
+        <p:nvPicPr>
+          <p:cNvPr id="8194" name="Picture 2" descr="C:\Users\jaromir.paarmann\Documents\HammerMan\Art\BilderPPPGate01\Explosion.jpg"/>
+          <p:cNvPicPr>
+            <a:picLocks noChangeAspect="1" noChangeArrowheads="1"/>
+          </p:cNvPicPr>
+          <p:nvPr/>
+        </p:nvPicPr>
+        <p:blipFill>
+          <a:blip r:embed="rId2" cstate="print">
+            <a:extLst>
+              <a:ext uri="{28A0092B-C50C-407E-A947-70E740481C1C}">
+                <a14:useLocalDpi xmlns:a14="http://schemas.microsoft.com/office/drawing/2010/main" val="0"/>
+              </a:ext>
+            </a:extLst>
+          </a:blip>
+          <a:srcRect/>
+          <a:stretch>
+            <a:fillRect/>
+          </a:stretch>
+        </p:blipFill>
+        <p:spPr bwMode="auto">
+          <a:xfrm>
+            <a:off x="5004048" y="2305847"/>
+            <a:ext cx="1584176" cy="1189832"/>
+          </a:xfrm>
+          <a:prstGeom prst="rect">
+            <a:avLst/>
+          </a:prstGeom>
+          <a:noFill/>
+          <a:extLst>
+            <a:ext uri="{909E8E84-426E-40DD-AFC4-6F175D3DCCD1}">
+              <a14:hiddenFill xmlns:a14="http://schemas.microsoft.com/office/drawing/2010/main">
+                <a:solidFill>
+                  <a:srgbClr val="FFFFFF"/>
+                </a:solidFill>
+              </a14:hiddenFill>
+            </a:ext>
+          </a:extLst>
+        </p:spPr>
+      </p:pic>
+      <p:pic>
+        <p:nvPicPr>
+          <p:cNvPr id="8195" name="Picture 3" descr="C:\Users\jaromir.paarmann\Documents\HammerMan\Art\BilderPPPGate01\Resurrectable.jpg"/>
+          <p:cNvPicPr>
+            <a:picLocks noChangeAspect="1" noChangeArrowheads="1"/>
+          </p:cNvPicPr>
+          <p:nvPr/>
+        </p:nvPicPr>
+        <p:blipFill>
+          <a:blip r:embed="rId3">
+            <a:extLst>
+              <a:ext uri="{28A0092B-C50C-407E-A947-70E740481C1C}">
+                <a14:useLocalDpi xmlns:a14="http://schemas.microsoft.com/office/drawing/2010/main" val="0"/>
+              </a:ext>
+            </a:extLst>
+          </a:blip>
+          <a:srcRect/>
+          <a:stretch>
+            <a:fillRect/>
+          </a:stretch>
+        </p:blipFill>
+        <p:spPr bwMode="auto">
+          <a:xfrm>
+            <a:off x="6876256" y="2996952"/>
+            <a:ext cx="1536278" cy="1536278"/>
+          </a:xfrm>
+          <a:prstGeom prst="rect">
+            <a:avLst/>
+          </a:prstGeom>
+          <a:noFill/>
+          <a:extLst>
+            <a:ext uri="{909E8E84-426E-40DD-AFC4-6F175D3DCCD1}">
+              <a14:hiddenFill xmlns:a14="http://schemas.microsoft.com/office/drawing/2010/main">
+                <a:solidFill>
+                  <a:srgbClr val="FFFFFF"/>
+                </a:solidFill>
+              </a14:hiddenFill>
+            </a:ext>
+          </a:extLst>
+        </p:spPr>
+      </p:pic>
+      <p:pic>
+        <p:nvPicPr>
+          <p:cNvPr id="8196" name="Picture 4" descr="C:\Users\jaromir.paarmann\Documents\HammerMan\Art\BilderPPPGate01\Throw.jpg"/>
+          <p:cNvPicPr>
+            <a:picLocks noChangeAspect="1" noChangeArrowheads="1"/>
+          </p:cNvPicPr>
+          <p:nvPr/>
+        </p:nvPicPr>
+        <p:blipFill>
+          <a:blip r:embed="rId4" cstate="print">
+            <a:extLst>
+              <a:ext uri="{28A0092B-C50C-407E-A947-70E740481C1C}">
+                <a14:useLocalDpi xmlns:a14="http://schemas.microsoft.com/office/drawing/2010/main" val="0"/>
+              </a:ext>
+            </a:extLst>
+          </a:blip>
+          <a:srcRect/>
+          <a:stretch>
+            <a:fillRect/>
+          </a:stretch>
+        </p:blipFill>
+        <p:spPr bwMode="auto">
+          <a:xfrm>
+            <a:off x="6449335" y="5344685"/>
+            <a:ext cx="1819183" cy="1212081"/>
+          </a:xfrm>
+          <a:prstGeom prst="rect">
+            <a:avLst/>
+          </a:prstGeom>
+          <a:noFill/>
+          <a:extLst>
+            <a:ext uri="{909E8E84-426E-40DD-AFC4-6F175D3DCCD1}">
+              <a14:hiddenFill xmlns:a14="http://schemas.microsoft.com/office/drawing/2010/main">
+                <a:solidFill>
+                  <a:srgbClr val="FFFFFF"/>
+                </a:solidFill>
+              </a14:hiddenFill>
+            </a:ext>
+          </a:extLst>
+        </p:spPr>
+      </p:pic>
+      <p:pic>
+        <p:nvPicPr>
+          <p:cNvPr id="8197" name="Picture 5" descr="C:\Users\jaromir.paarmann\Documents\HammerMan\Art\BilderPPPGate01\Armor.png"/>
+          <p:cNvPicPr>
+            <a:picLocks noChangeAspect="1" noChangeArrowheads="1"/>
+          </p:cNvPicPr>
+          <p:nvPr/>
+        </p:nvPicPr>
+        <p:blipFill>
+          <a:blip r:embed="rId5" cstate="print">
+            <a:extLst>
+              <a:ext uri="{28A0092B-C50C-407E-A947-70E740481C1C}">
+                <a14:useLocalDpi xmlns:a14="http://schemas.microsoft.com/office/drawing/2010/main" val="0"/>
+              </a:ext>
+            </a:extLst>
+          </a:blip>
+          <a:srcRect/>
+          <a:stretch>
+            <a:fillRect/>
+          </a:stretch>
+        </p:blipFill>
+        <p:spPr bwMode="auto">
+          <a:xfrm>
+            <a:off x="4256029" y="4077072"/>
+            <a:ext cx="1728192" cy="1728192"/>
+          </a:xfrm>
+          <a:prstGeom prst="rect">
+            <a:avLst/>
+          </a:prstGeom>
+          <a:noFill/>
+          <a:extLst>
+            <a:ext uri="{909E8E84-426E-40DD-AFC4-6F175D3DCCD1}">
+              <a14:hiddenFill xmlns:a14="http://schemas.microsoft.com/office/drawing/2010/main">
+                <a:solidFill>
+                  <a:srgbClr val="FFFFFF"/>
+                </a:solidFill>
+              </a14:hiddenFill>
+            </a:ext>
+          </a:extLst>
+        </p:spPr>
+      </p:pic>
+    </p:spTree>
+    <p:extLst>
+      <p:ext uri="{BB962C8B-B14F-4D97-AF65-F5344CB8AC3E}">
+        <p14:creationId xmlns:p14="http://schemas.microsoft.com/office/powerpoint/2010/main" val="1689521356"/>
+      </p:ext>
+    </p:extLst>
+  </p:cSld>
+  <p:clrMapOvr>
+    <a:masterClrMapping/>
+  </p:clrMapOvr>
+  <p:timing>
+    <p:tnLst>
+      <p:par>
+        <p:cTn id="1" dur="indefinite" restart="never" nodeType="tmRoot">
+          <p:childTnLst>
+            <p:seq concurrent="1" nextAc="seek">
+              <p:cTn id="2" dur="indefinite" nodeType="mainSeq">
+                <p:childTnLst>
+                  <p:par>
+                    <p:cTn id="3" fill="hold">
+                      <p:stCondLst>
+                        <p:cond delay="indefinite"/>
+                      </p:stCondLst>
+                      <p:childTnLst>
+                        <p:par>
+                          <p:cTn id="4" fill="hold">
+                            <p:stCondLst>
+                              <p:cond delay="0"/>
+                            </p:stCondLst>
+                            <p:childTnLst>
+                              <p:par>
+                                <p:cTn id="5" presetID="10" presetClass="entr" presetSubtype="0" fill="hold" grpId="0" nodeType="clickEffect">
+                                  <p:stCondLst>
+                                    <p:cond delay="0"/>
+                                  </p:stCondLst>
+                                  <p:childTnLst>
+                                    <p:set>
+                                      <p:cBhvr>
+                                        <p:cTn id="6" dur="1" fill="hold">
+                                          <p:stCondLst>
+                                            <p:cond delay="0"/>
+                                          </p:stCondLst>
+                                        </p:cTn>
+                                        <p:tgtEl>
+                                          <p:spTgt spid="3">
+                                            <p:txEl>
+                                              <p:pRg st="0" end="0"/>
+                                            </p:txEl>
+                                          </p:spTgt>
+                                        </p:tgtEl>
+                                        <p:attrNameLst>
+                                          <p:attrName>style.visibility</p:attrName>
+                                        </p:attrNameLst>
+                                      </p:cBhvr>
+                                      <p:to>
+                                        <p:strVal val="visible"/>
+                                      </p:to>
+                                    </p:set>
+                                    <p:animEffect transition="in" filter="fade">
+                                      <p:cBhvr>
+                                        <p:cTn id="7" dur="500"/>
+                                        <p:tgtEl>
+                                          <p:spTgt spid="3">
+                                            <p:txEl>
+                                              <p:pRg st="0" end="0"/>
+                                            </p:txEl>
+                                          </p:spTgt>
+                                        </p:tgtEl>
+                                      </p:cBhvr>
+                                    </p:animEffect>
+                                  </p:childTnLst>
+                                </p:cTn>
+                              </p:par>
+                            </p:childTnLst>
+                          </p:cTn>
+                        </p:par>
+                      </p:childTnLst>
+                    </p:cTn>
+                  </p:par>
+                  <p:par>
+                    <p:cTn id="8" fill="hold">
+                      <p:stCondLst>
+                        <p:cond delay="indefinite"/>
+                      </p:stCondLst>
+                      <p:childTnLst>
+                        <p:par>
+                          <p:cTn id="9" fill="hold">
+                            <p:stCondLst>
+                              <p:cond delay="0"/>
+                            </p:stCondLst>
+                            <p:childTnLst>
+                              <p:par>
+                                <p:cTn id="10" presetID="10" presetClass="entr" presetSubtype="0" fill="hold" grpId="0" nodeType="clickEffect">
+                                  <p:stCondLst>
+                                    <p:cond delay="0"/>
+                                  </p:stCondLst>
+                                  <p:childTnLst>
+                                    <p:set>
+                                      <p:cBhvr>
+                                        <p:cTn id="11" dur="1" fill="hold">
+                                          <p:stCondLst>
+                                            <p:cond delay="0"/>
+                                          </p:stCondLst>
+                                        </p:cTn>
+                                        <p:tgtEl>
+                                          <p:spTgt spid="3">
+                                            <p:txEl>
+                                              <p:pRg st="2" end="2"/>
+                                            </p:txEl>
+                                          </p:spTgt>
+                                        </p:tgtEl>
+                                        <p:attrNameLst>
+                                          <p:attrName>style.visibility</p:attrName>
+                                        </p:attrNameLst>
+                                      </p:cBhvr>
+                                      <p:to>
+                                        <p:strVal val="visible"/>
+                                      </p:to>
+                                    </p:set>
+                                    <p:animEffect transition="in" filter="fade">
+                                      <p:cBhvr>
+                                        <p:cTn id="12" dur="500"/>
+                                        <p:tgtEl>
+                                          <p:spTgt spid="3">
+                                            <p:txEl>
+                                              <p:pRg st="2" end="2"/>
+                                            </p:txEl>
+                                          </p:spTgt>
+                                        </p:tgtEl>
+                                      </p:cBhvr>
+                                    </p:animEffect>
+                                  </p:childTnLst>
+                                </p:cTn>
+                              </p:par>
+                              <p:par>
+                                <p:cTn id="13" presetID="10" presetClass="entr" presetSubtype="0" fill="hold" nodeType="withEffect">
+                                  <p:stCondLst>
+                                    <p:cond delay="0"/>
+                                  </p:stCondLst>
+                                  <p:childTnLst>
+                                    <p:set>
+                                      <p:cBhvr>
+                                        <p:cTn id="14" dur="1" fill="hold">
+                                          <p:stCondLst>
+                                            <p:cond delay="0"/>
+                                          </p:stCondLst>
+                                        </p:cTn>
+                                        <p:tgtEl>
+                                          <p:spTgt spid="8194"/>
+                                        </p:tgtEl>
+                                        <p:attrNameLst>
+                                          <p:attrName>style.visibility</p:attrName>
+                                        </p:attrNameLst>
+                                      </p:cBhvr>
+                                      <p:to>
+                                        <p:strVal val="visible"/>
+                                      </p:to>
+                                    </p:set>
+                                    <p:animEffect transition="in" filter="fade">
+                                      <p:cBhvr>
+                                        <p:cTn id="15" dur="500"/>
+                                        <p:tgtEl>
+                                          <p:spTgt spid="8194"/>
+                                        </p:tgtEl>
+                                      </p:cBhvr>
+                                    </p:animEffect>
+                                  </p:childTnLst>
+                                </p:cTn>
+                              </p:par>
+                            </p:childTnLst>
+                          </p:cTn>
+                        </p:par>
+                      </p:childTnLst>
+                    </p:cTn>
+                  </p:par>
+                  <p:par>
+                    <p:cTn id="16" fill="hold">
+                      <p:stCondLst>
+                        <p:cond delay="indefinite"/>
+                      </p:stCondLst>
+                      <p:childTnLst>
+                        <p:par>
+                          <p:cTn id="17" fill="hold">
+                            <p:stCondLst>
+                              <p:cond delay="0"/>
+                            </p:stCondLst>
+                            <p:childTnLst>
+                              <p:par>
+                                <p:cTn id="18" presetID="10" presetClass="entr" presetSubtype="0" fill="hold" grpId="0" nodeType="clickEffect">
+                                  <p:stCondLst>
+                                    <p:cond delay="0"/>
+                                  </p:stCondLst>
+                                  <p:childTnLst>
+                                    <p:set>
+                                      <p:cBhvr>
+                                        <p:cTn id="19" dur="1" fill="hold">
+                                          <p:stCondLst>
+                                            <p:cond delay="0"/>
+                                          </p:stCondLst>
+                                        </p:cTn>
+                                        <p:tgtEl>
+                                          <p:spTgt spid="3">
+                                            <p:txEl>
+                                              <p:pRg st="4" end="4"/>
+                                            </p:txEl>
+                                          </p:spTgt>
+                                        </p:tgtEl>
+                                        <p:attrNameLst>
+                                          <p:attrName>style.visibility</p:attrName>
+                                        </p:attrNameLst>
+                                      </p:cBhvr>
+                                      <p:to>
+                                        <p:strVal val="visible"/>
+                                      </p:to>
+                                    </p:set>
+                                    <p:animEffect transition="in" filter="fade">
+                                      <p:cBhvr>
+                                        <p:cTn id="20" dur="500"/>
+                                        <p:tgtEl>
+                                          <p:spTgt spid="3">
+                                            <p:txEl>
+                                              <p:pRg st="4" end="4"/>
+                                            </p:txEl>
+                                          </p:spTgt>
+                                        </p:tgtEl>
+                                      </p:cBhvr>
+                                    </p:animEffect>
+                                  </p:childTnLst>
+                                </p:cTn>
+                              </p:par>
+                              <p:par>
+                                <p:cTn id="21" presetID="10" presetClass="entr" presetSubtype="0" fill="hold" nodeType="withEffect">
+                                  <p:stCondLst>
+                                    <p:cond delay="0"/>
+                                  </p:stCondLst>
+                                  <p:childTnLst>
+                                    <p:set>
+                                      <p:cBhvr>
+                                        <p:cTn id="22" dur="1" fill="hold">
+                                          <p:stCondLst>
+                                            <p:cond delay="0"/>
+                                          </p:stCondLst>
+                                        </p:cTn>
+                                        <p:tgtEl>
+                                          <p:spTgt spid="8195"/>
+                                        </p:tgtEl>
+                                        <p:attrNameLst>
+                                          <p:attrName>style.visibility</p:attrName>
+                                        </p:attrNameLst>
+                                      </p:cBhvr>
+                                      <p:to>
+                                        <p:strVal val="visible"/>
+                                      </p:to>
+                                    </p:set>
+                                    <p:animEffect transition="in" filter="fade">
+                                      <p:cBhvr>
+                                        <p:cTn id="23" dur="500"/>
+                                        <p:tgtEl>
+                                          <p:spTgt spid="8195"/>
+                                        </p:tgtEl>
+                                      </p:cBhvr>
+                                    </p:animEffect>
+                                  </p:childTnLst>
+                                </p:cTn>
+                              </p:par>
+                            </p:childTnLst>
+                          </p:cTn>
+                        </p:par>
+                      </p:childTnLst>
+                    </p:cTn>
+                  </p:par>
+                  <p:par>
+                    <p:cTn id="24" fill="hold">
+                      <p:stCondLst>
+                        <p:cond delay="indefinite"/>
+                      </p:stCondLst>
+                      <p:childTnLst>
+                        <p:par>
+                          <p:cTn id="25" fill="hold">
+                            <p:stCondLst>
+                              <p:cond delay="0"/>
+                            </p:stCondLst>
+                            <p:childTnLst>
+                              <p:par>
+                                <p:cTn id="26" presetID="10" presetClass="entr" presetSubtype="0" fill="hold" grpId="0" nodeType="clickEffect">
+                                  <p:stCondLst>
+                                    <p:cond delay="0"/>
+                                  </p:stCondLst>
+                                  <p:childTnLst>
+                                    <p:set>
+                                      <p:cBhvr>
+                                        <p:cTn id="27" dur="1" fill="hold">
+                                          <p:stCondLst>
+                                            <p:cond delay="0"/>
+                                          </p:stCondLst>
+                                        </p:cTn>
+                                        <p:tgtEl>
+                                          <p:spTgt spid="3">
+                                            <p:txEl>
+                                              <p:pRg st="6" end="6"/>
+                                            </p:txEl>
+                                          </p:spTgt>
+                                        </p:tgtEl>
+                                        <p:attrNameLst>
+                                          <p:attrName>style.visibility</p:attrName>
+                                        </p:attrNameLst>
+                                      </p:cBhvr>
+                                      <p:to>
+                                        <p:strVal val="visible"/>
+                                      </p:to>
+                                    </p:set>
+                                    <p:animEffect transition="in" filter="fade">
+                                      <p:cBhvr>
+                                        <p:cTn id="28" dur="500"/>
+                                        <p:tgtEl>
+                                          <p:spTgt spid="3">
+                                            <p:txEl>
+                                              <p:pRg st="6" end="6"/>
+                                            </p:txEl>
+                                          </p:spTgt>
+                                        </p:tgtEl>
+                                      </p:cBhvr>
+                                    </p:animEffect>
+                                  </p:childTnLst>
+                                </p:cTn>
+                              </p:par>
+                              <p:par>
+                                <p:cTn id="29" presetID="10" presetClass="entr" presetSubtype="0" fill="hold" nodeType="withEffect">
+                                  <p:stCondLst>
+                                    <p:cond delay="0"/>
+                                  </p:stCondLst>
+                                  <p:childTnLst>
+                                    <p:set>
+                                      <p:cBhvr>
+                                        <p:cTn id="30" dur="1" fill="hold">
+                                          <p:stCondLst>
+                                            <p:cond delay="0"/>
+                                          </p:stCondLst>
+                                        </p:cTn>
+                                        <p:tgtEl>
+                                          <p:spTgt spid="8197"/>
+                                        </p:tgtEl>
+                                        <p:attrNameLst>
+                                          <p:attrName>style.visibility</p:attrName>
+                                        </p:attrNameLst>
+                                      </p:cBhvr>
+                                      <p:to>
+                                        <p:strVal val="visible"/>
+                                      </p:to>
+                                    </p:set>
+                                    <p:animEffect transition="in" filter="fade">
+                                      <p:cBhvr>
+                                        <p:cTn id="31" dur="500"/>
+                                        <p:tgtEl>
+                                          <p:spTgt spid="8197"/>
+                                        </p:tgtEl>
+                                      </p:cBhvr>
+                                    </p:animEffect>
+                                  </p:childTnLst>
+                                </p:cTn>
+                              </p:par>
+                            </p:childTnLst>
+                          </p:cTn>
+                        </p:par>
+                      </p:childTnLst>
+                    </p:cTn>
+                  </p:par>
+                  <p:par>
+                    <p:cTn id="32" fill="hold">
+                      <p:stCondLst>
+                        <p:cond delay="indefinite"/>
+                      </p:stCondLst>
+                      <p:childTnLst>
+                        <p:par>
+                          <p:cTn id="33" fill="hold">
+                            <p:stCondLst>
+                              <p:cond delay="0"/>
+                            </p:stCondLst>
+                            <p:childTnLst>
+                              <p:par>
+                                <p:cTn id="34" presetID="10" presetClass="entr" presetSubtype="0" fill="hold" grpId="0" nodeType="clickEffect">
+                                  <p:stCondLst>
+                                    <p:cond delay="0"/>
+                                  </p:stCondLst>
+                                  <p:childTnLst>
+                                    <p:set>
+                                      <p:cBhvr>
+                                        <p:cTn id="35" dur="1" fill="hold">
+                                          <p:stCondLst>
+                                            <p:cond delay="0"/>
+                                          </p:stCondLst>
+                                        </p:cTn>
+                                        <p:tgtEl>
+                                          <p:spTgt spid="3">
+                                            <p:txEl>
+                                              <p:pRg st="8" end="8"/>
+                                            </p:txEl>
+                                          </p:spTgt>
+                                        </p:tgtEl>
+                                        <p:attrNameLst>
+                                          <p:attrName>style.visibility</p:attrName>
+                                        </p:attrNameLst>
+                                      </p:cBhvr>
+                                      <p:to>
+                                        <p:strVal val="visible"/>
+                                      </p:to>
+                                    </p:set>
+                                    <p:animEffect transition="in" filter="fade">
+                                      <p:cBhvr>
+                                        <p:cTn id="36" dur="500"/>
+                                        <p:tgtEl>
+                                          <p:spTgt spid="3">
+                                            <p:txEl>
+                                              <p:pRg st="8" end="8"/>
+                                            </p:txEl>
+                                          </p:spTgt>
+                                        </p:tgtEl>
+                                      </p:cBhvr>
+                                    </p:animEffect>
+                                  </p:childTnLst>
+                                </p:cTn>
+                              </p:par>
+                              <p:par>
+                                <p:cTn id="37" presetID="10" presetClass="entr" presetSubtype="0" fill="hold" nodeType="withEffect">
+                                  <p:stCondLst>
+                                    <p:cond delay="0"/>
+                                  </p:stCondLst>
+                                  <p:childTnLst>
+                                    <p:set>
+                                      <p:cBhvr>
+                                        <p:cTn id="38" dur="1" fill="hold">
+                                          <p:stCondLst>
+                                            <p:cond delay="0"/>
+                                          </p:stCondLst>
+                                        </p:cTn>
+                                        <p:tgtEl>
+                                          <p:spTgt spid="8196"/>
+                                        </p:tgtEl>
+                                        <p:attrNameLst>
+                                          <p:attrName>style.visibility</p:attrName>
+                                        </p:attrNameLst>
+                                      </p:cBhvr>
+                                      <p:to>
+                                        <p:strVal val="visible"/>
+                                      </p:to>
+                                    </p:set>
+                                    <p:animEffect transition="in" filter="fade">
+                                      <p:cBhvr>
+                                        <p:cTn id="39" dur="500"/>
+                                        <p:tgtEl>
+                                          <p:spTgt spid="8196"/>
+                                        </p:tgtEl>
+                                      </p:cBhvr>
+                                    </p:animEffect>
+                                  </p:childTnLst>
+                                </p:cTn>
+                              </p:par>
+                            </p:childTnLst>
+                          </p:cTn>
+                        </p:par>
+                      </p:childTnLst>
+                    </p:cTn>
+                  </p:par>
+                </p:childTnLst>
+              </p:cTn>
+              <p:prevCondLst>
+                <p:cond evt="onPrev" delay="0">
+                  <p:tgtEl>
+                    <p:sldTgt/>
+                  </p:tgtEl>
+                </p:cond>
+              </p:prevCondLst>
+              <p:nextCondLst>
+                <p:cond evt="onNext" delay="0">
+                  <p:tgtEl>
+                    <p:sldTgt/>
+                  </p:tgtEl>
+                </p:cond>
+              </p:nextCondLst>
+            </p:seq>
+          </p:childTnLst>
+        </p:cTn>
+      </p:par>
+    </p:tnLst>
+    <p:bldLst>
+      <p:bldP spid="3" grpId="0" build="p"/>
+    </p:bldLst>
+  </p:timing>
+</p:sld>
+</file>
+
+<file path=ppt/slides/slide18.xml><?xml version="1.0" encoding="utf-8"?>
+<p:sld xmlns:a="http://schemas.openxmlformats.org/drawingml/2006/main" xmlns:r="http://schemas.openxmlformats.org/officeDocument/2006/relationships" xmlns:p="http://schemas.openxmlformats.org/presentationml/2006/main">
+  <p:cSld>
+    <p:spTree>
+      <p:nvGrpSpPr>
+        <p:cNvPr id="1" name=""/>
+        <p:cNvGrpSpPr/>
+        <p:nvPr/>
+      </p:nvGrpSpPr>
+      <p:grpSpPr>
+        <a:xfrm>
+          <a:off x="0" y="0"/>
+          <a:ext cx="0" cy="0"/>
+          <a:chOff x="0" y="0"/>
+          <a:chExt cx="0" cy="0"/>
+        </a:xfrm>
+      </p:grpSpPr>
+      <p:sp>
+        <p:nvSpPr>
+          <p:cNvPr id="2" name="Titel 1"/>
+          <p:cNvSpPr>
+            <a:spLocks noGrp="1"/>
+          </p:cNvSpPr>
+          <p:nvPr>
+            <p:ph type="title"/>
+          </p:nvPr>
+        </p:nvSpPr>
+        <p:spPr/>
+        <p:txBody>
+          <a:bodyPr/>
+          <a:lstStyle/>
+          <a:p>
+            <a:r>
+              <a:rPr lang="de-DE" b="1" dirty="0" smtClean="0">
+                <a:solidFill>
+                  <a:schemeClr val="bg1"/>
+                </a:solidFill>
+                <a:latin typeface="TeXGyreAdventor" pitchFamily="50" charset="0"/>
+              </a:rPr>
+              <a:t>Plan für Goldmaster</a:t>
+            </a:r>
+            <a:endParaRPr lang="de-DE" b="1" dirty="0">
+              <a:solidFill>
+                <a:schemeClr val="bg1"/>
+              </a:solidFill>
+              <a:latin typeface="TeXGyreAdventor" pitchFamily="50" charset="0"/>
+            </a:endParaRPr>
+          </a:p>
+        </p:txBody>
+      </p:sp>
+      <p:sp>
+        <p:nvSpPr>
+          <p:cNvPr id="3" name="Inhaltsplatzhalter 2"/>
+          <p:cNvSpPr>
+            <a:spLocks noGrp="1"/>
+          </p:cNvSpPr>
+          <p:nvPr>
+            <p:ph idx="1"/>
+          </p:nvPr>
+        </p:nvSpPr>
+        <p:spPr/>
+        <p:txBody>
+          <a:bodyPr>
+            <a:normAutofit/>
+          </a:bodyPr>
+          <a:lstStyle/>
+          <a:p>
+            <a:r>
+              <a:rPr lang="de-DE" dirty="0" smtClean="0">
+                <a:solidFill>
+                  <a:schemeClr val="bg1"/>
+                </a:solidFill>
+                <a:latin typeface="TeXGyreAdventor" pitchFamily="50" charset="0"/>
+              </a:rPr>
+              <a:t>Allgemeiner Feinschliff</a:t>
+            </a:r>
+          </a:p>
+          <a:p>
+            <a:r>
+              <a:rPr lang="de-DE" dirty="0" smtClean="0">
+                <a:solidFill>
+                  <a:schemeClr val="bg1"/>
+                </a:solidFill>
+                <a:latin typeface="TeXGyreAdventor" pitchFamily="50" charset="0"/>
+              </a:rPr>
+              <a:t>Animation zu Beat Rhythmus</a:t>
+            </a:r>
+          </a:p>
+          <a:p>
+            <a:r>
+              <a:rPr lang="de-DE" dirty="0">
+                <a:solidFill>
+                  <a:schemeClr val="bg1"/>
+                </a:solidFill>
+                <a:latin typeface="TeXGyreAdventor" pitchFamily="50" charset="0"/>
+              </a:rPr>
+              <a:t>More </a:t>
+            </a:r>
+            <a:r>
+              <a:rPr lang="de-DE" dirty="0" err="1">
+                <a:solidFill>
+                  <a:schemeClr val="bg1"/>
+                </a:solidFill>
+                <a:latin typeface="TeXGyreAdventor" pitchFamily="50" charset="0"/>
+              </a:rPr>
+              <a:t>levels</a:t>
+            </a:r>
+            <a:endParaRPr lang="de-DE" dirty="0">
+              <a:solidFill>
+                <a:schemeClr val="bg1"/>
+              </a:solidFill>
+              <a:latin typeface="TeXGyreAdventor" pitchFamily="50" charset="0"/>
+            </a:endParaRPr>
+          </a:p>
+          <a:p>
+            <a:endParaRPr lang="de-DE" dirty="0">
+              <a:solidFill>
+                <a:schemeClr val="bg1"/>
+              </a:solidFill>
+              <a:latin typeface="TeXGyreAdventor" pitchFamily="50" charset="0"/>
+            </a:endParaRPr>
+          </a:p>
+        </p:txBody>
+      </p:sp>
+    </p:spTree>
+    <p:extLst>
+      <p:ext uri="{BB962C8B-B14F-4D97-AF65-F5344CB8AC3E}">
+        <p14:creationId xmlns:p14="http://schemas.microsoft.com/office/powerpoint/2010/main" val="341214904"/>
+      </p:ext>
+    </p:extLst>
+  </p:cSld>
+  <p:clrMapOvr>
+    <a:masterClrMapping/>
+  </p:clrMapOvr>
+  <p:timing>
+    <p:tnLst>
+      <p:par>
+        <p:cTn id="1" dur="indefinite" restart="never" nodeType="tmRoot">
+          <p:childTnLst>
+            <p:seq concurrent="1" nextAc="seek">
+              <p:cTn id="2" dur="indefinite" nodeType="mainSeq">
+                <p:childTnLst>
+                  <p:par>
+                    <p:cTn id="3" fill="hold">
+                      <p:stCondLst>
+                        <p:cond delay="indefinite"/>
+                      </p:stCondLst>
+                      <p:childTnLst>
+                        <p:par>
+                          <p:cTn id="4" fill="hold">
+                            <p:stCondLst>
+                              <p:cond delay="0"/>
+                            </p:stCondLst>
+                            <p:childTnLst>
+                              <p:par>
+                                <p:cTn id="5" presetID="10" presetClass="entr" presetSubtype="0" fill="hold" grpId="0" nodeType="clickEffect">
+                                  <p:stCondLst>
+                                    <p:cond delay="0"/>
+                                  </p:stCondLst>
+                                  <p:childTnLst>
+                                    <p:set>
+                                      <p:cBhvr>
+                                        <p:cTn id="6" dur="1" fill="hold">
+                                          <p:stCondLst>
+                                            <p:cond delay="0"/>
+                                          </p:stCondLst>
+                                        </p:cTn>
+                                        <p:tgtEl>
+                                          <p:spTgt spid="3">
+                                            <p:txEl>
+                                              <p:pRg st="0" end="0"/>
+                                            </p:txEl>
+                                          </p:spTgt>
+                                        </p:tgtEl>
+                                        <p:attrNameLst>
+                                          <p:attrName>style.visibility</p:attrName>
+                                        </p:attrNameLst>
+                                      </p:cBhvr>
+                                      <p:to>
+                                        <p:strVal val="visible"/>
+                                      </p:to>
+                                    </p:set>
+                                    <p:animEffect transition="in" filter="fade">
+                                      <p:cBhvr>
+                                        <p:cTn id="7" dur="500"/>
+                                        <p:tgtEl>
+                                          <p:spTgt spid="3">
+                                            <p:txEl>
+                                              <p:pRg st="0" end="0"/>
+                                            </p:txEl>
+                                          </p:spTgt>
+                                        </p:tgtEl>
+                                      </p:cBhvr>
+                                    </p:animEffect>
+                                  </p:childTnLst>
+                                </p:cTn>
+                              </p:par>
+                            </p:childTnLst>
+                          </p:cTn>
+                        </p:par>
+                      </p:childTnLst>
+                    </p:cTn>
+                  </p:par>
+                  <p:par>
+                    <p:cTn id="8" fill="hold">
+                      <p:stCondLst>
+                        <p:cond delay="indefinite"/>
+                      </p:stCondLst>
+                      <p:childTnLst>
+                        <p:par>
+                          <p:cTn id="9" fill="hold">
+                            <p:stCondLst>
+                              <p:cond delay="0"/>
+                            </p:stCondLst>
+                            <p:childTnLst>
+                              <p:par>
+                                <p:cTn id="10" presetID="10" presetClass="entr" presetSubtype="0" fill="hold" grpId="0" nodeType="clickEffect">
+                                  <p:stCondLst>
+                                    <p:cond delay="0"/>
+                                  </p:stCondLst>
+                                  <p:childTnLst>
+                                    <p:set>
+                                      <p:cBhvr>
+                                        <p:cTn id="11" dur="1" fill="hold">
+                                          <p:stCondLst>
+                                            <p:cond delay="0"/>
+                                          </p:stCondLst>
+                                        </p:cTn>
+                                        <p:tgtEl>
+                                          <p:spTgt spid="3">
+                                            <p:txEl>
+                                              <p:pRg st="1" end="1"/>
+                                            </p:txEl>
+                                          </p:spTgt>
+                                        </p:tgtEl>
+                                        <p:attrNameLst>
+                                          <p:attrName>style.visibility</p:attrName>
+                                        </p:attrNameLst>
+                                      </p:cBhvr>
+                                      <p:to>
+                                        <p:strVal val="visible"/>
+                                      </p:to>
+                                    </p:set>
+                                    <p:animEffect transition="in" filter="fade">
+                                      <p:cBhvr>
+                                        <p:cTn id="12" dur="500"/>
+                                        <p:tgtEl>
+                                          <p:spTgt spid="3">
+                                            <p:txEl>
+                                              <p:pRg st="1" end="1"/>
+                                            </p:txEl>
+                                          </p:spTgt>
+                                        </p:tgtEl>
+                                      </p:cBhvr>
+                                    </p:animEffect>
+                                  </p:childTnLst>
+                                </p:cTn>
+                              </p:par>
+                            </p:childTnLst>
+                          </p:cTn>
+                        </p:par>
+                      </p:childTnLst>
+                    </p:cTn>
+                  </p:par>
+                  <p:par>
+                    <p:cTn id="13" fill="hold">
+                      <p:stCondLst>
+                        <p:cond delay="indefinite"/>
+                      </p:stCondLst>
+                      <p:childTnLst>
+                        <p:par>
+                          <p:cTn id="14" fill="hold">
+                            <p:stCondLst>
+                              <p:cond delay="0"/>
+                            </p:stCondLst>
+                            <p:childTnLst>
+                              <p:par>
+                                <p:cTn id="15" presetID="10" presetClass="entr" presetSubtype="0" fill="hold" grpId="0" nodeType="clickEffect">
+                                  <p:stCondLst>
+                                    <p:cond delay="0"/>
+                                  </p:stCondLst>
+                                  <p:childTnLst>
+                                    <p:set>
+                                      <p:cBhvr>
+                                        <p:cTn id="16" dur="1" fill="hold">
+                                          <p:stCondLst>
+                                            <p:cond delay="0"/>
+                                          </p:stCondLst>
+                                        </p:cTn>
+                                        <p:tgtEl>
+                                          <p:spTgt spid="3">
+                                            <p:txEl>
+                                              <p:pRg st="2" end="2"/>
+                                            </p:txEl>
+                                          </p:spTgt>
+                                        </p:tgtEl>
+                                        <p:attrNameLst>
+                                          <p:attrName>style.visibility</p:attrName>
+                                        </p:attrNameLst>
+                                      </p:cBhvr>
+                                      <p:to>
+                                        <p:strVal val="visible"/>
+                                      </p:to>
+                                    </p:set>
+                                    <p:animEffect transition="in" filter="fade">
+                                      <p:cBhvr>
+                                        <p:cTn id="17" dur="500"/>
+                                        <p:tgtEl>
+                                          <p:spTgt spid="3">
+                                            <p:txEl>
+                                              <p:pRg st="2" end="2"/>
+                                            </p:txEl>
+                                          </p:spTgt>
+                                        </p:tgtEl>
+                                      </p:cBhvr>
+                                    </p:animEffect>
+                                  </p:childTnLst>
+                                </p:cTn>
+                              </p:par>
+                            </p:childTnLst>
+                          </p:cTn>
+                        </p:par>
+                      </p:childTnLst>
+                    </p:cTn>
+                  </p:par>
+                </p:childTnLst>
+              </p:cTn>
+              <p:prevCondLst>
+                <p:cond evt="onPrev" delay="0">
+                  <p:tgtEl>
+                    <p:sldTgt/>
+                  </p:tgtEl>
+                </p:cond>
+              </p:prevCondLst>
+              <p:nextCondLst>
+                <p:cond evt="onNext" delay="0">
+                  <p:tgtEl>
+                    <p:sldTgt/>
+                  </p:tgtEl>
+                </p:cond>
+              </p:nextCondLst>
+            </p:seq>
+          </p:childTnLst>
+        </p:cTn>
+      </p:par>
+    </p:tnLst>
+    <p:bldLst>
+      <p:bldP spid="3" grpId="0" build="p"/>
+    </p:bldLst>
+  </p:timing>
+</p:sld>
+</file>
+
+<file path=ppt/slides/slide19.xml><?xml version="1.0" encoding="utf-8"?>
+<p:sld xmlns:a="http://schemas.openxmlformats.org/drawingml/2006/main" xmlns:r="http://schemas.openxmlformats.org/officeDocument/2006/relationships" xmlns:p="http://schemas.openxmlformats.org/presentationml/2006/main">
+  <p:cSld>
+    <p:spTree>
+      <p:nvGrpSpPr>
+        <p:cNvPr id="1" name=""/>
+        <p:cNvGrpSpPr/>
+        <p:nvPr/>
+      </p:nvGrpSpPr>
+      <p:grpSpPr>
+        <a:xfrm>
+          <a:off x="0" y="0"/>
+          <a:ext cx="0" cy="0"/>
+          <a:chOff x="0" y="0"/>
+          <a:chExt cx="0" cy="0"/>
+        </a:xfrm>
+      </p:grpSpPr>
+      <p:sp>
+        <p:nvSpPr>
+          <p:cNvPr id="2" name="Titel 1"/>
+          <p:cNvSpPr>
+            <a:spLocks noGrp="1"/>
+          </p:cNvSpPr>
+          <p:nvPr>
+            <p:ph type="title"/>
+          </p:nvPr>
+        </p:nvSpPr>
+        <p:spPr/>
+        <p:txBody>
+          <a:bodyPr/>
+          <a:lstStyle/>
+          <a:p>
+            <a:r>
               <a:rPr lang="de-DE" dirty="0" smtClean="0">
                 <a:solidFill>
                   <a:schemeClr val="bg1"/>
@@ -6301,23 +9488,8 @@
                 </a:solidFill>
                 <a:latin typeface="TeXGyreAdventor" pitchFamily="50" charset="0"/>
               </a:rPr>
-              <a:t> 		</a:t>
-            </a:r>
-            <a:r>
-              <a:rPr lang="de-DE" sz="2400" dirty="0" smtClean="0">
-                <a:solidFill>
-                  <a:schemeClr val="bg1"/>
-                </a:solidFill>
-                <a:latin typeface="TeXGyreAdventor" pitchFamily="50" charset="0"/>
-              </a:rPr>
-              <a:t>Game Design, Art</a:t>
-            </a:r>
-            <a:endParaRPr lang="de-DE" sz="2400" dirty="0" smtClean="0">
-              <a:solidFill>
-                <a:schemeClr val="bg1"/>
-              </a:solidFill>
-              <a:latin typeface="TeXGyreAdventor" pitchFamily="50" charset="0"/>
-            </a:endParaRPr>
+              <a:t> 		Game Design, Art</a:t>
+            </a:r>
           </a:p>
           <a:p>
             <a:pPr marL="0" indent="0">
@@ -6351,23 +9523,8 @@
                 </a:solidFill>
                 <a:latin typeface="TeXGyreAdventor" pitchFamily="50" charset="0"/>
               </a:rPr>
-              <a:t> 	Game </a:t>
-            </a:r>
-            <a:r>
-              <a:rPr lang="de-DE" sz="2400" dirty="0" smtClean="0">
-                <a:solidFill>
-                  <a:schemeClr val="bg1"/>
-                </a:solidFill>
-                <a:latin typeface="TeXGyreAdventor" pitchFamily="50" charset="0"/>
-              </a:rPr>
-              <a:t>Design, Audio, Art</a:t>
-            </a:r>
-            <a:endParaRPr lang="de-DE" sz="2400" dirty="0" smtClean="0">
-              <a:solidFill>
-                <a:schemeClr val="bg1"/>
-              </a:solidFill>
-              <a:latin typeface="TeXGyreAdventor" pitchFamily="50" charset="0"/>
-            </a:endParaRPr>
+              <a:t> 	Game Design, Audio, Art</a:t>
+            </a:r>
           </a:p>
           <a:p>
             <a:pPr marL="0" indent="0">
@@ -6535,22 +9692,13 @@
           <a:lstStyle/>
           <a:p>
             <a:r>
-              <a:rPr lang="de-DE" b="1" dirty="0" err="1" smtClean="0">
+              <a:rPr lang="de-DE" b="1" dirty="0" smtClean="0">
                 <a:solidFill>
                   <a:schemeClr val="bg1"/>
                 </a:solidFill>
                 <a:latin typeface="TeXGyreAdventor" pitchFamily="50" charset="0"/>
               </a:rPr>
-              <a:t>Änferungen</a:t>
-            </a:r>
-            <a:r>
-              <a:rPr lang="de-DE" b="1" dirty="0" smtClean="0">
-                <a:solidFill>
-                  <a:schemeClr val="bg1"/>
-                </a:solidFill>
-                <a:latin typeface="TeXGyreAdventor" pitchFamily="50" charset="0"/>
-              </a:rPr>
-              <a:t> </a:t>
+              <a:t>Änderungen </a:t>
             </a:r>
             <a:r>
               <a:rPr lang="de-DE" b="1" dirty="0" err="1" smtClean="0">
@@ -6677,14 +9825,9 @@
             </a:r>
           </a:p>
           <a:p>
-            <a:endParaRPr lang="de-DE" dirty="0">
-              <a:solidFill>
-                <a:schemeClr val="bg1"/>
-              </a:solidFill>
-              <a:latin typeface="TeXGyreAdventor" pitchFamily="50" charset="0"/>
-            </a:endParaRPr>
-          </a:p>
-          <a:p>
+            <a:pPr marL="0" indent="0">
+              <a:buNone/>
+            </a:pPr>
             <a:endParaRPr lang="de-DE" dirty="0" smtClean="0">
               <a:solidFill>
                 <a:schemeClr val="bg1"/>
@@ -6766,8 +9909,49 @@
         </p:blipFill>
         <p:spPr bwMode="auto">
           <a:xfrm>
-            <a:off x="4720781" y="1988840"/>
+            <a:off x="4843116" y="1916832"/>
             <a:ext cx="3205600" cy="1803694"/>
+          </a:xfrm>
+          <a:prstGeom prst="rect">
+            <a:avLst/>
+          </a:prstGeom>
+          <a:noFill/>
+          <a:extLst>
+            <a:ext uri="{909E8E84-426E-40DD-AFC4-6F175D3DCCD1}">
+              <a14:hiddenFill xmlns:a14="http://schemas.microsoft.com/office/drawing/2010/main">
+                <a:solidFill>
+                  <a:srgbClr val="FFFFFF"/>
+                </a:solidFill>
+              </a14:hiddenFill>
+            </a:ext>
+          </a:extLst>
+        </p:spPr>
+      </p:pic>
+      <p:pic>
+        <p:nvPicPr>
+          <p:cNvPr id="6" name="Picture 2" descr="C:\Users\jaromir.paarmann\Documents\HammerMan\Art\BilderPPPgate02\Box.png"/>
+          <p:cNvPicPr>
+            <a:picLocks noChangeAspect="1" noChangeArrowheads="1"/>
+          </p:cNvPicPr>
+          <p:nvPr/>
+        </p:nvPicPr>
+        <p:blipFill>
+          <a:blip r:embed="rId4" cstate="print">
+            <a:extLst>
+              <a:ext uri="{28A0092B-C50C-407E-A947-70E740481C1C}">
+                <a14:useLocalDpi xmlns:a14="http://schemas.microsoft.com/office/drawing/2010/main" val="0"/>
+              </a:ext>
+            </a:extLst>
+          </a:blip>
+          <a:srcRect/>
+          <a:stretch>
+            <a:fillRect/>
+          </a:stretch>
+        </p:blipFill>
+        <p:spPr bwMode="auto">
+          <a:xfrm>
+            <a:off x="3075516" y="4509120"/>
+            <a:ext cx="1950720" cy="1950720"/>
           </a:xfrm>
           <a:prstGeom prst="rect">
             <a:avLst/>
@@ -6797,7 +9981,361 @@
   <p:timing>
     <p:tnLst>
       <p:par>
-        <p:cTn id="1" dur="indefinite" restart="never" nodeType="tmRoot"/>
+        <p:cTn id="1" dur="indefinite" restart="never" nodeType="tmRoot">
+          <p:childTnLst>
+            <p:seq concurrent="1" nextAc="seek">
+              <p:cTn id="2" dur="indefinite" nodeType="mainSeq">
+                <p:childTnLst>
+                  <p:par>
+                    <p:cTn id="3" fill="hold">
+                      <p:stCondLst>
+                        <p:cond delay="indefinite"/>
+                      </p:stCondLst>
+                      <p:childTnLst>
+                        <p:par>
+                          <p:cTn id="4" fill="hold">
+                            <p:stCondLst>
+                              <p:cond delay="0"/>
+                            </p:stCondLst>
+                            <p:childTnLst>
+                              <p:par>
+                                <p:cTn id="5" presetID="10" presetClass="entr" presetSubtype="0" fill="hold" nodeType="clickEffect">
+                                  <p:stCondLst>
+                                    <p:cond delay="0"/>
+                                  </p:stCondLst>
+                                  <p:childTnLst>
+                                    <p:set>
+                                      <p:cBhvr>
+                                        <p:cTn id="6" dur="1" fill="hold">
+                                          <p:stCondLst>
+                                            <p:cond delay="0"/>
+                                          </p:stCondLst>
+                                        </p:cTn>
+                                        <p:tgtEl>
+                                          <p:spTgt spid="4">
+                                            <p:txEl>
+                                              <p:pRg st="1" end="1"/>
+                                            </p:txEl>
+                                          </p:spTgt>
+                                        </p:tgtEl>
+                                        <p:attrNameLst>
+                                          <p:attrName>style.visibility</p:attrName>
+                                        </p:attrNameLst>
+                                      </p:cBhvr>
+                                      <p:to>
+                                        <p:strVal val="visible"/>
+                                      </p:to>
+                                    </p:set>
+                                    <p:animEffect transition="in" filter="fade">
+                                      <p:cBhvr>
+                                        <p:cTn id="7" dur="500"/>
+                                        <p:tgtEl>
+                                          <p:spTgt spid="4">
+                                            <p:txEl>
+                                              <p:pRg st="1" end="1"/>
+                                            </p:txEl>
+                                          </p:spTgt>
+                                        </p:tgtEl>
+                                      </p:cBhvr>
+                                    </p:animEffect>
+                                  </p:childTnLst>
+                                </p:cTn>
+                              </p:par>
+                              <p:par>
+                                <p:cTn id="8" presetID="10" presetClass="entr" presetSubtype="0" fill="hold" nodeType="withEffect">
+                                  <p:stCondLst>
+                                    <p:cond delay="0"/>
+                                  </p:stCondLst>
+                                  <p:childTnLst>
+                                    <p:set>
+                                      <p:cBhvr>
+                                        <p:cTn id="9" dur="1" fill="hold">
+                                          <p:stCondLst>
+                                            <p:cond delay="0"/>
+                                          </p:stCondLst>
+                                        </p:cTn>
+                                        <p:tgtEl>
+                                          <p:spTgt spid="4">
+                                            <p:txEl>
+                                              <p:pRg st="2" end="2"/>
+                                            </p:txEl>
+                                          </p:spTgt>
+                                        </p:tgtEl>
+                                        <p:attrNameLst>
+                                          <p:attrName>style.visibility</p:attrName>
+                                        </p:attrNameLst>
+                                      </p:cBhvr>
+                                      <p:to>
+                                        <p:strVal val="visible"/>
+                                      </p:to>
+                                    </p:set>
+                                    <p:animEffect transition="in" filter="fade">
+                                      <p:cBhvr>
+                                        <p:cTn id="10" dur="500"/>
+                                        <p:tgtEl>
+                                          <p:spTgt spid="4">
+                                            <p:txEl>
+                                              <p:pRg st="2" end="2"/>
+                                            </p:txEl>
+                                          </p:spTgt>
+                                        </p:tgtEl>
+                                      </p:cBhvr>
+                                    </p:animEffect>
+                                  </p:childTnLst>
+                                </p:cTn>
+                              </p:par>
+                              <p:par>
+                                <p:cTn id="11" presetID="10" presetClass="entr" presetSubtype="0" fill="hold" nodeType="withEffect">
+                                  <p:stCondLst>
+                                    <p:cond delay="0"/>
+                                  </p:stCondLst>
+                                  <p:childTnLst>
+                                    <p:set>
+                                      <p:cBhvr>
+                                        <p:cTn id="12" dur="1" fill="hold">
+                                          <p:stCondLst>
+                                            <p:cond delay="0"/>
+                                          </p:stCondLst>
+                                        </p:cTn>
+                                        <p:tgtEl>
+                                          <p:spTgt spid="1028"/>
+                                        </p:tgtEl>
+                                        <p:attrNameLst>
+                                          <p:attrName>style.visibility</p:attrName>
+                                        </p:attrNameLst>
+                                      </p:cBhvr>
+                                      <p:to>
+                                        <p:strVal val="visible"/>
+                                      </p:to>
+                                    </p:set>
+                                    <p:animEffect transition="in" filter="fade">
+                                      <p:cBhvr>
+                                        <p:cTn id="13" dur="500"/>
+                                        <p:tgtEl>
+                                          <p:spTgt spid="1028"/>
+                                        </p:tgtEl>
+                                      </p:cBhvr>
+                                    </p:animEffect>
+                                  </p:childTnLst>
+                                </p:cTn>
+                              </p:par>
+                              <p:par>
+                                <p:cTn id="14" presetID="10" presetClass="entr" presetSubtype="0" fill="hold" nodeType="withEffect">
+                                  <p:stCondLst>
+                                    <p:cond delay="0"/>
+                                  </p:stCondLst>
+                                  <p:childTnLst>
+                                    <p:set>
+                                      <p:cBhvr>
+                                        <p:cTn id="15" dur="1" fill="hold">
+                                          <p:stCondLst>
+                                            <p:cond delay="0"/>
+                                          </p:stCondLst>
+                                        </p:cTn>
+                                        <p:tgtEl>
+                                          <p:spTgt spid="1027"/>
+                                        </p:tgtEl>
+                                        <p:attrNameLst>
+                                          <p:attrName>style.visibility</p:attrName>
+                                        </p:attrNameLst>
+                                      </p:cBhvr>
+                                      <p:to>
+                                        <p:strVal val="visible"/>
+                                      </p:to>
+                                    </p:set>
+                                    <p:animEffect transition="in" filter="fade">
+                                      <p:cBhvr>
+                                        <p:cTn id="16" dur="500"/>
+                                        <p:tgtEl>
+                                          <p:spTgt spid="1027"/>
+                                        </p:tgtEl>
+                                      </p:cBhvr>
+                                    </p:animEffect>
+                                  </p:childTnLst>
+                                </p:cTn>
+                              </p:par>
+                            </p:childTnLst>
+                          </p:cTn>
+                        </p:par>
+                      </p:childTnLst>
+                    </p:cTn>
+                  </p:par>
+                  <p:par>
+                    <p:cTn id="17" fill="hold">
+                      <p:stCondLst>
+                        <p:cond delay="indefinite"/>
+                      </p:stCondLst>
+                      <p:childTnLst>
+                        <p:par>
+                          <p:cTn id="18" fill="hold">
+                            <p:stCondLst>
+                              <p:cond delay="0"/>
+                            </p:stCondLst>
+                            <p:childTnLst>
+                              <p:par>
+                                <p:cTn id="19" presetID="10" presetClass="entr" presetSubtype="0" fill="hold" nodeType="clickEffect">
+                                  <p:stCondLst>
+                                    <p:cond delay="0"/>
+                                  </p:stCondLst>
+                                  <p:childTnLst>
+                                    <p:set>
+                                      <p:cBhvr>
+                                        <p:cTn id="20" dur="1" fill="hold">
+                                          <p:stCondLst>
+                                            <p:cond delay="0"/>
+                                          </p:stCondLst>
+                                        </p:cTn>
+                                        <p:tgtEl>
+                                          <p:spTgt spid="4">
+                                            <p:txEl>
+                                              <p:pRg st="4" end="4"/>
+                                            </p:txEl>
+                                          </p:spTgt>
+                                        </p:tgtEl>
+                                        <p:attrNameLst>
+                                          <p:attrName>style.visibility</p:attrName>
+                                        </p:attrNameLst>
+                                      </p:cBhvr>
+                                      <p:to>
+                                        <p:strVal val="visible"/>
+                                      </p:to>
+                                    </p:set>
+                                    <p:animEffect transition="in" filter="fade">
+                                      <p:cBhvr>
+                                        <p:cTn id="21" dur="500"/>
+                                        <p:tgtEl>
+                                          <p:spTgt spid="4">
+                                            <p:txEl>
+                                              <p:pRg st="4" end="4"/>
+                                            </p:txEl>
+                                          </p:spTgt>
+                                        </p:tgtEl>
+                                      </p:cBhvr>
+                                    </p:animEffect>
+                                  </p:childTnLst>
+                                </p:cTn>
+                              </p:par>
+                            </p:childTnLst>
+                          </p:cTn>
+                        </p:par>
+                      </p:childTnLst>
+                    </p:cTn>
+                  </p:par>
+                  <p:par>
+                    <p:cTn id="22" fill="hold">
+                      <p:stCondLst>
+                        <p:cond delay="indefinite"/>
+                      </p:stCondLst>
+                      <p:childTnLst>
+                        <p:par>
+                          <p:cTn id="23" fill="hold">
+                            <p:stCondLst>
+                              <p:cond delay="0"/>
+                            </p:stCondLst>
+                            <p:childTnLst>
+                              <p:par>
+                                <p:cTn id="24" presetID="10" presetClass="entr" presetSubtype="0" fill="hold" nodeType="clickEffect">
+                                  <p:stCondLst>
+                                    <p:cond delay="0"/>
+                                  </p:stCondLst>
+                                  <p:childTnLst>
+                                    <p:set>
+                                      <p:cBhvr>
+                                        <p:cTn id="25" dur="1" fill="hold">
+                                          <p:stCondLst>
+                                            <p:cond delay="0"/>
+                                          </p:stCondLst>
+                                        </p:cTn>
+                                        <p:tgtEl>
+                                          <p:spTgt spid="4">
+                                            <p:txEl>
+                                              <p:pRg st="5" end="5"/>
+                                            </p:txEl>
+                                          </p:spTgt>
+                                        </p:tgtEl>
+                                        <p:attrNameLst>
+                                          <p:attrName>style.visibility</p:attrName>
+                                        </p:attrNameLst>
+                                      </p:cBhvr>
+                                      <p:to>
+                                        <p:strVal val="visible"/>
+                                      </p:to>
+                                    </p:set>
+                                    <p:animEffect transition="in" filter="fade">
+                                      <p:cBhvr>
+                                        <p:cTn id="26" dur="500"/>
+                                        <p:tgtEl>
+                                          <p:spTgt spid="4">
+                                            <p:txEl>
+                                              <p:pRg st="5" end="5"/>
+                                            </p:txEl>
+                                          </p:spTgt>
+                                        </p:tgtEl>
+                                      </p:cBhvr>
+                                    </p:animEffect>
+                                  </p:childTnLst>
+                                </p:cTn>
+                              </p:par>
+                              <p:par>
+                                <p:cTn id="27" presetID="10" presetClass="entr" presetSubtype="0" fill="hold" nodeType="withEffect">
+                                  <p:stCondLst>
+                                    <p:cond delay="0"/>
+                                  </p:stCondLst>
+                                  <p:childTnLst>
+                                    <p:set>
+                                      <p:cBhvr>
+                                        <p:cTn id="28" dur="1" fill="hold">
+                                          <p:stCondLst>
+                                            <p:cond delay="0"/>
+                                          </p:stCondLst>
+                                        </p:cTn>
+                                        <p:tgtEl>
+                                          <p:spTgt spid="6"/>
+                                        </p:tgtEl>
+                                        <p:attrNameLst>
+                                          <p:attrName>style.visibility</p:attrName>
+                                        </p:attrNameLst>
+                                      </p:cBhvr>
+                                      <p:to>
+                                        <p:strVal val="visible"/>
+                                      </p:to>
+                                    </p:set>
+                                    <p:animEffect transition="in" filter="fade">
+                                      <p:cBhvr>
+                                        <p:cTn id="29" dur="500"/>
+                                        <p:tgtEl>
+                                          <p:spTgt spid="6"/>
+                                        </p:tgtEl>
+                                      </p:cBhvr>
+                                    </p:animEffect>
+                                  </p:childTnLst>
+                                </p:cTn>
+                              </p:par>
+                            </p:childTnLst>
+                          </p:cTn>
+                        </p:par>
+                      </p:childTnLst>
+                    </p:cTn>
+                  </p:par>
+                </p:childTnLst>
+              </p:cTn>
+              <p:prevCondLst>
+                <p:cond evt="onPrev" delay="0">
+                  <p:tgtEl>
+                    <p:sldTgt/>
+                  </p:tgtEl>
+                </p:cond>
+              </p:prevCondLst>
+              <p:nextCondLst>
+                <p:cond evt="onNext" delay="0">
+                  <p:tgtEl>
+                    <p:sldTgt/>
+                  </p:tgtEl>
+                </p:cond>
+              </p:nextCondLst>
+            </p:seq>
+          </p:childTnLst>
+        </p:cTn>
       </p:par>
     </p:tnLst>
   </p:timing>
@@ -6942,6 +10480,47 @@
           <a:xfrm>
             <a:off x="3707904" y="1844824"/>
             <a:ext cx="4347096" cy="4347096"/>
+          </a:xfrm>
+          <a:prstGeom prst="rect">
+            <a:avLst/>
+          </a:prstGeom>
+          <a:noFill/>
+          <a:extLst>
+            <a:ext uri="{909E8E84-426E-40DD-AFC4-6F175D3DCCD1}">
+              <a14:hiddenFill xmlns:a14="http://schemas.microsoft.com/office/drawing/2010/main">
+                <a:solidFill>
+                  <a:srgbClr val="FFFFFF"/>
+                </a:solidFill>
+              </a14:hiddenFill>
+            </a:ext>
+          </a:extLst>
+        </p:spPr>
+      </p:pic>
+      <p:pic>
+        <p:nvPicPr>
+          <p:cNvPr id="5" name="Picture 2" descr="C:\Users\jaromir.paarmann\Documents\HammerMan\Art\BilderPPPgate02\Cable.png"/>
+          <p:cNvPicPr>
+            <a:picLocks noChangeAspect="1" noChangeArrowheads="1"/>
+          </p:cNvPicPr>
+          <p:nvPr/>
+        </p:nvPicPr>
+        <p:blipFill>
+          <a:blip r:embed="rId3" cstate="print">
+            <a:extLst>
+              <a:ext uri="{28A0092B-C50C-407E-A947-70E740481C1C}">
+                <a14:useLocalDpi xmlns:a14="http://schemas.microsoft.com/office/drawing/2010/main" val="0"/>
+              </a:ext>
+            </a:extLst>
+          </a:blip>
+          <a:srcRect/>
+          <a:stretch>
+            <a:fillRect/>
+          </a:stretch>
+        </p:blipFill>
+        <p:spPr bwMode="auto">
+          <a:xfrm>
+            <a:off x="467544" y="3356992"/>
+            <a:ext cx="3240360" cy="3240360"/>
           </a:xfrm>
           <a:prstGeom prst="rect">
             <a:avLst/>
@@ -7032,7 +10611,7 @@
                                 </p:cTn>
                               </p:par>
                               <p:par>
-                                <p:cTn id="8" presetID="10" presetClass="entr" presetSubtype="0" fill="hold" grpId="0" nodeType="withEffect">
+                                <p:cTn id="8" presetID="10" presetClass="entr" presetSubtype="0" fill="hold" nodeType="withEffect">
                                   <p:stCondLst>
                                     <p:cond delay="0"/>
                                   </p:stCondLst>
@@ -7045,6 +10624,59 @@
                                           </p:stCondLst>
                                         </p:cTn>
                                         <p:tgtEl>
+                                          <p:spTgt spid="1026"/>
+                                        </p:tgtEl>
+                                        <p:attrNameLst>
+                                          <p:attrName>style.visibility</p:attrName>
+                                        </p:attrNameLst>
+                                      </p:cBhvr>
+                                      <p:to>
+                                        <p:strVal val="visible"/>
+                                      </p:to>
+                                    </p:set>
+                                    <p:animEffect transition="in" filter="fade">
+                                      <p:cBhvr>
+                                        <p:cTn id="10" dur="500"/>
+                                        <p:tgtEl>
+                                          <p:spTgt spid="1026"/>
+                                        </p:tgtEl>
+                                      </p:cBhvr>
+                                    </p:animEffect>
+                                  </p:childTnLst>
+                                </p:cTn>
+                              </p:par>
+                            </p:childTnLst>
+                          </p:cTn>
+                        </p:par>
+                      </p:childTnLst>
+                    </p:cTn>
+                  </p:par>
+                  <p:par>
+                    <p:cTn id="11" fill="hold">
+                      <p:stCondLst>
+                        <p:cond delay="indefinite"/>
+                      </p:stCondLst>
+                      <p:childTnLst>
+                        <p:par>
+                          <p:cTn id="12" fill="hold">
+                            <p:stCondLst>
+                              <p:cond delay="0"/>
+                            </p:stCondLst>
+                            <p:childTnLst>
+                              <p:par>
+                                <p:cTn id="13" presetID="10" presetClass="entr" presetSubtype="0" fill="hold" grpId="0" nodeType="clickEffect">
+                                  <p:stCondLst>
+                                    <p:cond delay="0"/>
+                                  </p:stCondLst>
+                                  <p:childTnLst>
+                                    <p:set>
+                                      <p:cBhvr>
+                                        <p:cTn id="14" dur="1" fill="hold">
+                                          <p:stCondLst>
+                                            <p:cond delay="0"/>
+                                          </p:stCondLst>
+                                        </p:cTn>
+                                        <p:tgtEl>
                                           <p:spTgt spid="4">
                                             <p:txEl>
                                               <p:pRg st="2" end="2"/>
@@ -7061,13 +10693,48 @@
                                     </p:set>
                                     <p:animEffect transition="in" filter="fade">
                                       <p:cBhvr>
-                                        <p:cTn id="10" dur="500"/>
+                                        <p:cTn id="15" dur="500"/>
                                         <p:tgtEl>
                                           <p:spTgt spid="4">
                                             <p:txEl>
                                               <p:pRg st="2" end="2"/>
                                             </p:txEl>
                                           </p:spTgt>
+                                        </p:tgtEl>
+                                      </p:cBhvr>
+                                    </p:animEffect>
+                                  </p:childTnLst>
+                                </p:cTn>
+                              </p:par>
+                              <p:par>
+                                <p:cTn id="16" presetID="10" presetClass="entr" presetSubtype="0" fill="hold" nodeType="withEffect">
+                                  <p:stCondLst>
+                                    <p:cond delay="0"/>
+                                  </p:stCondLst>
+                                  <p:childTnLst>
+                                    <p:set>
+                                      <p:cBhvr>
+                                        <p:cTn id="17" dur="1" fill="hold">
+                                          <p:stCondLst>
+                                            <p:cond delay="0"/>
+                                          </p:stCondLst>
+                                        </p:cTn>
+                                        <p:tgtEl>
+                                          <p:spTgt spid="5"/>
+                                        </p:tgtEl>
+                                        <p:attrNameLst>
+                                          <p:attrName>style.visibility</p:attrName>
+                                        </p:attrNameLst>
+                                      </p:cBhvr>
+                                      <p:to>
+                                        <p:strVal val="visible"/>
+                                      </p:to>
+                                    </p:set>
+                                    <p:animEffect transition="in" filter="fade">
+                                      <p:cBhvr>
+                                        <p:cTn id="18" dur="500"/>
+                                        <p:tgtEl>
+                                          <p:spTgt spid="5"/>
                                         </p:tgtEl>
                                       </p:cBhvr>
                                     </p:animEffect>
@@ -7141,7 +10808,7 @@
           <a:lstStyle/>
           <a:p>
             <a:r>
-              <a:rPr lang="de-DE" dirty="0" smtClean="0">
+              <a:rPr lang="de-DE" b="1" dirty="0" smtClean="0">
                 <a:solidFill>
                   <a:schemeClr val="bg1"/>
                 </a:solidFill>
@@ -7149,7 +10816,7 @@
               </a:rPr>
               <a:t>Änderungen Sound</a:t>
             </a:r>
-            <a:endParaRPr lang="de-DE" dirty="0">
+            <a:endParaRPr lang="de-DE" b="1" dirty="0">
               <a:solidFill>
                 <a:schemeClr val="bg1"/>
               </a:solidFill>
@@ -7450,7 +11117,25 @@
                 </a:solidFill>
                 <a:latin typeface="TeXGyreAdventor" pitchFamily="50" charset="0"/>
               </a:rPr>
-              <a:t>Änderungen Art</a:t>
+              <a:t>Aktueller </a:t>
+            </a:r>
+            <a:r>
+              <a:rPr lang="de-DE" b="1" dirty="0" err="1" smtClean="0">
+                <a:solidFill>
+                  <a:schemeClr val="bg1"/>
+                </a:solidFill>
+                <a:latin typeface="TeXGyreAdventor" pitchFamily="50" charset="0"/>
+              </a:rPr>
+              <a:t>Build</a:t>
+            </a:r>
+            <a:r>
+              <a:rPr lang="de-DE" b="1" dirty="0" smtClean="0">
+                <a:solidFill>
+                  <a:schemeClr val="bg1"/>
+                </a:solidFill>
+                <a:latin typeface="TeXGyreAdventor" pitchFamily="50" charset="0"/>
+              </a:rPr>
+              <a:t>…</a:t>
             </a:r>
             <a:endParaRPr lang="de-DE" b="1" dirty="0">
               <a:solidFill>
@@ -7473,55 +11158,9 @@
         </p:nvSpPr>
         <p:spPr/>
         <p:txBody>
-          <a:bodyPr>
-            <a:normAutofit/>
-          </a:bodyPr>
+          <a:bodyPr/>
           <a:lstStyle/>
           <a:p>
-            <a:pPr marL="0" indent="0" algn="ctr">
-              <a:buNone/>
-            </a:pPr>
-            <a:r>
-              <a:rPr lang="de-DE" b="1" dirty="0" smtClean="0">
-                <a:solidFill>
-                  <a:schemeClr val="bg1"/>
-                </a:solidFill>
-                <a:latin typeface="TeXGyreAdventor" pitchFamily="50" charset="0"/>
-              </a:rPr>
-              <a:t>Generell</a:t>
-            </a:r>
-          </a:p>
-          <a:p>
-            <a:r>
-              <a:rPr lang="de-DE" dirty="0" err="1" smtClean="0">
-                <a:solidFill>
-                  <a:schemeClr val="bg1"/>
-                </a:solidFill>
-                <a:latin typeface="TeXGyreAdventor" pitchFamily="50" charset="0"/>
-              </a:rPr>
-              <a:t>Outlines</a:t>
-            </a:r>
-            <a:r>
-              <a:rPr lang="de-DE" dirty="0" smtClean="0">
-                <a:solidFill>
-                  <a:schemeClr val="bg1"/>
-                </a:solidFill>
-                <a:latin typeface="TeXGyreAdventor" pitchFamily="50" charset="0"/>
-              </a:rPr>
-              <a:t> </a:t>
-            </a:r>
-            <a:r>
-              <a:rPr lang="de-DE" dirty="0" smtClean="0">
-                <a:solidFill>
-                  <a:schemeClr val="bg1"/>
-                </a:solidFill>
-                <a:latin typeface="TeXGyreAdventor" pitchFamily="50" charset="0"/>
-              </a:rPr>
-              <a:t>für alle Vordergrund Assets</a:t>
-            </a:r>
-          </a:p>
-          <a:p>
-            <a:pPr lvl="2"/>
             <a:endParaRPr lang="de-DE" dirty="0" smtClean="0">
               <a:solidFill>
                 <a:schemeClr val="bg1"/>
@@ -7529,98 +11168,12 @@
               <a:latin typeface="TeXGyreAdventor" pitchFamily="50" charset="0"/>
             </a:endParaRPr>
           </a:p>
-          <a:p>
-            <a:endParaRPr lang="de-DE" dirty="0" smtClean="0">
-              <a:solidFill>
-                <a:schemeClr val="bg1"/>
-              </a:solidFill>
-              <a:latin typeface="TeXGyreAdventor" pitchFamily="50" charset="0"/>
-            </a:endParaRPr>
-          </a:p>
-          <a:p>
-            <a:endParaRPr lang="de-DE" dirty="0" smtClean="0">
-              <a:solidFill>
-                <a:schemeClr val="bg1"/>
-              </a:solidFill>
-              <a:latin typeface="TeXGyreAdventor" pitchFamily="50" charset="0"/>
-            </a:endParaRPr>
-          </a:p>
-          <a:p>
-            <a:endParaRPr lang="de-DE" dirty="0" smtClean="0">
-              <a:solidFill>
-                <a:schemeClr val="bg1"/>
-              </a:solidFill>
-              <a:latin typeface="TeXGyreAdventor" pitchFamily="50" charset="0"/>
-            </a:endParaRPr>
-          </a:p>
-          <a:p>
-            <a:endParaRPr lang="de-DE" dirty="0">
-              <a:solidFill>
-                <a:schemeClr val="bg1"/>
-              </a:solidFill>
-              <a:latin typeface="TeXGyreAdventor" pitchFamily="50" charset="0"/>
-            </a:endParaRPr>
-          </a:p>
         </p:txBody>
       </p:sp>
-      <p:pic>
-        <p:nvPicPr>
-          <p:cNvPr id="3076" name="Picture 4"/>
-          <p:cNvPicPr>
-            <a:picLocks noChangeAspect="1" noChangeArrowheads="1"/>
-          </p:cNvPicPr>
-          <p:nvPr/>
-        </p:nvPicPr>
-        <p:blipFill>
-          <a:blip r:embed="rId2" cstate="print">
-            <a:extLst>
-              <a:ext uri="{28A0092B-C50C-407E-A947-70E740481C1C}">
-                <a14:useLocalDpi xmlns:a14="http://schemas.microsoft.com/office/drawing/2010/main" val="0"/>
-              </a:ext>
-            </a:extLst>
-          </a:blip>
-          <a:srcRect/>
-          <a:stretch>
-            <a:fillRect/>
-          </a:stretch>
-        </p:blipFill>
-        <p:spPr bwMode="auto">
-          <a:xfrm>
-            <a:off x="2843808" y="3068960"/>
-            <a:ext cx="3286536" cy="3312368"/>
-          </a:xfrm>
-          <a:prstGeom prst="rect">
-            <a:avLst/>
-          </a:prstGeom>
-          <a:noFill/>
-          <a:ln>
-            <a:noFill/>
-          </a:ln>
-          <a:extLst>
-            <a:ext uri="{909E8E84-426E-40DD-AFC4-6F175D3DCCD1}">
-              <a14:hiddenFill xmlns:a14="http://schemas.microsoft.com/office/drawing/2010/main">
-                <a:solidFill>
-                  <a:schemeClr val="accent1"/>
-                </a:solidFill>
-              </a14:hiddenFill>
-            </a:ext>
-            <a:ext uri="{91240B29-F687-4F45-9708-019B960494DF}">
-              <a14:hiddenLine xmlns:a14="http://schemas.microsoft.com/office/drawing/2010/main" w="9525">
-                <a:solidFill>
-                  <a:schemeClr val="tx1"/>
-                </a:solidFill>
-                <a:miter lim="800000"/>
-                <a:headEnd/>
-                <a:tailEnd/>
-              </a14:hiddenLine>
-            </a:ext>
-          </a:extLst>
-        </p:spPr>
-      </p:pic>
     </p:spTree>
     <p:extLst>
       <p:ext uri="{BB962C8B-B14F-4D97-AF65-F5344CB8AC3E}">
-        <p14:creationId xmlns:p14="http://schemas.microsoft.com/office/powerpoint/2010/main" val="368853943"/>
+        <p14:creationId xmlns:p14="http://schemas.microsoft.com/office/powerpoint/2010/main" val="3770817281"/>
       </p:ext>
     </p:extLst>
   </p:cSld>
@@ -7648,10 +11201,15 @@
                             </p:stCondLst>
                             <p:childTnLst>
                               <p:par>
-                                <p:cTn id="5" presetID="10" presetClass="entr" presetSubtype="0" fill="hold" grpId="0" nodeType="clickEffect">
+                                <p:cTn id="5" presetID="10" presetClass="entr" presetSubtype="0" fill="hold" grpId="0" nodeType="clickEffect" nodePh="1">
                                   <p:stCondLst>
                                     <p:cond delay="0"/>
                                   </p:stCondLst>
+                                  <p:endCondLst>
+                                    <p:cond evt="begin" delay="0">
+                                      <p:tn val="5"/>
+                                    </p:cond>
+                                  </p:endCondLst>
                                   <p:childTnLst>
                                     <p:set>
                                       <p:cBhvr>
@@ -7682,67 +11240,6 @@
                                           <p:spTgt spid="3">
                                             <p:txEl>
                                               <p:pRg st="0" end="0"/>
-                                            </p:txEl>
-                                          </p:spTgt>
-                                        </p:tgtEl>
-                                      </p:cBhvr>
-                                    </p:animEffect>
-                                  </p:childTnLst>
-                                </p:cTn>
-                              </p:par>
-                            </p:childTnLst>
-                          </p:cTn>
-                        </p:par>
-                      </p:childTnLst>
-                    </p:cTn>
-                  </p:par>
-                  <p:par>
-                    <p:cTn id="8" fill="hold">
-                      <p:stCondLst>
-                        <p:cond delay="indefinite"/>
-                      </p:stCondLst>
-                      <p:childTnLst>
-                        <p:par>
-                          <p:cTn id="9" fill="hold">
-                            <p:stCondLst>
-                              <p:cond delay="0"/>
-                            </p:stCondLst>
-                            <p:childTnLst>
-                              <p:par>
-                                <p:cTn id="10" presetID="10" presetClass="entr" presetSubtype="0" fill="hold" grpId="0" nodeType="clickEffect">
-                                  <p:stCondLst>
-                                    <p:cond delay="0"/>
-                                  </p:stCondLst>
-                                  <p:childTnLst>
-                                    <p:set>
-                                      <p:cBhvr>
-                                        <p:cTn id="11" dur="1" fill="hold">
-                                          <p:stCondLst>
-                                            <p:cond delay="0"/>
-                                          </p:stCondLst>
-                                        </p:cTn>
-                                        <p:tgtEl>
-                                          <p:spTgt spid="3">
-                                            <p:txEl>
-                                              <p:pRg st="1" end="1"/>
-                                            </p:txEl>
-                                          </p:spTgt>
-                                        </p:tgtEl>
-                                        <p:attrNameLst>
-                                          <p:attrName>style.visibility</p:attrName>
-                                        </p:attrNameLst>
-                                      </p:cBhvr>
-                                      <p:to>
-                                        <p:strVal val="visible"/>
-                                      </p:to>
-                                    </p:set>
-                                    <p:animEffect transition="in" filter="fade">
-                                      <p:cBhvr>
-                                        <p:cTn id="12" dur="500"/>
-                                        <p:tgtEl>
-                                          <p:spTgt spid="3">
-                                            <p:txEl>
-                                              <p:pRg st="1" end="1"/>
                                             </p:txEl>
                                           </p:spTgt>
                                         </p:tgtEl>
@@ -7862,6 +11359,406 @@
                 </a:solidFill>
                 <a:latin typeface="TeXGyreAdventor" pitchFamily="50" charset="0"/>
               </a:rPr>
+              <a:t>Generell</a:t>
+            </a:r>
+          </a:p>
+          <a:p>
+            <a:r>
+              <a:rPr lang="de-DE" dirty="0" err="1" smtClean="0">
+                <a:solidFill>
+                  <a:schemeClr val="bg1"/>
+                </a:solidFill>
+                <a:latin typeface="TeXGyreAdventor" pitchFamily="50" charset="0"/>
+              </a:rPr>
+              <a:t>Outlines</a:t>
+            </a:r>
+            <a:r>
+              <a:rPr lang="de-DE" dirty="0" smtClean="0">
+                <a:solidFill>
+                  <a:schemeClr val="bg1"/>
+                </a:solidFill>
+                <a:latin typeface="TeXGyreAdventor" pitchFamily="50" charset="0"/>
+              </a:rPr>
+              <a:t> für alle Vordergrund Assets</a:t>
+            </a:r>
+          </a:p>
+          <a:p>
+            <a:pPr lvl="2"/>
+            <a:endParaRPr lang="de-DE" dirty="0" smtClean="0">
+              <a:solidFill>
+                <a:schemeClr val="bg1"/>
+              </a:solidFill>
+              <a:latin typeface="TeXGyreAdventor" pitchFamily="50" charset="0"/>
+            </a:endParaRPr>
+          </a:p>
+          <a:p>
+            <a:endParaRPr lang="de-DE" dirty="0" smtClean="0">
+              <a:solidFill>
+                <a:schemeClr val="bg1"/>
+              </a:solidFill>
+              <a:latin typeface="TeXGyreAdventor" pitchFamily="50" charset="0"/>
+            </a:endParaRPr>
+          </a:p>
+          <a:p>
+            <a:endParaRPr lang="de-DE" dirty="0" smtClean="0">
+              <a:solidFill>
+                <a:schemeClr val="bg1"/>
+              </a:solidFill>
+              <a:latin typeface="TeXGyreAdventor" pitchFamily="50" charset="0"/>
+            </a:endParaRPr>
+          </a:p>
+          <a:p>
+            <a:endParaRPr lang="de-DE" dirty="0" smtClean="0">
+              <a:solidFill>
+                <a:schemeClr val="bg1"/>
+              </a:solidFill>
+              <a:latin typeface="TeXGyreAdventor" pitchFamily="50" charset="0"/>
+            </a:endParaRPr>
+          </a:p>
+          <a:p>
+            <a:endParaRPr lang="de-DE" dirty="0">
+              <a:solidFill>
+                <a:schemeClr val="bg1"/>
+              </a:solidFill>
+              <a:latin typeface="TeXGyreAdventor" pitchFamily="50" charset="0"/>
+            </a:endParaRPr>
+          </a:p>
+        </p:txBody>
+      </p:sp>
+      <p:pic>
+        <p:nvPicPr>
+          <p:cNvPr id="3076" name="Picture 4"/>
+          <p:cNvPicPr>
+            <a:picLocks noChangeAspect="1" noChangeArrowheads="1"/>
+          </p:cNvPicPr>
+          <p:nvPr/>
+        </p:nvPicPr>
+        <p:blipFill>
+          <a:blip r:embed="rId2" cstate="print">
+            <a:extLst>
+              <a:ext uri="{28A0092B-C50C-407E-A947-70E740481C1C}">
+                <a14:useLocalDpi xmlns:a14="http://schemas.microsoft.com/office/drawing/2010/main" val="0"/>
+              </a:ext>
+            </a:extLst>
+          </a:blip>
+          <a:srcRect/>
+          <a:stretch>
+            <a:fillRect/>
+          </a:stretch>
+        </p:blipFill>
+        <p:spPr bwMode="auto">
+          <a:xfrm>
+            <a:off x="2843808" y="3068960"/>
+            <a:ext cx="3286536" cy="3312368"/>
+          </a:xfrm>
+          <a:prstGeom prst="rect">
+            <a:avLst/>
+          </a:prstGeom>
+          <a:noFill/>
+          <a:ln>
+            <a:noFill/>
+          </a:ln>
+          <a:extLst>
+            <a:ext uri="{909E8E84-426E-40DD-AFC4-6F175D3DCCD1}">
+              <a14:hiddenFill xmlns:a14="http://schemas.microsoft.com/office/drawing/2010/main">
+                <a:solidFill>
+                  <a:schemeClr val="accent1"/>
+                </a:solidFill>
+              </a14:hiddenFill>
+            </a:ext>
+            <a:ext uri="{91240B29-F687-4F45-9708-019B960494DF}">
+              <a14:hiddenLine xmlns:a14="http://schemas.microsoft.com/office/drawing/2010/main" w="9525">
+                <a:solidFill>
+                  <a:schemeClr val="tx1"/>
+                </a:solidFill>
+                <a:miter lim="800000"/>
+                <a:headEnd/>
+                <a:tailEnd/>
+              </a14:hiddenLine>
+            </a:ext>
+          </a:extLst>
+        </p:spPr>
+      </p:pic>
+    </p:spTree>
+    <p:extLst>
+      <p:ext uri="{BB962C8B-B14F-4D97-AF65-F5344CB8AC3E}">
+        <p14:creationId xmlns:p14="http://schemas.microsoft.com/office/powerpoint/2010/main" val="368853943"/>
+      </p:ext>
+    </p:extLst>
+  </p:cSld>
+  <p:clrMapOvr>
+    <a:masterClrMapping/>
+  </p:clrMapOvr>
+  <p:timing>
+    <p:tnLst>
+      <p:par>
+        <p:cTn id="1" dur="indefinite" restart="never" nodeType="tmRoot">
+          <p:childTnLst>
+            <p:seq concurrent="1" nextAc="seek">
+              <p:cTn id="2" dur="indefinite" nodeType="mainSeq">
+                <p:childTnLst>
+                  <p:par>
+                    <p:cTn id="3" fill="hold">
+                      <p:stCondLst>
+                        <p:cond delay="indefinite"/>
+                      </p:stCondLst>
+                      <p:childTnLst>
+                        <p:par>
+                          <p:cTn id="4" fill="hold">
+                            <p:stCondLst>
+                              <p:cond delay="0"/>
+                            </p:stCondLst>
+                            <p:childTnLst>
+                              <p:par>
+                                <p:cTn id="5" presetID="10" presetClass="entr" presetSubtype="0" fill="hold" grpId="0" nodeType="clickEffect">
+                                  <p:stCondLst>
+                                    <p:cond delay="0"/>
+                                  </p:stCondLst>
+                                  <p:childTnLst>
+                                    <p:set>
+                                      <p:cBhvr>
+                                        <p:cTn id="6" dur="1" fill="hold">
+                                          <p:stCondLst>
+                                            <p:cond delay="0"/>
+                                          </p:stCondLst>
+                                        </p:cTn>
+                                        <p:tgtEl>
+                                          <p:spTgt spid="3">
+                                            <p:txEl>
+                                              <p:pRg st="0" end="0"/>
+                                            </p:txEl>
+                                          </p:spTgt>
+                                        </p:tgtEl>
+                                        <p:attrNameLst>
+                                          <p:attrName>style.visibility</p:attrName>
+                                        </p:attrNameLst>
+                                      </p:cBhvr>
+                                      <p:to>
+                                        <p:strVal val="visible"/>
+                                      </p:to>
+                                    </p:set>
+                                    <p:animEffect transition="in" filter="fade">
+                                      <p:cBhvr>
+                                        <p:cTn id="7" dur="500"/>
+                                        <p:tgtEl>
+                                          <p:spTgt spid="3">
+                                            <p:txEl>
+                                              <p:pRg st="0" end="0"/>
+                                            </p:txEl>
+                                          </p:spTgt>
+                                        </p:tgtEl>
+                                      </p:cBhvr>
+                                    </p:animEffect>
+                                  </p:childTnLst>
+                                </p:cTn>
+                              </p:par>
+                            </p:childTnLst>
+                          </p:cTn>
+                        </p:par>
+                      </p:childTnLst>
+                    </p:cTn>
+                  </p:par>
+                  <p:par>
+                    <p:cTn id="8" fill="hold">
+                      <p:stCondLst>
+                        <p:cond delay="indefinite"/>
+                      </p:stCondLst>
+                      <p:childTnLst>
+                        <p:par>
+                          <p:cTn id="9" fill="hold">
+                            <p:stCondLst>
+                              <p:cond delay="0"/>
+                            </p:stCondLst>
+                            <p:childTnLst>
+                              <p:par>
+                                <p:cTn id="10" presetID="10" presetClass="entr" presetSubtype="0" fill="hold" grpId="0" nodeType="clickEffect">
+                                  <p:stCondLst>
+                                    <p:cond delay="0"/>
+                                  </p:stCondLst>
+                                  <p:childTnLst>
+                                    <p:set>
+                                      <p:cBhvr>
+                                        <p:cTn id="11" dur="1" fill="hold">
+                                          <p:stCondLst>
+                                            <p:cond delay="0"/>
+                                          </p:stCondLst>
+                                        </p:cTn>
+                                        <p:tgtEl>
+                                          <p:spTgt spid="3">
+                                            <p:txEl>
+                                              <p:pRg st="1" end="1"/>
+                                            </p:txEl>
+                                          </p:spTgt>
+                                        </p:tgtEl>
+                                        <p:attrNameLst>
+                                          <p:attrName>style.visibility</p:attrName>
+                                        </p:attrNameLst>
+                                      </p:cBhvr>
+                                      <p:to>
+                                        <p:strVal val="visible"/>
+                                      </p:to>
+                                    </p:set>
+                                    <p:animEffect transition="in" filter="fade">
+                                      <p:cBhvr>
+                                        <p:cTn id="12" dur="500"/>
+                                        <p:tgtEl>
+                                          <p:spTgt spid="3">
+                                            <p:txEl>
+                                              <p:pRg st="1" end="1"/>
+                                            </p:txEl>
+                                          </p:spTgt>
+                                        </p:tgtEl>
+                                      </p:cBhvr>
+                                    </p:animEffect>
+                                  </p:childTnLst>
+                                </p:cTn>
+                              </p:par>
+                              <p:par>
+                                <p:cTn id="13" presetID="10" presetClass="entr" presetSubtype="0" fill="hold" nodeType="withEffect">
+                                  <p:stCondLst>
+                                    <p:cond delay="0"/>
+                                  </p:stCondLst>
+                                  <p:childTnLst>
+                                    <p:set>
+                                      <p:cBhvr>
+                                        <p:cTn id="14" dur="1" fill="hold">
+                                          <p:stCondLst>
+                                            <p:cond delay="0"/>
+                                          </p:stCondLst>
+                                        </p:cTn>
+                                        <p:tgtEl>
+                                          <p:spTgt spid="3076"/>
+                                        </p:tgtEl>
+                                        <p:attrNameLst>
+                                          <p:attrName>style.visibility</p:attrName>
+                                        </p:attrNameLst>
+                                      </p:cBhvr>
+                                      <p:to>
+                                        <p:strVal val="visible"/>
+                                      </p:to>
+                                    </p:set>
+                                    <p:animEffect transition="in" filter="fade">
+                                      <p:cBhvr>
+                                        <p:cTn id="15" dur="500"/>
+                                        <p:tgtEl>
+                                          <p:spTgt spid="3076"/>
+                                        </p:tgtEl>
+                                      </p:cBhvr>
+                                    </p:animEffect>
+                                  </p:childTnLst>
+                                </p:cTn>
+                              </p:par>
+                            </p:childTnLst>
+                          </p:cTn>
+                        </p:par>
+                      </p:childTnLst>
+                    </p:cTn>
+                  </p:par>
+                </p:childTnLst>
+              </p:cTn>
+              <p:prevCondLst>
+                <p:cond evt="onPrev" delay="0">
+                  <p:tgtEl>
+                    <p:sldTgt/>
+                  </p:tgtEl>
+                </p:cond>
+              </p:prevCondLst>
+              <p:nextCondLst>
+                <p:cond evt="onNext" delay="0">
+                  <p:tgtEl>
+                    <p:sldTgt/>
+                  </p:tgtEl>
+                </p:cond>
+              </p:nextCondLst>
+            </p:seq>
+          </p:childTnLst>
+        </p:cTn>
+      </p:par>
+    </p:tnLst>
+    <p:bldLst>
+      <p:bldP spid="3" grpId="0" build="p"/>
+    </p:bldLst>
+  </p:timing>
+</p:sld>
+</file>
+
+<file path=ppt/slides/slide7.xml><?xml version="1.0" encoding="utf-8"?>
+<p:sld xmlns:a="http://schemas.openxmlformats.org/drawingml/2006/main" xmlns:r="http://schemas.openxmlformats.org/officeDocument/2006/relationships" xmlns:p="http://schemas.openxmlformats.org/presentationml/2006/main">
+  <p:cSld>
+    <p:spTree>
+      <p:nvGrpSpPr>
+        <p:cNvPr id="1" name=""/>
+        <p:cNvGrpSpPr/>
+        <p:nvPr/>
+      </p:nvGrpSpPr>
+      <p:grpSpPr>
+        <a:xfrm>
+          <a:off x="0" y="0"/>
+          <a:ext cx="0" cy="0"/>
+          <a:chOff x="0" y="0"/>
+          <a:chExt cx="0" cy="0"/>
+        </a:xfrm>
+      </p:grpSpPr>
+      <p:sp>
+        <p:nvSpPr>
+          <p:cNvPr id="2" name="Titel 1"/>
+          <p:cNvSpPr>
+            <a:spLocks noGrp="1"/>
+          </p:cNvSpPr>
+          <p:nvPr>
+            <p:ph type="title"/>
+          </p:nvPr>
+        </p:nvSpPr>
+        <p:spPr/>
+        <p:txBody>
+          <a:bodyPr/>
+          <a:lstStyle/>
+          <a:p>
+            <a:r>
+              <a:rPr lang="de-DE" b="1" dirty="0" smtClean="0">
+                <a:solidFill>
+                  <a:schemeClr val="bg1"/>
+                </a:solidFill>
+                <a:latin typeface="TeXGyreAdventor" pitchFamily="50" charset="0"/>
+              </a:rPr>
+              <a:t>Änderungen Art</a:t>
+            </a:r>
+            <a:endParaRPr lang="de-DE" b="1" dirty="0">
+              <a:solidFill>
+                <a:schemeClr val="bg1"/>
+              </a:solidFill>
+              <a:latin typeface="TeXGyreAdventor" pitchFamily="50" charset="0"/>
+            </a:endParaRPr>
+          </a:p>
+        </p:txBody>
+      </p:sp>
+      <p:sp>
+        <p:nvSpPr>
+          <p:cNvPr id="3" name="Inhaltsplatzhalter 2"/>
+          <p:cNvSpPr>
+            <a:spLocks noGrp="1"/>
+          </p:cNvSpPr>
+          <p:nvPr>
+            <p:ph idx="1"/>
+          </p:nvPr>
+        </p:nvSpPr>
+        <p:spPr/>
+        <p:txBody>
+          <a:bodyPr>
+            <a:normAutofit/>
+          </a:bodyPr>
+          <a:lstStyle/>
+          <a:p>
+            <a:pPr marL="0" indent="0" algn="ctr">
+              <a:buNone/>
+            </a:pPr>
+            <a:r>
+              <a:rPr lang="de-DE" b="1" dirty="0" smtClean="0">
+                <a:solidFill>
+                  <a:schemeClr val="bg1"/>
+                </a:solidFill>
+                <a:latin typeface="TeXGyreAdventor" pitchFamily="50" charset="0"/>
+              </a:rPr>
               <a:t>Hammerjaeger</a:t>
             </a:r>
           </a:p>
@@ -8346,7 +12243,7 @@
 </p:sld>
 </file>
 
-<file path=ppt/slides/slide7.xml><?xml version="1.0" encoding="utf-8"?>
+<file path=ppt/slides/slide8.xml><?xml version="1.0" encoding="utf-8"?>
 <p:sld xmlns:a="http://schemas.openxmlformats.org/drawingml/2006/main" xmlns:r="http://schemas.openxmlformats.org/officeDocument/2006/relationships" xmlns:p="http://schemas.openxmlformats.org/presentationml/2006/main">
   <p:cSld>
     <p:spTree>
@@ -8457,6 +12354,14 @@
             </a:endParaRPr>
           </a:p>
           <a:p>
+            <a:endParaRPr lang="de-DE" dirty="0" smtClean="0">
+              <a:solidFill>
+                <a:schemeClr val="bg1"/>
+              </a:solidFill>
+              <a:latin typeface="TeXGyreAdventor" pitchFamily="50" charset="0"/>
+            </a:endParaRPr>
+          </a:p>
+          <a:p>
             <a:r>
               <a:rPr lang="de-DE" dirty="0" smtClean="0">
                 <a:solidFill>
@@ -8466,6 +12371,12 @@
               </a:rPr>
               <a:t>Fallanimation</a:t>
             </a:r>
+            <a:endParaRPr lang="de-DE" dirty="0" smtClean="0">
+              <a:solidFill>
+                <a:schemeClr val="bg1"/>
+              </a:solidFill>
+              <a:latin typeface="TeXGyreAdventor" pitchFamily="50" charset="0"/>
+            </a:endParaRPr>
           </a:p>
           <a:p>
             <a:endParaRPr lang="de-DE" dirty="0">
@@ -8811,7 +12722,7 @@
                                         <p:tgtEl>
                                           <p:spTgt spid="3">
                                             <p:txEl>
-                                              <p:pRg st="4" end="4"/>
+                                              <p:pRg st="5" end="5"/>
                                             </p:txEl>
                                           </p:spTgt>
                                         </p:tgtEl>
@@ -8829,7 +12740,7 @@
                                         <p:tgtEl>
                                           <p:spTgt spid="3">
                                             <p:txEl>
-                                              <p:pRg st="4" end="4"/>
+                                              <p:pRg st="5" end="5"/>
                                             </p:txEl>
                                           </p:spTgt>
                                         </p:tgtEl>
@@ -8904,7 +12815,7 @@
 </p:sld>
 </file>
 
-<file path=ppt/slides/slide8.xml><?xml version="1.0" encoding="utf-8"?>
+<file path=ppt/slides/slide9.xml><?xml version="1.0" encoding="utf-8"?>
 <p:sld xmlns:a="http://schemas.openxmlformats.org/drawingml/2006/main" xmlns:r="http://schemas.openxmlformats.org/officeDocument/2006/relationships" xmlns:p="http://schemas.openxmlformats.org/presentationml/2006/main">
   <p:cSld>
     <p:spTree>
@@ -9005,12 +12916,6 @@
               </a:rPr>
               <a:t>Aussehen/Animation</a:t>
             </a:r>
-            <a:endParaRPr lang="de-DE" dirty="0" smtClean="0">
-              <a:solidFill>
-                <a:schemeClr val="bg1"/>
-              </a:solidFill>
-              <a:latin typeface="TeXGyreAdventor" pitchFamily="50" charset="0"/>
-            </a:endParaRPr>
           </a:p>
           <a:p>
             <a:endParaRPr lang="de-DE" dirty="0">
@@ -9451,657 +13356,6 @@
                                         <p:cTn id="27" dur="500"/>
                                         <p:tgtEl>
                                           <p:spTgt spid="2052"/>
-                                        </p:tgtEl>
-                                      </p:cBhvr>
-                                    </p:animEffect>
-                                  </p:childTnLst>
-                                </p:cTn>
-                              </p:par>
-                            </p:childTnLst>
-                          </p:cTn>
-                        </p:par>
-                      </p:childTnLst>
-                    </p:cTn>
-                  </p:par>
-                </p:childTnLst>
-              </p:cTn>
-              <p:prevCondLst>
-                <p:cond evt="onPrev" delay="0">
-                  <p:tgtEl>
-                    <p:sldTgt/>
-                  </p:tgtEl>
-                </p:cond>
-              </p:prevCondLst>
-              <p:nextCondLst>
-                <p:cond evt="onNext" delay="0">
-                  <p:tgtEl>
-                    <p:sldTgt/>
-                  </p:tgtEl>
-                </p:cond>
-              </p:nextCondLst>
-            </p:seq>
-          </p:childTnLst>
-        </p:cTn>
-      </p:par>
-    </p:tnLst>
-    <p:bldLst>
-      <p:bldP spid="3" grpId="0" build="p"/>
-    </p:bldLst>
-  </p:timing>
-</p:sld>
-</file>
-
-<file path=ppt/slides/slide9.xml><?xml version="1.0" encoding="utf-8"?>
-<p:sld xmlns:a="http://schemas.openxmlformats.org/drawingml/2006/main" xmlns:r="http://schemas.openxmlformats.org/officeDocument/2006/relationships" xmlns:p="http://schemas.openxmlformats.org/presentationml/2006/main">
-  <p:cSld>
-    <p:spTree>
-      <p:nvGrpSpPr>
-        <p:cNvPr id="1" name=""/>
-        <p:cNvGrpSpPr/>
-        <p:nvPr/>
-      </p:nvGrpSpPr>
-      <p:grpSpPr>
-        <a:xfrm>
-          <a:off x="0" y="0"/>
-          <a:ext cx="0" cy="0"/>
-          <a:chOff x="0" y="0"/>
-          <a:chExt cx="0" cy="0"/>
-        </a:xfrm>
-      </p:grpSpPr>
-      <p:sp>
-        <p:nvSpPr>
-          <p:cNvPr id="2" name="Titel 1"/>
-          <p:cNvSpPr>
-            <a:spLocks noGrp="1"/>
-          </p:cNvSpPr>
-          <p:nvPr>
-            <p:ph type="title"/>
-          </p:nvPr>
-        </p:nvSpPr>
-        <p:spPr/>
-        <p:txBody>
-          <a:bodyPr/>
-          <a:lstStyle/>
-          <a:p>
-            <a:r>
-              <a:rPr lang="de-DE" b="1" dirty="0" smtClean="0">
-                <a:solidFill>
-                  <a:schemeClr val="bg1"/>
-                </a:solidFill>
-                <a:latin typeface="TeXGyreAdventor" pitchFamily="50" charset="0"/>
-              </a:rPr>
-              <a:t>Änderungen Art</a:t>
-            </a:r>
-            <a:endParaRPr lang="de-DE" b="1" dirty="0">
-              <a:solidFill>
-                <a:schemeClr val="bg1"/>
-              </a:solidFill>
-              <a:latin typeface="TeXGyreAdventor" pitchFamily="50" charset="0"/>
-            </a:endParaRPr>
-          </a:p>
-        </p:txBody>
-      </p:sp>
-      <p:sp>
-        <p:nvSpPr>
-          <p:cNvPr id="3" name="Inhaltsplatzhalter 2"/>
-          <p:cNvSpPr>
-            <a:spLocks noGrp="1"/>
-          </p:cNvSpPr>
-          <p:nvPr>
-            <p:ph idx="1"/>
-          </p:nvPr>
-        </p:nvSpPr>
-        <p:spPr/>
-        <p:txBody>
-          <a:bodyPr>
-            <a:normAutofit/>
-          </a:bodyPr>
-          <a:lstStyle/>
-          <a:p>
-            <a:pPr marL="0" indent="0" algn="ctr">
-              <a:buNone/>
-            </a:pPr>
-            <a:r>
-              <a:rPr lang="de-DE" b="1" dirty="0" smtClean="0">
-                <a:solidFill>
-                  <a:schemeClr val="bg1"/>
-                </a:solidFill>
-                <a:latin typeface="TeXGyreAdventor" pitchFamily="50" charset="0"/>
-              </a:rPr>
-              <a:t>Gegner</a:t>
-            </a:r>
-            <a:endParaRPr lang="de-DE" dirty="0">
-              <a:solidFill>
-                <a:schemeClr val="bg1"/>
-              </a:solidFill>
-              <a:latin typeface="TeXGyreAdventor" pitchFamily="50" charset="0"/>
-            </a:endParaRPr>
-          </a:p>
-          <a:p>
-            <a:r>
-              <a:rPr lang="de-DE" dirty="0" smtClean="0">
-                <a:solidFill>
-                  <a:schemeClr val="bg1"/>
-                </a:solidFill>
-                <a:latin typeface="TeXGyreAdventor" pitchFamily="50" charset="0"/>
-              </a:rPr>
-              <a:t>Todesanimation</a:t>
-            </a:r>
-          </a:p>
-          <a:p>
-            <a:endParaRPr lang="de-DE" dirty="0">
-              <a:solidFill>
-                <a:schemeClr val="bg1"/>
-              </a:solidFill>
-              <a:latin typeface="TeXGyreAdventor" pitchFamily="50" charset="0"/>
-            </a:endParaRPr>
-          </a:p>
-        </p:txBody>
-      </p:sp>
-      <p:pic>
-        <p:nvPicPr>
-          <p:cNvPr id="3085" name="Picture 13" descr="C:\Users\jaromir.paarmann\Documents\HammerMan\Art\BilderPPPgate02\EnemyNormalDeathAnimationBlue.gif"/>
-          <p:cNvPicPr>
-            <a:picLocks noChangeAspect="1" noChangeArrowheads="1" noCrop="1"/>
-          </p:cNvPicPr>
-          <p:nvPr/>
-        </p:nvPicPr>
-        <p:blipFill>
-          <a:blip r:embed="rId2" cstate="print">
-            <a:extLst>
-              <a:ext uri="{28A0092B-C50C-407E-A947-70E740481C1C}">
-                <a14:useLocalDpi xmlns:a14="http://schemas.microsoft.com/office/drawing/2010/main" val="0"/>
-              </a:ext>
-            </a:extLst>
-          </a:blip>
-          <a:srcRect/>
-          <a:stretch>
-            <a:fillRect/>
-          </a:stretch>
-        </p:blipFill>
-        <p:spPr bwMode="auto">
-          <a:xfrm>
-            <a:off x="515496" y="3501008"/>
-            <a:ext cx="3840480" cy="1280160"/>
-          </a:xfrm>
-          <a:prstGeom prst="rect">
-            <a:avLst/>
-          </a:prstGeom>
-          <a:noFill/>
-          <a:extLst>
-            <a:ext uri="{909E8E84-426E-40DD-AFC4-6F175D3DCCD1}">
-              <a14:hiddenFill xmlns:a14="http://schemas.microsoft.com/office/drawing/2010/main">
-                <a:solidFill>
-                  <a:srgbClr val="FFFFFF"/>
-                </a:solidFill>
-              </a14:hiddenFill>
-            </a:ext>
-          </a:extLst>
-        </p:spPr>
-      </p:pic>
-      <p:pic>
-        <p:nvPicPr>
-          <p:cNvPr id="3086" name="Picture 14" descr="C:\Users\jaromir.paarmann\Documents\HammerMan\Art\BilderPPPgate02\EnemyRepairDeathAnimationBlue.gif"/>
-          <p:cNvPicPr>
-            <a:picLocks noChangeAspect="1" noChangeArrowheads="1" noCrop="1"/>
-          </p:cNvPicPr>
-          <p:nvPr/>
-        </p:nvPicPr>
-        <p:blipFill>
-          <a:blip r:embed="rId3" cstate="print">
-            <a:extLst>
-              <a:ext uri="{28A0092B-C50C-407E-A947-70E740481C1C}">
-                <a14:useLocalDpi xmlns:a14="http://schemas.microsoft.com/office/drawing/2010/main" val="0"/>
-              </a:ext>
-            </a:extLst>
-          </a:blip>
-          <a:srcRect/>
-          <a:stretch>
-            <a:fillRect/>
-          </a:stretch>
-        </p:blipFill>
-        <p:spPr bwMode="auto">
-          <a:xfrm>
-            <a:off x="4131482" y="3501008"/>
-            <a:ext cx="3840480" cy="1280160"/>
-          </a:xfrm>
-          <a:prstGeom prst="rect">
-            <a:avLst/>
-          </a:prstGeom>
-          <a:noFill/>
-          <a:extLst>
-            <a:ext uri="{909E8E84-426E-40DD-AFC4-6F175D3DCCD1}">
-              <a14:hiddenFill xmlns:a14="http://schemas.microsoft.com/office/drawing/2010/main">
-                <a:solidFill>
-                  <a:srgbClr val="FFFFFF"/>
-                </a:solidFill>
-              </a14:hiddenFill>
-            </a:ext>
-          </a:extLst>
-        </p:spPr>
-      </p:pic>
-      <p:pic>
-        <p:nvPicPr>
-          <p:cNvPr id="3087" name="Picture 15" descr="C:\Users\jaromir.paarmann\Documents\HammerMan\Art\BilderPPPgate02\EnemyShockwaveDeathAnimation.gif"/>
-          <p:cNvPicPr>
-            <a:picLocks noChangeAspect="1" noChangeArrowheads="1" noCrop="1"/>
-          </p:cNvPicPr>
-          <p:nvPr/>
-        </p:nvPicPr>
-        <p:blipFill>
-          <a:blip r:embed="rId4" cstate="print">
-            <a:extLst>
-              <a:ext uri="{28A0092B-C50C-407E-A947-70E740481C1C}">
-                <a14:useLocalDpi xmlns:a14="http://schemas.microsoft.com/office/drawing/2010/main" val="0"/>
-              </a:ext>
-            </a:extLst>
-          </a:blip>
-          <a:srcRect/>
-          <a:stretch>
-            <a:fillRect/>
-          </a:stretch>
-        </p:blipFill>
-        <p:spPr bwMode="auto">
-          <a:xfrm>
-            <a:off x="0" y="4941168"/>
-            <a:ext cx="5120640" cy="1280160"/>
-          </a:xfrm>
-          <a:prstGeom prst="rect">
-            <a:avLst/>
-          </a:prstGeom>
-          <a:noFill/>
-          <a:extLst>
-            <a:ext uri="{909E8E84-426E-40DD-AFC4-6F175D3DCCD1}">
-              <a14:hiddenFill xmlns:a14="http://schemas.microsoft.com/office/drawing/2010/main">
-                <a:solidFill>
-                  <a:srgbClr val="FFFFFF"/>
-                </a:solidFill>
-              </a14:hiddenFill>
-            </a:ext>
-          </a:extLst>
-        </p:spPr>
-      </p:pic>
-      <p:pic>
-        <p:nvPicPr>
-          <p:cNvPr id="3088" name="Picture 16" descr="C:\Users\jaromir.paarmann\Documents\HammerMan\Art\BilderPPPgate02\EnemySpawnTwoDeathAnimationBlue.gif"/>
-          <p:cNvPicPr>
-            <a:picLocks noChangeAspect="1" noChangeArrowheads="1" noCrop="1"/>
-          </p:cNvPicPr>
-          <p:nvPr/>
-        </p:nvPicPr>
-        <p:blipFill>
-          <a:blip r:embed="rId5" cstate="print">
-            <a:extLst>
-              <a:ext uri="{28A0092B-C50C-407E-A947-70E740481C1C}">
-                <a14:useLocalDpi xmlns:a14="http://schemas.microsoft.com/office/drawing/2010/main" val="0"/>
-              </a:ext>
-            </a:extLst>
-          </a:blip>
-          <a:srcRect/>
-          <a:stretch>
-            <a:fillRect/>
-          </a:stretch>
-        </p:blipFill>
-        <p:spPr bwMode="auto">
-          <a:xfrm>
-            <a:off x="4139952" y="4941168"/>
-            <a:ext cx="3840480" cy="1280160"/>
-          </a:xfrm>
-          <a:prstGeom prst="rect">
-            <a:avLst/>
-          </a:prstGeom>
-          <a:noFill/>
-          <a:extLst>
-            <a:ext uri="{909E8E84-426E-40DD-AFC4-6F175D3DCCD1}">
-              <a14:hiddenFill xmlns:a14="http://schemas.microsoft.com/office/drawing/2010/main">
-                <a:solidFill>
-                  <a:srgbClr val="FFFFFF"/>
-                </a:solidFill>
-              </a14:hiddenFill>
-            </a:ext>
-          </a:extLst>
-        </p:spPr>
-      </p:pic>
-    </p:spTree>
-    <p:extLst>
-      <p:ext uri="{BB962C8B-B14F-4D97-AF65-F5344CB8AC3E}">
-        <p14:creationId xmlns:p14="http://schemas.microsoft.com/office/powerpoint/2010/main" val="3831317966"/>
-      </p:ext>
-    </p:extLst>
-  </p:cSld>
-  <p:clrMapOvr>
-    <a:masterClrMapping/>
-  </p:clrMapOvr>
-  <p:timing>
-    <p:tnLst>
-      <p:par>
-        <p:cTn id="1" dur="indefinite" restart="never" nodeType="tmRoot">
-          <p:childTnLst>
-            <p:seq concurrent="1" nextAc="seek">
-              <p:cTn id="2" dur="indefinite" nodeType="mainSeq">
-                <p:childTnLst>
-                  <p:par>
-                    <p:cTn id="3" fill="hold">
-                      <p:stCondLst>
-                        <p:cond delay="indefinite"/>
-                      </p:stCondLst>
-                      <p:childTnLst>
-                        <p:par>
-                          <p:cTn id="4" fill="hold">
-                            <p:stCondLst>
-                              <p:cond delay="0"/>
-                            </p:stCondLst>
-                            <p:childTnLst>
-                              <p:par>
-                                <p:cTn id="5" presetID="10" presetClass="entr" presetSubtype="0" fill="hold" grpId="0" nodeType="clickEffect">
-                                  <p:stCondLst>
-                                    <p:cond delay="0"/>
-                                  </p:stCondLst>
-                                  <p:childTnLst>
-                                    <p:set>
-                                      <p:cBhvr>
-                                        <p:cTn id="6" dur="1" fill="hold">
-                                          <p:stCondLst>
-                                            <p:cond delay="0"/>
-                                          </p:stCondLst>
-                                        </p:cTn>
-                                        <p:tgtEl>
-                                          <p:spTgt spid="3">
-                                            <p:txEl>
-                                              <p:pRg st="0" end="0"/>
-                                            </p:txEl>
-                                          </p:spTgt>
-                                        </p:tgtEl>
-                                        <p:attrNameLst>
-                                          <p:attrName>style.visibility</p:attrName>
-                                        </p:attrNameLst>
-                                      </p:cBhvr>
-                                      <p:to>
-                                        <p:strVal val="visible"/>
-                                      </p:to>
-                                    </p:set>
-                                    <p:animEffect transition="in" filter="fade">
-                                      <p:cBhvr>
-                                        <p:cTn id="7" dur="500"/>
-                                        <p:tgtEl>
-                                          <p:spTgt spid="3">
-                                            <p:txEl>
-                                              <p:pRg st="0" end="0"/>
-                                            </p:txEl>
-                                          </p:spTgt>
-                                        </p:tgtEl>
-                                      </p:cBhvr>
-                                    </p:animEffect>
-                                  </p:childTnLst>
-                                </p:cTn>
-                              </p:par>
-                            </p:childTnLst>
-                          </p:cTn>
-                        </p:par>
-                      </p:childTnLst>
-                    </p:cTn>
-                  </p:par>
-                  <p:par>
-                    <p:cTn id="8" fill="hold">
-                      <p:stCondLst>
-                        <p:cond delay="indefinite"/>
-                      </p:stCondLst>
-                      <p:childTnLst>
-                        <p:par>
-                          <p:cTn id="9" fill="hold">
-                            <p:stCondLst>
-                              <p:cond delay="0"/>
-                            </p:stCondLst>
-                            <p:childTnLst>
-                              <p:par>
-                                <p:cTn id="10" presetID="10" presetClass="entr" presetSubtype="0" fill="hold" grpId="0" nodeType="clickEffect">
-                                  <p:stCondLst>
-                                    <p:cond delay="0"/>
-                                  </p:stCondLst>
-                                  <p:childTnLst>
-                                    <p:set>
-                                      <p:cBhvr>
-                                        <p:cTn id="11" dur="1" fill="hold">
-                                          <p:stCondLst>
-                                            <p:cond delay="0"/>
-                                          </p:stCondLst>
-                                        </p:cTn>
-                                        <p:tgtEl>
-                                          <p:spTgt spid="3">
-                                            <p:txEl>
-                                              <p:pRg st="1" end="1"/>
-                                            </p:txEl>
-                                          </p:spTgt>
-                                        </p:tgtEl>
-                                        <p:attrNameLst>
-                                          <p:attrName>style.visibility</p:attrName>
-                                        </p:attrNameLst>
-                                      </p:cBhvr>
-                                      <p:to>
-                                        <p:strVal val="visible"/>
-                                      </p:to>
-                                    </p:set>
-                                    <p:animEffect transition="in" filter="fade">
-                                      <p:cBhvr>
-                                        <p:cTn id="12" dur="500"/>
-                                        <p:tgtEl>
-                                          <p:spTgt spid="3">
-                                            <p:txEl>
-                                              <p:pRg st="1" end="1"/>
-                                            </p:txEl>
-                                          </p:spTgt>
-                                        </p:tgtEl>
-                                      </p:cBhvr>
-                                    </p:animEffect>
-                                  </p:childTnLst>
-                                </p:cTn>
-                              </p:par>
-                            </p:childTnLst>
-                          </p:cTn>
-                        </p:par>
-                      </p:childTnLst>
-                    </p:cTn>
-                  </p:par>
-                  <p:par>
-                    <p:cTn id="13" fill="hold">
-                      <p:stCondLst>
-                        <p:cond delay="indefinite"/>
-                      </p:stCondLst>
-                      <p:childTnLst>
-                        <p:par>
-                          <p:cTn id="14" fill="hold">
-                            <p:stCondLst>
-                              <p:cond delay="0"/>
-                            </p:stCondLst>
-                            <p:childTnLst>
-                              <p:par>
-                                <p:cTn id="15" presetID="10" presetClass="entr" presetSubtype="0" fill="hold" nodeType="clickEffect">
-                                  <p:stCondLst>
-                                    <p:cond delay="0"/>
-                                  </p:stCondLst>
-                                  <p:childTnLst>
-                                    <p:set>
-                                      <p:cBhvr>
-                                        <p:cTn id="16" dur="1" fill="hold">
-                                          <p:stCondLst>
-                                            <p:cond delay="0"/>
-                                          </p:stCondLst>
-                                        </p:cTn>
-                                        <p:tgtEl>
-                                          <p:spTgt spid="3085"/>
-                                        </p:tgtEl>
-                                        <p:attrNameLst>
-                                          <p:attrName>style.visibility</p:attrName>
-                                        </p:attrNameLst>
-                                      </p:cBhvr>
-                                      <p:to>
-                                        <p:strVal val="visible"/>
-                                      </p:to>
-                                    </p:set>
-                                    <p:animEffect transition="in" filter="fade">
-                                      <p:cBhvr>
-                                        <p:cTn id="17" dur="500"/>
-                                        <p:tgtEl>
-                                          <p:spTgt spid="3085"/>
-                                        </p:tgtEl>
-                                      </p:cBhvr>
-                                    </p:animEffect>
-                                  </p:childTnLst>
-                                </p:cTn>
-                              </p:par>
-                            </p:childTnLst>
-                          </p:cTn>
-                        </p:par>
-                      </p:childTnLst>
-                    </p:cTn>
-                  </p:par>
-                  <p:par>
-                    <p:cTn id="18" fill="hold">
-                      <p:stCondLst>
-                        <p:cond delay="indefinite"/>
-                      </p:stCondLst>
-                      <p:childTnLst>
-                        <p:par>
-                          <p:cTn id="19" fill="hold">
-                            <p:stCondLst>
-                              <p:cond delay="0"/>
-                            </p:stCondLst>
-                            <p:childTnLst>
-                              <p:par>
-                                <p:cTn id="20" presetID="10" presetClass="entr" presetSubtype="0" fill="hold" nodeType="clickEffect">
-                                  <p:stCondLst>
-                                    <p:cond delay="0"/>
-                                  </p:stCondLst>
-                                  <p:childTnLst>
-                                    <p:set>
-                                      <p:cBhvr>
-                                        <p:cTn id="21" dur="1" fill="hold">
-                                          <p:stCondLst>
-                                            <p:cond delay="0"/>
-                                          </p:stCondLst>
-                                        </p:cTn>
-                                        <p:tgtEl>
-                                          <p:spTgt spid="3086"/>
-                                        </p:tgtEl>
-                                        <p:attrNameLst>
-                                          <p:attrName>style.visibility</p:attrName>
-                                        </p:attrNameLst>
-                                      </p:cBhvr>
-                                      <p:to>
-                                        <p:strVal val="visible"/>
-                                      </p:to>
-                                    </p:set>
-                                    <p:animEffect transition="in" filter="fade">
-                                      <p:cBhvr>
-                                        <p:cTn id="22" dur="500"/>
-                                        <p:tgtEl>
-                                          <p:spTgt spid="3086"/>
-                                        </p:tgtEl>
-                                      </p:cBhvr>
-                                    </p:animEffect>
-                                  </p:childTnLst>
-                                </p:cTn>
-                              </p:par>
-                            </p:childTnLst>
-                          </p:cTn>
-                        </p:par>
-                      </p:childTnLst>
-                    </p:cTn>
-                  </p:par>
-                  <p:par>
-                    <p:cTn id="23" fill="hold">
-                      <p:stCondLst>
-                        <p:cond delay="indefinite"/>
-                      </p:stCondLst>
-                      <p:childTnLst>
-                        <p:par>
-                          <p:cTn id="24" fill="hold">
-                            <p:stCondLst>
-                              <p:cond delay="0"/>
-                            </p:stCondLst>
-                            <p:childTnLst>
-                              <p:par>
-                                <p:cTn id="25" presetID="10" presetClass="entr" presetSubtype="0" fill="hold" nodeType="clickEffect">
-                                  <p:stCondLst>
-                                    <p:cond delay="0"/>
-                                  </p:stCondLst>
-                                  <p:childTnLst>
-                                    <p:set>
-                                      <p:cBhvr>
-                                        <p:cTn id="26" dur="1" fill="hold">
-                                          <p:stCondLst>
-                                            <p:cond delay="0"/>
-                                          </p:stCondLst>
-                                        </p:cTn>
-                                        <p:tgtEl>
-                                          <p:spTgt spid="3087"/>
-                                        </p:tgtEl>
-                                        <p:attrNameLst>
-                                          <p:attrName>style.visibility</p:attrName>
-                                        </p:attrNameLst>
-                                      </p:cBhvr>
-                                      <p:to>
-                                        <p:strVal val="visible"/>
-                                      </p:to>
-                                    </p:set>
-                                    <p:animEffect transition="in" filter="fade">
-                                      <p:cBhvr>
-                                        <p:cTn id="27" dur="500"/>
-                                        <p:tgtEl>
-                                          <p:spTgt spid="3087"/>
-                                        </p:tgtEl>
-                                      </p:cBhvr>
-                                    </p:animEffect>
-                                  </p:childTnLst>
-                                </p:cTn>
-                              </p:par>
-                            </p:childTnLst>
-                          </p:cTn>
-                        </p:par>
-                      </p:childTnLst>
-                    </p:cTn>
-                  </p:par>
-                  <p:par>
-                    <p:cTn id="28" fill="hold">
-                      <p:stCondLst>
-                        <p:cond delay="indefinite"/>
-                      </p:stCondLst>
-                      <p:childTnLst>
-                        <p:par>
-                          <p:cTn id="29" fill="hold">
-                            <p:stCondLst>
-                              <p:cond delay="0"/>
-                            </p:stCondLst>
-                            <p:childTnLst>
-                              <p:par>
-                                <p:cTn id="30" presetID="10" presetClass="entr" presetSubtype="0" fill="hold" nodeType="clickEffect">
-                                  <p:stCondLst>
-                                    <p:cond delay="0"/>
-                                  </p:stCondLst>
-                                  <p:childTnLst>
-                                    <p:set>
-                                      <p:cBhvr>
-                                        <p:cTn id="31" dur="1" fill="hold">
-                                          <p:stCondLst>
-                                            <p:cond delay="0"/>
-                                          </p:stCondLst>
-                                        </p:cTn>
-                                        <p:tgtEl>
-                                          <p:spTgt spid="3088"/>
-                                        </p:tgtEl>
-                                        <p:attrNameLst>
-                                          <p:attrName>style.visibility</p:attrName>
-                                        </p:attrNameLst>
-                                      </p:cBhvr>
-                                      <p:to>
-                                        <p:strVal val="visible"/>
-                                      </p:to>
-                                    </p:set>
-                                    <p:animEffect transition="in" filter="fade">
-                                      <p:cBhvr>
-                                        <p:cTn id="32" dur="500"/>
-                                        <p:tgtEl>
-                                          <p:spTgt spid="3088"/>
                                         </p:tgtEl>
                                       </p:cBhvr>
                                     </p:animEffect>
